--- a/Presentation Slides/Second Midterm (11-01-2022)/Midterm 11-01-2022.pptx
+++ b/Presentation Slides/Second Midterm (11-01-2022)/Midterm 11-01-2022.pptx
@@ -7,7 +7,7 @@
     <p:sldMasterId id="2147483674" r:id="rId3"/>
   </p:sldMasterIdLst>
   <p:notesMasterIdLst>
-    <p:notesMasterId r:id="rId28"/>
+    <p:notesMasterId r:id="rId31"/>
   </p:notesMasterIdLst>
   <p:sldIdLst>
     <p:sldId id="256" r:id="rId4"/>
@@ -30,10 +30,13 @@
     <p:sldId id="273" r:id="rId21"/>
     <p:sldId id="280" r:id="rId22"/>
     <p:sldId id="274" r:id="rId23"/>
-    <p:sldId id="276" r:id="rId24"/>
-    <p:sldId id="275" r:id="rId25"/>
-    <p:sldId id="277" r:id="rId26"/>
-    <p:sldId id="278" r:id="rId27"/>
+    <p:sldId id="283" r:id="rId24"/>
+    <p:sldId id="276" r:id="rId25"/>
+    <p:sldId id="275" r:id="rId26"/>
+    <p:sldId id="282" r:id="rId27"/>
+    <p:sldId id="285" r:id="rId28"/>
+    <p:sldId id="277" r:id="rId29"/>
+    <p:sldId id="278" r:id="rId30"/>
   </p:sldIdLst>
   <p:sldSz cx="9144000" cy="6858000" type="screen4x3"/>
   <p:notesSz cx="7559675" cy="10691813"/>
@@ -132,6 +135,11 @@
       </a:defRPr>
     </a:lvl9pPr>
   </p:defaultTextStyle>
+  <p:extLst>
+    <p:ext uri="{EFAFB233-063F-42B5-8137-9DF3F51BA10A}">
+      <p15:sldGuideLst xmlns:p15="http://schemas.microsoft.com/office/powerpoint/2012/main"/>
+    </p:ext>
+  </p:extLst>
 </p:presentation>
 </file>
 
@@ -2540,7 +2548,7 @@
               <a:rPr lang="de-AT" sz="2000" b="0" strike="noStrike" spc="-1" dirty="0" err="1">
                 <a:latin typeface="Arial"/>
               </a:rPr>
-              <a:t>automaticly</a:t>
+              <a:t>automatically</a:t>
             </a:r>
             <a:r>
               <a:rPr lang="de-AT" sz="2000" b="0" strike="noStrike" spc="-1" dirty="0">
@@ -3020,7 +3028,7 @@
       </p:grpSpPr>
       <p:sp>
         <p:nvSpPr>
-          <p:cNvPr id="289" name="PlaceHolder 1"/>
+          <p:cNvPr id="2" name="Folienbildplatzhalter 1"/>
           <p:cNvSpPr>
             <a:spLocks noGrp="1" noRot="1" noChangeAspect="1"/>
           </p:cNvSpPr>
@@ -3030,197 +3038,397 @@
         </p:nvSpPr>
         <p:spPr>
           <a:xfrm>
-            <a:off x="1106488" y="812800"/>
-            <a:ext cx="5345112" cy="4008438"/>
-          </a:xfrm>
-          <a:prstGeom prst="rect">
-            <a:avLst/>
-          </a:prstGeom>
-        </p:spPr>
-      </p:sp>
-      <p:sp>
-        <p:nvSpPr>
-          <p:cNvPr id="290" name="PlaceHolder 2"/>
+            <a:off x="1108075" y="812800"/>
+            <a:ext cx="5343525" cy="4008438"/>
+          </a:xfrm>
+        </p:spPr>
+      </p:sp>
+      <p:sp>
+        <p:nvSpPr>
+          <p:cNvPr id="3" name="Notizenplatzhalter 2"/>
           <p:cNvSpPr>
             <a:spLocks noGrp="1"/>
           </p:cNvSpPr>
           <p:nvPr>
-            <p:ph type="body"/>
+            <p:ph type="body" idx="1"/>
           </p:nvPr>
         </p:nvSpPr>
-        <p:spPr>
-          <a:xfrm>
-            <a:off x="756000" y="5078520"/>
-            <a:ext cx="6047280" cy="4810680"/>
-          </a:xfrm>
-          <a:prstGeom prst="rect">
-            <a:avLst/>
-          </a:prstGeom>
-        </p:spPr>
+        <p:spPr/>
         <p:txBody>
-          <a:bodyPr lIns="0" tIns="0" rIns="0" bIns="0">
-            <a:noAutofit/>
-          </a:bodyPr>
+          <a:bodyPr/>
           <a:lstStyle/>
           <a:p>
-            <a:pPr marL="216000" indent="-216000">
-              <a:lnSpc>
-                <a:spcPct val="100000"/>
-              </a:lnSpc>
-            </a:pPr>
-            <a:r>
-              <a:rPr lang="en-US" sz="2000" b="0" strike="noStrike" spc="-1">
-                <a:latin typeface="Arial"/>
-              </a:rPr>
-              <a:t>If both x[0] and x[1] are 0 then the solution is 0, so the edge goes directly to the 0. </a:t>
-            </a:r>
-            <a:endParaRPr lang="de-AT" sz="2000" b="0" strike="noStrike" spc="-1">
-              <a:latin typeface="Arial"/>
-            </a:endParaRPr>
-          </a:p>
-          <a:p>
-            <a:pPr marL="216000" indent="-216000">
-              <a:lnSpc>
-                <a:spcPct val="100000"/>
-              </a:lnSpc>
-            </a:pPr>
-            <a:endParaRPr lang="de-AT" sz="2000" b="0" strike="noStrike" spc="-1">
-              <a:latin typeface="Arial"/>
-            </a:endParaRPr>
-          </a:p>
-          <a:p>
-            <a:pPr marL="216000" indent="-216000">
-              <a:lnSpc>
-                <a:spcPct val="100000"/>
-              </a:lnSpc>
-            </a:pPr>
-            <a:r>
-              <a:rPr lang="en-US" sz="2000" b="0" strike="noStrike" spc="-1">
-                <a:latin typeface="Arial"/>
-              </a:rPr>
-              <a:t>The other path to reach the 0 is with 0, 1, 0.</a:t>
-            </a:r>
-            <a:endParaRPr lang="de-AT" sz="2000" b="0" strike="noStrike" spc="-1">
-              <a:latin typeface="Arial"/>
-            </a:endParaRPr>
-          </a:p>
-          <a:p>
-            <a:pPr marL="216000" indent="-216000">
-              <a:lnSpc>
-                <a:spcPct val="100000"/>
-              </a:lnSpc>
-            </a:pPr>
-            <a:endParaRPr lang="de-AT" sz="2000" b="0" strike="noStrike" spc="-1">
-              <a:latin typeface="Arial"/>
-            </a:endParaRPr>
-          </a:p>
-          <a:p>
-            <a:pPr marL="216000" indent="-216000">
-              <a:lnSpc>
-                <a:spcPct val="100000"/>
-              </a:lnSpc>
-            </a:pPr>
-            <a:endParaRPr lang="de-AT" sz="2000" b="0" strike="noStrike" spc="-1">
-              <a:latin typeface="Arial"/>
-            </a:endParaRPr>
-          </a:p>
-          <a:p>
-            <a:pPr marL="216000" indent="-216000">
-              <a:lnSpc>
-                <a:spcPct val="100000"/>
-              </a:lnSpc>
-            </a:pPr>
-            <a:endParaRPr lang="de-AT" sz="2000" b="0" strike="noStrike" spc="-1">
-              <a:latin typeface="Arial"/>
-            </a:endParaRPr>
-          </a:p>
-          <a:p>
-            <a:pPr marL="216000" indent="-216000">
-              <a:lnSpc>
-                <a:spcPct val="100000"/>
-              </a:lnSpc>
-            </a:pPr>
-            <a:r>
-              <a:rPr lang="en-US" sz="2000" b="0" strike="noStrike" spc="-1">
-                <a:latin typeface="Arial"/>
-              </a:rPr>
-              <a:t>This reduction of possible paths lead to a much smaller representation then a truth table. </a:t>
-            </a:r>
-            <a:endParaRPr lang="de-AT" sz="2000" b="0" strike="noStrike" spc="-1">
-              <a:latin typeface="Arial"/>
-            </a:endParaRPr>
-          </a:p>
-          <a:p>
-            <a:pPr marL="216000" indent="-216000">
-              <a:lnSpc>
-                <a:spcPct val="100000"/>
-              </a:lnSpc>
-            </a:pPr>
-            <a:endParaRPr lang="de-AT" sz="2000" b="0" strike="noStrike" spc="-1">
-              <a:latin typeface="Arial"/>
-            </a:endParaRPr>
-          </a:p>
-          <a:p>
-            <a:pPr marL="216000" indent="-216000">
-              <a:lnSpc>
-                <a:spcPct val="100000"/>
-              </a:lnSpc>
-            </a:pPr>
-            <a:r>
-              <a:rPr lang="en-US" sz="2000" b="0" strike="noStrike" spc="-1">
-                <a:latin typeface="Arial"/>
-              </a:rPr>
-              <a:t>It is possible to compute and analyze BDD automatically. This includes checking for satisfiability, tautologies, and value inserting.</a:t>
-            </a:r>
-            <a:endParaRPr lang="de-AT" sz="2000" b="0" strike="noStrike" spc="-1">
-              <a:latin typeface="Arial"/>
-            </a:endParaRPr>
-          </a:p>
-          <a:p>
-            <a:pPr marL="216000" indent="-216000">
-              <a:lnSpc>
-                <a:spcPct val="100000"/>
-              </a:lnSpc>
-            </a:pPr>
-            <a:r>
-              <a:rPr lang="en-US" sz="2000" b="0" strike="noStrike" spc="-1">
-                <a:latin typeface="Arial"/>
-              </a:rPr>
-              <a:t>The complexity only grows either linear or quadratic with the number of inputs for these operations. (Exact numbers in “An Introduction to BDDs” by Henrik Reif Andersen).</a:t>
-            </a:r>
-            <a:endParaRPr lang="de-AT" sz="2000" b="0" strike="noStrike" spc="-1">
-              <a:latin typeface="Arial"/>
-            </a:endParaRPr>
-          </a:p>
-          <a:p>
-            <a:pPr marL="216000" indent="-216000">
-              <a:lnSpc>
-                <a:spcPct val="100000"/>
-              </a:lnSpc>
-            </a:pPr>
-            <a:endParaRPr lang="de-AT" sz="2000" b="0" strike="noStrike" spc="-1">
-              <a:latin typeface="Arial"/>
-            </a:endParaRPr>
-          </a:p>
-          <a:p>
-            <a:pPr marL="216000" indent="-216000">
-              <a:lnSpc>
-                <a:spcPct val="100000"/>
-              </a:lnSpc>
-            </a:pPr>
-            <a:r>
-              <a:rPr lang="en-US" sz="2000" b="0" strike="noStrike" spc="-1">
-                <a:latin typeface="Arial"/>
-              </a:rPr>
-              <a:t>With this technique, the analyzes can be done in an efficient way.</a:t>
-            </a:r>
-            <a:endParaRPr lang="de-AT" sz="2000" b="0" strike="noStrike" spc="-1">
-              <a:latin typeface="Arial"/>
-            </a:endParaRPr>
+            <a:r>
+              <a:rPr lang="de-AT" dirty="0" err="1"/>
+              <a:t>To</a:t>
+            </a:r>
+            <a:r>
+              <a:rPr lang="de-AT" dirty="0"/>
+              <a:t> </a:t>
+            </a:r>
+            <a:r>
+              <a:rPr lang="de-AT" dirty="0" err="1"/>
+              <a:t>have</a:t>
+            </a:r>
+            <a:r>
+              <a:rPr lang="de-AT" dirty="0"/>
+              <a:t> a </a:t>
+            </a:r>
+            <a:r>
+              <a:rPr lang="de-AT" dirty="0" err="1"/>
+              <a:t>rough</a:t>
+            </a:r>
+            <a:r>
+              <a:rPr lang="de-AT" dirty="0"/>
+              <a:t> </a:t>
+            </a:r>
+            <a:r>
+              <a:rPr lang="de-AT" dirty="0" err="1"/>
+              <a:t>idea</a:t>
+            </a:r>
+            <a:r>
+              <a:rPr lang="de-AT" dirty="0"/>
+              <a:t>, </a:t>
+            </a:r>
+            <a:r>
+              <a:rPr lang="de-AT" dirty="0" err="1"/>
+              <a:t>here</a:t>
+            </a:r>
+            <a:r>
+              <a:rPr lang="de-AT" dirty="0"/>
+              <a:t> </a:t>
+            </a:r>
+            <a:r>
+              <a:rPr lang="de-AT" dirty="0" err="1"/>
+              <a:t>is</a:t>
+            </a:r>
+            <a:r>
+              <a:rPr lang="de-AT" dirty="0"/>
+              <a:t> </a:t>
+            </a:r>
+            <a:r>
+              <a:rPr lang="de-AT" dirty="0" err="1"/>
+              <a:t>how</a:t>
+            </a:r>
+            <a:r>
+              <a:rPr lang="de-AT" dirty="0"/>
+              <a:t> 16 </a:t>
+            </a:r>
+            <a:r>
+              <a:rPr lang="de-AT" dirty="0" err="1"/>
+              <a:t>bit</a:t>
+            </a:r>
+            <a:r>
+              <a:rPr lang="de-AT" dirty="0"/>
+              <a:t> </a:t>
+            </a:r>
+            <a:r>
+              <a:rPr lang="de-AT" dirty="0" err="1"/>
+              <a:t>approximate</a:t>
+            </a:r>
+            <a:r>
+              <a:rPr lang="de-AT" dirty="0"/>
+              <a:t> </a:t>
+            </a:r>
+            <a:r>
+              <a:rPr lang="de-AT" dirty="0" err="1"/>
+              <a:t>full</a:t>
+            </a:r>
+            <a:r>
+              <a:rPr lang="de-AT" dirty="0"/>
+              <a:t> </a:t>
+            </a:r>
+            <a:r>
+              <a:rPr lang="de-AT" dirty="0" err="1"/>
+              <a:t>adder</a:t>
+            </a:r>
+            <a:r>
+              <a:rPr lang="de-AT" dirty="0"/>
+              <a:t> </a:t>
+            </a:r>
+            <a:r>
+              <a:rPr lang="de-AT" dirty="0" err="1"/>
+              <a:t>looks</a:t>
+            </a:r>
+            <a:r>
+              <a:rPr lang="de-AT" dirty="0"/>
+              <a:t> like.</a:t>
+            </a:r>
+          </a:p>
+          <a:p>
+            <a:endParaRPr lang="de-AT" dirty="0"/>
+          </a:p>
+          <a:p>
+            <a:r>
+              <a:rPr lang="de-AT" dirty="0" err="1"/>
+              <a:t>It‘s</a:t>
+            </a:r>
+            <a:r>
+              <a:rPr lang="de-AT" dirty="0"/>
+              <a:t> </a:t>
+            </a:r>
+            <a:r>
+              <a:rPr lang="de-AT" dirty="0" err="1"/>
+              <a:t>basicly</a:t>
+            </a:r>
+            <a:r>
+              <a:rPr lang="de-AT" dirty="0"/>
+              <a:t> </a:t>
+            </a:r>
+            <a:r>
+              <a:rPr lang="de-AT" dirty="0" err="1"/>
+              <a:t>multiplying</a:t>
+            </a:r>
+            <a:r>
+              <a:rPr lang="de-AT" dirty="0"/>
+              <a:t> 1 </a:t>
+            </a:r>
+            <a:r>
+              <a:rPr lang="de-AT" dirty="0" err="1"/>
+              <a:t>bit</a:t>
+            </a:r>
+            <a:r>
+              <a:rPr lang="de-AT" dirty="0"/>
+              <a:t> </a:t>
+            </a:r>
+            <a:r>
+              <a:rPr lang="de-AT" dirty="0" err="1"/>
+              <a:t>adder</a:t>
+            </a:r>
+            <a:r>
+              <a:rPr lang="de-AT" dirty="0"/>
+              <a:t> </a:t>
+            </a:r>
+            <a:r>
+              <a:rPr lang="de-AT" dirty="0" err="1"/>
+              <a:t>with</a:t>
+            </a:r>
+            <a:r>
+              <a:rPr lang="de-AT" dirty="0"/>
+              <a:t> </a:t>
+            </a:r>
+            <a:r>
+              <a:rPr lang="de-AT" dirty="0" err="1"/>
+              <a:t>the</a:t>
+            </a:r>
+            <a:r>
+              <a:rPr lang="de-AT" dirty="0"/>
+              <a:t> </a:t>
+            </a:r>
+            <a:r>
+              <a:rPr lang="de-AT" dirty="0" err="1"/>
+              <a:t>given</a:t>
+            </a:r>
+            <a:r>
+              <a:rPr lang="de-AT" dirty="0"/>
+              <a:t> </a:t>
+            </a:r>
+            <a:r>
+              <a:rPr lang="de-AT" dirty="0" err="1"/>
+              <a:t>bit</a:t>
+            </a:r>
+            <a:r>
+              <a:rPr lang="de-AT" dirty="0"/>
+              <a:t> </a:t>
+            </a:r>
+            <a:r>
+              <a:rPr lang="de-AT" dirty="0" err="1"/>
+              <a:t>number</a:t>
+            </a:r>
+            <a:r>
+              <a:rPr lang="de-AT" dirty="0"/>
+              <a:t>. </a:t>
+            </a:r>
+          </a:p>
+          <a:p>
+            <a:endParaRPr lang="de-AT" dirty="0"/>
+          </a:p>
+          <a:p>
+            <a:r>
+              <a:rPr lang="de-AT" dirty="0"/>
+              <a:t>All </a:t>
+            </a:r>
+            <a:r>
+              <a:rPr lang="de-AT" dirty="0" err="1"/>
+              <a:t>these</a:t>
+            </a:r>
+            <a:r>
+              <a:rPr lang="de-AT" dirty="0"/>
+              <a:t> </a:t>
+            </a:r>
+            <a:r>
+              <a:rPr lang="de-AT" dirty="0" err="1"/>
+              <a:t>designs</a:t>
+            </a:r>
+            <a:r>
+              <a:rPr lang="de-AT" dirty="0"/>
+              <a:t> </a:t>
+            </a:r>
+            <a:r>
+              <a:rPr lang="de-AT" dirty="0" err="1"/>
+              <a:t>are</a:t>
+            </a:r>
+            <a:r>
+              <a:rPr lang="de-AT" dirty="0"/>
+              <a:t> </a:t>
+            </a:r>
+            <a:r>
+              <a:rPr lang="de-AT" dirty="0" err="1"/>
+              <a:t>asynchronous</a:t>
+            </a:r>
+            <a:r>
+              <a:rPr lang="de-AT" dirty="0"/>
+              <a:t>, </a:t>
+            </a:r>
+            <a:r>
+              <a:rPr lang="de-AT" dirty="0" err="1"/>
+              <a:t>meaning</a:t>
+            </a:r>
+            <a:r>
+              <a:rPr lang="de-AT" dirty="0"/>
+              <a:t> </a:t>
+            </a:r>
+            <a:r>
+              <a:rPr lang="de-AT" dirty="0" err="1"/>
+              <a:t>without</a:t>
+            </a:r>
+            <a:r>
+              <a:rPr lang="de-AT" dirty="0"/>
+              <a:t> </a:t>
+            </a:r>
+            <a:r>
+              <a:rPr lang="de-AT" dirty="0" err="1"/>
+              <a:t>any</a:t>
+            </a:r>
+            <a:r>
+              <a:rPr lang="de-AT" dirty="0"/>
+              <a:t> </a:t>
+            </a:r>
+            <a:r>
+              <a:rPr lang="de-AT" dirty="0" err="1"/>
+              <a:t>clocks</a:t>
+            </a:r>
+            <a:r>
+              <a:rPr lang="de-AT" dirty="0"/>
+              <a:t>. </a:t>
+            </a:r>
+            <a:r>
+              <a:rPr lang="de-AT" dirty="0" err="1"/>
+              <a:t>Once</a:t>
+            </a:r>
+            <a:r>
+              <a:rPr lang="de-AT" dirty="0"/>
+              <a:t> </a:t>
+            </a:r>
+            <a:r>
+              <a:rPr lang="de-AT" dirty="0" err="1"/>
+              <a:t>we</a:t>
+            </a:r>
+            <a:r>
+              <a:rPr lang="de-AT" dirty="0"/>
+              <a:t> </a:t>
+            </a:r>
+            <a:r>
+              <a:rPr lang="de-AT" dirty="0" err="1"/>
+              <a:t>add</a:t>
+            </a:r>
+            <a:r>
+              <a:rPr lang="de-AT" dirty="0"/>
+              <a:t> </a:t>
+            </a:r>
+            <a:r>
+              <a:rPr lang="de-AT" dirty="0" err="1"/>
+              <a:t>clocks</a:t>
+            </a:r>
+            <a:r>
+              <a:rPr lang="de-AT" dirty="0"/>
+              <a:t>, </a:t>
+            </a:r>
+            <a:r>
+              <a:rPr lang="de-AT" dirty="0" err="1"/>
+              <a:t>cycles</a:t>
+            </a:r>
+            <a:r>
+              <a:rPr lang="de-AT" dirty="0"/>
+              <a:t> </a:t>
+            </a:r>
+            <a:r>
+              <a:rPr lang="de-AT" dirty="0" err="1"/>
+              <a:t>the</a:t>
+            </a:r>
+            <a:r>
+              <a:rPr lang="de-AT" dirty="0"/>
+              <a:t> </a:t>
+            </a:r>
+            <a:r>
+              <a:rPr lang="de-AT" dirty="0" err="1"/>
+              <a:t>complexity</a:t>
+            </a:r>
+            <a:r>
+              <a:rPr lang="de-AT" dirty="0"/>
+              <a:t> will </a:t>
+            </a:r>
+            <a:r>
+              <a:rPr lang="de-AT" dirty="0" err="1"/>
+              <a:t>be</a:t>
+            </a:r>
+            <a:r>
+              <a:rPr lang="de-AT" dirty="0"/>
+              <a:t> </a:t>
+            </a:r>
+            <a:r>
+              <a:rPr lang="de-AT" dirty="0" err="1"/>
+              <a:t>much</a:t>
+            </a:r>
+            <a:r>
+              <a:rPr lang="de-AT" dirty="0"/>
+              <a:t> </a:t>
+            </a:r>
+            <a:r>
+              <a:rPr lang="de-AT" dirty="0" err="1"/>
+              <a:t>higher</a:t>
+            </a:r>
+            <a:r>
+              <a:rPr lang="de-AT" dirty="0"/>
+              <a:t>.</a:t>
+            </a:r>
           </a:p>
         </p:txBody>
       </p:sp>
+      <p:sp>
+        <p:nvSpPr>
+          <p:cNvPr id="4" name="Foliennummernplatzhalter 3"/>
+          <p:cNvSpPr>
+            <a:spLocks noGrp="1"/>
+          </p:cNvSpPr>
+          <p:nvPr>
+            <p:ph type="sldNum"/>
+          </p:nvPr>
+        </p:nvSpPr>
+        <p:spPr/>
+        <p:txBody>
+          <a:bodyPr/>
+          <a:lstStyle/>
+          <a:p>
+            <a:pPr algn="r"/>
+            <a:fld id="{5672FDC6-3504-400E-BF62-358977096592}" type="slidenum">
+              <a:rPr lang="de-AT" sz="1400" b="0" strike="noStrike" spc="-1" smtClean="0">
+                <a:latin typeface="Times New Roman"/>
+              </a:rPr>
+              <a:t>21</a:t>
+            </a:fld>
+            <a:endParaRPr lang="de-AT" sz="1400" b="0" strike="noStrike" spc="-1">
+              <a:latin typeface="Times New Roman"/>
+            </a:endParaRPr>
+          </a:p>
+        </p:txBody>
+      </p:sp>
     </p:spTree>
+    <p:extLst>
+      <p:ext uri="{BB962C8B-B14F-4D97-AF65-F5344CB8AC3E}">
+        <p14:creationId xmlns:p14="http://schemas.microsoft.com/office/powerpoint/2010/main" val="1791599050"/>
+      </p:ext>
+    </p:extLst>
   </p:cSld>
   <p:clrMapOvr>
     <a:masterClrMapping/>
@@ -3394,6 +3602,767 @@
       </p:grpSpPr>
       <p:sp>
         <p:nvSpPr>
+          <p:cNvPr id="289" name="PlaceHolder 1"/>
+          <p:cNvSpPr>
+            <a:spLocks noGrp="1" noRot="1" noChangeAspect="1"/>
+          </p:cNvSpPr>
+          <p:nvPr>
+            <p:ph type="sldImg"/>
+          </p:nvPr>
+        </p:nvSpPr>
+        <p:spPr>
+          <a:xfrm>
+            <a:off x="1106488" y="812800"/>
+            <a:ext cx="5345112" cy="4008438"/>
+          </a:xfrm>
+          <a:prstGeom prst="rect">
+            <a:avLst/>
+          </a:prstGeom>
+        </p:spPr>
+      </p:sp>
+      <p:sp>
+        <p:nvSpPr>
+          <p:cNvPr id="290" name="PlaceHolder 2"/>
+          <p:cNvSpPr>
+            <a:spLocks noGrp="1"/>
+          </p:cNvSpPr>
+          <p:nvPr>
+            <p:ph type="body"/>
+          </p:nvPr>
+        </p:nvSpPr>
+        <p:spPr>
+          <a:xfrm>
+            <a:off x="756000" y="5078520"/>
+            <a:ext cx="6047280" cy="4810680"/>
+          </a:xfrm>
+          <a:prstGeom prst="rect">
+            <a:avLst/>
+          </a:prstGeom>
+        </p:spPr>
+        <p:txBody>
+          <a:bodyPr lIns="0" tIns="0" rIns="0" bIns="0">
+            <a:noAutofit/>
+          </a:bodyPr>
+          <a:lstStyle/>
+          <a:p>
+            <a:pPr algn="l"/>
+            <a:r>
+              <a:rPr lang="de-AT" sz="1800" b="0" i="0" u="none" strike="noStrike" baseline="0" dirty="0">
+                <a:latin typeface="XywblfCMR10"/>
+              </a:rPr>
+              <a:t>This </a:t>
+            </a:r>
+            <a:r>
+              <a:rPr lang="de-AT" sz="1800" b="0" i="0" u="none" strike="noStrike" baseline="0" dirty="0" err="1">
+                <a:latin typeface="XywblfCMR10"/>
+              </a:rPr>
+              <a:t>is</a:t>
+            </a:r>
+            <a:r>
+              <a:rPr lang="de-AT" sz="1800" b="0" i="0" u="none" strike="noStrike" baseline="0" dirty="0">
+                <a:latin typeface="XywblfCMR10"/>
+              </a:rPr>
+              <a:t> still in </a:t>
+            </a:r>
+            <a:r>
+              <a:rPr lang="de-AT" sz="1800" b="0" i="0" u="none" strike="noStrike" baseline="0" dirty="0" err="1">
+                <a:latin typeface="XywblfCMR10"/>
+              </a:rPr>
+              <a:t>early</a:t>
+            </a:r>
+            <a:r>
+              <a:rPr lang="de-AT" sz="1800" b="0" i="0" u="none" strike="noStrike" baseline="0" dirty="0">
+                <a:latin typeface="XywblfCMR10"/>
+              </a:rPr>
+              <a:t> </a:t>
+            </a:r>
+            <a:r>
+              <a:rPr lang="de-AT" sz="1800" b="0" i="0" u="none" strike="noStrike" baseline="0" dirty="0" err="1">
+                <a:latin typeface="XywblfCMR10"/>
+              </a:rPr>
+              <a:t>stage</a:t>
+            </a:r>
+            <a:r>
+              <a:rPr lang="de-AT" sz="1800" b="0" i="0" u="none" strike="noStrike" baseline="0" dirty="0">
+                <a:latin typeface="XywblfCMR10"/>
+              </a:rPr>
+              <a:t>. But </a:t>
+            </a:r>
+            <a:r>
+              <a:rPr lang="de-AT" sz="1800" b="0" i="0" u="none" strike="noStrike" baseline="0" dirty="0" err="1">
+                <a:latin typeface="XywblfCMR10"/>
+              </a:rPr>
+              <a:t>basically</a:t>
+            </a:r>
+            <a:r>
+              <a:rPr lang="de-AT" sz="1800" b="0" i="0" u="none" strike="noStrike" baseline="0" dirty="0">
+                <a:latin typeface="XywblfCMR10"/>
+              </a:rPr>
+              <a:t> </a:t>
+            </a:r>
+            <a:r>
+              <a:rPr lang="de-AT" sz="1800" b="0" i="0" u="none" strike="noStrike" baseline="0" dirty="0" err="1">
+                <a:latin typeface="XywblfCMR10"/>
+              </a:rPr>
+              <a:t>what</a:t>
+            </a:r>
+            <a:r>
+              <a:rPr lang="de-AT" sz="1800" b="0" i="0" u="none" strike="noStrike" baseline="0" dirty="0">
+                <a:latin typeface="XywblfCMR10"/>
+              </a:rPr>
+              <a:t> </a:t>
+            </a:r>
+            <a:r>
+              <a:rPr lang="de-AT" sz="1800" b="0" i="0" u="none" strike="noStrike" baseline="0" dirty="0" err="1">
+                <a:latin typeface="XywblfCMR10"/>
+              </a:rPr>
+              <a:t>we</a:t>
+            </a:r>
+            <a:r>
+              <a:rPr lang="de-AT" sz="1800" b="0" i="0" u="none" strike="noStrike" baseline="0" dirty="0">
+                <a:latin typeface="XywblfCMR10"/>
+              </a:rPr>
+              <a:t> </a:t>
+            </a:r>
+            <a:r>
+              <a:rPr lang="de-AT" sz="1800" b="0" i="0" u="none" strike="noStrike" baseline="0" dirty="0" err="1">
+                <a:latin typeface="XywblfCMR10"/>
+              </a:rPr>
+              <a:t>initially</a:t>
+            </a:r>
+            <a:r>
+              <a:rPr lang="de-AT" sz="1800" b="0" i="0" u="none" strike="noStrike" baseline="0" dirty="0">
+                <a:latin typeface="XywblfCMR10"/>
+              </a:rPr>
+              <a:t> </a:t>
+            </a:r>
+            <a:r>
+              <a:rPr lang="de-AT" sz="1800" b="0" i="0" u="none" strike="noStrike" baseline="0" dirty="0" err="1">
+                <a:latin typeface="XywblfCMR10"/>
+              </a:rPr>
+              <a:t>thought</a:t>
+            </a:r>
+            <a:r>
+              <a:rPr lang="de-AT" sz="1800" b="0" i="0" u="none" strike="noStrike" baseline="0" dirty="0">
+                <a:latin typeface="XywblfCMR10"/>
+              </a:rPr>
+              <a:t> </a:t>
+            </a:r>
+            <a:r>
+              <a:rPr lang="de-AT" sz="1800" b="0" i="0" u="none" strike="noStrike" baseline="0" dirty="0" err="1">
+                <a:latin typeface="XywblfCMR10"/>
+              </a:rPr>
+              <a:t>is</a:t>
+            </a:r>
+            <a:r>
+              <a:rPr lang="de-AT" sz="1800" b="0" i="0" u="none" strike="noStrike" baseline="0" dirty="0">
+                <a:latin typeface="XywblfCMR10"/>
+              </a:rPr>
+              <a:t> </a:t>
+            </a:r>
+            <a:r>
+              <a:rPr lang="de-AT" sz="1800" b="0" i="0" u="none" strike="noStrike" baseline="0" dirty="0" err="1">
+                <a:latin typeface="XywblfCMR10"/>
+              </a:rPr>
+              <a:t>that</a:t>
+            </a:r>
+            <a:r>
+              <a:rPr lang="de-AT" sz="1800" b="0" i="0" u="none" strike="noStrike" baseline="0" dirty="0">
+                <a:latin typeface="XywblfCMR10"/>
+              </a:rPr>
+              <a:t> </a:t>
+            </a:r>
+            <a:r>
+              <a:rPr lang="de-AT" sz="1800" b="0" i="0" u="none" strike="noStrike" baseline="0" dirty="0" err="1">
+                <a:latin typeface="XywblfCMR10"/>
+              </a:rPr>
+              <a:t>gate</a:t>
+            </a:r>
+            <a:r>
+              <a:rPr lang="de-AT" sz="1800" b="0" i="0" u="none" strike="noStrike" baseline="0" dirty="0">
+                <a:latin typeface="XywblfCMR10"/>
+              </a:rPr>
+              <a:t> </a:t>
+            </a:r>
+            <a:r>
+              <a:rPr lang="de-AT" sz="1800" b="0" i="0" u="none" strike="noStrike" baseline="0" dirty="0" err="1">
+                <a:latin typeface="XywblfCMR10"/>
+              </a:rPr>
+              <a:t>count</a:t>
+            </a:r>
+            <a:r>
+              <a:rPr lang="de-AT" sz="1800" b="0" i="0" u="none" strike="noStrike" baseline="0" dirty="0">
+                <a:latin typeface="XywblfCMR10"/>
+              </a:rPr>
+              <a:t> </a:t>
+            </a:r>
+            <a:r>
+              <a:rPr lang="de-AT" sz="1800" b="0" i="0" u="none" strike="noStrike" baseline="0" dirty="0" err="1">
+                <a:latin typeface="XywblfCMR10"/>
+              </a:rPr>
+              <a:t>number</a:t>
+            </a:r>
+            <a:r>
+              <a:rPr lang="de-AT" sz="1800" b="0" i="0" u="none" strike="noStrike" baseline="0" dirty="0">
+                <a:latin typeface="XywblfCMR10"/>
+              </a:rPr>
+              <a:t> </a:t>
+            </a:r>
+            <a:r>
+              <a:rPr lang="de-AT" sz="1800" b="0" i="0" u="none" strike="noStrike" baseline="0" dirty="0" err="1">
+                <a:latin typeface="XywblfCMR10"/>
+              </a:rPr>
+              <a:t>is</a:t>
+            </a:r>
+            <a:r>
+              <a:rPr lang="de-AT" sz="1800" b="0" i="0" u="none" strike="noStrike" baseline="0" dirty="0">
+                <a:latin typeface="XywblfCMR10"/>
+              </a:rPr>
+              <a:t> a </a:t>
+            </a:r>
+            <a:r>
+              <a:rPr lang="de-AT" sz="1800" b="0" i="0" u="none" strike="noStrike" baseline="0" dirty="0" err="1">
+                <a:latin typeface="XywblfCMR10"/>
+              </a:rPr>
+              <a:t>good</a:t>
+            </a:r>
+            <a:r>
+              <a:rPr lang="de-AT" sz="1800" b="0" i="0" u="none" strike="noStrike" baseline="0" dirty="0">
+                <a:latin typeface="XywblfCMR10"/>
+              </a:rPr>
+              <a:t> </a:t>
+            </a:r>
+            <a:r>
+              <a:rPr lang="de-AT" sz="1800" b="0" i="0" u="none" strike="noStrike" baseline="0" dirty="0" err="1">
+                <a:latin typeface="XywblfCMR10"/>
+              </a:rPr>
+              <a:t>indicator</a:t>
+            </a:r>
+            <a:r>
+              <a:rPr lang="de-AT" sz="1800" b="0" i="0" u="none" strike="noStrike" baseline="0" dirty="0">
+                <a:latin typeface="XywblfCMR10"/>
+              </a:rPr>
+              <a:t> </a:t>
+            </a:r>
+            <a:r>
+              <a:rPr lang="de-AT" sz="1800" b="0" i="0" u="none" strike="noStrike" baseline="0" dirty="0" err="1">
+                <a:latin typeface="XywblfCMR10"/>
+              </a:rPr>
+              <a:t>for</a:t>
+            </a:r>
+            <a:r>
+              <a:rPr lang="de-AT" sz="1800" b="0" i="0" u="none" strike="noStrike" baseline="0" dirty="0">
+                <a:latin typeface="XywblfCMR10"/>
+              </a:rPr>
+              <a:t> </a:t>
+            </a:r>
+            <a:r>
+              <a:rPr lang="de-AT" sz="1800" b="0" i="0" u="none" strike="noStrike" baseline="0" dirty="0" err="1">
+                <a:latin typeface="XywblfCMR10"/>
+              </a:rPr>
+              <a:t>how</a:t>
+            </a:r>
+            <a:r>
+              <a:rPr lang="de-AT" sz="1800" b="0" i="0" u="none" strike="noStrike" baseline="0" dirty="0">
+                <a:latin typeface="XywblfCMR10"/>
+              </a:rPr>
+              <a:t> </a:t>
+            </a:r>
+            <a:r>
+              <a:rPr lang="de-AT" sz="1800" b="0" i="0" u="none" strike="noStrike" baseline="0" dirty="0" err="1">
+                <a:latin typeface="XywblfCMR10"/>
+              </a:rPr>
+              <a:t>much</a:t>
+            </a:r>
+            <a:r>
+              <a:rPr lang="de-AT" sz="1800" b="0" i="0" u="none" strike="noStrike" baseline="0" dirty="0">
+                <a:latin typeface="XywblfCMR10"/>
+              </a:rPr>
+              <a:t> </a:t>
+            </a:r>
+            <a:r>
+              <a:rPr lang="de-AT" sz="1800" b="0" i="0" u="none" strike="noStrike" baseline="0" dirty="0" err="1">
+                <a:latin typeface="XywblfCMR10"/>
+              </a:rPr>
+              <a:t>space</a:t>
+            </a:r>
+            <a:r>
+              <a:rPr lang="de-AT" sz="1800" b="0" i="0" u="none" strike="noStrike" baseline="0" dirty="0">
+                <a:latin typeface="XywblfCMR10"/>
+              </a:rPr>
+              <a:t> </a:t>
+            </a:r>
+            <a:r>
+              <a:rPr lang="de-AT" sz="1800" b="0" i="0" u="none" strike="noStrike" baseline="0" dirty="0" err="1">
+                <a:latin typeface="XywblfCMR10"/>
+              </a:rPr>
+              <a:t>we</a:t>
+            </a:r>
+            <a:r>
+              <a:rPr lang="de-AT" sz="1800" b="0" i="0" u="none" strike="noStrike" baseline="0" dirty="0">
+                <a:latin typeface="XywblfCMR10"/>
+              </a:rPr>
+              <a:t> </a:t>
+            </a:r>
+            <a:r>
+              <a:rPr lang="de-AT" sz="1800" b="0" i="0" u="none" strike="noStrike" baseline="0" dirty="0" err="1">
+                <a:latin typeface="XywblfCMR10"/>
+              </a:rPr>
+              <a:t>can</a:t>
+            </a:r>
+            <a:r>
+              <a:rPr lang="de-AT" sz="1800" b="0" i="0" u="none" strike="noStrike" baseline="0" dirty="0">
+                <a:latin typeface="XywblfCMR10"/>
+              </a:rPr>
+              <a:t> </a:t>
+            </a:r>
+            <a:r>
+              <a:rPr lang="de-AT" sz="1800" b="0" i="0" u="none" strike="noStrike" baseline="0" dirty="0" err="1">
+                <a:latin typeface="XywblfCMR10"/>
+              </a:rPr>
+              <a:t>actually</a:t>
+            </a:r>
+            <a:r>
+              <a:rPr lang="de-AT" sz="1800" b="0" i="0" u="none" strike="noStrike" baseline="0" dirty="0">
+                <a:latin typeface="XywblfCMR10"/>
+              </a:rPr>
+              <a:t> save.</a:t>
+            </a:r>
+          </a:p>
+          <a:p>
+            <a:pPr algn="l"/>
+            <a:endParaRPr lang="de-AT" sz="1800" b="0" i="0" u="none" strike="noStrike" baseline="0" dirty="0">
+              <a:latin typeface="XywblfCMR10"/>
+            </a:endParaRPr>
+          </a:p>
+          <a:p>
+            <a:pPr algn="l"/>
+            <a:r>
+              <a:rPr lang="de-AT" sz="1800" b="0" i="0" u="none" strike="noStrike" baseline="0" dirty="0" err="1">
+                <a:latin typeface="XywblfCMR10"/>
+              </a:rPr>
+              <a:t>Before</a:t>
+            </a:r>
+            <a:r>
+              <a:rPr lang="de-AT" sz="1800" b="0" i="0" u="none" strike="noStrike" baseline="0" dirty="0">
+                <a:latin typeface="XywblfCMR10"/>
+              </a:rPr>
+              <a:t> </a:t>
+            </a:r>
+            <a:r>
+              <a:rPr lang="de-AT" sz="1800" b="0" i="0" u="none" strike="noStrike" baseline="0" dirty="0" err="1">
+                <a:latin typeface="XywblfCMR10"/>
+              </a:rPr>
+              <a:t>the</a:t>
+            </a:r>
+            <a:r>
+              <a:rPr lang="de-AT" sz="1800" b="0" i="0" u="none" strike="noStrike" baseline="0" dirty="0">
+                <a:latin typeface="XywblfCMR10"/>
+              </a:rPr>
+              <a:t> </a:t>
+            </a:r>
+            <a:r>
+              <a:rPr lang="de-AT" sz="1800" b="0" i="0" u="none" strike="noStrike" baseline="0" dirty="0" err="1">
+                <a:latin typeface="XywblfCMR10"/>
+              </a:rPr>
+              <a:t>demo</a:t>
+            </a:r>
+            <a:r>
+              <a:rPr lang="de-AT" sz="1800" b="0" i="0" u="none" strike="noStrike" baseline="0" dirty="0">
+                <a:latin typeface="XywblfCMR10"/>
+              </a:rPr>
+              <a:t> </a:t>
+            </a:r>
+            <a:r>
+              <a:rPr lang="de-AT" sz="1800" b="0" i="0" u="none" strike="noStrike" baseline="0" dirty="0" err="1">
+                <a:latin typeface="XywblfCMR10"/>
+              </a:rPr>
+              <a:t>presentation</a:t>
+            </a:r>
+            <a:r>
+              <a:rPr lang="de-AT" sz="1800" b="0" i="0" u="none" strike="noStrike" baseline="0" dirty="0">
+                <a:latin typeface="XywblfCMR10"/>
+              </a:rPr>
+              <a:t> </a:t>
+            </a:r>
+            <a:r>
+              <a:rPr lang="de-AT" sz="1800" b="0" i="0" u="none" strike="noStrike" baseline="0" dirty="0" err="1">
+                <a:latin typeface="XywblfCMR10"/>
+              </a:rPr>
+              <a:t>i‘m</a:t>
+            </a:r>
+            <a:r>
+              <a:rPr lang="de-AT" sz="1800" b="0" i="0" u="none" strike="noStrike" baseline="0" dirty="0">
+                <a:latin typeface="XywblfCMR10"/>
+              </a:rPr>
+              <a:t> </a:t>
+            </a:r>
+            <a:r>
+              <a:rPr lang="de-AT" sz="1800" b="0" i="0" u="none" strike="noStrike" baseline="0" dirty="0" err="1">
+                <a:latin typeface="XywblfCMR10"/>
+              </a:rPr>
+              <a:t>thinking</a:t>
+            </a:r>
+            <a:r>
+              <a:rPr lang="de-AT" sz="1800" b="0" i="0" u="none" strike="noStrike" baseline="0" dirty="0">
+                <a:latin typeface="XywblfCMR10"/>
+              </a:rPr>
+              <a:t> </a:t>
+            </a:r>
+            <a:r>
+              <a:rPr lang="de-AT" sz="1800" b="0" i="0" u="none" strike="noStrike" baseline="0" dirty="0" err="1">
+                <a:latin typeface="XywblfCMR10"/>
+              </a:rPr>
+              <a:t>to</a:t>
+            </a:r>
+            <a:r>
+              <a:rPr lang="de-AT" sz="1800" b="0" i="0" u="none" strike="noStrike" baseline="0" dirty="0">
+                <a:latin typeface="XywblfCMR10"/>
+              </a:rPr>
+              <a:t> </a:t>
+            </a:r>
+            <a:r>
+              <a:rPr lang="de-AT" sz="1800" b="0" i="0" u="none" strike="noStrike" baseline="0" dirty="0" err="1">
+                <a:latin typeface="XywblfCMR10"/>
+              </a:rPr>
+              <a:t>expand</a:t>
+            </a:r>
+            <a:r>
+              <a:rPr lang="de-AT" sz="1800" b="0" i="0" u="none" strike="noStrike" baseline="0" dirty="0">
+                <a:latin typeface="XywblfCMR10"/>
+              </a:rPr>
+              <a:t> </a:t>
+            </a:r>
+            <a:r>
+              <a:rPr lang="de-AT" sz="1800" b="0" i="0" u="none" strike="noStrike" baseline="0" dirty="0" err="1">
+                <a:latin typeface="XywblfCMR10"/>
+              </a:rPr>
+              <a:t>these</a:t>
+            </a:r>
+            <a:r>
+              <a:rPr lang="de-AT" sz="1800" b="0" i="0" u="none" strike="noStrike" baseline="0" dirty="0">
+                <a:latin typeface="XywblfCMR10"/>
+              </a:rPr>
+              <a:t> </a:t>
+            </a:r>
+            <a:r>
+              <a:rPr lang="de-AT" sz="1800" b="0" i="0" u="none" strike="noStrike" baseline="0" dirty="0" err="1">
+                <a:latin typeface="XywblfCMR10"/>
+              </a:rPr>
+              <a:t>area</a:t>
+            </a:r>
+            <a:r>
+              <a:rPr lang="de-AT" sz="1800" b="0" i="0" u="none" strike="noStrike" baseline="0" dirty="0">
+                <a:latin typeface="XywblfCMR10"/>
+              </a:rPr>
+              <a:t> and power </a:t>
+            </a:r>
+            <a:r>
+              <a:rPr lang="de-AT" sz="1800" b="0" i="0" u="none" strike="noStrike" baseline="0" dirty="0" err="1">
+                <a:latin typeface="XywblfCMR10"/>
+              </a:rPr>
+              <a:t>analysis</a:t>
+            </a:r>
+            <a:r>
+              <a:rPr lang="de-AT" sz="1800" b="0" i="0" u="none" strike="noStrike" baseline="0" dirty="0">
+                <a:latin typeface="XywblfCMR10"/>
+              </a:rPr>
+              <a:t> </a:t>
+            </a:r>
+            <a:r>
+              <a:rPr lang="de-AT" sz="1800" b="0" i="0" u="none" strike="noStrike" baseline="0" dirty="0" err="1">
+                <a:latin typeface="XywblfCMR10"/>
+              </a:rPr>
+              <a:t>sections</a:t>
+            </a:r>
+            <a:r>
+              <a:rPr lang="de-AT" sz="1800" b="0" i="0" u="none" strike="noStrike" baseline="0" dirty="0">
+                <a:latin typeface="XywblfCMR10"/>
+              </a:rPr>
+              <a:t> </a:t>
+            </a:r>
+            <a:r>
+              <a:rPr lang="de-AT" sz="1800" b="0" i="0" u="none" strike="noStrike" baseline="0" dirty="0" err="1">
+                <a:latin typeface="XywblfCMR10"/>
+              </a:rPr>
+              <a:t>with</a:t>
+            </a:r>
+            <a:r>
+              <a:rPr lang="de-AT" sz="1800" b="0" i="0" u="none" strike="noStrike" baseline="0" dirty="0">
+                <a:latin typeface="XywblfCMR10"/>
+              </a:rPr>
+              <a:t> </a:t>
+            </a:r>
+            <a:r>
+              <a:rPr lang="de-AT" sz="1800" b="0" i="0" u="none" strike="noStrike" baseline="0" dirty="0" err="1">
+                <a:latin typeface="XywblfCMR10"/>
+              </a:rPr>
+              <a:t>more</a:t>
+            </a:r>
+            <a:r>
+              <a:rPr lang="de-AT" sz="1800" b="0" i="0" u="none" strike="noStrike" baseline="0" dirty="0">
+                <a:latin typeface="XywblfCMR10"/>
+              </a:rPr>
+              <a:t> </a:t>
+            </a:r>
+            <a:r>
+              <a:rPr lang="de-AT" sz="1800" b="0" i="0" u="none" strike="noStrike" baseline="0" dirty="0" err="1">
+                <a:latin typeface="XywblfCMR10"/>
+              </a:rPr>
+              <a:t>detail</a:t>
+            </a:r>
+            <a:r>
+              <a:rPr lang="de-AT" sz="1800" b="0" i="0" u="none" strike="noStrike" baseline="0" dirty="0">
+                <a:latin typeface="XywblfCMR10"/>
+              </a:rPr>
+              <a:t>.</a:t>
+            </a:r>
+          </a:p>
+          <a:p>
+            <a:pPr algn="l"/>
+            <a:r>
+              <a:rPr lang="de-AT" sz="1800" b="0" i="0" u="none" strike="noStrike" baseline="0" dirty="0">
+                <a:latin typeface="XywblfCMR10"/>
+              </a:rPr>
+              <a:t>And </a:t>
+            </a:r>
+            <a:r>
+              <a:rPr lang="de-AT" sz="1800" b="0" i="0" u="none" strike="noStrike" baseline="0" dirty="0" err="1">
+                <a:latin typeface="XywblfCMR10"/>
+              </a:rPr>
+              <a:t>for</a:t>
+            </a:r>
+            <a:r>
+              <a:rPr lang="de-AT" sz="1800" b="0" i="0" u="none" strike="noStrike" baseline="0" dirty="0">
+                <a:latin typeface="XywblfCMR10"/>
+              </a:rPr>
+              <a:t> </a:t>
+            </a:r>
+            <a:r>
+              <a:rPr lang="de-AT" sz="1800" b="0" i="0" u="none" strike="noStrike" baseline="0" dirty="0" err="1">
+                <a:latin typeface="XywblfCMR10"/>
+              </a:rPr>
+              <a:t>that</a:t>
+            </a:r>
+            <a:r>
+              <a:rPr lang="de-AT" sz="1800" b="0" i="0" u="none" strike="noStrike" baseline="0" dirty="0">
+                <a:latin typeface="XywblfCMR10"/>
+              </a:rPr>
+              <a:t> </a:t>
+            </a:r>
+            <a:r>
+              <a:rPr lang="de-AT" sz="1800" b="0" i="0" u="none" strike="noStrike" baseline="0" dirty="0" err="1">
+                <a:latin typeface="XywblfCMR10"/>
+              </a:rPr>
+              <a:t>we</a:t>
+            </a:r>
+            <a:r>
+              <a:rPr lang="de-AT" sz="1800" b="0" i="0" u="none" strike="noStrike" baseline="0" dirty="0">
+                <a:latin typeface="XywblfCMR10"/>
+              </a:rPr>
+              <a:t> </a:t>
+            </a:r>
+            <a:r>
+              <a:rPr lang="de-AT" sz="1800" b="0" i="0" u="none" strike="noStrike" baseline="0" dirty="0" err="1">
+                <a:latin typeface="XywblfCMR10"/>
+              </a:rPr>
+              <a:t>can</a:t>
+            </a:r>
+            <a:r>
+              <a:rPr lang="de-AT" sz="1800" b="0" i="0" u="none" strike="noStrike" baseline="0" dirty="0">
+                <a:latin typeface="XywblfCMR10"/>
+              </a:rPr>
+              <a:t> </a:t>
+            </a:r>
+            <a:r>
+              <a:rPr lang="de-AT" sz="1800" b="0" i="0" u="none" strike="noStrike" baseline="0" dirty="0" err="1">
+                <a:latin typeface="XywblfCMR10"/>
+              </a:rPr>
+              <a:t>use</a:t>
+            </a:r>
+            <a:r>
+              <a:rPr lang="de-AT" sz="1800" b="0" i="0" u="none" strike="noStrike" baseline="0" dirty="0">
+                <a:latin typeface="XywblfCMR10"/>
+              </a:rPr>
+              <a:t> </a:t>
+            </a:r>
+            <a:r>
+              <a:rPr lang="de-AT" sz="1800" b="0" i="0" u="none" strike="noStrike" baseline="0" dirty="0" err="1">
+                <a:latin typeface="XywblfCMR10"/>
+              </a:rPr>
+              <a:t>for</a:t>
+            </a:r>
+            <a:r>
+              <a:rPr lang="de-AT" sz="1800" b="0" i="0" u="none" strike="noStrike" baseline="0" dirty="0">
+                <a:latin typeface="XywblfCMR10"/>
+              </a:rPr>
+              <a:t> </a:t>
+            </a:r>
+            <a:r>
+              <a:rPr lang="de-AT" sz="1800" b="0" i="0" u="none" strike="noStrike" baseline="0" dirty="0" err="1">
+                <a:latin typeface="XywblfCMR10"/>
+              </a:rPr>
+              <a:t>example</a:t>
+            </a:r>
+            <a:r>
+              <a:rPr lang="de-AT" sz="1800" b="0" i="0" u="none" strike="noStrike" baseline="0" dirty="0">
+                <a:latin typeface="XywblfCMR10"/>
+              </a:rPr>
+              <a:t>; </a:t>
+            </a:r>
+            <a:r>
+              <a:rPr lang="de-AT" sz="1800" b="0" i="0" u="none" strike="noStrike" baseline="0" dirty="0" err="1">
+                <a:latin typeface="XywblfCMR10"/>
+              </a:rPr>
+              <a:t>Synopsys</a:t>
+            </a:r>
+            <a:r>
+              <a:rPr lang="de-AT" sz="1800" b="0" i="0" u="none" strike="noStrike" baseline="0" dirty="0">
+                <a:latin typeface="XywblfCMR10"/>
+              </a:rPr>
+              <a:t> Design </a:t>
+            </a:r>
+            <a:r>
+              <a:rPr lang="de-AT" sz="1800" b="0" i="0" u="none" strike="noStrike" baseline="0" dirty="0" err="1">
+                <a:latin typeface="XywblfCMR10"/>
+              </a:rPr>
+              <a:t>compiler</a:t>
+            </a:r>
+            <a:r>
+              <a:rPr lang="de-AT" sz="1800" b="0" i="0" u="none" strike="noStrike" baseline="0" dirty="0">
+                <a:latin typeface="XywblfCMR10"/>
+              </a:rPr>
+              <a:t>. </a:t>
+            </a:r>
+            <a:r>
+              <a:rPr lang="de-AT" sz="1800" b="0" i="0" u="none" strike="noStrike" baseline="0" dirty="0" err="1">
+                <a:latin typeface="XywblfCMR10"/>
+              </a:rPr>
+              <a:t>With</a:t>
+            </a:r>
+            <a:r>
+              <a:rPr lang="de-AT" sz="1800" b="0" i="0" u="none" strike="noStrike" baseline="0" dirty="0">
+                <a:latin typeface="XywblfCMR10"/>
+              </a:rPr>
+              <a:t> </a:t>
+            </a:r>
+            <a:r>
+              <a:rPr lang="de-AT" sz="1800" b="0" i="0" u="none" strike="noStrike" baseline="0" dirty="0" err="1">
+                <a:latin typeface="XywblfCMR10"/>
+              </a:rPr>
+              <a:t>these</a:t>
+            </a:r>
+            <a:r>
+              <a:rPr lang="de-AT" sz="1800" b="0" i="0" u="none" strike="noStrike" baseline="0" dirty="0">
+                <a:latin typeface="XywblfCMR10"/>
+              </a:rPr>
+              <a:t> Design Compiler </a:t>
+            </a:r>
+            <a:r>
+              <a:rPr lang="de-AT" sz="1800" b="0" i="0" u="none" strike="noStrike" baseline="0" dirty="0" err="1">
+                <a:latin typeface="XywblfCMR10"/>
+              </a:rPr>
+              <a:t>we</a:t>
+            </a:r>
+            <a:r>
+              <a:rPr lang="de-AT" sz="1800" b="0" i="0" u="none" strike="noStrike" baseline="0" dirty="0">
+                <a:latin typeface="XywblfCMR10"/>
+              </a:rPr>
+              <a:t> will </a:t>
+            </a:r>
+            <a:r>
+              <a:rPr lang="de-AT" sz="1800" b="0" i="0" u="none" strike="noStrike" baseline="0" dirty="0" err="1">
+                <a:latin typeface="XywblfCMR10"/>
+              </a:rPr>
+              <a:t>have</a:t>
+            </a:r>
+            <a:r>
+              <a:rPr lang="de-AT" sz="1800" b="0" i="0" u="none" strike="noStrike" baseline="0" dirty="0">
+                <a:latin typeface="XywblfCMR10"/>
+              </a:rPr>
+              <a:t> </a:t>
+            </a:r>
+            <a:r>
+              <a:rPr lang="de-AT" sz="1800" b="0" i="0" u="none" strike="noStrike" baseline="0" dirty="0" err="1">
+                <a:latin typeface="XywblfCMR10"/>
+              </a:rPr>
+              <a:t>more</a:t>
+            </a:r>
+            <a:r>
+              <a:rPr lang="de-AT" sz="1800" b="0" i="0" u="none" strike="noStrike" baseline="0" dirty="0">
+                <a:latin typeface="XywblfCMR10"/>
+              </a:rPr>
+              <a:t> </a:t>
+            </a:r>
+            <a:r>
+              <a:rPr lang="de-AT" sz="1800" b="0" i="0" u="none" strike="noStrike" baseline="0" dirty="0" err="1">
+                <a:latin typeface="XywblfCMR10"/>
+              </a:rPr>
+              <a:t>precise</a:t>
+            </a:r>
+            <a:r>
+              <a:rPr lang="de-AT" sz="1800" b="0" i="0" u="none" strike="noStrike" baseline="0" dirty="0">
+                <a:latin typeface="XywblfCMR10"/>
+              </a:rPr>
+              <a:t> </a:t>
+            </a:r>
+            <a:r>
+              <a:rPr lang="de-AT" sz="1800" b="0" i="0" u="none" strike="noStrike" baseline="0" dirty="0" err="1">
+                <a:latin typeface="XywblfCMR10"/>
+              </a:rPr>
+              <a:t>number</a:t>
+            </a:r>
+            <a:r>
+              <a:rPr lang="de-AT" sz="1800" b="0" i="0" u="none" strike="noStrike" baseline="0" dirty="0">
+                <a:latin typeface="XywblfCMR10"/>
+              </a:rPr>
+              <a:t> in </a:t>
+            </a:r>
+            <a:r>
+              <a:rPr lang="de-AT" sz="1800" b="0" i="0" u="none" strike="noStrike" baseline="0" dirty="0" err="1">
+                <a:latin typeface="XywblfCMR10"/>
+              </a:rPr>
+              <a:t>analysis</a:t>
+            </a:r>
+            <a:r>
+              <a:rPr lang="de-AT" sz="1800" b="0" i="0" u="none" strike="noStrike" baseline="0" dirty="0">
+                <a:latin typeface="XywblfCMR10"/>
+              </a:rPr>
+              <a:t>.</a:t>
+            </a:r>
+            <a:endParaRPr lang="de-AT" sz="2000" b="0" strike="noStrike" spc="-1" dirty="0">
+              <a:latin typeface="Arial"/>
+            </a:endParaRPr>
+          </a:p>
+        </p:txBody>
+      </p:sp>
+    </p:spTree>
+  </p:cSld>
+  <p:clrMapOvr>
+    <a:masterClrMapping/>
+  </p:clrMapOvr>
+</p:notes>
+</file>
+
+<file path=ppt/notesSlides/notesSlide21.xml><?xml version="1.0" encoding="utf-8"?>
+<p:notes xmlns:a="http://schemas.openxmlformats.org/drawingml/2006/main" xmlns:r="http://schemas.openxmlformats.org/officeDocument/2006/relationships" xmlns:p="http://schemas.openxmlformats.org/presentationml/2006/main">
+  <p:cSld>
+    <p:spTree>
+      <p:nvGrpSpPr>
+        <p:cNvPr id="1" name=""/>
+        <p:cNvGrpSpPr/>
+        <p:nvPr/>
+      </p:nvGrpSpPr>
+      <p:grpSpPr>
+        <a:xfrm>
+          <a:off x="0" y="0"/>
+          <a:ext cx="0" cy="0"/>
+          <a:chOff x="0" y="0"/>
+          <a:chExt cx="0" cy="0"/>
+        </a:xfrm>
+      </p:grpSpPr>
+      <p:sp>
+        <p:nvSpPr>
           <p:cNvPr id="287" name="PlaceHolder 1"/>
           <p:cNvSpPr>
             <a:spLocks noGrp="1" noRot="1" noChangeAspect="1"/>
@@ -3443,14 +4412,131 @@
               </a:lnSpc>
             </a:pPr>
             <a:r>
-              <a:rPr lang="en-US" sz="2000" b="0" strike="noStrike" spc="-1">
-                <a:latin typeface="Arial"/>
-              </a:rPr>
-              <a:t>If both x[0] and x[1] are 0 then the solution is 0, so the edge goes directly to the 0. </a:t>
-            </a:r>
-            <a:endParaRPr lang="de-AT" sz="2000" b="0" strike="noStrike" spc="-1">
-              <a:latin typeface="Arial"/>
-            </a:endParaRPr>
+              <a:rPr lang="de-AT" sz="2000" b="0" strike="noStrike" spc="-1" dirty="0">
+                <a:latin typeface="Arial"/>
+              </a:rPr>
+              <a:t>Power </a:t>
+            </a:r>
+            <a:r>
+              <a:rPr lang="de-AT" sz="2000" b="0" strike="noStrike" spc="-1" dirty="0" err="1">
+                <a:latin typeface="Arial"/>
+              </a:rPr>
+              <a:t>analysis</a:t>
+            </a:r>
+            <a:r>
+              <a:rPr lang="de-AT" sz="2000" b="0" strike="noStrike" spc="-1" dirty="0">
+                <a:latin typeface="Arial"/>
+              </a:rPr>
+              <a:t> </a:t>
+            </a:r>
+            <a:r>
+              <a:rPr lang="de-AT" sz="2000" b="0" strike="noStrike" spc="-1" dirty="0" err="1">
+                <a:latin typeface="Arial"/>
+              </a:rPr>
+              <a:t>is</a:t>
+            </a:r>
+            <a:r>
+              <a:rPr lang="de-AT" sz="2000" b="0" strike="noStrike" spc="-1" dirty="0">
+                <a:latin typeface="Arial"/>
+              </a:rPr>
+              <a:t> </a:t>
+            </a:r>
+            <a:r>
+              <a:rPr lang="de-AT" sz="2000" b="0" strike="noStrike" spc="-1" dirty="0" err="1">
+                <a:latin typeface="Arial"/>
+              </a:rPr>
+              <a:t>done</a:t>
+            </a:r>
+            <a:r>
+              <a:rPr lang="de-AT" sz="2000" b="0" strike="noStrike" spc="-1" dirty="0">
+                <a:latin typeface="Arial"/>
+              </a:rPr>
+              <a:t> </a:t>
+            </a:r>
+            <a:r>
+              <a:rPr lang="de-AT" sz="2000" b="0" strike="noStrike" spc="-1" dirty="0" err="1">
+                <a:latin typeface="Arial"/>
+              </a:rPr>
+              <a:t>by</a:t>
+            </a:r>
+            <a:r>
+              <a:rPr lang="de-AT" sz="2000" b="0" strike="noStrike" spc="-1" dirty="0">
+                <a:latin typeface="Arial"/>
+              </a:rPr>
+              <a:t> </a:t>
+            </a:r>
+            <a:r>
+              <a:rPr lang="de-AT" sz="2000" b="0" strike="noStrike" spc="-1" dirty="0" err="1">
+                <a:latin typeface="Arial"/>
+              </a:rPr>
+              <a:t>Vivado‘s</a:t>
+            </a:r>
+            <a:r>
+              <a:rPr lang="de-AT" sz="2000" b="0" strike="noStrike" spc="-1" dirty="0">
+                <a:latin typeface="Arial"/>
+              </a:rPr>
+              <a:t> power </a:t>
+            </a:r>
+            <a:r>
+              <a:rPr lang="de-AT" sz="2000" b="0" strike="noStrike" spc="-1" dirty="0" err="1">
+                <a:latin typeface="Arial"/>
+              </a:rPr>
+              <a:t>analysis</a:t>
+            </a:r>
+            <a:r>
+              <a:rPr lang="de-AT" sz="2000" b="0" strike="noStrike" spc="-1" dirty="0">
+                <a:latin typeface="Arial"/>
+              </a:rPr>
+              <a:t> </a:t>
+            </a:r>
+            <a:r>
+              <a:rPr lang="de-AT" sz="2000" b="0" strike="noStrike" spc="-1" dirty="0" err="1">
+                <a:latin typeface="Arial"/>
+              </a:rPr>
+              <a:t>tool</a:t>
+            </a:r>
+            <a:r>
+              <a:rPr lang="de-AT" sz="2000" b="0" strike="noStrike" spc="-1" dirty="0">
+                <a:latin typeface="Arial"/>
+              </a:rPr>
+              <a:t> </a:t>
+            </a:r>
+            <a:r>
+              <a:rPr lang="de-AT" sz="2000" b="0" strike="noStrike" spc="-1" dirty="0" err="1">
+                <a:latin typeface="Arial"/>
+              </a:rPr>
+              <a:t>with</a:t>
+            </a:r>
+            <a:r>
+              <a:rPr lang="de-AT" sz="2000" b="0" strike="noStrike" spc="-1" dirty="0">
+                <a:latin typeface="Arial"/>
+              </a:rPr>
+              <a:t> </a:t>
+            </a:r>
+            <a:r>
+              <a:rPr lang="de-AT" sz="2000" b="0" strike="noStrike" spc="-1" dirty="0" err="1">
+                <a:latin typeface="Arial"/>
+              </a:rPr>
+              <a:t>default</a:t>
+            </a:r>
+            <a:r>
+              <a:rPr lang="de-AT" sz="2000" b="0" strike="noStrike" spc="-1" dirty="0">
+                <a:latin typeface="Arial"/>
+              </a:rPr>
+              <a:t> </a:t>
+            </a:r>
+            <a:r>
+              <a:rPr lang="de-AT" sz="2000" b="0" strike="noStrike" spc="-1" dirty="0" err="1">
+                <a:latin typeface="Arial"/>
+              </a:rPr>
+              <a:t>settings</a:t>
+            </a:r>
+            <a:r>
+              <a:rPr lang="de-AT" sz="2000" b="0" strike="noStrike" spc="-1" dirty="0">
+                <a:latin typeface="Arial"/>
+              </a:rPr>
+              <a:t>.</a:t>
+            </a:r>
           </a:p>
           <a:p>
             <a:pPr marL="216000" indent="-216000">
@@ -3458,7 +4544,7 @@
                 <a:spcPct val="100000"/>
               </a:lnSpc>
             </a:pPr>
-            <a:endParaRPr lang="de-AT" sz="2000" b="0" strike="noStrike" spc="-1">
+            <a:endParaRPr lang="de-AT" sz="2000" b="0" strike="noStrike" spc="-1" dirty="0">
               <a:latin typeface="Arial"/>
             </a:endParaRPr>
           </a:p>
@@ -3469,14 +4555,245 @@
               </a:lnSpc>
             </a:pPr>
             <a:r>
-              <a:rPr lang="en-US" sz="2000" b="0" strike="noStrike" spc="-1">
-                <a:latin typeface="Arial"/>
-              </a:rPr>
-              <a:t>The other path to reach the 0 is with 0, 1, 0.</a:t>
-            </a:r>
-            <a:endParaRPr lang="de-AT" sz="2000" b="0" strike="noStrike" spc="-1">
-              <a:latin typeface="Arial"/>
-            </a:endParaRPr>
+              <a:rPr lang="de-AT" sz="2000" b="0" strike="noStrike" spc="-1" dirty="0" err="1">
+                <a:latin typeface="Arial"/>
+              </a:rPr>
+              <a:t>What‘s</a:t>
+            </a:r>
+            <a:r>
+              <a:rPr lang="de-AT" sz="2000" b="0" strike="noStrike" spc="-1" dirty="0">
+                <a:latin typeface="Arial"/>
+              </a:rPr>
+              <a:t> </a:t>
+            </a:r>
+            <a:r>
+              <a:rPr lang="de-AT" sz="2000" b="0" strike="noStrike" spc="-1" dirty="0" err="1">
+                <a:latin typeface="Arial"/>
+              </a:rPr>
+              <a:t>really</a:t>
+            </a:r>
+            <a:r>
+              <a:rPr lang="de-AT" sz="2000" b="0" strike="noStrike" spc="-1" dirty="0">
+                <a:latin typeface="Arial"/>
+              </a:rPr>
+              <a:t> </a:t>
+            </a:r>
+            <a:r>
+              <a:rPr lang="de-AT" sz="2000" b="0" strike="noStrike" spc="-1" dirty="0" err="1">
+                <a:latin typeface="Arial"/>
+              </a:rPr>
+              <a:t>problematic</a:t>
+            </a:r>
+            <a:r>
+              <a:rPr lang="de-AT" sz="2000" b="0" strike="noStrike" spc="-1" dirty="0">
+                <a:latin typeface="Arial"/>
+              </a:rPr>
+              <a:t> </a:t>
+            </a:r>
+            <a:r>
+              <a:rPr lang="de-AT" sz="2000" b="0" strike="noStrike" spc="-1" dirty="0" err="1">
+                <a:latin typeface="Arial"/>
+              </a:rPr>
+              <a:t>here</a:t>
+            </a:r>
+            <a:r>
+              <a:rPr lang="de-AT" sz="2000" b="0" strike="noStrike" spc="-1" dirty="0">
+                <a:latin typeface="Arial"/>
+              </a:rPr>
+              <a:t> </a:t>
+            </a:r>
+            <a:r>
+              <a:rPr lang="de-AT" sz="2000" b="0" strike="noStrike" spc="-1" dirty="0" err="1">
+                <a:latin typeface="Arial"/>
+              </a:rPr>
+              <a:t>is</a:t>
+            </a:r>
+            <a:r>
+              <a:rPr lang="de-AT" sz="2000" b="0" strike="noStrike" spc="-1" dirty="0">
+                <a:latin typeface="Arial"/>
+              </a:rPr>
+              <a:t> </a:t>
+            </a:r>
+            <a:r>
+              <a:rPr lang="de-AT" sz="2000" b="0" strike="noStrike" spc="-1" dirty="0" err="1">
+                <a:latin typeface="Arial"/>
+              </a:rPr>
+              <a:t>that</a:t>
+            </a:r>
+            <a:r>
+              <a:rPr lang="de-AT" sz="2000" b="0" strike="noStrike" spc="-1" dirty="0">
+                <a:latin typeface="Arial"/>
+              </a:rPr>
+              <a:t> </a:t>
+            </a:r>
+            <a:r>
+              <a:rPr lang="de-AT" sz="2000" b="0" strike="noStrike" spc="-1" dirty="0" err="1">
+                <a:latin typeface="Arial"/>
+              </a:rPr>
+              <a:t>approximate</a:t>
+            </a:r>
+            <a:r>
+              <a:rPr lang="de-AT" sz="2000" b="0" strike="noStrike" spc="-1" dirty="0">
+                <a:latin typeface="Arial"/>
+              </a:rPr>
+              <a:t> design </a:t>
+            </a:r>
+            <a:r>
+              <a:rPr lang="de-AT" sz="2000" b="0" strike="noStrike" spc="-1" dirty="0" err="1">
+                <a:latin typeface="Arial"/>
+              </a:rPr>
+              <a:t>should</a:t>
+            </a:r>
+            <a:r>
+              <a:rPr lang="de-AT" sz="2000" b="0" strike="noStrike" spc="-1" dirty="0">
+                <a:latin typeface="Arial"/>
+              </a:rPr>
+              <a:t> </a:t>
+            </a:r>
+            <a:r>
+              <a:rPr lang="de-AT" sz="2000" b="0" strike="noStrike" spc="-1" dirty="0" err="1">
+                <a:latin typeface="Arial"/>
+              </a:rPr>
+              <a:t>be</a:t>
+            </a:r>
+            <a:r>
+              <a:rPr lang="de-AT" sz="2000" b="0" strike="noStrike" spc="-1" dirty="0">
+                <a:latin typeface="Arial"/>
+              </a:rPr>
+              <a:t> </a:t>
+            </a:r>
+            <a:r>
+              <a:rPr lang="de-AT" sz="2000" b="0" strike="noStrike" spc="-1" dirty="0" err="1">
+                <a:latin typeface="Arial"/>
+              </a:rPr>
+              <a:t>more</a:t>
+            </a:r>
+            <a:r>
+              <a:rPr lang="de-AT" sz="2000" b="0" strike="noStrike" spc="-1" dirty="0">
+                <a:latin typeface="Arial"/>
+              </a:rPr>
+              <a:t> </a:t>
+            </a:r>
+            <a:r>
+              <a:rPr lang="de-AT" sz="2000" b="0" strike="noStrike" spc="-1" dirty="0" err="1">
+                <a:latin typeface="Arial"/>
+              </a:rPr>
+              <a:t>efficient</a:t>
+            </a:r>
+            <a:r>
+              <a:rPr lang="de-AT" sz="2000" b="0" strike="noStrike" spc="-1" dirty="0">
+                <a:latin typeface="Arial"/>
+              </a:rPr>
+              <a:t> </a:t>
+            </a:r>
+            <a:r>
+              <a:rPr lang="de-AT" sz="2000" b="0" strike="noStrike" spc="-1" dirty="0" err="1">
+                <a:latin typeface="Arial"/>
+              </a:rPr>
+              <a:t>than</a:t>
+            </a:r>
+            <a:r>
+              <a:rPr lang="de-AT" sz="2000" b="0" strike="noStrike" spc="-1" dirty="0">
+                <a:latin typeface="Arial"/>
+              </a:rPr>
+              <a:t> </a:t>
+            </a:r>
+            <a:r>
+              <a:rPr lang="de-AT" sz="2000" b="0" strike="noStrike" spc="-1" dirty="0" err="1">
+                <a:latin typeface="Arial"/>
+              </a:rPr>
+              <a:t>exact</a:t>
+            </a:r>
+            <a:r>
+              <a:rPr lang="de-AT" sz="2000" b="0" strike="noStrike" spc="-1" dirty="0">
+                <a:latin typeface="Arial"/>
+              </a:rPr>
+              <a:t> design. But </a:t>
+            </a:r>
+            <a:r>
+              <a:rPr lang="de-AT" sz="2000" b="0" strike="noStrike" spc="-1" dirty="0" err="1">
+                <a:latin typeface="Arial"/>
+              </a:rPr>
+              <a:t>what</a:t>
+            </a:r>
+            <a:r>
+              <a:rPr lang="de-AT" sz="2000" b="0" strike="noStrike" spc="-1" dirty="0">
+                <a:latin typeface="Arial"/>
+              </a:rPr>
+              <a:t> </a:t>
+            </a:r>
+            <a:r>
+              <a:rPr lang="de-AT" sz="2000" b="0" strike="noStrike" spc="-1" dirty="0" err="1">
+                <a:latin typeface="Arial"/>
+              </a:rPr>
+              <a:t>we</a:t>
+            </a:r>
+            <a:r>
+              <a:rPr lang="de-AT" sz="2000" b="0" strike="noStrike" spc="-1" dirty="0">
+                <a:latin typeface="Arial"/>
+              </a:rPr>
+              <a:t> </a:t>
+            </a:r>
+            <a:r>
+              <a:rPr lang="de-AT" sz="2000" b="0" strike="noStrike" spc="-1" dirty="0" err="1">
+                <a:latin typeface="Arial"/>
+              </a:rPr>
+              <a:t>see</a:t>
+            </a:r>
+            <a:r>
+              <a:rPr lang="de-AT" sz="2000" b="0" strike="noStrike" spc="-1" dirty="0">
+                <a:latin typeface="Arial"/>
+              </a:rPr>
+              <a:t> </a:t>
+            </a:r>
+            <a:r>
+              <a:rPr lang="de-AT" sz="2000" b="0" strike="noStrike" spc="-1" dirty="0" err="1">
+                <a:latin typeface="Arial"/>
+              </a:rPr>
+              <a:t>here</a:t>
+            </a:r>
+            <a:r>
+              <a:rPr lang="de-AT" sz="2000" b="0" strike="noStrike" spc="-1" dirty="0">
+                <a:latin typeface="Arial"/>
+              </a:rPr>
+              <a:t> </a:t>
+            </a:r>
+            <a:r>
+              <a:rPr lang="de-AT" sz="2000" b="0" strike="noStrike" spc="-1" dirty="0" err="1">
+                <a:latin typeface="Arial"/>
+              </a:rPr>
+              <a:t>is</a:t>
+            </a:r>
+            <a:r>
+              <a:rPr lang="de-AT" sz="2000" b="0" strike="noStrike" spc="-1" dirty="0">
+                <a:latin typeface="Arial"/>
+              </a:rPr>
+              <a:t> </a:t>
+            </a:r>
+            <a:r>
+              <a:rPr lang="de-AT" sz="2000" b="0" strike="noStrike" spc="-1" dirty="0" err="1">
+                <a:latin typeface="Arial"/>
+              </a:rPr>
+              <a:t>the</a:t>
+            </a:r>
+            <a:r>
+              <a:rPr lang="de-AT" sz="2000" b="0" strike="noStrike" spc="-1" dirty="0">
+                <a:latin typeface="Arial"/>
+              </a:rPr>
+              <a:t> </a:t>
+            </a:r>
+            <a:r>
+              <a:rPr lang="de-AT" sz="2000" b="0" strike="noStrike" spc="-1" dirty="0" err="1">
+                <a:latin typeface="Arial"/>
+              </a:rPr>
+              <a:t>opposite</a:t>
+            </a:r>
+            <a:r>
+              <a:rPr lang="de-AT" sz="2000" b="0" strike="noStrike" spc="-1" dirty="0">
+                <a:latin typeface="Arial"/>
+              </a:rPr>
+              <a:t>.</a:t>
+            </a:r>
           </a:p>
           <a:p>
             <a:pPr marL="216000" indent="-216000">
@@ -3484,7 +4801,7 @@
                 <a:spcPct val="100000"/>
               </a:lnSpc>
             </a:pPr>
-            <a:endParaRPr lang="de-AT" sz="2000" b="0" strike="noStrike" spc="-1">
+            <a:endParaRPr lang="de-AT" sz="2000" b="0" strike="noStrike" spc="-1" dirty="0">
               <a:latin typeface="Arial"/>
             </a:endParaRPr>
           </a:p>
@@ -3494,9 +4811,42 @@
                 <a:spcPct val="100000"/>
               </a:lnSpc>
             </a:pPr>
-            <a:endParaRPr lang="de-AT" sz="2000" b="0" strike="noStrike" spc="-1">
-              <a:latin typeface="Arial"/>
-            </a:endParaRPr>
+            <a:r>
+              <a:rPr lang="de-AT" sz="2000" b="0" strike="noStrike" spc="-1" dirty="0" err="1">
+                <a:latin typeface="Arial"/>
+              </a:rPr>
+              <a:t>Approximate</a:t>
+            </a:r>
+            <a:r>
+              <a:rPr lang="de-AT" sz="2000" b="0" strike="noStrike" spc="-1" dirty="0">
+                <a:latin typeface="Arial"/>
+              </a:rPr>
+              <a:t> design </a:t>
+            </a:r>
+            <a:r>
+              <a:rPr lang="de-AT" sz="2000" b="0" strike="noStrike" spc="-1" dirty="0" err="1">
+                <a:latin typeface="Arial"/>
+              </a:rPr>
+              <a:t>consumes</a:t>
+            </a:r>
+            <a:r>
+              <a:rPr lang="de-AT" sz="2000" b="0" strike="noStrike" spc="-1" dirty="0">
+                <a:latin typeface="Arial"/>
+              </a:rPr>
+              <a:t> 23.75% </a:t>
+            </a:r>
+            <a:r>
+              <a:rPr lang="de-AT" sz="2000" b="0" strike="noStrike" spc="-1" dirty="0" err="1">
+                <a:latin typeface="Arial"/>
+              </a:rPr>
+              <a:t>more</a:t>
+            </a:r>
+            <a:r>
+              <a:rPr lang="de-AT" sz="2000" b="0" strike="noStrike" spc="-1" dirty="0">
+                <a:latin typeface="Arial"/>
+              </a:rPr>
+              <a:t> power.</a:t>
+            </a:r>
           </a:p>
           <a:p>
             <a:pPr marL="216000" indent="-216000">
@@ -3504,7 +4854,7 @@
                 <a:spcPct val="100000"/>
               </a:lnSpc>
             </a:pPr>
-            <a:endParaRPr lang="de-AT" sz="2000" b="0" strike="noStrike" spc="-1">
+            <a:endParaRPr lang="de-AT" sz="2000" b="0" strike="noStrike" spc="-1" dirty="0">
               <a:latin typeface="Arial"/>
             </a:endParaRPr>
           </a:p>
@@ -3514,13 +4864,7 @@
                 <a:spcPct val="100000"/>
               </a:lnSpc>
             </a:pPr>
-            <a:r>
-              <a:rPr lang="en-US" sz="2000" b="0" strike="noStrike" spc="-1">
-                <a:latin typeface="Arial"/>
-              </a:rPr>
-              <a:t>This reduction of possible paths lead to a much smaller representation then a truth table. </a:t>
-            </a:r>
-            <a:endParaRPr lang="de-AT" sz="2000" b="0" strike="noStrike" spc="-1">
+            <a:endParaRPr lang="de-AT" sz="2000" b="0" strike="noStrike" spc="-1" dirty="0">
               <a:latin typeface="Arial"/>
             </a:endParaRPr>
           </a:p>
@@ -3530,7 +4874,7 @@
                 <a:spcPct val="100000"/>
               </a:lnSpc>
             </a:pPr>
-            <a:endParaRPr lang="de-AT" sz="2000" b="0" strike="noStrike" spc="-1">
+            <a:endParaRPr lang="de-AT" sz="2000" b="0" strike="noStrike" spc="-1" dirty="0">
               <a:latin typeface="Arial"/>
             </a:endParaRPr>
           </a:p>
@@ -3540,16 +4884,81 @@
                 <a:spcPct val="100000"/>
               </a:lnSpc>
             </a:pPr>
-            <a:r>
-              <a:rPr lang="en-US" sz="2000" b="0" strike="noStrike" spc="-1">
-                <a:latin typeface="Arial"/>
-              </a:rPr>
-              <a:t>It is possible to compute and analyze BDD automatically. This includes checking for satisfiability, tautologies, and value inserting.</a:t>
-            </a:r>
-            <a:endParaRPr lang="de-AT" sz="2000" b="0" strike="noStrike" spc="-1">
-              <a:latin typeface="Arial"/>
-            </a:endParaRPr>
-          </a:p>
+            <a:endParaRPr lang="de-AT" sz="2000" b="0" strike="noStrike" spc="-1" dirty="0">
+              <a:latin typeface="Arial"/>
+            </a:endParaRPr>
+          </a:p>
+        </p:txBody>
+      </p:sp>
+    </p:spTree>
+  </p:cSld>
+  <p:clrMapOvr>
+    <a:masterClrMapping/>
+  </p:clrMapOvr>
+</p:notes>
+</file>
+
+<file path=ppt/notesSlides/notesSlide22.xml><?xml version="1.0" encoding="utf-8"?>
+<p:notes xmlns:a="http://schemas.openxmlformats.org/drawingml/2006/main" xmlns:r="http://schemas.openxmlformats.org/officeDocument/2006/relationships" xmlns:p="http://schemas.openxmlformats.org/presentationml/2006/main">
+  <p:cSld>
+    <p:spTree>
+      <p:nvGrpSpPr>
+        <p:cNvPr id="1" name=""/>
+        <p:cNvGrpSpPr/>
+        <p:nvPr/>
+      </p:nvGrpSpPr>
+      <p:grpSpPr>
+        <a:xfrm>
+          <a:off x="0" y="0"/>
+          <a:ext cx="0" cy="0"/>
+          <a:chOff x="0" y="0"/>
+          <a:chExt cx="0" cy="0"/>
+        </a:xfrm>
+      </p:grpSpPr>
+      <p:sp>
+        <p:nvSpPr>
+          <p:cNvPr id="287" name="PlaceHolder 1"/>
+          <p:cNvSpPr>
+            <a:spLocks noGrp="1" noRot="1" noChangeAspect="1"/>
+          </p:cNvSpPr>
+          <p:nvPr>
+            <p:ph type="sldImg"/>
+          </p:nvPr>
+        </p:nvSpPr>
+        <p:spPr>
+          <a:xfrm>
+            <a:off x="1106488" y="812800"/>
+            <a:ext cx="5345112" cy="4008438"/>
+          </a:xfrm>
+          <a:prstGeom prst="rect">
+            <a:avLst/>
+          </a:prstGeom>
+        </p:spPr>
+      </p:sp>
+      <p:sp>
+        <p:nvSpPr>
+          <p:cNvPr id="288" name="PlaceHolder 2"/>
+          <p:cNvSpPr>
+            <a:spLocks noGrp="1"/>
+          </p:cNvSpPr>
+          <p:nvPr>
+            <p:ph type="body"/>
+          </p:nvPr>
+        </p:nvSpPr>
+        <p:spPr>
+          <a:xfrm>
+            <a:off x="756000" y="5078520"/>
+            <a:ext cx="6047280" cy="4810680"/>
+          </a:xfrm>
+          <a:prstGeom prst="rect">
+            <a:avLst/>
+          </a:prstGeom>
+        </p:spPr>
+        <p:txBody>
+          <a:bodyPr lIns="0" tIns="0" rIns="0" bIns="0">
+            <a:noAutofit/>
+          </a:bodyPr>
+          <a:lstStyle/>
           <a:p>
             <a:pPr marL="216000" indent="-216000">
               <a:lnSpc>
@@ -3557,14 +4966,592 @@
               </a:lnSpc>
             </a:pPr>
             <a:r>
-              <a:rPr lang="en-US" sz="2000" b="0" strike="noStrike" spc="-1">
-                <a:latin typeface="Arial"/>
-              </a:rPr>
-              <a:t>The complexity only grows either linear or quadratic with the number of inputs for these operations. (Exact numbers in “An Introduction to BDDs” by Henrik Reif Andersen).</a:t>
-            </a:r>
-            <a:endParaRPr lang="de-AT" sz="2000" b="0" strike="noStrike" spc="-1">
-              <a:latin typeface="Arial"/>
-            </a:endParaRPr>
+              <a:rPr lang="de-AT" sz="2000" b="0" strike="noStrike" spc="-1" dirty="0">
+                <a:latin typeface="Arial"/>
+              </a:rPr>
+              <a:t>In 16 Bit design, </a:t>
+            </a:r>
+            <a:r>
+              <a:rPr lang="de-AT" sz="2000" b="0" strike="noStrike" spc="-1" dirty="0" err="1">
+                <a:latin typeface="Arial"/>
+              </a:rPr>
+              <a:t>the</a:t>
+            </a:r>
+            <a:r>
+              <a:rPr lang="de-AT" sz="2000" b="0" strike="noStrike" spc="-1" dirty="0">
+                <a:latin typeface="Arial"/>
+              </a:rPr>
+              <a:t> </a:t>
+            </a:r>
+            <a:r>
+              <a:rPr lang="de-AT" sz="2000" b="0" strike="noStrike" spc="-1" dirty="0" err="1">
+                <a:latin typeface="Arial"/>
+              </a:rPr>
+              <a:t>difference</a:t>
+            </a:r>
+            <a:r>
+              <a:rPr lang="de-AT" sz="2000" b="0" strike="noStrike" spc="-1" dirty="0">
+                <a:latin typeface="Arial"/>
+              </a:rPr>
+              <a:t> in power </a:t>
+            </a:r>
+            <a:r>
+              <a:rPr lang="de-AT" sz="2000" b="0" strike="noStrike" spc="-1" dirty="0" err="1">
+                <a:latin typeface="Arial"/>
+              </a:rPr>
+              <a:t>consumption</a:t>
+            </a:r>
+            <a:r>
+              <a:rPr lang="de-AT" sz="2000" b="0" strike="noStrike" spc="-1" dirty="0">
+                <a:latin typeface="Arial"/>
+              </a:rPr>
+              <a:t> </a:t>
+            </a:r>
+            <a:r>
+              <a:rPr lang="de-AT" sz="2000" b="0" strike="noStrike" spc="-1" dirty="0" err="1">
+                <a:latin typeface="Arial"/>
+              </a:rPr>
+              <a:t>reaches</a:t>
+            </a:r>
+            <a:r>
+              <a:rPr lang="de-AT" sz="2000" b="0" strike="noStrike" spc="-1" dirty="0">
+                <a:latin typeface="Arial"/>
+              </a:rPr>
+              <a:t> </a:t>
+            </a:r>
+            <a:r>
+              <a:rPr lang="de-AT" sz="2000" b="0" strike="noStrike" spc="-1" dirty="0" err="1">
+                <a:latin typeface="Arial"/>
+              </a:rPr>
+              <a:t>to</a:t>
+            </a:r>
+            <a:r>
+              <a:rPr lang="de-AT" sz="2000" b="0" strike="noStrike" spc="-1" dirty="0">
+                <a:latin typeface="Arial"/>
+              </a:rPr>
+              <a:t> </a:t>
+            </a:r>
+            <a:r>
+              <a:rPr lang="de-AT" sz="2000" b="0" strike="noStrike" spc="-1" dirty="0" err="1">
+                <a:latin typeface="Arial"/>
+              </a:rPr>
+              <a:t>almost</a:t>
+            </a:r>
+            <a:r>
+              <a:rPr lang="de-AT" sz="2000" b="0" strike="noStrike" spc="-1" dirty="0">
+                <a:latin typeface="Arial"/>
+              </a:rPr>
+              <a:t> 50% (49.33%).</a:t>
+            </a:r>
+          </a:p>
+        </p:txBody>
+      </p:sp>
+    </p:spTree>
+    <p:extLst>
+      <p:ext uri="{BB962C8B-B14F-4D97-AF65-F5344CB8AC3E}">
+        <p14:creationId xmlns:p14="http://schemas.microsoft.com/office/powerpoint/2010/main" val="1135577881"/>
+      </p:ext>
+    </p:extLst>
+  </p:cSld>
+  <p:clrMapOvr>
+    <a:masterClrMapping/>
+  </p:clrMapOvr>
+</p:notes>
+</file>
+
+<file path=ppt/notesSlides/notesSlide23.xml><?xml version="1.0" encoding="utf-8"?>
+<p:notes xmlns:a="http://schemas.openxmlformats.org/drawingml/2006/main" xmlns:r="http://schemas.openxmlformats.org/officeDocument/2006/relationships" xmlns:p="http://schemas.openxmlformats.org/presentationml/2006/main">
+  <p:cSld>
+    <p:spTree>
+      <p:nvGrpSpPr>
+        <p:cNvPr id="1" name=""/>
+        <p:cNvGrpSpPr/>
+        <p:nvPr/>
+      </p:nvGrpSpPr>
+      <p:grpSpPr>
+        <a:xfrm>
+          <a:off x="0" y="0"/>
+          <a:ext cx="0" cy="0"/>
+          <a:chOff x="0" y="0"/>
+          <a:chExt cx="0" cy="0"/>
+        </a:xfrm>
+      </p:grpSpPr>
+      <p:sp>
+        <p:nvSpPr>
+          <p:cNvPr id="287" name="PlaceHolder 1"/>
+          <p:cNvSpPr>
+            <a:spLocks noGrp="1" noRot="1" noChangeAspect="1"/>
+          </p:cNvSpPr>
+          <p:nvPr>
+            <p:ph type="sldImg"/>
+          </p:nvPr>
+        </p:nvSpPr>
+        <p:spPr>
+          <a:xfrm>
+            <a:off x="1106488" y="812800"/>
+            <a:ext cx="5345112" cy="4008438"/>
+          </a:xfrm>
+          <a:prstGeom prst="rect">
+            <a:avLst/>
+          </a:prstGeom>
+        </p:spPr>
+      </p:sp>
+      <p:sp>
+        <p:nvSpPr>
+          <p:cNvPr id="288" name="PlaceHolder 2"/>
+          <p:cNvSpPr>
+            <a:spLocks noGrp="1"/>
+          </p:cNvSpPr>
+          <p:nvPr>
+            <p:ph type="body"/>
+          </p:nvPr>
+        </p:nvSpPr>
+        <p:spPr>
+          <a:xfrm>
+            <a:off x="756000" y="5078520"/>
+            <a:ext cx="6047280" cy="4810680"/>
+          </a:xfrm>
+          <a:prstGeom prst="rect">
+            <a:avLst/>
+          </a:prstGeom>
+        </p:spPr>
+        <p:txBody>
+          <a:bodyPr lIns="0" tIns="0" rIns="0" bIns="0">
+            <a:noAutofit/>
+          </a:bodyPr>
+          <a:lstStyle/>
+          <a:p>
+            <a:pPr marL="216000" indent="-216000" algn="l" defTabSz="914400" rtl="0" eaLnBrk="1" latinLnBrk="0" hangingPunct="1">
+              <a:lnSpc>
+                <a:spcPct val="100000"/>
+              </a:lnSpc>
+            </a:pPr>
+            <a:r>
+              <a:rPr lang="de-AT" sz="2000" b="0" strike="noStrike" kern="1200" spc="-1" dirty="0">
+                <a:solidFill>
+                  <a:schemeClr val="tx1"/>
+                </a:solidFill>
+                <a:latin typeface="Arial"/>
+                <a:ea typeface="+mn-ea"/>
+                <a:cs typeface="+mn-cs"/>
+              </a:rPr>
+              <a:t>„</a:t>
+            </a:r>
+            <a:r>
+              <a:rPr lang="de-AT" sz="2000" b="0" strike="noStrike" kern="1200" spc="-1" dirty="0" err="1">
+                <a:solidFill>
+                  <a:schemeClr val="tx1"/>
+                </a:solidFill>
+                <a:latin typeface="Arial"/>
+                <a:ea typeface="+mn-ea"/>
+                <a:cs typeface="+mn-cs"/>
+                <a:hlinkClick r:id="rId3" tooltip="Meridiantertie">
+                  <a:extLst>
+                    <a:ext uri="{A12FA001-AC4F-418D-AE19-62706E023703}">
+                      <ahyp:hlinkClr xmlns:ahyp="http://schemas.microsoft.com/office/drawing/2018/hyperlinkcolor" val="tx"/>
+                    </a:ext>
+                  </a:extLst>
+                </a:hlinkClick>
+              </a:rPr>
+              <a:t>Meridiantertie</a:t>
+            </a:r>
+            <a:r>
+              <a:rPr lang="de-AT" sz="2000" b="0" strike="noStrike" kern="1200" spc="-1" dirty="0">
+                <a:solidFill>
+                  <a:schemeClr val="tx1"/>
+                </a:solidFill>
+                <a:latin typeface="Arial"/>
+                <a:ea typeface="+mn-ea"/>
+                <a:cs typeface="+mn-cs"/>
+              </a:rPr>
+              <a:t>“ (1 </a:t>
+            </a:r>
+            <a:r>
+              <a:rPr lang="de-AT" sz="2000" b="0" strike="noStrike" kern="1200" spc="-1" dirty="0" err="1">
+                <a:solidFill>
+                  <a:schemeClr val="tx1"/>
+                </a:solidFill>
+                <a:latin typeface="Arial"/>
+                <a:ea typeface="+mn-ea"/>
+                <a:cs typeface="+mn-cs"/>
+              </a:rPr>
+              <a:t>mtr</a:t>
+            </a:r>
+            <a:r>
+              <a:rPr lang="de-AT" sz="2000" b="0" strike="noStrike" kern="1200" spc="-1" dirty="0">
+                <a:solidFill>
+                  <a:schemeClr val="tx1"/>
+                </a:solidFill>
+                <a:latin typeface="Arial"/>
+                <a:ea typeface="+mn-ea"/>
+                <a:cs typeface="+mn-cs"/>
+              </a:rPr>
+              <a:t> = 0,51444 Meter)</a:t>
+            </a:r>
+          </a:p>
+          <a:p>
+            <a:pPr marL="216000" indent="-216000" algn="l" defTabSz="914400" rtl="0" eaLnBrk="1" latinLnBrk="0" hangingPunct="1">
+              <a:lnSpc>
+                <a:spcPct val="100000"/>
+              </a:lnSpc>
+            </a:pPr>
+            <a:endParaRPr lang="de-AT" sz="2000" b="0" strike="noStrike" kern="1200" spc="-1" dirty="0">
+              <a:solidFill>
+                <a:schemeClr val="tx1"/>
+              </a:solidFill>
+              <a:latin typeface="Arial"/>
+              <a:ea typeface="+mn-ea"/>
+              <a:cs typeface="+mn-cs"/>
+            </a:endParaRPr>
+          </a:p>
+          <a:p>
+            <a:pPr marL="216000" marR="0" lvl="0" indent="-216000" algn="l" defTabSz="914400" rtl="0" eaLnBrk="1" fontAlgn="auto" latinLnBrk="0" hangingPunct="1">
+              <a:lnSpc>
+                <a:spcPct val="100000"/>
+              </a:lnSpc>
+              <a:spcBef>
+                <a:spcPts val="0"/>
+              </a:spcBef>
+              <a:spcAft>
+                <a:spcPts val="0"/>
+              </a:spcAft>
+              <a:buClrTx/>
+              <a:buSzTx/>
+              <a:buFontTx/>
+              <a:buNone/>
+              <a:tabLst/>
+              <a:defRPr/>
+            </a:pPr>
+            <a:r>
+              <a:rPr lang="de-AT" sz="2000" b="0" strike="noStrike" kern="1200" spc="-1" dirty="0" err="1">
+                <a:solidFill>
+                  <a:schemeClr val="tx1"/>
+                </a:solidFill>
+                <a:latin typeface="Arial"/>
+                <a:ea typeface="+mn-ea"/>
+                <a:cs typeface="+mn-cs"/>
+              </a:rPr>
+              <a:t>Without</a:t>
+            </a:r>
+            <a:r>
+              <a:rPr lang="de-AT" sz="2000" b="0" strike="noStrike" kern="1200" spc="-1" dirty="0">
+                <a:solidFill>
+                  <a:schemeClr val="tx1"/>
+                </a:solidFill>
+                <a:latin typeface="Arial"/>
+                <a:ea typeface="+mn-ea"/>
+                <a:cs typeface="+mn-cs"/>
+              </a:rPr>
+              <a:t> </a:t>
+            </a:r>
+            <a:r>
+              <a:rPr lang="de-AT" sz="2000" b="0" strike="noStrike" kern="1200" spc="-1" dirty="0" err="1">
+                <a:solidFill>
+                  <a:schemeClr val="tx1"/>
+                </a:solidFill>
+                <a:latin typeface="Arial"/>
+                <a:ea typeface="+mn-ea"/>
+                <a:cs typeface="+mn-cs"/>
+              </a:rPr>
+              <a:t>testbench</a:t>
+            </a:r>
+            <a:r>
+              <a:rPr lang="de-AT" sz="2000" b="0" strike="noStrike" kern="1200" spc="-1" dirty="0">
+                <a:solidFill>
+                  <a:schemeClr val="tx1"/>
+                </a:solidFill>
+                <a:latin typeface="Arial"/>
+                <a:ea typeface="+mn-ea"/>
+                <a:cs typeface="+mn-cs"/>
+              </a:rPr>
+              <a:t> </a:t>
+            </a:r>
+            <a:r>
+              <a:rPr lang="de-AT" sz="2000" b="0" strike="noStrike" kern="1200" spc="-1" dirty="0" err="1">
+                <a:solidFill>
+                  <a:schemeClr val="tx1"/>
+                </a:solidFill>
+                <a:latin typeface="Arial"/>
+                <a:ea typeface="+mn-ea"/>
+                <a:cs typeface="+mn-cs"/>
+              </a:rPr>
+              <a:t>we</a:t>
+            </a:r>
+            <a:r>
+              <a:rPr lang="de-AT" sz="2000" b="0" strike="noStrike" kern="1200" spc="-1" dirty="0">
+                <a:solidFill>
+                  <a:schemeClr val="tx1"/>
+                </a:solidFill>
+                <a:latin typeface="Arial"/>
+                <a:ea typeface="+mn-ea"/>
+                <a:cs typeface="+mn-cs"/>
+              </a:rPr>
+              <a:t> </a:t>
+            </a:r>
+            <a:r>
+              <a:rPr lang="de-AT" sz="2000" b="0" strike="noStrike" kern="1200" spc="-1" dirty="0" err="1">
+                <a:solidFill>
+                  <a:schemeClr val="tx1"/>
+                </a:solidFill>
+                <a:latin typeface="Arial"/>
+                <a:ea typeface="+mn-ea"/>
+                <a:cs typeface="+mn-cs"/>
+              </a:rPr>
+              <a:t>are</a:t>
+            </a:r>
+            <a:r>
+              <a:rPr lang="de-AT" sz="2000" b="0" strike="noStrike" kern="1200" spc="-1" dirty="0">
+                <a:solidFill>
+                  <a:schemeClr val="tx1"/>
+                </a:solidFill>
+                <a:latin typeface="Arial"/>
+                <a:ea typeface="+mn-ea"/>
+                <a:cs typeface="+mn-cs"/>
+              </a:rPr>
+              <a:t> </a:t>
+            </a:r>
+            <a:r>
+              <a:rPr lang="de-AT" sz="2000" b="0" strike="noStrike" kern="1200" spc="-1" dirty="0" err="1">
+                <a:solidFill>
+                  <a:schemeClr val="tx1"/>
+                </a:solidFill>
+                <a:latin typeface="Arial"/>
+                <a:ea typeface="+mn-ea"/>
+                <a:cs typeface="+mn-cs"/>
+              </a:rPr>
+              <a:t>actually</a:t>
+            </a:r>
+            <a:r>
+              <a:rPr lang="de-AT" sz="2000" b="0" strike="noStrike" kern="1200" spc="-1" dirty="0">
+                <a:solidFill>
+                  <a:schemeClr val="tx1"/>
+                </a:solidFill>
+                <a:latin typeface="Arial"/>
+                <a:ea typeface="+mn-ea"/>
+                <a:cs typeface="+mn-cs"/>
+              </a:rPr>
+              <a:t> blind </a:t>
+            </a:r>
+            <a:r>
+              <a:rPr lang="de-AT" sz="2000" b="0" strike="noStrike" kern="1200" spc="-1" dirty="0" err="1">
+                <a:solidFill>
+                  <a:schemeClr val="tx1"/>
+                </a:solidFill>
+                <a:latin typeface="Arial"/>
+                <a:ea typeface="+mn-ea"/>
+                <a:cs typeface="+mn-cs"/>
+              </a:rPr>
+              <a:t>to</a:t>
+            </a:r>
+            <a:r>
+              <a:rPr lang="de-AT" sz="2000" b="0" strike="noStrike" kern="1200" spc="-1" dirty="0">
+                <a:solidFill>
+                  <a:schemeClr val="tx1"/>
+                </a:solidFill>
+                <a:latin typeface="Arial"/>
+                <a:ea typeface="+mn-ea"/>
+                <a:cs typeface="+mn-cs"/>
+              </a:rPr>
+              <a:t> </a:t>
+            </a:r>
+            <a:r>
+              <a:rPr lang="de-AT" sz="2000" b="0" strike="noStrike" kern="1200" spc="-1" dirty="0" err="1">
+                <a:solidFill>
+                  <a:schemeClr val="tx1"/>
+                </a:solidFill>
+                <a:latin typeface="Arial"/>
+                <a:ea typeface="+mn-ea"/>
+                <a:cs typeface="+mn-cs"/>
+              </a:rPr>
+              <a:t>see</a:t>
+            </a:r>
+            <a:r>
+              <a:rPr lang="de-AT" sz="2000" b="0" strike="noStrike" kern="1200" spc="-1" dirty="0">
+                <a:solidFill>
+                  <a:schemeClr val="tx1"/>
+                </a:solidFill>
+                <a:latin typeface="Arial"/>
+                <a:ea typeface="+mn-ea"/>
+                <a:cs typeface="+mn-cs"/>
+              </a:rPr>
+              <a:t> </a:t>
+            </a:r>
+            <a:r>
+              <a:rPr lang="de-AT" sz="2000" b="0" strike="noStrike" kern="1200" spc="-1" dirty="0" err="1">
+                <a:solidFill>
+                  <a:schemeClr val="tx1"/>
+                </a:solidFill>
+                <a:latin typeface="Arial"/>
+                <a:ea typeface="+mn-ea"/>
+                <a:cs typeface="+mn-cs"/>
+              </a:rPr>
+              <a:t>what</a:t>
+            </a:r>
+            <a:r>
+              <a:rPr lang="de-AT" sz="2000" b="0" strike="noStrike" kern="1200" spc="-1" dirty="0">
+                <a:solidFill>
+                  <a:schemeClr val="tx1"/>
+                </a:solidFill>
+                <a:latin typeface="Arial"/>
+                <a:ea typeface="+mn-ea"/>
+                <a:cs typeface="+mn-cs"/>
+              </a:rPr>
+              <a:t> </a:t>
+            </a:r>
+            <a:r>
+              <a:rPr lang="de-AT" sz="2000" b="0" strike="noStrike" kern="1200" spc="-1" dirty="0" err="1">
+                <a:solidFill>
+                  <a:schemeClr val="tx1"/>
+                </a:solidFill>
+                <a:latin typeface="Arial"/>
+                <a:ea typeface="+mn-ea"/>
+                <a:cs typeface="+mn-cs"/>
+              </a:rPr>
+              <a:t>parameters</a:t>
+            </a:r>
+            <a:r>
+              <a:rPr lang="de-AT" sz="2000" b="0" strike="noStrike" kern="1200" spc="-1" dirty="0">
+                <a:solidFill>
+                  <a:schemeClr val="tx1"/>
+                </a:solidFill>
+                <a:latin typeface="Arial"/>
+                <a:ea typeface="+mn-ea"/>
+                <a:cs typeface="+mn-cs"/>
+              </a:rPr>
+              <a:t> </a:t>
+            </a:r>
+            <a:r>
+              <a:rPr lang="de-AT" sz="2000" b="0" strike="noStrike" kern="1200" spc="-1" dirty="0" err="1">
+                <a:solidFill>
+                  <a:schemeClr val="tx1"/>
+                </a:solidFill>
+                <a:latin typeface="Arial"/>
+                <a:ea typeface="+mn-ea"/>
+                <a:cs typeface="+mn-cs"/>
+              </a:rPr>
+              <a:t>vivado</a:t>
+            </a:r>
+            <a:r>
+              <a:rPr lang="de-AT" sz="2000" b="0" strike="noStrike" kern="1200" spc="-1" dirty="0">
+                <a:solidFill>
+                  <a:schemeClr val="tx1"/>
+                </a:solidFill>
+                <a:latin typeface="Arial"/>
+                <a:ea typeface="+mn-ea"/>
+                <a:cs typeface="+mn-cs"/>
+              </a:rPr>
+              <a:t> </a:t>
+            </a:r>
+            <a:r>
+              <a:rPr lang="de-AT" sz="2000" b="0" strike="noStrike" kern="1200" spc="-1" dirty="0" err="1">
+                <a:solidFill>
+                  <a:schemeClr val="tx1"/>
+                </a:solidFill>
+                <a:latin typeface="Arial"/>
+                <a:ea typeface="+mn-ea"/>
+                <a:cs typeface="+mn-cs"/>
+              </a:rPr>
+              <a:t>is</a:t>
+            </a:r>
+            <a:r>
+              <a:rPr lang="de-AT" sz="2000" b="0" strike="noStrike" kern="1200" spc="-1" dirty="0">
+                <a:solidFill>
+                  <a:schemeClr val="tx1"/>
+                </a:solidFill>
+                <a:latin typeface="Arial"/>
+                <a:ea typeface="+mn-ea"/>
+                <a:cs typeface="+mn-cs"/>
+              </a:rPr>
+              <a:t> </a:t>
+            </a:r>
+            <a:r>
+              <a:rPr lang="de-AT" sz="2000" b="0" strike="noStrike" kern="1200" spc="-1" dirty="0" err="1">
+                <a:solidFill>
+                  <a:schemeClr val="tx1"/>
+                </a:solidFill>
+                <a:latin typeface="Arial"/>
+                <a:ea typeface="+mn-ea"/>
+                <a:cs typeface="+mn-cs"/>
+              </a:rPr>
+              <a:t>actually</a:t>
+            </a:r>
+            <a:r>
+              <a:rPr lang="de-AT" sz="2000" b="0" strike="noStrike" kern="1200" spc="-1" dirty="0">
+                <a:solidFill>
+                  <a:schemeClr val="tx1"/>
+                </a:solidFill>
+                <a:latin typeface="Arial"/>
+                <a:ea typeface="+mn-ea"/>
+                <a:cs typeface="+mn-cs"/>
+              </a:rPr>
+              <a:t> </a:t>
+            </a:r>
+            <a:r>
+              <a:rPr lang="de-AT" sz="2000" b="0" strike="noStrike" kern="1200" spc="-1" dirty="0" err="1">
+                <a:solidFill>
+                  <a:schemeClr val="tx1"/>
+                </a:solidFill>
+                <a:latin typeface="Arial"/>
+                <a:ea typeface="+mn-ea"/>
+                <a:cs typeface="+mn-cs"/>
+              </a:rPr>
+              <a:t>taking</a:t>
+            </a:r>
+            <a:r>
+              <a:rPr lang="de-AT" sz="2000" b="0" strike="noStrike" kern="1200" spc="-1" dirty="0">
+                <a:solidFill>
+                  <a:schemeClr val="tx1"/>
+                </a:solidFill>
+                <a:latin typeface="Arial"/>
+                <a:ea typeface="+mn-ea"/>
+                <a:cs typeface="+mn-cs"/>
+              </a:rPr>
+              <a:t> </a:t>
+            </a:r>
+            <a:r>
+              <a:rPr lang="de-AT" sz="2000" b="0" strike="noStrike" kern="1200" spc="-1" dirty="0" err="1">
+                <a:solidFill>
+                  <a:schemeClr val="tx1"/>
+                </a:solidFill>
+                <a:latin typeface="Arial"/>
+                <a:ea typeface="+mn-ea"/>
+                <a:cs typeface="+mn-cs"/>
+              </a:rPr>
+              <a:t>into</a:t>
+            </a:r>
+            <a:r>
+              <a:rPr lang="de-AT" sz="2000" b="0" strike="noStrike" kern="1200" spc="-1" dirty="0">
+                <a:solidFill>
+                  <a:schemeClr val="tx1"/>
+                </a:solidFill>
+                <a:latin typeface="Arial"/>
+                <a:ea typeface="+mn-ea"/>
+                <a:cs typeface="+mn-cs"/>
+              </a:rPr>
+              <a:t> </a:t>
+            </a:r>
+            <a:r>
+              <a:rPr lang="de-AT" sz="2000" b="0" strike="noStrike" kern="1200" spc="-1" dirty="0" err="1">
+                <a:solidFill>
+                  <a:schemeClr val="tx1"/>
+                </a:solidFill>
+                <a:latin typeface="Arial"/>
+                <a:ea typeface="+mn-ea"/>
+                <a:cs typeface="+mn-cs"/>
+              </a:rPr>
+              <a:t>account</a:t>
+            </a:r>
+            <a:r>
+              <a:rPr lang="de-AT" sz="2000" b="0" strike="noStrike" kern="1200" spc="-1" dirty="0">
+                <a:solidFill>
+                  <a:schemeClr val="tx1"/>
+                </a:solidFill>
+                <a:latin typeface="Arial"/>
+                <a:ea typeface="+mn-ea"/>
+                <a:cs typeface="+mn-cs"/>
+              </a:rPr>
+              <a:t>.</a:t>
+            </a:r>
           </a:p>
           <a:p>
             <a:pPr marL="216000" indent="-216000">
@@ -3572,29 +5559,21 @@
                 <a:spcPct val="100000"/>
               </a:lnSpc>
             </a:pPr>
-            <a:endParaRPr lang="de-AT" sz="2000" b="0" strike="noStrike" spc="-1">
-              <a:latin typeface="Arial"/>
-            </a:endParaRPr>
-          </a:p>
-          <a:p>
-            <a:pPr marL="216000" indent="-216000">
-              <a:lnSpc>
-                <a:spcPct val="100000"/>
-              </a:lnSpc>
-            </a:pPr>
-            <a:r>
-              <a:rPr lang="en-US" sz="2000" b="0" strike="noStrike" spc="-1">
-                <a:latin typeface="Arial"/>
-              </a:rPr>
-              <a:t>With this technique, the analyzes can be done in an efficient way.</a:t>
-            </a:r>
-            <a:endParaRPr lang="de-AT" sz="2000" b="0" strike="noStrike" spc="-1">
+            <a:endParaRPr lang="de-AT" sz="2000" b="1" strike="noStrike" spc="-1" dirty="0">
+              <a:solidFill>
+                <a:schemeClr val="tx1"/>
+              </a:solidFill>
               <a:latin typeface="Arial"/>
             </a:endParaRPr>
           </a:p>
         </p:txBody>
       </p:sp>
     </p:spTree>
+    <p:extLst>
+      <p:ext uri="{BB962C8B-B14F-4D97-AF65-F5344CB8AC3E}">
+        <p14:creationId xmlns:p14="http://schemas.microsoft.com/office/powerpoint/2010/main" val="1525978084"/>
+      </p:ext>
+    </p:extLst>
   </p:cSld>
   <p:clrMapOvr>
     <a:masterClrMapping/>
@@ -11840,7 +13819,7 @@
         </p:style>
         <p:txBody>
           <a:bodyPr lIns="90000" tIns="45000" rIns="90000" bIns="45000">
-            <a:normAutofit fontScale="83000" lnSpcReduction="10000"/>
+            <a:normAutofit fontScale="90500" lnSpcReduction="20000"/>
           </a:bodyPr>
           <a:lstStyle/>
           <a:p>
@@ -16308,13 +18287,22 @@
               <a:buChar char=""/>
             </a:pPr>
             <a:r>
-              <a:rPr lang="de-AT" sz="2000" spc="-1">
+              <a:rPr lang="de-AT" sz="2000" spc="-1" dirty="0">
                 <a:solidFill>
                   <a:srgbClr val="000000"/>
                 </a:solidFill>
                 <a:latin typeface="Arial"/>
               </a:rPr>
-              <a:t>1-</a:t>
+              <a:t>1-, 4-, 8- and 16-bit </a:t>
+            </a:r>
+            <a:r>
+              <a:rPr lang="de-AT" sz="2000" spc="-1" dirty="0" err="1">
+                <a:solidFill>
+                  <a:srgbClr val="000000"/>
+                </a:solidFill>
+                <a:latin typeface="Arial"/>
+              </a:rPr>
+              <a:t>full</a:t>
             </a:r>
             <a:r>
               <a:rPr lang="de-AT" sz="2000" spc="-1" dirty="0">
@@ -16323,7 +18311,7 @@
                 </a:solidFill>
                 <a:latin typeface="Arial"/>
               </a:rPr>
-              <a:t>,4-,8- and 16-bit </a:t>
+              <a:t> </a:t>
             </a:r>
             <a:r>
               <a:rPr lang="de-AT" sz="2000" spc="-1" dirty="0" err="1">
@@ -16332,7 +18320,7 @@
                 </a:solidFill>
                 <a:latin typeface="Arial"/>
               </a:rPr>
-              <a:t>full</a:t>
+              <a:t>adders</a:t>
             </a:r>
             <a:r>
               <a:rPr lang="de-AT" sz="2000" spc="-1" dirty="0">
@@ -16344,22 +18332,24 @@
               <a:t> </a:t>
             </a:r>
             <a:r>
-              <a:rPr lang="de-AT" sz="2000" spc="-1" dirty="0" err="1">
+              <a:rPr lang="de-AT" sz="2000" b="0" strike="noStrike" spc="-1" dirty="0">
                 <a:solidFill>
                   <a:srgbClr val="000000"/>
                 </a:solidFill>
                 <a:latin typeface="Arial"/>
-              </a:rPr>
-              <a:t>adders</a:t>
-            </a:r>
-            <a:r>
-              <a:rPr lang="de-AT" sz="2000" spc="-1" dirty="0">
+                <a:ea typeface="DejaVu Sans"/>
+              </a:rPr>
+              <a:t>in </a:t>
+            </a:r>
+            <a:r>
+              <a:rPr lang="de-AT" sz="2000" b="0" strike="noStrike" spc="-1" dirty="0" err="1">
                 <a:solidFill>
                   <a:srgbClr val="000000"/>
                 </a:solidFill>
                 <a:latin typeface="Arial"/>
-              </a:rPr>
-              <a:t> </a:t>
+                <a:ea typeface="DejaVu Sans"/>
+              </a:rPr>
+              <a:t>exact</a:t>
             </a:r>
             <a:r>
               <a:rPr lang="de-AT" sz="2000" b="0" strike="noStrike" spc="-1" dirty="0">
@@ -16369,7 +18359,7 @@
                 <a:latin typeface="Arial"/>
                 <a:ea typeface="DejaVu Sans"/>
               </a:rPr>
-              <a:t>in </a:t>
+              <a:t> and </a:t>
             </a:r>
             <a:r>
               <a:rPr lang="de-AT" sz="2000" b="0" strike="noStrike" spc="-1" dirty="0" err="1">
@@ -16379,7 +18369,7 @@
                 <a:latin typeface="Arial"/>
                 <a:ea typeface="DejaVu Sans"/>
               </a:rPr>
-              <a:t>exact</a:t>
+              <a:t>approximate</a:t>
             </a:r>
             <a:r>
               <a:rPr lang="de-AT" sz="2000" b="0" strike="noStrike" spc="-1" dirty="0">
@@ -16389,7 +18379,7 @@
                 <a:latin typeface="Arial"/>
                 <a:ea typeface="DejaVu Sans"/>
               </a:rPr>
-              <a:t> and </a:t>
+              <a:t> form </a:t>
             </a:r>
             <a:r>
               <a:rPr lang="de-AT" sz="2000" b="0" strike="noStrike" spc="-1" dirty="0" err="1">
@@ -16399,27 +18389,7 @@
                 <a:latin typeface="Arial"/>
                 <a:ea typeface="DejaVu Sans"/>
               </a:rPr>
-              <a:t>approximate</a:t>
-            </a:r>
-            <a:r>
-              <a:rPr lang="de-AT" sz="2000" b="0" strike="noStrike" spc="-1" dirty="0">
-                <a:solidFill>
-                  <a:srgbClr val="000000"/>
-                </a:solidFill>
-                <a:latin typeface="Arial"/>
-                <a:ea typeface="DejaVu Sans"/>
-              </a:rPr>
-              <a:t> form </a:t>
-            </a:r>
-            <a:r>
-              <a:rPr lang="de-AT" sz="2000" b="0" strike="noStrike" spc="-1" dirty="0" err="1">
-                <a:solidFill>
-                  <a:srgbClr val="000000"/>
-                </a:solidFill>
-                <a:latin typeface="Arial"/>
-                <a:ea typeface="DejaVu Sans"/>
-              </a:rPr>
-              <a:t>is</a:t>
+              <a:t>are</a:t>
             </a:r>
             <a:r>
               <a:rPr lang="de-AT" sz="2000" b="0" strike="noStrike" spc="-1" dirty="0">
@@ -17774,6 +19744,120 @@
           <a:chExt cx="0" cy="0"/>
         </a:xfrm>
       </p:grpSpPr>
+      <p:pic>
+        <p:nvPicPr>
+          <p:cNvPr id="7" name="Grafik 6">
+            <a:extLst>
+              <a:ext uri="{FF2B5EF4-FFF2-40B4-BE49-F238E27FC236}">
+                <a16:creationId xmlns:a16="http://schemas.microsoft.com/office/drawing/2014/main" id="{8CA63470-2060-4638-BDD4-2963A69BB6B2}"/>
+              </a:ext>
+            </a:extLst>
+          </p:cNvPr>
+          <p:cNvPicPr>
+            <a:picLocks noChangeAspect="1"/>
+          </p:cNvPicPr>
+          <p:nvPr/>
+        </p:nvPicPr>
+        <p:blipFill>
+          <a:blip r:embed="rId3">
+            <a:extLst>
+              <a:ext uri="{28A0092B-C50C-407E-A947-70E740481C1C}">
+                <a14:useLocalDpi xmlns:a14="http://schemas.microsoft.com/office/drawing/2010/main" val="0"/>
+              </a:ext>
+            </a:extLst>
+          </a:blip>
+          <a:stretch>
+            <a:fillRect/>
+          </a:stretch>
+        </p:blipFill>
+        <p:spPr>
+          <a:xfrm>
+            <a:off x="483121" y="0"/>
+            <a:ext cx="8177758" cy="6474474"/>
+          </a:xfrm>
+          <a:prstGeom prst="rect">
+            <a:avLst/>
+          </a:prstGeom>
+        </p:spPr>
+      </p:pic>
+      <p:sp>
+        <p:nvSpPr>
+          <p:cNvPr id="8" name="Textfeld 7">
+            <a:extLst>
+              <a:ext uri="{FF2B5EF4-FFF2-40B4-BE49-F238E27FC236}">
+                <a16:creationId xmlns:a16="http://schemas.microsoft.com/office/drawing/2014/main" id="{04F5FE20-316C-4A7B-BE52-0E2D30CF7184}"/>
+              </a:ext>
+            </a:extLst>
+          </p:cNvPr>
+          <p:cNvSpPr txBox="1"/>
+          <p:nvPr/>
+        </p:nvSpPr>
+        <p:spPr>
+          <a:xfrm>
+            <a:off x="252288" y="1812073"/>
+            <a:ext cx="461665" cy="3233854"/>
+          </a:xfrm>
+          <a:prstGeom prst="rect">
+            <a:avLst/>
+          </a:prstGeom>
+          <a:noFill/>
+        </p:spPr>
+        <p:txBody>
+          <a:bodyPr vert="vert270" wrap="square" rtlCol="0">
+            <a:spAutoFit/>
+          </a:bodyPr>
+          <a:lstStyle/>
+          <a:p>
+            <a:r>
+              <a:rPr lang="de-AT" b="1" dirty="0"/>
+              <a:t>16 Bit </a:t>
+            </a:r>
+            <a:r>
+              <a:rPr lang="de-AT" b="1" dirty="0" err="1"/>
+              <a:t>Approximate</a:t>
+            </a:r>
+            <a:r>
+              <a:rPr lang="de-AT" b="1" dirty="0"/>
+              <a:t> </a:t>
+            </a:r>
+            <a:r>
+              <a:rPr lang="de-AT" b="1" dirty="0" err="1"/>
+              <a:t>Adder</a:t>
+            </a:r>
+            <a:endParaRPr lang="de-AT" b="1" dirty="0"/>
+          </a:p>
+        </p:txBody>
+      </p:sp>
+    </p:spTree>
+    <p:extLst>
+      <p:ext uri="{BB962C8B-B14F-4D97-AF65-F5344CB8AC3E}">
+        <p14:creationId xmlns:p14="http://schemas.microsoft.com/office/powerpoint/2010/main" val="3461593544"/>
+      </p:ext>
+    </p:extLst>
+  </p:cSld>
+  <p:clrMapOvr>
+    <a:masterClrMapping/>
+  </p:clrMapOvr>
+</p:sld>
+</file>
+
+<file path=ppt/slides/slide22.xml><?xml version="1.0" encoding="utf-8"?>
+<p:sld xmlns:a="http://schemas.openxmlformats.org/drawingml/2006/main" xmlns:r="http://schemas.openxmlformats.org/officeDocument/2006/relationships" xmlns:p="http://schemas.openxmlformats.org/presentationml/2006/main">
+  <p:cSld>
+    <p:spTree>
+      <p:nvGrpSpPr>
+        <p:cNvPr id="1" name=""/>
+        <p:cNvGrpSpPr/>
+        <p:nvPr/>
+      </p:nvGrpSpPr>
+      <p:grpSpPr>
+        <a:xfrm>
+          <a:off x="0" y="0"/>
+          <a:ext cx="0" cy="0"/>
+          <a:chOff x="0" y="0"/>
+          <a:chExt cx="0" cy="0"/>
+        </a:xfrm>
+      </p:grpSpPr>
       <p:sp>
         <p:nvSpPr>
           <p:cNvPr id="243" name="CustomShape 1"/>
@@ -17878,6 +19962,16 @@
               </a:spcBef>
             </a:pPr>
             <a:r>
+              <a:rPr lang="de-DE" sz="2000" b="0" strike="noStrike" spc="-1" dirty="0" err="1">
+                <a:solidFill>
+                  <a:srgbClr val="000000"/>
+                </a:solidFill>
+                <a:latin typeface="Arial"/>
+                <a:ea typeface="DejaVu Sans"/>
+              </a:rPr>
+              <a:t>Used</a:t>
+            </a:r>
+            <a:r>
               <a:rPr lang="de-DE" sz="2000" b="0" strike="noStrike" spc="-1" dirty="0">
                 <a:solidFill>
                   <a:srgbClr val="000000"/>
@@ -17885,60 +19979,18 @@
                 <a:latin typeface="Arial"/>
                 <a:ea typeface="DejaVu Sans"/>
               </a:rPr>
-              <a:t>[Kagan: bitte einfügen]</a:t>
-            </a:r>
-            <a:endParaRPr lang="de-AT" sz="2000" b="0" strike="noStrike" spc="-1" dirty="0">
-              <a:latin typeface="Arial"/>
-            </a:endParaRPr>
-          </a:p>
-          <a:p>
-            <a:pPr marL="108360">
-              <a:lnSpc>
-                <a:spcPct val="100000"/>
-              </a:lnSpc>
-              <a:spcBef>
-                <a:spcPts val="1417"/>
-              </a:spcBef>
-            </a:pPr>
-            <a:endParaRPr lang="de-AT" sz="2000" b="0" strike="noStrike" spc="-1" dirty="0">
-              <a:latin typeface="Arial"/>
-            </a:endParaRPr>
-          </a:p>
-          <a:p>
-            <a:pPr marL="108360">
-              <a:lnSpc>
-                <a:spcPct val="100000"/>
-              </a:lnSpc>
-              <a:spcBef>
-                <a:spcPts val="1417"/>
-              </a:spcBef>
-            </a:pPr>
-            <a:endParaRPr lang="de-AT" sz="2000" b="0" strike="noStrike" spc="-1" dirty="0">
-              <a:latin typeface="Arial"/>
-            </a:endParaRPr>
-          </a:p>
-          <a:p>
-            <a:pPr marL="108360">
-              <a:lnSpc>
-                <a:spcPct val="100000"/>
-              </a:lnSpc>
-              <a:spcBef>
-                <a:spcPts val="1417"/>
-              </a:spcBef>
-            </a:pPr>
-            <a:endParaRPr lang="de-AT" sz="2000" b="0" strike="noStrike" spc="-1" dirty="0">
-              <a:latin typeface="Arial"/>
-            </a:endParaRPr>
-          </a:p>
-          <a:p>
-            <a:pPr marL="108360">
-              <a:lnSpc>
-                <a:spcPct val="100000"/>
-              </a:lnSpc>
-              <a:spcBef>
-                <a:spcPts val="1417"/>
-              </a:spcBef>
-            </a:pPr>
+              <a:t> </a:t>
+            </a:r>
+            <a:r>
+              <a:rPr lang="de-DE" sz="2000" b="0" strike="noStrike" spc="-1" dirty="0" err="1">
+                <a:solidFill>
+                  <a:srgbClr val="000000"/>
+                </a:solidFill>
+                <a:latin typeface="Arial"/>
+                <a:ea typeface="DejaVu Sans"/>
+              </a:rPr>
+              <a:t>metric</a:t>
+            </a:r>
             <a:r>
               <a:rPr lang="de-DE" sz="2000" b="0" strike="noStrike" spc="-1" dirty="0">
                 <a:solidFill>
@@ -17947,20 +19999,20 @@
                 <a:latin typeface="Arial"/>
                 <a:ea typeface="DejaVu Sans"/>
               </a:rPr>
-              <a:t>						        </a:t>
-            </a:r>
-            <a:r>
-              <a:rPr lang="de-DE" sz="2000" b="1" strike="noStrike" spc="-1" dirty="0" err="1">
+              <a:t> </a:t>
+            </a:r>
+            <a:r>
+              <a:rPr lang="de-DE" sz="2000" b="0" strike="noStrike" spc="-1" dirty="0" err="1">
                 <a:solidFill>
                   <a:srgbClr val="000000"/>
                 </a:solidFill>
                 <a:latin typeface="Arial"/>
                 <a:ea typeface="DejaVu Sans"/>
               </a:rPr>
-              <a:t>Exact</a:t>
-            </a:r>
-            <a:r>
-              <a:rPr lang="de-DE" sz="2000" b="1" strike="noStrike" spc="-1" dirty="0">
+              <a:t>for</a:t>
+            </a:r>
+            <a:r>
+              <a:rPr lang="de-DE" sz="2000" b="0" strike="noStrike" spc="-1" dirty="0">
                 <a:solidFill>
                   <a:srgbClr val="000000"/>
                 </a:solidFill>
@@ -17970,119 +20022,34 @@
               <a:t> </a:t>
             </a:r>
             <a:r>
-              <a:rPr lang="de-DE" sz="2000" b="1" strike="noStrike" spc="-1" dirty="0" err="1">
+              <a:rPr lang="de-DE" sz="2000" b="0" strike="noStrike" spc="-1" dirty="0" err="1">
                 <a:solidFill>
                   <a:srgbClr val="000000"/>
                 </a:solidFill>
                 <a:latin typeface="Arial"/>
                 <a:ea typeface="DejaVu Sans"/>
               </a:rPr>
-              <a:t>Adder</a:t>
-            </a:r>
-            <a:endParaRPr lang="de-AT" sz="2000" b="0" strike="noStrike" spc="-1" dirty="0">
-              <a:latin typeface="Arial"/>
-            </a:endParaRPr>
-          </a:p>
-          <a:p>
-            <a:pPr marL="108360">
-              <a:lnSpc>
-                <a:spcPct val="100000"/>
-              </a:lnSpc>
-              <a:spcBef>
-                <a:spcPts val="1417"/>
-              </a:spcBef>
-            </a:pPr>
-            <a:endParaRPr lang="de-AT" sz="2000" b="0" strike="noStrike" spc="-1" dirty="0">
-              <a:latin typeface="Arial"/>
-            </a:endParaRPr>
-          </a:p>
-          <a:p>
-            <a:pPr marL="108360">
-              <a:lnSpc>
-                <a:spcPct val="100000"/>
-              </a:lnSpc>
-              <a:spcBef>
-                <a:spcPts val="1417"/>
-              </a:spcBef>
-            </a:pPr>
-            <a:endParaRPr lang="de-AT" sz="2000" b="0" strike="noStrike" spc="-1" dirty="0">
-              <a:latin typeface="Arial"/>
-            </a:endParaRPr>
-          </a:p>
-          <a:p>
-            <a:pPr marL="108360">
-              <a:lnSpc>
-                <a:spcPct val="100000"/>
-              </a:lnSpc>
-              <a:spcBef>
-                <a:spcPts val="1417"/>
-              </a:spcBef>
-            </a:pPr>
-            <a:endParaRPr lang="de-AT" sz="2000" b="0" strike="noStrike" spc="-1" dirty="0">
-              <a:latin typeface="Arial"/>
-            </a:endParaRPr>
-          </a:p>
-          <a:p>
-            <a:pPr marL="108360">
-              <a:lnSpc>
-                <a:spcPct val="100000"/>
-              </a:lnSpc>
-              <a:spcBef>
-                <a:spcPts val="1417"/>
-              </a:spcBef>
-            </a:pPr>
-            <a:endParaRPr lang="de-AT" sz="2000" b="0" strike="noStrike" spc="-1" dirty="0">
-              <a:latin typeface="Arial"/>
-            </a:endParaRPr>
-          </a:p>
-          <a:p>
-            <a:pPr marL="108360">
-              <a:lnSpc>
-                <a:spcPct val="100000"/>
-              </a:lnSpc>
-              <a:spcBef>
-                <a:spcPts val="1417"/>
-              </a:spcBef>
-            </a:pPr>
-            <a:r>
-              <a:rPr lang="de-DE" sz="2000" b="0" strike="noStrike" spc="-1" dirty="0">
+              <a:t>area</a:t>
+            </a:r>
+            <a:r>
+              <a:rPr lang="de-DE" sz="2000" spc="-1" dirty="0">
                 <a:solidFill>
                   <a:srgbClr val="000000"/>
                 </a:solidFill>
                 <a:latin typeface="Arial"/>
                 <a:ea typeface="DejaVu Sans"/>
               </a:rPr>
-              <a:t>						 </a:t>
-            </a:r>
-            <a:r>
-              <a:rPr lang="de-DE" sz="2000" b="1" strike="noStrike" spc="-1" dirty="0" err="1">
+              <a:t>: Gate Count in </a:t>
+            </a:r>
+            <a:r>
+              <a:rPr lang="de-DE" sz="2000" spc="-1" dirty="0" err="1">
                 <a:solidFill>
                   <a:srgbClr val="000000"/>
                 </a:solidFill>
                 <a:latin typeface="Arial"/>
                 <a:ea typeface="DejaVu Sans"/>
               </a:rPr>
-              <a:t>Approximate</a:t>
-            </a:r>
-            <a:r>
-              <a:rPr lang="de-DE" sz="2000" b="1" strike="noStrike" spc="-1" dirty="0">
-                <a:solidFill>
-                  <a:srgbClr val="000000"/>
-                </a:solidFill>
-                <a:latin typeface="Arial"/>
-                <a:ea typeface="DejaVu Sans"/>
-              </a:rPr>
-              <a:t> </a:t>
-            </a:r>
-            <a:r>
-              <a:rPr lang="de-DE" sz="2000" b="1" strike="noStrike" spc="-1" dirty="0" err="1">
-                <a:solidFill>
-                  <a:srgbClr val="000000"/>
-                </a:solidFill>
-                <a:latin typeface="Arial"/>
-                <a:ea typeface="DejaVu Sans"/>
-              </a:rPr>
-              <a:t>Adder</a:t>
+              <a:t>adders</a:t>
             </a:r>
             <a:endParaRPr lang="de-AT" sz="2000" b="0" strike="noStrike" spc="-1" dirty="0">
               <a:latin typeface="Arial"/>
@@ -18140,7 +20107,7 @@
                 <a:latin typeface="Calibri"/>
                 <a:ea typeface="DejaVu Sans"/>
               </a:rPr>
-              <a:t>21</a:t>
+              <a:t>22</a:t>
             </a:fld>
             <a:r>
               <a:rPr lang="zxx" sz="1050" b="0" strike="noStrike" spc="-1">
@@ -18155,6 +20122,1256 @@
             <a:endParaRPr lang="de-AT" sz="1050" b="0" strike="noStrike" spc="-1">
               <a:latin typeface="Arial"/>
             </a:endParaRPr>
+          </a:p>
+        </p:txBody>
+      </p:sp>
+      <p:graphicFrame>
+        <p:nvGraphicFramePr>
+          <p:cNvPr id="2" name="Tabelle 2">
+            <a:extLst>
+              <a:ext uri="{FF2B5EF4-FFF2-40B4-BE49-F238E27FC236}">
+                <a16:creationId xmlns:a16="http://schemas.microsoft.com/office/drawing/2014/main" id="{12CA04C6-B755-4786-AD4E-A626F0F23DA4}"/>
+              </a:ext>
+            </a:extLst>
+          </p:cNvPr>
+          <p:cNvGraphicFramePr>
+            <a:graphicFrameLocks noGrp="1"/>
+          </p:cNvGraphicFramePr>
+          <p:nvPr>
+            <p:extLst>
+              <p:ext uri="{D42A27DB-BD31-4B8C-83A1-F6EECF244321}">
+                <p14:modId xmlns:p14="http://schemas.microsoft.com/office/powerpoint/2010/main" val="2693941373"/>
+              </p:ext>
+            </p:extLst>
+          </p:nvPr>
+        </p:nvGraphicFramePr>
+        <p:xfrm>
+          <a:off x="1026051" y="2041020"/>
+          <a:ext cx="7125737" cy="3337560"/>
+        </p:xfrm>
+        <a:graphic>
+          <a:graphicData uri="http://schemas.openxmlformats.org/drawingml/2006/table">
+            <a:tbl>
+              <a:tblPr firstRow="1" bandRow="1">
+                <a:tableStyleId>{5C22544A-7EE6-4342-B048-85BDC9FD1C3A}</a:tableStyleId>
+              </a:tblPr>
+              <a:tblGrid>
+                <a:gridCol w="1512427">
+                  <a:extLst>
+                    <a:ext uri="{9D8B030D-6E8A-4147-A177-3AD203B41FA5}">
+                      <a16:colId xmlns:a16="http://schemas.microsoft.com/office/drawing/2014/main" val="4161330647"/>
+                    </a:ext>
+                  </a:extLst>
+                </a:gridCol>
+                <a:gridCol w="803519">
+                  <a:extLst>
+                    <a:ext uri="{9D8B030D-6E8A-4147-A177-3AD203B41FA5}">
+                      <a16:colId xmlns:a16="http://schemas.microsoft.com/office/drawing/2014/main" val="3248984598"/>
+                    </a:ext>
+                  </a:extLst>
+                </a:gridCol>
+                <a:gridCol w="724298">
+                  <a:extLst>
+                    <a:ext uri="{9D8B030D-6E8A-4147-A177-3AD203B41FA5}">
+                      <a16:colId xmlns:a16="http://schemas.microsoft.com/office/drawing/2014/main" val="918699774"/>
+                    </a:ext>
+                  </a:extLst>
+                </a:gridCol>
+                <a:gridCol w="803518">
+                  <a:extLst>
+                    <a:ext uri="{9D8B030D-6E8A-4147-A177-3AD203B41FA5}">
+                      <a16:colId xmlns:a16="http://schemas.microsoft.com/office/drawing/2014/main" val="734259344"/>
+                    </a:ext>
+                  </a:extLst>
+                </a:gridCol>
+                <a:gridCol w="814835">
+                  <a:extLst>
+                    <a:ext uri="{9D8B030D-6E8A-4147-A177-3AD203B41FA5}">
+                      <a16:colId xmlns:a16="http://schemas.microsoft.com/office/drawing/2014/main" val="3560216152"/>
+                    </a:ext>
+                  </a:extLst>
+                </a:gridCol>
+                <a:gridCol w="2467140">
+                  <a:extLst>
+                    <a:ext uri="{9D8B030D-6E8A-4147-A177-3AD203B41FA5}">
+                      <a16:colId xmlns:a16="http://schemas.microsoft.com/office/drawing/2014/main" val="842574634"/>
+                    </a:ext>
+                  </a:extLst>
+                </a:gridCol>
+              </a:tblGrid>
+              <a:tr h="370840">
+                <a:tc>
+                  <a:txBody>
+                    <a:bodyPr/>
+                    <a:lstStyle/>
+                    <a:p>
+                      <a:pPr algn="ctr"/>
+                      <a:r>
+                        <a:rPr lang="de-AT" dirty="0"/>
+                        <a:t>TYPE</a:t>
+                      </a:r>
+                    </a:p>
+                  </a:txBody>
+                  <a:tcPr/>
+                </a:tc>
+                <a:tc>
+                  <a:txBody>
+                    <a:bodyPr/>
+                    <a:lstStyle/>
+                    <a:p>
+                      <a:pPr algn="ctr"/>
+                      <a:r>
+                        <a:rPr lang="de-AT" dirty="0"/>
+                        <a:t>XOR</a:t>
+                      </a:r>
+                    </a:p>
+                  </a:txBody>
+                  <a:tcPr/>
+                </a:tc>
+                <a:tc>
+                  <a:txBody>
+                    <a:bodyPr/>
+                    <a:lstStyle/>
+                    <a:p>
+                      <a:pPr algn="ctr"/>
+                      <a:r>
+                        <a:rPr lang="de-AT" dirty="0"/>
+                        <a:t>OR</a:t>
+                      </a:r>
+                    </a:p>
+                  </a:txBody>
+                  <a:tcPr/>
+                </a:tc>
+                <a:tc>
+                  <a:txBody>
+                    <a:bodyPr/>
+                    <a:lstStyle/>
+                    <a:p>
+                      <a:pPr algn="ctr"/>
+                      <a:r>
+                        <a:rPr lang="de-AT" dirty="0"/>
+                        <a:t>AND</a:t>
+                      </a:r>
+                    </a:p>
+                  </a:txBody>
+                  <a:tcPr/>
+                </a:tc>
+                <a:tc>
+                  <a:txBody>
+                    <a:bodyPr/>
+                    <a:lstStyle/>
+                    <a:p>
+                      <a:pPr algn="ctr"/>
+                      <a:r>
+                        <a:rPr lang="de-AT" dirty="0"/>
+                        <a:t>NOT</a:t>
+                      </a:r>
+                    </a:p>
+                  </a:txBody>
+                  <a:tcPr/>
+                </a:tc>
+                <a:tc>
+                  <a:txBody>
+                    <a:bodyPr/>
+                    <a:lstStyle/>
+                    <a:p>
+                      <a:r>
+                        <a:rPr lang="de-AT" dirty="0"/>
+                        <a:t>Basic Gates in Total</a:t>
+                      </a:r>
+                    </a:p>
+                  </a:txBody>
+                  <a:tcPr>
+                    <a:solidFill>
+                      <a:schemeClr val="accent3"/>
+                    </a:solidFill>
+                  </a:tcPr>
+                </a:tc>
+                <a:extLst>
+                  <a:ext uri="{0D108BD9-81ED-4DB2-BD59-A6C34878D82A}">
+                    <a16:rowId xmlns:a16="http://schemas.microsoft.com/office/drawing/2014/main" val="1195899698"/>
+                  </a:ext>
+                </a:extLst>
+              </a:tr>
+              <a:tr h="370840">
+                <a:tc>
+                  <a:txBody>
+                    <a:bodyPr/>
+                    <a:lstStyle/>
+                    <a:p>
+                      <a:pPr algn="r"/>
+                      <a:r>
+                        <a:rPr lang="de-AT" dirty="0"/>
+                        <a:t>1 Bit </a:t>
+                      </a:r>
+                      <a:r>
+                        <a:rPr lang="de-AT" dirty="0" err="1"/>
+                        <a:t>Exact</a:t>
+                      </a:r>
+                      <a:endParaRPr lang="de-AT" dirty="0"/>
+                    </a:p>
+                  </a:txBody>
+                  <a:tcPr/>
+                </a:tc>
+                <a:tc>
+                  <a:txBody>
+                    <a:bodyPr/>
+                    <a:lstStyle/>
+                    <a:p>
+                      <a:pPr algn="ctr"/>
+                      <a:r>
+                        <a:rPr lang="de-AT" dirty="0"/>
+                        <a:t>2</a:t>
+                      </a:r>
+                    </a:p>
+                  </a:txBody>
+                  <a:tcPr/>
+                </a:tc>
+                <a:tc>
+                  <a:txBody>
+                    <a:bodyPr/>
+                    <a:lstStyle/>
+                    <a:p>
+                      <a:pPr algn="ctr"/>
+                      <a:r>
+                        <a:rPr lang="de-AT" dirty="0"/>
+                        <a:t>1</a:t>
+                      </a:r>
+                    </a:p>
+                  </a:txBody>
+                  <a:tcPr/>
+                </a:tc>
+                <a:tc>
+                  <a:txBody>
+                    <a:bodyPr/>
+                    <a:lstStyle/>
+                    <a:p>
+                      <a:pPr algn="ctr"/>
+                      <a:r>
+                        <a:rPr lang="de-AT" dirty="0"/>
+                        <a:t>2</a:t>
+                      </a:r>
+                    </a:p>
+                  </a:txBody>
+                  <a:tcPr/>
+                </a:tc>
+                <a:tc>
+                  <a:txBody>
+                    <a:bodyPr/>
+                    <a:lstStyle/>
+                    <a:p>
+                      <a:pPr algn="ctr"/>
+                      <a:r>
+                        <a:rPr lang="de-AT" dirty="0"/>
+                        <a:t>X</a:t>
+                      </a:r>
+                    </a:p>
+                  </a:txBody>
+                  <a:tcPr/>
+                </a:tc>
+                <a:tc>
+                  <a:txBody>
+                    <a:bodyPr/>
+                    <a:lstStyle/>
+                    <a:p>
+                      <a:pPr algn="ctr"/>
+                      <a:r>
+                        <a:rPr lang="de-AT" dirty="0"/>
+                        <a:t>11</a:t>
+                      </a:r>
+                    </a:p>
+                  </a:txBody>
+                  <a:tcPr/>
+                </a:tc>
+                <a:extLst>
+                  <a:ext uri="{0D108BD9-81ED-4DB2-BD59-A6C34878D82A}">
+                    <a16:rowId xmlns:a16="http://schemas.microsoft.com/office/drawing/2014/main" val="2793198595"/>
+                  </a:ext>
+                </a:extLst>
+              </a:tr>
+              <a:tr h="370840">
+                <a:tc>
+                  <a:txBody>
+                    <a:bodyPr/>
+                    <a:lstStyle/>
+                    <a:p>
+                      <a:pPr marL="0" marR="0" lvl="0" indent="0" algn="r" defTabSz="914400" rtl="0" eaLnBrk="1" fontAlgn="auto" latinLnBrk="0" hangingPunct="1">
+                        <a:lnSpc>
+                          <a:spcPct val="100000"/>
+                        </a:lnSpc>
+                        <a:spcBef>
+                          <a:spcPts val="0"/>
+                        </a:spcBef>
+                        <a:spcAft>
+                          <a:spcPts val="0"/>
+                        </a:spcAft>
+                        <a:buClrTx/>
+                        <a:buSzTx/>
+                        <a:buFontTx/>
+                        <a:buNone/>
+                        <a:tabLst/>
+                        <a:defRPr/>
+                      </a:pPr>
+                      <a:r>
+                        <a:rPr lang="de-AT" dirty="0"/>
+                        <a:t>4 Bit </a:t>
+                      </a:r>
+                      <a:r>
+                        <a:rPr lang="de-AT" dirty="0" err="1"/>
+                        <a:t>Exact</a:t>
+                      </a:r>
+                      <a:endParaRPr lang="de-AT" dirty="0"/>
+                    </a:p>
+                  </a:txBody>
+                  <a:tcPr/>
+                </a:tc>
+                <a:tc>
+                  <a:txBody>
+                    <a:bodyPr/>
+                    <a:lstStyle/>
+                    <a:p>
+                      <a:pPr algn="ctr"/>
+                      <a:r>
+                        <a:rPr lang="de-AT" dirty="0"/>
+                        <a:t>8</a:t>
+                      </a:r>
+                    </a:p>
+                  </a:txBody>
+                  <a:tcPr/>
+                </a:tc>
+                <a:tc>
+                  <a:txBody>
+                    <a:bodyPr/>
+                    <a:lstStyle/>
+                    <a:p>
+                      <a:pPr algn="ctr"/>
+                      <a:r>
+                        <a:rPr lang="de-AT" dirty="0"/>
+                        <a:t>4</a:t>
+                      </a:r>
+                    </a:p>
+                  </a:txBody>
+                  <a:tcPr/>
+                </a:tc>
+                <a:tc>
+                  <a:txBody>
+                    <a:bodyPr/>
+                    <a:lstStyle/>
+                    <a:p>
+                      <a:pPr algn="ctr"/>
+                      <a:r>
+                        <a:rPr lang="de-AT" dirty="0"/>
+                        <a:t>8</a:t>
+                      </a:r>
+                    </a:p>
+                  </a:txBody>
+                  <a:tcPr/>
+                </a:tc>
+                <a:tc>
+                  <a:txBody>
+                    <a:bodyPr/>
+                    <a:lstStyle/>
+                    <a:p>
+                      <a:pPr algn="ctr"/>
+                      <a:r>
+                        <a:rPr lang="de-AT" dirty="0"/>
+                        <a:t>X</a:t>
+                      </a:r>
+                    </a:p>
+                  </a:txBody>
+                  <a:tcPr/>
+                </a:tc>
+                <a:tc>
+                  <a:txBody>
+                    <a:bodyPr/>
+                    <a:lstStyle/>
+                    <a:p>
+                      <a:pPr algn="ctr"/>
+                      <a:r>
+                        <a:rPr lang="de-AT" dirty="0"/>
+                        <a:t>44</a:t>
+                      </a:r>
+                    </a:p>
+                  </a:txBody>
+                  <a:tcPr/>
+                </a:tc>
+                <a:extLst>
+                  <a:ext uri="{0D108BD9-81ED-4DB2-BD59-A6C34878D82A}">
+                    <a16:rowId xmlns:a16="http://schemas.microsoft.com/office/drawing/2014/main" val="1159347717"/>
+                  </a:ext>
+                </a:extLst>
+              </a:tr>
+              <a:tr h="370840">
+                <a:tc>
+                  <a:txBody>
+                    <a:bodyPr/>
+                    <a:lstStyle/>
+                    <a:p>
+                      <a:pPr marL="0" marR="0" lvl="0" indent="0" algn="r" defTabSz="914400" rtl="0" eaLnBrk="1" fontAlgn="auto" latinLnBrk="0" hangingPunct="1">
+                        <a:lnSpc>
+                          <a:spcPct val="100000"/>
+                        </a:lnSpc>
+                        <a:spcBef>
+                          <a:spcPts val="0"/>
+                        </a:spcBef>
+                        <a:spcAft>
+                          <a:spcPts val="0"/>
+                        </a:spcAft>
+                        <a:buClrTx/>
+                        <a:buSzTx/>
+                        <a:buFontTx/>
+                        <a:buNone/>
+                        <a:tabLst/>
+                        <a:defRPr/>
+                      </a:pPr>
+                      <a:r>
+                        <a:rPr lang="de-AT" dirty="0"/>
+                        <a:t>8 Bit </a:t>
+                      </a:r>
+                      <a:r>
+                        <a:rPr lang="de-AT" dirty="0" err="1"/>
+                        <a:t>Exact</a:t>
+                      </a:r>
+                      <a:endParaRPr lang="de-AT" dirty="0"/>
+                    </a:p>
+                  </a:txBody>
+                  <a:tcPr/>
+                </a:tc>
+                <a:tc>
+                  <a:txBody>
+                    <a:bodyPr/>
+                    <a:lstStyle/>
+                    <a:p>
+                      <a:pPr algn="ctr"/>
+                      <a:r>
+                        <a:rPr lang="de-AT" dirty="0"/>
+                        <a:t>16</a:t>
+                      </a:r>
+                    </a:p>
+                  </a:txBody>
+                  <a:tcPr/>
+                </a:tc>
+                <a:tc>
+                  <a:txBody>
+                    <a:bodyPr/>
+                    <a:lstStyle/>
+                    <a:p>
+                      <a:pPr algn="ctr"/>
+                      <a:r>
+                        <a:rPr lang="de-AT" dirty="0"/>
+                        <a:t>8</a:t>
+                      </a:r>
+                    </a:p>
+                  </a:txBody>
+                  <a:tcPr/>
+                </a:tc>
+                <a:tc>
+                  <a:txBody>
+                    <a:bodyPr/>
+                    <a:lstStyle/>
+                    <a:p>
+                      <a:pPr algn="ctr"/>
+                      <a:r>
+                        <a:rPr lang="de-AT" dirty="0"/>
+                        <a:t>16</a:t>
+                      </a:r>
+                    </a:p>
+                  </a:txBody>
+                  <a:tcPr/>
+                </a:tc>
+                <a:tc>
+                  <a:txBody>
+                    <a:bodyPr/>
+                    <a:lstStyle/>
+                    <a:p>
+                      <a:pPr algn="ctr"/>
+                      <a:r>
+                        <a:rPr lang="de-AT" dirty="0"/>
+                        <a:t>X</a:t>
+                      </a:r>
+                    </a:p>
+                  </a:txBody>
+                  <a:tcPr/>
+                </a:tc>
+                <a:tc>
+                  <a:txBody>
+                    <a:bodyPr/>
+                    <a:lstStyle/>
+                    <a:p>
+                      <a:pPr algn="ctr"/>
+                      <a:r>
+                        <a:rPr lang="de-AT" dirty="0"/>
+                        <a:t>88</a:t>
+                      </a:r>
+                    </a:p>
+                  </a:txBody>
+                  <a:tcPr/>
+                </a:tc>
+                <a:extLst>
+                  <a:ext uri="{0D108BD9-81ED-4DB2-BD59-A6C34878D82A}">
+                    <a16:rowId xmlns:a16="http://schemas.microsoft.com/office/drawing/2014/main" val="2365881763"/>
+                  </a:ext>
+                </a:extLst>
+              </a:tr>
+              <a:tr h="370840">
+                <a:tc>
+                  <a:txBody>
+                    <a:bodyPr/>
+                    <a:lstStyle/>
+                    <a:p>
+                      <a:pPr algn="r"/>
+                      <a:r>
+                        <a:rPr lang="de-AT" dirty="0"/>
+                        <a:t>16 Bit </a:t>
+                      </a:r>
+                      <a:r>
+                        <a:rPr lang="de-AT" dirty="0" err="1"/>
+                        <a:t>Exact</a:t>
+                      </a:r>
+                      <a:endParaRPr lang="de-AT" dirty="0"/>
+                    </a:p>
+                  </a:txBody>
+                  <a:tcPr/>
+                </a:tc>
+                <a:tc>
+                  <a:txBody>
+                    <a:bodyPr/>
+                    <a:lstStyle/>
+                    <a:p>
+                      <a:pPr algn="ctr"/>
+                      <a:r>
+                        <a:rPr lang="de-AT" dirty="0"/>
+                        <a:t>32</a:t>
+                      </a:r>
+                    </a:p>
+                  </a:txBody>
+                  <a:tcPr/>
+                </a:tc>
+                <a:tc>
+                  <a:txBody>
+                    <a:bodyPr/>
+                    <a:lstStyle/>
+                    <a:p>
+                      <a:pPr algn="ctr"/>
+                      <a:r>
+                        <a:rPr lang="de-AT" dirty="0"/>
+                        <a:t>16</a:t>
+                      </a:r>
+                    </a:p>
+                  </a:txBody>
+                  <a:tcPr/>
+                </a:tc>
+                <a:tc>
+                  <a:txBody>
+                    <a:bodyPr/>
+                    <a:lstStyle/>
+                    <a:p>
+                      <a:pPr algn="ctr"/>
+                      <a:r>
+                        <a:rPr lang="de-AT" dirty="0"/>
+                        <a:t>32</a:t>
+                      </a:r>
+                    </a:p>
+                  </a:txBody>
+                  <a:tcPr/>
+                </a:tc>
+                <a:tc>
+                  <a:txBody>
+                    <a:bodyPr/>
+                    <a:lstStyle/>
+                    <a:p>
+                      <a:pPr algn="ctr"/>
+                      <a:r>
+                        <a:rPr lang="de-AT" dirty="0"/>
+                        <a:t>X</a:t>
+                      </a:r>
+                    </a:p>
+                  </a:txBody>
+                  <a:tcPr/>
+                </a:tc>
+                <a:tc>
+                  <a:txBody>
+                    <a:bodyPr/>
+                    <a:lstStyle/>
+                    <a:p>
+                      <a:pPr algn="ctr"/>
+                      <a:r>
+                        <a:rPr lang="de-AT" dirty="0"/>
+                        <a:t>176</a:t>
+                      </a:r>
+                    </a:p>
+                  </a:txBody>
+                  <a:tcPr/>
+                </a:tc>
+                <a:extLst>
+                  <a:ext uri="{0D108BD9-81ED-4DB2-BD59-A6C34878D82A}">
+                    <a16:rowId xmlns:a16="http://schemas.microsoft.com/office/drawing/2014/main" val="1269976788"/>
+                  </a:ext>
+                </a:extLst>
+              </a:tr>
+              <a:tr h="370840">
+                <a:tc>
+                  <a:txBody>
+                    <a:bodyPr/>
+                    <a:lstStyle/>
+                    <a:p>
+                      <a:pPr algn="r"/>
+                      <a:r>
+                        <a:rPr lang="de-AT" dirty="0"/>
+                        <a:t>1 Bit </a:t>
+                      </a:r>
+                      <a:r>
+                        <a:rPr lang="de-AT" dirty="0" err="1"/>
+                        <a:t>Appro</a:t>
+                      </a:r>
+                      <a:r>
+                        <a:rPr lang="de-AT" dirty="0"/>
+                        <a:t>.</a:t>
+                      </a:r>
+                    </a:p>
+                  </a:txBody>
+                  <a:tcPr/>
+                </a:tc>
+                <a:tc>
+                  <a:txBody>
+                    <a:bodyPr/>
+                    <a:lstStyle/>
+                    <a:p>
+                      <a:pPr algn="ctr"/>
+                      <a:r>
+                        <a:rPr lang="de-AT" dirty="0"/>
+                        <a:t>2</a:t>
+                      </a:r>
+                    </a:p>
+                  </a:txBody>
+                  <a:tcPr/>
+                </a:tc>
+                <a:tc>
+                  <a:txBody>
+                    <a:bodyPr/>
+                    <a:lstStyle/>
+                    <a:p>
+                      <a:pPr algn="ctr"/>
+                      <a:r>
+                        <a:rPr lang="de-AT" dirty="0"/>
+                        <a:t>X</a:t>
+                      </a:r>
+                    </a:p>
+                  </a:txBody>
+                  <a:tcPr/>
+                </a:tc>
+                <a:tc>
+                  <a:txBody>
+                    <a:bodyPr/>
+                    <a:lstStyle/>
+                    <a:p>
+                      <a:pPr algn="ctr"/>
+                      <a:r>
+                        <a:rPr lang="de-AT" dirty="0"/>
+                        <a:t>X</a:t>
+                      </a:r>
+                    </a:p>
+                  </a:txBody>
+                  <a:tcPr/>
+                </a:tc>
+                <a:tc>
+                  <a:txBody>
+                    <a:bodyPr/>
+                    <a:lstStyle/>
+                    <a:p>
+                      <a:pPr algn="ctr"/>
+                      <a:r>
+                        <a:rPr lang="de-AT" dirty="0"/>
+                        <a:t>1</a:t>
+                      </a:r>
+                    </a:p>
+                  </a:txBody>
+                  <a:tcPr/>
+                </a:tc>
+                <a:tc>
+                  <a:txBody>
+                    <a:bodyPr/>
+                    <a:lstStyle/>
+                    <a:p>
+                      <a:pPr algn="ctr"/>
+                      <a:r>
+                        <a:rPr lang="de-AT" dirty="0"/>
+                        <a:t>9 </a:t>
+                      </a:r>
+                      <a:r>
+                        <a:rPr lang="de-AT" dirty="0">
+                          <a:solidFill>
+                            <a:srgbClr val="FF0000"/>
+                          </a:solidFill>
+                        </a:rPr>
+                        <a:t>(-3)</a:t>
+                      </a:r>
+                    </a:p>
+                  </a:txBody>
+                  <a:tcPr/>
+                </a:tc>
+                <a:extLst>
+                  <a:ext uri="{0D108BD9-81ED-4DB2-BD59-A6C34878D82A}">
+                    <a16:rowId xmlns:a16="http://schemas.microsoft.com/office/drawing/2014/main" val="611606557"/>
+                  </a:ext>
+                </a:extLst>
+              </a:tr>
+              <a:tr h="370840">
+                <a:tc>
+                  <a:txBody>
+                    <a:bodyPr/>
+                    <a:lstStyle/>
+                    <a:p>
+                      <a:pPr marL="0" marR="0" lvl="0" indent="0" algn="r" defTabSz="914400" rtl="0" eaLnBrk="1" fontAlgn="auto" latinLnBrk="0" hangingPunct="1">
+                        <a:lnSpc>
+                          <a:spcPct val="100000"/>
+                        </a:lnSpc>
+                        <a:spcBef>
+                          <a:spcPts val="0"/>
+                        </a:spcBef>
+                        <a:spcAft>
+                          <a:spcPts val="0"/>
+                        </a:spcAft>
+                        <a:buClrTx/>
+                        <a:buSzTx/>
+                        <a:buFontTx/>
+                        <a:buNone/>
+                        <a:tabLst/>
+                        <a:defRPr/>
+                      </a:pPr>
+                      <a:r>
+                        <a:rPr kumimoji="0" lang="de-AT" sz="1800" b="0" i="0" u="none" strike="noStrike" kern="1200" cap="none" spc="0" normalizeH="0" baseline="0" noProof="0" dirty="0">
+                          <a:ln>
+                            <a:noFill/>
+                          </a:ln>
+                          <a:solidFill>
+                            <a:prstClr val="black"/>
+                          </a:solidFill>
+                          <a:effectLst/>
+                          <a:uLnTx/>
+                          <a:uFillTx/>
+                          <a:latin typeface="Arial"/>
+                        </a:rPr>
+                        <a:t>4 Bit </a:t>
+                      </a:r>
+                      <a:r>
+                        <a:rPr kumimoji="0" lang="de-AT" sz="1800" b="0" i="0" u="none" strike="noStrike" kern="1200" cap="none" spc="0" normalizeH="0" baseline="0" noProof="0" dirty="0" err="1">
+                          <a:ln>
+                            <a:noFill/>
+                          </a:ln>
+                          <a:solidFill>
+                            <a:prstClr val="black"/>
+                          </a:solidFill>
+                          <a:effectLst/>
+                          <a:uLnTx/>
+                          <a:uFillTx/>
+                          <a:latin typeface="Arial"/>
+                        </a:rPr>
+                        <a:t>Appro</a:t>
+                      </a:r>
+                      <a:r>
+                        <a:rPr kumimoji="0" lang="de-AT" sz="1800" b="0" i="0" u="none" strike="noStrike" kern="1200" cap="none" spc="0" normalizeH="0" baseline="0" noProof="0" dirty="0">
+                          <a:ln>
+                            <a:noFill/>
+                          </a:ln>
+                          <a:solidFill>
+                            <a:prstClr val="black"/>
+                          </a:solidFill>
+                          <a:effectLst/>
+                          <a:uLnTx/>
+                          <a:uFillTx/>
+                          <a:latin typeface="Arial"/>
+                        </a:rPr>
+                        <a:t>.</a:t>
+                      </a:r>
+                    </a:p>
+                  </a:txBody>
+                  <a:tcPr/>
+                </a:tc>
+                <a:tc>
+                  <a:txBody>
+                    <a:bodyPr/>
+                    <a:lstStyle/>
+                    <a:p>
+                      <a:pPr algn="ctr"/>
+                      <a:r>
+                        <a:rPr lang="de-AT" dirty="0"/>
+                        <a:t>8</a:t>
+                      </a:r>
+                    </a:p>
+                  </a:txBody>
+                  <a:tcPr/>
+                </a:tc>
+                <a:tc>
+                  <a:txBody>
+                    <a:bodyPr/>
+                    <a:lstStyle/>
+                    <a:p>
+                      <a:pPr algn="ctr"/>
+                      <a:r>
+                        <a:rPr lang="de-AT" dirty="0"/>
+                        <a:t>X</a:t>
+                      </a:r>
+                    </a:p>
+                  </a:txBody>
+                  <a:tcPr/>
+                </a:tc>
+                <a:tc>
+                  <a:txBody>
+                    <a:bodyPr/>
+                    <a:lstStyle/>
+                    <a:p>
+                      <a:pPr algn="ctr"/>
+                      <a:r>
+                        <a:rPr lang="de-AT" dirty="0"/>
+                        <a:t>X</a:t>
+                      </a:r>
+                    </a:p>
+                  </a:txBody>
+                  <a:tcPr/>
+                </a:tc>
+                <a:tc>
+                  <a:txBody>
+                    <a:bodyPr/>
+                    <a:lstStyle/>
+                    <a:p>
+                      <a:pPr algn="ctr"/>
+                      <a:r>
+                        <a:rPr lang="de-AT" dirty="0"/>
+                        <a:t>4</a:t>
+                      </a:r>
+                    </a:p>
+                  </a:txBody>
+                  <a:tcPr/>
+                </a:tc>
+                <a:tc>
+                  <a:txBody>
+                    <a:bodyPr/>
+                    <a:lstStyle/>
+                    <a:p>
+                      <a:pPr algn="ctr"/>
+                      <a:r>
+                        <a:rPr lang="de-AT" dirty="0"/>
+                        <a:t>36 </a:t>
+                      </a:r>
+                      <a:r>
+                        <a:rPr lang="de-AT" dirty="0">
+                          <a:solidFill>
+                            <a:srgbClr val="FF0000"/>
+                          </a:solidFill>
+                        </a:rPr>
+                        <a:t>(-8)</a:t>
+                      </a:r>
+                    </a:p>
+                  </a:txBody>
+                  <a:tcPr/>
+                </a:tc>
+                <a:extLst>
+                  <a:ext uri="{0D108BD9-81ED-4DB2-BD59-A6C34878D82A}">
+                    <a16:rowId xmlns:a16="http://schemas.microsoft.com/office/drawing/2014/main" val="3113748615"/>
+                  </a:ext>
+                </a:extLst>
+              </a:tr>
+              <a:tr h="370840">
+                <a:tc>
+                  <a:txBody>
+                    <a:bodyPr/>
+                    <a:lstStyle/>
+                    <a:p>
+                      <a:pPr marL="0" marR="0" lvl="0" indent="0" algn="r" defTabSz="914400" rtl="0" eaLnBrk="1" fontAlgn="auto" latinLnBrk="0" hangingPunct="1">
+                        <a:lnSpc>
+                          <a:spcPct val="100000"/>
+                        </a:lnSpc>
+                        <a:spcBef>
+                          <a:spcPts val="0"/>
+                        </a:spcBef>
+                        <a:spcAft>
+                          <a:spcPts val="0"/>
+                        </a:spcAft>
+                        <a:buClrTx/>
+                        <a:buSzTx/>
+                        <a:buFontTx/>
+                        <a:buNone/>
+                        <a:tabLst/>
+                        <a:defRPr/>
+                      </a:pPr>
+                      <a:r>
+                        <a:rPr kumimoji="0" lang="de-AT" sz="1800" b="0" i="0" u="none" strike="noStrike" kern="1200" cap="none" spc="0" normalizeH="0" baseline="0" noProof="0" dirty="0">
+                          <a:ln>
+                            <a:noFill/>
+                          </a:ln>
+                          <a:solidFill>
+                            <a:prstClr val="black"/>
+                          </a:solidFill>
+                          <a:effectLst/>
+                          <a:uLnTx/>
+                          <a:uFillTx/>
+                          <a:latin typeface="Arial"/>
+                        </a:rPr>
+                        <a:t>8 Bit </a:t>
+                      </a:r>
+                      <a:r>
+                        <a:rPr kumimoji="0" lang="de-AT" sz="1800" b="0" i="0" u="none" strike="noStrike" kern="1200" cap="none" spc="0" normalizeH="0" baseline="0" noProof="0" dirty="0" err="1">
+                          <a:ln>
+                            <a:noFill/>
+                          </a:ln>
+                          <a:solidFill>
+                            <a:prstClr val="black"/>
+                          </a:solidFill>
+                          <a:effectLst/>
+                          <a:uLnTx/>
+                          <a:uFillTx/>
+                          <a:latin typeface="Arial"/>
+                        </a:rPr>
+                        <a:t>Appro</a:t>
+                      </a:r>
+                      <a:r>
+                        <a:rPr kumimoji="0" lang="de-AT" sz="1800" b="0" i="0" u="none" strike="noStrike" kern="1200" cap="none" spc="0" normalizeH="0" baseline="0" noProof="0" dirty="0">
+                          <a:ln>
+                            <a:noFill/>
+                          </a:ln>
+                          <a:solidFill>
+                            <a:prstClr val="black"/>
+                          </a:solidFill>
+                          <a:effectLst/>
+                          <a:uLnTx/>
+                          <a:uFillTx/>
+                          <a:latin typeface="Arial"/>
+                        </a:rPr>
+                        <a:t>.</a:t>
+                      </a:r>
+                    </a:p>
+                  </a:txBody>
+                  <a:tcPr/>
+                </a:tc>
+                <a:tc>
+                  <a:txBody>
+                    <a:bodyPr/>
+                    <a:lstStyle/>
+                    <a:p>
+                      <a:pPr algn="ctr"/>
+                      <a:r>
+                        <a:rPr lang="de-AT" dirty="0"/>
+                        <a:t>16</a:t>
+                      </a:r>
+                    </a:p>
+                  </a:txBody>
+                  <a:tcPr/>
+                </a:tc>
+                <a:tc>
+                  <a:txBody>
+                    <a:bodyPr/>
+                    <a:lstStyle/>
+                    <a:p>
+                      <a:pPr algn="ctr"/>
+                      <a:r>
+                        <a:rPr lang="de-AT" dirty="0"/>
+                        <a:t>X</a:t>
+                      </a:r>
+                    </a:p>
+                  </a:txBody>
+                  <a:tcPr/>
+                </a:tc>
+                <a:tc>
+                  <a:txBody>
+                    <a:bodyPr/>
+                    <a:lstStyle/>
+                    <a:p>
+                      <a:pPr algn="ctr"/>
+                      <a:r>
+                        <a:rPr lang="de-AT" dirty="0"/>
+                        <a:t>X</a:t>
+                      </a:r>
+                    </a:p>
+                  </a:txBody>
+                  <a:tcPr/>
+                </a:tc>
+                <a:tc>
+                  <a:txBody>
+                    <a:bodyPr/>
+                    <a:lstStyle/>
+                    <a:p>
+                      <a:pPr algn="ctr"/>
+                      <a:r>
+                        <a:rPr lang="de-AT" dirty="0"/>
+                        <a:t>8</a:t>
+                      </a:r>
+                    </a:p>
+                  </a:txBody>
+                  <a:tcPr/>
+                </a:tc>
+                <a:tc>
+                  <a:txBody>
+                    <a:bodyPr/>
+                    <a:lstStyle/>
+                    <a:p>
+                      <a:pPr algn="ctr"/>
+                      <a:r>
+                        <a:rPr lang="de-AT" dirty="0"/>
+                        <a:t>72 </a:t>
+                      </a:r>
+                      <a:r>
+                        <a:rPr lang="de-AT" dirty="0">
+                          <a:solidFill>
+                            <a:srgbClr val="FF0000"/>
+                          </a:solidFill>
+                        </a:rPr>
+                        <a:t>(-16)</a:t>
+                      </a:r>
+                    </a:p>
+                  </a:txBody>
+                  <a:tcPr/>
+                </a:tc>
+                <a:extLst>
+                  <a:ext uri="{0D108BD9-81ED-4DB2-BD59-A6C34878D82A}">
+                    <a16:rowId xmlns:a16="http://schemas.microsoft.com/office/drawing/2014/main" val="3313009179"/>
+                  </a:ext>
+                </a:extLst>
+              </a:tr>
+              <a:tr h="370840">
+                <a:tc>
+                  <a:txBody>
+                    <a:bodyPr/>
+                    <a:lstStyle/>
+                    <a:p>
+                      <a:pPr marL="0" marR="0" lvl="0" indent="0" algn="r" defTabSz="914400" rtl="0" eaLnBrk="1" fontAlgn="auto" latinLnBrk="0" hangingPunct="1">
+                        <a:lnSpc>
+                          <a:spcPct val="100000"/>
+                        </a:lnSpc>
+                        <a:spcBef>
+                          <a:spcPts val="0"/>
+                        </a:spcBef>
+                        <a:spcAft>
+                          <a:spcPts val="0"/>
+                        </a:spcAft>
+                        <a:buClrTx/>
+                        <a:buSzTx/>
+                        <a:buFontTx/>
+                        <a:buNone/>
+                        <a:tabLst/>
+                        <a:defRPr/>
+                      </a:pPr>
+                      <a:r>
+                        <a:rPr kumimoji="0" lang="de-AT" sz="1800" b="0" i="0" u="none" strike="noStrike" kern="1200" cap="none" spc="0" normalizeH="0" baseline="0" noProof="0" dirty="0">
+                          <a:ln>
+                            <a:noFill/>
+                          </a:ln>
+                          <a:solidFill>
+                            <a:prstClr val="black"/>
+                          </a:solidFill>
+                          <a:effectLst/>
+                          <a:uLnTx/>
+                          <a:uFillTx/>
+                          <a:latin typeface="Arial"/>
+                        </a:rPr>
+                        <a:t>16 Bit </a:t>
+                      </a:r>
+                      <a:r>
+                        <a:rPr kumimoji="0" lang="de-AT" sz="1800" b="0" i="0" u="none" strike="noStrike" kern="1200" cap="none" spc="0" normalizeH="0" baseline="0" noProof="0" dirty="0" err="1">
+                          <a:ln>
+                            <a:noFill/>
+                          </a:ln>
+                          <a:solidFill>
+                            <a:prstClr val="black"/>
+                          </a:solidFill>
+                          <a:effectLst/>
+                          <a:uLnTx/>
+                          <a:uFillTx/>
+                          <a:latin typeface="Arial"/>
+                        </a:rPr>
+                        <a:t>Appro</a:t>
+                      </a:r>
+                      <a:r>
+                        <a:rPr kumimoji="0" lang="de-AT" sz="1800" b="0" i="0" u="none" strike="noStrike" kern="1200" cap="none" spc="0" normalizeH="0" baseline="0" noProof="0" dirty="0">
+                          <a:ln>
+                            <a:noFill/>
+                          </a:ln>
+                          <a:solidFill>
+                            <a:prstClr val="black"/>
+                          </a:solidFill>
+                          <a:effectLst/>
+                          <a:uLnTx/>
+                          <a:uFillTx/>
+                          <a:latin typeface="Arial"/>
+                        </a:rPr>
+                        <a:t>.</a:t>
+                      </a:r>
+                    </a:p>
+                  </a:txBody>
+                  <a:tcPr/>
+                </a:tc>
+                <a:tc>
+                  <a:txBody>
+                    <a:bodyPr/>
+                    <a:lstStyle/>
+                    <a:p>
+                      <a:pPr algn="ctr"/>
+                      <a:r>
+                        <a:rPr lang="de-AT" dirty="0"/>
+                        <a:t>32</a:t>
+                      </a:r>
+                    </a:p>
+                  </a:txBody>
+                  <a:tcPr/>
+                </a:tc>
+                <a:tc>
+                  <a:txBody>
+                    <a:bodyPr/>
+                    <a:lstStyle/>
+                    <a:p>
+                      <a:pPr algn="ctr"/>
+                      <a:r>
+                        <a:rPr lang="de-AT" dirty="0"/>
+                        <a:t>X</a:t>
+                      </a:r>
+                    </a:p>
+                  </a:txBody>
+                  <a:tcPr/>
+                </a:tc>
+                <a:tc>
+                  <a:txBody>
+                    <a:bodyPr/>
+                    <a:lstStyle/>
+                    <a:p>
+                      <a:pPr algn="ctr"/>
+                      <a:r>
+                        <a:rPr lang="de-AT" dirty="0"/>
+                        <a:t>X</a:t>
+                      </a:r>
+                    </a:p>
+                  </a:txBody>
+                  <a:tcPr/>
+                </a:tc>
+                <a:tc>
+                  <a:txBody>
+                    <a:bodyPr/>
+                    <a:lstStyle/>
+                    <a:p>
+                      <a:pPr algn="ctr"/>
+                      <a:r>
+                        <a:rPr lang="de-AT" dirty="0"/>
+                        <a:t>16</a:t>
+                      </a:r>
+                    </a:p>
+                  </a:txBody>
+                  <a:tcPr/>
+                </a:tc>
+                <a:tc>
+                  <a:txBody>
+                    <a:bodyPr/>
+                    <a:lstStyle/>
+                    <a:p>
+                      <a:pPr algn="ctr"/>
+                      <a:r>
+                        <a:rPr lang="de-AT" dirty="0"/>
+                        <a:t>144 </a:t>
+                      </a:r>
+                      <a:r>
+                        <a:rPr lang="de-AT" dirty="0">
+                          <a:solidFill>
+                            <a:srgbClr val="FF0000"/>
+                          </a:solidFill>
+                        </a:rPr>
+                        <a:t>(-32)</a:t>
+                      </a:r>
+                    </a:p>
+                  </a:txBody>
+                  <a:tcPr/>
+                </a:tc>
+                <a:extLst>
+                  <a:ext uri="{0D108BD9-81ED-4DB2-BD59-A6C34878D82A}">
+                    <a16:rowId xmlns:a16="http://schemas.microsoft.com/office/drawing/2014/main" val="3446948414"/>
+                  </a:ext>
+                </a:extLst>
+              </a:tr>
+            </a:tbl>
+          </a:graphicData>
+        </a:graphic>
+      </p:graphicFrame>
+      <p:sp>
+        <p:nvSpPr>
+          <p:cNvPr id="3" name="Textfeld 2">
+            <a:extLst>
+              <a:ext uri="{FF2B5EF4-FFF2-40B4-BE49-F238E27FC236}">
+                <a16:creationId xmlns:a16="http://schemas.microsoft.com/office/drawing/2014/main" id="{68444D2D-CE58-4DDC-91EB-B26386252801}"/>
+              </a:ext>
+            </a:extLst>
+          </p:cNvPr>
+          <p:cNvSpPr txBox="1"/>
+          <p:nvPr/>
+        </p:nvSpPr>
+        <p:spPr>
+          <a:xfrm>
+            <a:off x="1030815" y="5904748"/>
+            <a:ext cx="5169960" cy="369332"/>
+          </a:xfrm>
+          <a:prstGeom prst="rect">
+            <a:avLst/>
+          </a:prstGeom>
+          <a:noFill/>
+        </p:spPr>
+        <p:txBody>
+          <a:bodyPr wrap="square" rtlCol="0">
+            <a:spAutoFit/>
+          </a:bodyPr>
+          <a:lstStyle/>
+          <a:p>
+            <a:r>
+              <a:rPr lang="de-AT" b="1" dirty="0"/>
+              <a:t>XOR = 2 AND + 1 OR + 1 NOT = </a:t>
+            </a:r>
+            <a:r>
+              <a:rPr lang="de-AT" b="1" dirty="0">
+                <a:solidFill>
+                  <a:srgbClr val="FF0000"/>
+                </a:solidFill>
+              </a:rPr>
+              <a:t>4</a:t>
+            </a:r>
+            <a:r>
+              <a:rPr lang="de-AT" b="1" dirty="0"/>
+              <a:t> Basic Gates</a:t>
+            </a:r>
+          </a:p>
+        </p:txBody>
+      </p:sp>
+      <p:sp>
+        <p:nvSpPr>
+          <p:cNvPr id="4" name="Textfeld 3">
+            <a:extLst>
+              <a:ext uri="{FF2B5EF4-FFF2-40B4-BE49-F238E27FC236}">
+                <a16:creationId xmlns:a16="http://schemas.microsoft.com/office/drawing/2014/main" id="{E38F9533-446D-48F4-9122-9F87F6161D55}"/>
+              </a:ext>
+            </a:extLst>
+          </p:cNvPr>
+          <p:cNvSpPr txBox="1"/>
+          <p:nvPr/>
+        </p:nvSpPr>
+        <p:spPr>
+          <a:xfrm>
+            <a:off x="6200775" y="5456998"/>
+            <a:ext cx="1757363" cy="369332"/>
+          </a:xfrm>
+          <a:prstGeom prst="rect">
+            <a:avLst/>
+          </a:prstGeom>
+          <a:noFill/>
+        </p:spPr>
+        <p:txBody>
+          <a:bodyPr wrap="square" rtlCol="0">
+            <a:spAutoFit/>
+          </a:bodyPr>
+          <a:lstStyle/>
+          <a:p>
+            <a:r>
+              <a:rPr lang="de-AT" dirty="0"/>
+              <a:t>= ~18.2% </a:t>
+            </a:r>
+            <a:r>
+              <a:rPr lang="de-AT" dirty="0" err="1"/>
+              <a:t>less</a:t>
+            </a:r>
+            <a:endParaRPr lang="de-AT" dirty="0"/>
           </a:p>
         </p:txBody>
       </p:sp>
@@ -18166,7 +21383,7 @@
 </p:sld>
 </file>
 
-<file path=ppt/slides/slide22.xml><?xml version="1.0" encoding="utf-8"?>
+<file path=ppt/slides/slide23.xml><?xml version="1.0" encoding="utf-8"?>
 <p:sld xmlns:a="http://schemas.openxmlformats.org/drawingml/2006/main" xmlns:r="http://schemas.openxmlformats.org/officeDocument/2006/relationships" xmlns:p="http://schemas.openxmlformats.org/presentationml/2006/main">
   <p:cSld>
     <p:spTree>
@@ -18589,7 +21806,7 @@
                 <a:latin typeface="Calibri"/>
                 <a:ea typeface="DejaVu Sans"/>
               </a:rPr>
-              <a:t>22</a:t>
+              <a:t>23</a:t>
             </a:fld>
             <a:r>
               <a:rPr lang="zxx" sz="1050" b="0" strike="noStrike" spc="-1">
@@ -18677,321 +21894,108 @@
           </a:prstGeom>
         </p:spPr>
       </p:pic>
-    </p:spTree>
-  </p:cSld>
-  <p:clrMapOvr>
-    <a:masterClrMapping/>
-  </p:clrMapOvr>
-</p:sld>
-</file>
-
-<file path=ppt/slides/slide23.xml><?xml version="1.0" encoding="utf-8"?>
-<p:sld xmlns:a="http://schemas.openxmlformats.org/drawingml/2006/main" xmlns:r="http://schemas.openxmlformats.org/officeDocument/2006/relationships" xmlns:p="http://schemas.openxmlformats.org/presentationml/2006/main">
-  <p:cSld>
-    <p:spTree>
-      <p:nvGrpSpPr>
-        <p:cNvPr id="1" name=""/>
-        <p:cNvGrpSpPr/>
-        <p:nvPr/>
-      </p:nvGrpSpPr>
-      <p:grpSpPr>
-        <a:xfrm>
-          <a:off x="0" y="0"/>
-          <a:ext cx="0" cy="0"/>
-          <a:chOff x="0" y="0"/>
-          <a:chExt cx="0" cy="0"/>
-        </a:xfrm>
-      </p:grpSpPr>
-      <p:sp>
-        <p:nvSpPr>
-          <p:cNvPr id="246" name="CustomShape 1"/>
-          <p:cNvSpPr/>
+      <p:sp>
+        <p:nvSpPr>
+          <p:cNvPr id="2" name="Textfeld 1">
+            <a:extLst>
+              <a:ext uri="{FF2B5EF4-FFF2-40B4-BE49-F238E27FC236}">
+                <a16:creationId xmlns:a16="http://schemas.microsoft.com/office/drawing/2014/main" id="{06A85246-4D3B-4D18-BA42-8543E6D46E6E}"/>
+              </a:ext>
+            </a:extLst>
+          </p:cNvPr>
+          <p:cNvSpPr txBox="1"/>
           <p:nvPr/>
         </p:nvSpPr>
         <p:spPr>
           <a:xfrm>
-            <a:off x="127440" y="99000"/>
-            <a:ext cx="8836200" cy="953280"/>
+            <a:off x="8375408" y="1933903"/>
+            <a:ext cx="461665" cy="1833144"/>
           </a:xfrm>
           <a:prstGeom prst="rect">
             <a:avLst/>
           </a:prstGeom>
           <a:noFill/>
-          <a:ln>
-            <a:noFill/>
-          </a:ln>
-        </p:spPr>
-        <p:style>
-          <a:lnRef idx="0">
-            <a:scrgbClr r="0" g="0" b="0"/>
-          </a:lnRef>
-          <a:fillRef idx="0">
-            <a:scrgbClr r="0" g="0" b="0"/>
-          </a:fillRef>
-          <a:effectRef idx="0">
-            <a:scrgbClr r="0" g="0" b="0"/>
-          </a:effectRef>
-          <a:fontRef idx="minor"/>
-        </p:style>
+        </p:spPr>
         <p:txBody>
-          <a:bodyPr lIns="90000" tIns="45000" rIns="90000" bIns="45000" anchor="b">
-            <a:normAutofit/>
+          <a:bodyPr vert="vert" wrap="square" rtlCol="0">
+            <a:spAutoFit/>
           </a:bodyPr>
           <a:lstStyle/>
           <a:p>
-            <a:pPr>
-              <a:lnSpc>
-                <a:spcPct val="85000"/>
-              </a:lnSpc>
-            </a:pPr>
-            <a:r>
-              <a:rPr lang="de-DE" sz="4800" b="0" strike="noStrike" spc="-52">
-                <a:solidFill>
-                  <a:srgbClr val="404040"/>
-                </a:solidFill>
-                <a:latin typeface="Calibri Light"/>
-                <a:ea typeface="DejaVu Sans"/>
-              </a:rPr>
-              <a:t>Future Plans</a:t>
-            </a:r>
-            <a:endParaRPr lang="de-AT" sz="4800" b="0" strike="noStrike" spc="-1">
-              <a:latin typeface="Arial"/>
-            </a:endParaRPr>
+            <a:r>
+              <a:rPr lang="de-AT" dirty="0"/>
+              <a:t>EXACT</a:t>
+            </a:r>
           </a:p>
         </p:txBody>
       </p:sp>
       <p:sp>
         <p:nvSpPr>
-          <p:cNvPr id="247" name="CustomShape 2"/>
-          <p:cNvSpPr/>
+          <p:cNvPr id="4" name="Textfeld 3">
+            <a:extLst>
+              <a:ext uri="{FF2B5EF4-FFF2-40B4-BE49-F238E27FC236}">
+                <a16:creationId xmlns:a16="http://schemas.microsoft.com/office/drawing/2014/main" id="{76D052A9-2699-4936-A7D4-9850D28A9319}"/>
+              </a:ext>
+            </a:extLst>
+          </p:cNvPr>
+          <p:cNvSpPr txBox="1"/>
           <p:nvPr/>
         </p:nvSpPr>
         <p:spPr>
           <a:xfrm>
-            <a:off x="127440" y="1145520"/>
-            <a:ext cx="8836200" cy="5128560"/>
+            <a:off x="8375408" y="4229096"/>
+            <a:ext cx="461665" cy="1755012"/>
           </a:xfrm>
           <a:prstGeom prst="rect">
             <a:avLst/>
           </a:prstGeom>
           <a:noFill/>
-          <a:ln>
-            <a:noFill/>
-          </a:ln>
-        </p:spPr>
-        <p:style>
-          <a:lnRef idx="0">
-            <a:scrgbClr r="0" g="0" b="0"/>
-          </a:lnRef>
-          <a:fillRef idx="0">
-            <a:scrgbClr r="0" g="0" b="0"/>
-          </a:fillRef>
-          <a:effectRef idx="0">
-            <a:scrgbClr r="0" g="0" b="0"/>
-          </a:effectRef>
-          <a:fontRef idx="minor"/>
-        </p:style>
+        </p:spPr>
         <p:txBody>
-          <a:bodyPr lIns="0" tIns="45000" rIns="0" bIns="45000">
-            <a:noAutofit/>
+          <a:bodyPr vert="vert" wrap="square" rtlCol="0">
+            <a:spAutoFit/>
           </a:bodyPr>
           <a:lstStyle/>
           <a:p>
-            <a:pPr marL="432000" indent="-323640">
-              <a:lnSpc>
-                <a:spcPct val="100000"/>
-              </a:lnSpc>
-              <a:spcBef>
-                <a:spcPts val="1417"/>
-              </a:spcBef>
-              <a:buClr>
-                <a:srgbClr val="000000"/>
-              </a:buClr>
-              <a:buSzPct val="45000"/>
-              <a:buFont typeface="Wingdings" charset="2"/>
-              <a:buChar char=""/>
-            </a:pPr>
-            <a:r>
-              <a:rPr lang="en-US" sz="2000" b="0" strike="noStrike" spc="-1">
-                <a:solidFill>
-                  <a:srgbClr val="000000"/>
-                </a:solidFill>
-                <a:latin typeface="Arial"/>
-                <a:ea typeface="DejaVu Sans"/>
-              </a:rPr>
-              <a:t>Adding functionality for generic N bit Adders</a:t>
-            </a:r>
-            <a:endParaRPr lang="de-AT" sz="2000" b="0" strike="noStrike" spc="-1">
-              <a:latin typeface="Arial"/>
-            </a:endParaRPr>
-          </a:p>
-          <a:p>
-            <a:pPr marL="432000" indent="-323640">
-              <a:lnSpc>
-                <a:spcPct val="100000"/>
-              </a:lnSpc>
-              <a:spcBef>
-                <a:spcPts val="1417"/>
-              </a:spcBef>
-              <a:buClr>
-                <a:srgbClr val="000000"/>
-              </a:buClr>
-              <a:buSzPct val="45000"/>
-              <a:buFont typeface="Wingdings" charset="2"/>
-              <a:buChar char=""/>
-            </a:pPr>
-            <a:r>
-              <a:rPr lang="en-US" sz="2000" b="0" strike="noStrike" spc="-1">
-                <a:solidFill>
-                  <a:srgbClr val="000000"/>
-                </a:solidFill>
-                <a:latin typeface="Arial"/>
-                <a:ea typeface="DejaVu Sans"/>
-              </a:rPr>
-              <a:t>Final Worst Case Error Analysis with BDD</a:t>
-            </a:r>
-            <a:endParaRPr lang="de-AT" sz="2000" b="0" strike="noStrike" spc="-1">
-              <a:latin typeface="Arial"/>
-            </a:endParaRPr>
-          </a:p>
-          <a:p>
-            <a:pPr marL="432000" indent="-323640">
-              <a:lnSpc>
-                <a:spcPct val="100000"/>
-              </a:lnSpc>
-              <a:spcBef>
-                <a:spcPts val="1417"/>
-              </a:spcBef>
-              <a:buClr>
-                <a:srgbClr val="000000"/>
-              </a:buClr>
-              <a:buSzPct val="45000"/>
-              <a:buFont typeface="Wingdings" charset="2"/>
-              <a:buChar char=""/>
-            </a:pPr>
-            <a:r>
-              <a:rPr lang="en-US" sz="2000" b="0" strike="noStrike" spc="-1">
-                <a:solidFill>
-                  <a:srgbClr val="000000"/>
-                </a:solidFill>
-                <a:latin typeface="Arial"/>
-                <a:ea typeface="DejaVu Sans"/>
-              </a:rPr>
-              <a:t>Several Graphical Error Visualisations</a:t>
-            </a:r>
-            <a:endParaRPr lang="de-AT" sz="2000" b="0" strike="noStrike" spc="-1">
-              <a:latin typeface="Arial"/>
-            </a:endParaRPr>
-          </a:p>
-          <a:p>
-            <a:pPr marL="432000" indent="-323640">
-              <a:lnSpc>
-                <a:spcPct val="100000"/>
-              </a:lnSpc>
-              <a:spcBef>
-                <a:spcPts val="1417"/>
-              </a:spcBef>
-              <a:buClr>
-                <a:srgbClr val="000000"/>
-              </a:buClr>
-              <a:buSzPct val="45000"/>
-              <a:buFont typeface="Wingdings" charset="2"/>
-              <a:buChar char=""/>
-            </a:pPr>
-            <a:r>
-              <a:rPr lang="en-US" sz="2000" b="0" strike="noStrike" spc="-1">
-                <a:solidFill>
-                  <a:srgbClr val="000000"/>
-                </a:solidFill>
-                <a:latin typeface="Arial"/>
-                <a:ea typeface="DejaVu Sans"/>
-              </a:rPr>
-              <a:t>Implementing on Zedboard (Hardware)</a:t>
-            </a:r>
-            <a:endParaRPr lang="de-AT" sz="2000" b="0" strike="noStrike" spc="-1">
-              <a:latin typeface="Arial"/>
-            </a:endParaRPr>
-          </a:p>
-          <a:p>
-            <a:pPr>
-              <a:lnSpc>
-                <a:spcPct val="100000"/>
-              </a:lnSpc>
-              <a:spcBef>
-                <a:spcPts val="1417"/>
-              </a:spcBef>
-            </a:pPr>
-            <a:endParaRPr lang="de-AT" sz="2000" b="0" strike="noStrike" spc="-1">
-              <a:latin typeface="Arial"/>
-            </a:endParaRPr>
+            <a:r>
+              <a:rPr lang="de-AT" dirty="0"/>
+              <a:t>APPROXIMATE</a:t>
+            </a:r>
           </a:p>
         </p:txBody>
       </p:sp>
       <p:sp>
         <p:nvSpPr>
-          <p:cNvPr id="248" name="CustomShape 3"/>
-          <p:cNvSpPr/>
+          <p:cNvPr id="6" name="Textfeld 5">
+            <a:extLst>
+              <a:ext uri="{FF2B5EF4-FFF2-40B4-BE49-F238E27FC236}">
+                <a16:creationId xmlns:a16="http://schemas.microsoft.com/office/drawing/2014/main" id="{9DD3138A-B871-4A0B-8526-C34CD305BC11}"/>
+              </a:ext>
+            </a:extLst>
+          </p:cNvPr>
+          <p:cNvSpPr txBox="1"/>
           <p:nvPr/>
         </p:nvSpPr>
         <p:spPr>
           <a:xfrm>
-            <a:off x="4006440" y="6410880"/>
-            <a:ext cx="582480" cy="363960"/>
+            <a:off x="7243763" y="739514"/>
+            <a:ext cx="1076925" cy="369332"/>
           </a:xfrm>
           <a:prstGeom prst="rect">
             <a:avLst/>
           </a:prstGeom>
           <a:noFill/>
-          <a:ln>
-            <a:noFill/>
-          </a:ln>
-        </p:spPr>
-        <p:style>
-          <a:lnRef idx="0">
-            <a:scrgbClr r="0" g="0" b="0"/>
-          </a:lnRef>
-          <a:fillRef idx="0">
-            <a:scrgbClr r="0" g="0" b="0"/>
-          </a:fillRef>
-          <a:effectRef idx="0">
-            <a:scrgbClr r="0" g="0" b="0"/>
-          </a:effectRef>
-          <a:fontRef idx="minor"/>
-        </p:style>
+        </p:spPr>
         <p:txBody>
-          <a:bodyPr lIns="90000" tIns="45000" rIns="90000" bIns="45000" anchor="ctr">
-            <a:noAutofit/>
+          <a:bodyPr wrap="square" rtlCol="0">
+            <a:spAutoFit/>
           </a:bodyPr>
           <a:lstStyle/>
           <a:p>
-            <a:pPr algn="r">
-              <a:lnSpc>
-                <a:spcPct val="100000"/>
-              </a:lnSpc>
-            </a:pPr>
-            <a:fld id="{529BAE5C-0237-4ABB-9BAC-104434346622}" type="slidenum">
-              <a:rPr lang="zxx" sz="1050" b="0" strike="noStrike" spc="-1">
-                <a:solidFill>
-                  <a:srgbClr val="000000"/>
-                </a:solidFill>
-                <a:latin typeface="Calibri"/>
-                <a:ea typeface="DejaVu Sans"/>
-              </a:rPr>
-              <a:t>23</a:t>
-            </a:fld>
-            <a:r>
-              <a:rPr lang="zxx" sz="1050" b="0" strike="noStrike" spc="-1">
-                <a:solidFill>
-                  <a:srgbClr val="000000"/>
-                </a:solidFill>
-                <a:latin typeface="Calibri"/>
-                <a:ea typeface="DejaVu Sans"/>
-              </a:rPr>
-              <a:t>/</a:t>
-            </a:r>
-            <a:endParaRPr lang="de-AT" sz="1050" b="0" strike="noStrike" spc="-1">
-              <a:latin typeface="Arial"/>
-            </a:endParaRPr>
+            <a:r>
+              <a:rPr lang="de-AT" b="1" dirty="0"/>
+              <a:t>1 BIT</a:t>
+            </a:r>
           </a:p>
         </p:txBody>
       </p:sp>
@@ -19020,16 +22024,312 @@
           <a:chExt cx="0" cy="0"/>
         </a:xfrm>
       </p:grpSpPr>
-      <p:sp>
-        <p:nvSpPr>
-          <p:cNvPr id="249" name="CustomShape 1"/>
+      <p:pic>
+        <p:nvPicPr>
+          <p:cNvPr id="238" name="Grafik 4" descr="Ein Bild, das Text enthält.&#10;&#10;Automatisch generierte Beschreibung"/>
+          <p:cNvPicPr/>
+          <p:nvPr/>
+        </p:nvPicPr>
+        <p:blipFill>
+          <a:blip r:embed="rId3">
+            <a:alphaModFix amt="0"/>
+          </a:blip>
+          <a:stretch/>
+        </p:blipFill>
+        <p:spPr>
+          <a:xfrm>
+            <a:off x="286200" y="3417480"/>
+            <a:ext cx="8157240" cy="2701440"/>
+          </a:xfrm>
+          <a:prstGeom prst="rect">
+            <a:avLst/>
+          </a:prstGeom>
+          <a:ln>
+            <a:noFill/>
+          </a:ln>
+        </p:spPr>
+      </p:pic>
+      <p:pic>
+        <p:nvPicPr>
+          <p:cNvPr id="239" name="Grafik 2" descr="Ein Bild, das Text enthält.&#10;&#10;Automatisch generierte Beschreibung"/>
+          <p:cNvPicPr/>
+          <p:nvPr/>
+        </p:nvPicPr>
+        <p:blipFill>
+          <a:blip r:embed="rId4">
+            <a:alphaModFix amt="0"/>
+          </a:blip>
+          <a:stretch/>
+        </p:blipFill>
+        <p:spPr>
+          <a:xfrm>
+            <a:off x="231480" y="973080"/>
+            <a:ext cx="8262360" cy="2703600"/>
+          </a:xfrm>
+          <a:prstGeom prst="rect">
+            <a:avLst/>
+          </a:prstGeom>
+          <a:ln>
+            <a:noFill/>
+          </a:ln>
+        </p:spPr>
+      </p:pic>
+      <p:sp>
+        <p:nvSpPr>
+          <p:cNvPr id="240" name="CustomShape 1"/>
           <p:cNvSpPr/>
           <p:nvPr/>
         </p:nvSpPr>
         <p:spPr>
           <a:xfrm>
-            <a:off x="822960" y="1385640"/>
-            <a:ext cx="7542720" cy="4146840"/>
+            <a:off x="127440" y="99000"/>
+            <a:ext cx="8836200" cy="953280"/>
+          </a:xfrm>
+          <a:prstGeom prst="rect">
+            <a:avLst/>
+          </a:prstGeom>
+          <a:noFill/>
+          <a:ln>
+            <a:noFill/>
+          </a:ln>
+        </p:spPr>
+        <p:style>
+          <a:lnRef idx="0">
+            <a:scrgbClr r="0" g="0" b="0"/>
+          </a:lnRef>
+          <a:fillRef idx="0">
+            <a:scrgbClr r="0" g="0" b="0"/>
+          </a:fillRef>
+          <a:effectRef idx="0">
+            <a:scrgbClr r="0" g="0" b="0"/>
+          </a:effectRef>
+          <a:fontRef idx="minor"/>
+        </p:style>
+        <p:txBody>
+          <a:bodyPr lIns="90000" tIns="45000" rIns="90000" bIns="45000" anchor="b">
+            <a:normAutofit/>
+          </a:bodyPr>
+          <a:lstStyle/>
+          <a:p>
+            <a:pPr>
+              <a:lnSpc>
+                <a:spcPct val="85000"/>
+              </a:lnSpc>
+            </a:pPr>
+            <a:r>
+              <a:rPr lang="en-US" sz="4800" b="0" strike="noStrike" spc="-52">
+                <a:solidFill>
+                  <a:srgbClr val="404040"/>
+                </a:solidFill>
+                <a:latin typeface="Calibri Light"/>
+                <a:ea typeface="DejaVu Sans"/>
+              </a:rPr>
+              <a:t>Power Analysis</a:t>
+            </a:r>
+            <a:endParaRPr lang="de-AT" sz="4800" b="0" strike="noStrike" spc="-1">
+              <a:latin typeface="Arial"/>
+            </a:endParaRPr>
+          </a:p>
+        </p:txBody>
+      </p:sp>
+      <p:sp>
+        <p:nvSpPr>
+          <p:cNvPr id="241" name="CustomShape 2"/>
+          <p:cNvSpPr/>
+          <p:nvPr/>
+        </p:nvSpPr>
+        <p:spPr>
+          <a:xfrm>
+            <a:off x="127440" y="1145520"/>
+            <a:ext cx="8836200" cy="5128560"/>
+          </a:xfrm>
+          <a:prstGeom prst="rect">
+            <a:avLst/>
+          </a:prstGeom>
+          <a:noFill/>
+          <a:ln>
+            <a:noFill/>
+          </a:ln>
+        </p:spPr>
+        <p:style>
+          <a:lnRef idx="0">
+            <a:scrgbClr r="0" g="0" b="0"/>
+          </a:lnRef>
+          <a:fillRef idx="0">
+            <a:scrgbClr r="0" g="0" b="0"/>
+          </a:fillRef>
+          <a:effectRef idx="0">
+            <a:scrgbClr r="0" g="0" b="0"/>
+          </a:effectRef>
+          <a:fontRef idx="minor"/>
+        </p:style>
+        <p:txBody>
+          <a:bodyPr lIns="0" tIns="45000" rIns="0" bIns="45000">
+            <a:noAutofit/>
+          </a:bodyPr>
+          <a:lstStyle/>
+          <a:p>
+            <a:pPr marL="108360">
+              <a:lnSpc>
+                <a:spcPct val="100000"/>
+              </a:lnSpc>
+              <a:spcBef>
+                <a:spcPts val="1417"/>
+              </a:spcBef>
+            </a:pPr>
+            <a:endParaRPr lang="de-AT" sz="1800" b="0" strike="noStrike" spc="-1" dirty="0">
+              <a:latin typeface="Arial"/>
+            </a:endParaRPr>
+          </a:p>
+          <a:p>
+            <a:pPr marL="108360">
+              <a:lnSpc>
+                <a:spcPct val="100000"/>
+              </a:lnSpc>
+              <a:spcBef>
+                <a:spcPts val="1417"/>
+              </a:spcBef>
+            </a:pPr>
+            <a:endParaRPr lang="de-AT" sz="1800" b="0" strike="noStrike" spc="-1" dirty="0">
+              <a:latin typeface="Arial"/>
+            </a:endParaRPr>
+          </a:p>
+          <a:p>
+            <a:pPr marL="108360">
+              <a:lnSpc>
+                <a:spcPct val="100000"/>
+              </a:lnSpc>
+              <a:spcBef>
+                <a:spcPts val="1417"/>
+              </a:spcBef>
+            </a:pPr>
+            <a:endParaRPr lang="de-AT" sz="1800" b="0" strike="noStrike" spc="-1" dirty="0">
+              <a:latin typeface="Arial"/>
+            </a:endParaRPr>
+          </a:p>
+          <a:p>
+            <a:pPr marL="108360">
+              <a:lnSpc>
+                <a:spcPct val="100000"/>
+              </a:lnSpc>
+              <a:spcBef>
+                <a:spcPts val="1417"/>
+              </a:spcBef>
+            </a:pPr>
+            <a:endParaRPr lang="de-AT" sz="1800" b="0" strike="noStrike" spc="-1" dirty="0">
+              <a:latin typeface="Arial"/>
+            </a:endParaRPr>
+          </a:p>
+          <a:p>
+            <a:pPr marL="108360">
+              <a:lnSpc>
+                <a:spcPct val="100000"/>
+              </a:lnSpc>
+              <a:spcBef>
+                <a:spcPts val="1417"/>
+              </a:spcBef>
+            </a:pPr>
+            <a:r>
+              <a:rPr lang="de-DE" sz="2000" b="0" strike="noStrike" spc="-1" dirty="0">
+                <a:solidFill>
+                  <a:srgbClr val="000000"/>
+                </a:solidFill>
+                <a:latin typeface="Arial"/>
+                <a:ea typeface="DejaVu Sans"/>
+              </a:rPr>
+              <a:t>						</a:t>
+            </a:r>
+            <a:endParaRPr lang="de-AT" sz="2000" b="0" strike="noStrike" spc="-1" dirty="0">
+              <a:latin typeface="Arial"/>
+            </a:endParaRPr>
+          </a:p>
+          <a:p>
+            <a:pPr marL="108360">
+              <a:lnSpc>
+                <a:spcPct val="100000"/>
+              </a:lnSpc>
+              <a:spcBef>
+                <a:spcPts val="1417"/>
+              </a:spcBef>
+            </a:pPr>
+            <a:endParaRPr lang="de-AT" sz="2000" b="0" strike="noStrike" spc="-1" dirty="0">
+              <a:latin typeface="Arial"/>
+            </a:endParaRPr>
+          </a:p>
+          <a:p>
+            <a:pPr marL="108360">
+              <a:lnSpc>
+                <a:spcPct val="100000"/>
+              </a:lnSpc>
+              <a:spcBef>
+                <a:spcPts val="1417"/>
+              </a:spcBef>
+            </a:pPr>
+            <a:endParaRPr lang="de-AT" sz="2000" b="0" strike="noStrike" spc="-1" dirty="0">
+              <a:latin typeface="Arial"/>
+            </a:endParaRPr>
+          </a:p>
+          <a:p>
+            <a:pPr marL="108360">
+              <a:lnSpc>
+                <a:spcPct val="100000"/>
+              </a:lnSpc>
+              <a:spcBef>
+                <a:spcPts val="1417"/>
+              </a:spcBef>
+            </a:pPr>
+            <a:endParaRPr lang="de-AT" sz="2000" b="0" strike="noStrike" spc="-1" dirty="0">
+              <a:latin typeface="Arial"/>
+            </a:endParaRPr>
+          </a:p>
+          <a:p>
+            <a:pPr marL="108360">
+              <a:lnSpc>
+                <a:spcPct val="100000"/>
+              </a:lnSpc>
+              <a:spcBef>
+                <a:spcPts val="1417"/>
+              </a:spcBef>
+            </a:pPr>
+            <a:endParaRPr lang="de-AT" sz="2000" b="0" strike="noStrike" spc="-1" dirty="0">
+              <a:latin typeface="Arial"/>
+            </a:endParaRPr>
+          </a:p>
+          <a:p>
+            <a:pPr marL="108360">
+              <a:lnSpc>
+                <a:spcPct val="100000"/>
+              </a:lnSpc>
+              <a:spcBef>
+                <a:spcPts val="1417"/>
+              </a:spcBef>
+            </a:pPr>
+            <a:r>
+              <a:rPr lang="de-DE" sz="2000" b="0" strike="noStrike" spc="-1" dirty="0">
+                <a:solidFill>
+                  <a:srgbClr val="000000"/>
+                </a:solidFill>
+                <a:latin typeface="Arial"/>
+                <a:ea typeface="DejaVu Sans"/>
+              </a:rPr>
+              <a:t>						</a:t>
+            </a:r>
+            <a:endParaRPr lang="de-AT" sz="2000" b="0" strike="noStrike" spc="-1" dirty="0">
+              <a:latin typeface="Arial"/>
+            </a:endParaRPr>
+          </a:p>
+        </p:txBody>
+      </p:sp>
+      <p:sp>
+        <p:nvSpPr>
+          <p:cNvPr id="242" name="CustomShape 3"/>
+          <p:cNvSpPr/>
+          <p:nvPr/>
+        </p:nvSpPr>
+        <p:spPr>
+          <a:xfrm>
+            <a:off x="4006440" y="6410880"/>
+            <a:ext cx="582480" cy="363960"/>
           </a:xfrm>
           <a:prstGeom prst="rect">
             <a:avLst/>
@@ -19057,22 +22357,345 @@
           </a:bodyPr>
           <a:lstStyle/>
           <a:p>
-            <a:pPr algn="ctr">
+            <a:pPr algn="r">
+              <a:lnSpc>
+                <a:spcPct val="100000"/>
+              </a:lnSpc>
+            </a:pPr>
+            <a:fld id="{4E1A617F-480F-4D32-A343-FB8B67725212}" type="slidenum">
+              <a:rPr lang="zxx" sz="1050" b="0" strike="noStrike" spc="-1">
+                <a:solidFill>
+                  <a:srgbClr val="000000"/>
+                </a:solidFill>
+                <a:latin typeface="Calibri"/>
+                <a:ea typeface="DejaVu Sans"/>
+              </a:rPr>
+              <a:t>24</a:t>
+            </a:fld>
+            <a:r>
+              <a:rPr lang="zxx" sz="1050" b="0" strike="noStrike" spc="-1">
+                <a:solidFill>
+                  <a:srgbClr val="000000"/>
+                </a:solidFill>
+                <a:latin typeface="Calibri"/>
+                <a:ea typeface="DejaVu Sans"/>
+              </a:rPr>
+              <a:t>/</a:t>
+            </a:r>
+            <a:endParaRPr lang="de-AT" sz="1050" b="0" strike="noStrike" spc="-1">
+              <a:latin typeface="Arial"/>
+            </a:endParaRPr>
+          </a:p>
+        </p:txBody>
+      </p:sp>
+      <p:sp>
+        <p:nvSpPr>
+          <p:cNvPr id="2" name="Textfeld 1">
+            <a:extLst>
+              <a:ext uri="{FF2B5EF4-FFF2-40B4-BE49-F238E27FC236}">
+                <a16:creationId xmlns:a16="http://schemas.microsoft.com/office/drawing/2014/main" id="{06A85246-4D3B-4D18-BA42-8543E6D46E6E}"/>
+              </a:ext>
+            </a:extLst>
+          </p:cNvPr>
+          <p:cNvSpPr txBox="1"/>
+          <p:nvPr/>
+        </p:nvSpPr>
+        <p:spPr>
+          <a:xfrm>
+            <a:off x="8375408" y="1933903"/>
+            <a:ext cx="461665" cy="1833144"/>
+          </a:xfrm>
+          <a:prstGeom prst="rect">
+            <a:avLst/>
+          </a:prstGeom>
+          <a:noFill/>
+        </p:spPr>
+        <p:txBody>
+          <a:bodyPr vert="vert" wrap="square" rtlCol="0">
+            <a:spAutoFit/>
+          </a:bodyPr>
+          <a:lstStyle/>
+          <a:p>
+            <a:r>
+              <a:rPr lang="de-AT" dirty="0"/>
+              <a:t>EXACT</a:t>
+            </a:r>
+          </a:p>
+        </p:txBody>
+      </p:sp>
+      <p:sp>
+        <p:nvSpPr>
+          <p:cNvPr id="4" name="Textfeld 3">
+            <a:extLst>
+              <a:ext uri="{FF2B5EF4-FFF2-40B4-BE49-F238E27FC236}">
+                <a16:creationId xmlns:a16="http://schemas.microsoft.com/office/drawing/2014/main" id="{76D052A9-2699-4936-A7D4-9850D28A9319}"/>
+              </a:ext>
+            </a:extLst>
+          </p:cNvPr>
+          <p:cNvSpPr txBox="1"/>
+          <p:nvPr/>
+        </p:nvSpPr>
+        <p:spPr>
+          <a:xfrm>
+            <a:off x="8375408" y="4229096"/>
+            <a:ext cx="461665" cy="1755012"/>
+          </a:xfrm>
+          <a:prstGeom prst="rect">
+            <a:avLst/>
+          </a:prstGeom>
+          <a:noFill/>
+        </p:spPr>
+        <p:txBody>
+          <a:bodyPr vert="vert" wrap="square" rtlCol="0">
+            <a:spAutoFit/>
+          </a:bodyPr>
+          <a:lstStyle/>
+          <a:p>
+            <a:r>
+              <a:rPr lang="de-AT" dirty="0"/>
+              <a:t>APPROXIMATE</a:t>
+            </a:r>
+          </a:p>
+        </p:txBody>
+      </p:sp>
+      <p:sp>
+        <p:nvSpPr>
+          <p:cNvPr id="6" name="Textfeld 5">
+            <a:extLst>
+              <a:ext uri="{FF2B5EF4-FFF2-40B4-BE49-F238E27FC236}">
+                <a16:creationId xmlns:a16="http://schemas.microsoft.com/office/drawing/2014/main" id="{9DD3138A-B871-4A0B-8526-C34CD305BC11}"/>
+              </a:ext>
+            </a:extLst>
+          </p:cNvPr>
+          <p:cNvSpPr txBox="1"/>
+          <p:nvPr/>
+        </p:nvSpPr>
+        <p:spPr>
+          <a:xfrm>
+            <a:off x="7113353" y="914234"/>
+            <a:ext cx="1076925" cy="369332"/>
+          </a:xfrm>
+          <a:prstGeom prst="rect">
+            <a:avLst/>
+          </a:prstGeom>
+          <a:noFill/>
+        </p:spPr>
+        <p:txBody>
+          <a:bodyPr wrap="square" rtlCol="0">
+            <a:spAutoFit/>
+          </a:bodyPr>
+          <a:lstStyle/>
+          <a:p>
+            <a:r>
+              <a:rPr lang="de-AT" b="1" dirty="0"/>
+              <a:t>16 BIT</a:t>
+            </a:r>
+          </a:p>
+        </p:txBody>
+      </p:sp>
+      <p:pic>
+        <p:nvPicPr>
+          <p:cNvPr id="8" name="Grafik 7" descr="Ein Bild, das Text enthält.&#10;&#10;Automatisch generierte Beschreibung">
+            <a:extLst>
+              <a:ext uri="{FF2B5EF4-FFF2-40B4-BE49-F238E27FC236}">
+                <a16:creationId xmlns:a16="http://schemas.microsoft.com/office/drawing/2014/main" id="{FE9E32A9-1300-4D28-B385-4D6E8AFF3BE5}"/>
+              </a:ext>
+            </a:extLst>
+          </p:cNvPr>
+          <p:cNvPicPr>
+            <a:picLocks noChangeAspect="1"/>
+          </p:cNvPicPr>
+          <p:nvPr/>
+        </p:nvPicPr>
+        <p:blipFill rotWithShape="1">
+          <a:blip r:embed="rId5">
+            <a:extLst>
+              <a:ext uri="{28A0092B-C50C-407E-A947-70E740481C1C}">
+                <a14:useLocalDpi xmlns:a14="http://schemas.microsoft.com/office/drawing/2010/main" val="0"/>
+              </a:ext>
+            </a:extLst>
+          </a:blip>
+          <a:srcRect t="9489" r="2158" b="4806"/>
+          <a:stretch/>
+        </p:blipFill>
+        <p:spPr>
+          <a:xfrm>
+            <a:off x="16919" y="3910246"/>
+            <a:ext cx="8476919" cy="2457074"/>
+          </a:xfrm>
+          <a:prstGeom prst="rect">
+            <a:avLst/>
+          </a:prstGeom>
+        </p:spPr>
+      </p:pic>
+      <p:pic>
+        <p:nvPicPr>
+          <p:cNvPr id="10" name="Grafik 9" descr="Ein Bild, das Text enthält.&#10;&#10;Automatisch generierte Beschreibung">
+            <a:extLst>
+              <a:ext uri="{FF2B5EF4-FFF2-40B4-BE49-F238E27FC236}">
+                <a16:creationId xmlns:a16="http://schemas.microsoft.com/office/drawing/2014/main" id="{34CA8BF2-9229-4C93-B89B-C0FD8D50C2E0}"/>
+              </a:ext>
+            </a:extLst>
+          </p:cNvPr>
+          <p:cNvPicPr>
+            <a:picLocks noChangeAspect="1"/>
+          </p:cNvPicPr>
+          <p:nvPr/>
+        </p:nvPicPr>
+        <p:blipFill rotWithShape="1">
+          <a:blip r:embed="rId6">
+            <a:extLst>
+              <a:ext uri="{28A0092B-C50C-407E-A947-70E740481C1C}">
+                <a14:useLocalDpi xmlns:a14="http://schemas.microsoft.com/office/drawing/2010/main" val="0"/>
+              </a:ext>
+            </a:extLst>
+          </a:blip>
+          <a:srcRect t="8992" r="3366" b="9883"/>
+          <a:stretch/>
+        </p:blipFill>
+        <p:spPr>
+          <a:xfrm>
+            <a:off x="16920" y="1285846"/>
+            <a:ext cx="8476920" cy="2457074"/>
+          </a:xfrm>
+          <a:prstGeom prst="rect">
+            <a:avLst/>
+          </a:prstGeom>
+        </p:spPr>
+      </p:pic>
+    </p:spTree>
+    <p:extLst>
+      <p:ext uri="{BB962C8B-B14F-4D97-AF65-F5344CB8AC3E}">
+        <p14:creationId xmlns:p14="http://schemas.microsoft.com/office/powerpoint/2010/main" val="2386613585"/>
+      </p:ext>
+    </p:extLst>
+  </p:cSld>
+  <p:clrMapOvr>
+    <a:masterClrMapping/>
+  </p:clrMapOvr>
+</p:sld>
+</file>
+
+<file path=ppt/slides/slide25.xml><?xml version="1.0" encoding="utf-8"?>
+<p:sld xmlns:a="http://schemas.openxmlformats.org/drawingml/2006/main" xmlns:r="http://schemas.openxmlformats.org/officeDocument/2006/relationships" xmlns:p="http://schemas.openxmlformats.org/presentationml/2006/main">
+  <p:cSld>
+    <p:spTree>
+      <p:nvGrpSpPr>
+        <p:cNvPr id="1" name=""/>
+        <p:cNvGrpSpPr/>
+        <p:nvPr/>
+      </p:nvGrpSpPr>
+      <p:grpSpPr>
+        <a:xfrm>
+          <a:off x="0" y="0"/>
+          <a:ext cx="0" cy="0"/>
+          <a:chOff x="0" y="0"/>
+          <a:chExt cx="0" cy="0"/>
+        </a:xfrm>
+      </p:grpSpPr>
+      <p:pic>
+        <p:nvPicPr>
+          <p:cNvPr id="238" name="Grafik 4" descr="Ein Bild, das Text enthält.&#10;&#10;Automatisch generierte Beschreibung"/>
+          <p:cNvPicPr/>
+          <p:nvPr/>
+        </p:nvPicPr>
+        <p:blipFill>
+          <a:blip r:embed="rId3">
+            <a:alphaModFix amt="0"/>
+          </a:blip>
+          <a:stretch/>
+        </p:blipFill>
+        <p:spPr>
+          <a:xfrm>
+            <a:off x="286200" y="3417480"/>
+            <a:ext cx="8157240" cy="2701440"/>
+          </a:xfrm>
+          <a:prstGeom prst="rect">
+            <a:avLst/>
+          </a:prstGeom>
+          <a:ln>
+            <a:noFill/>
+          </a:ln>
+        </p:spPr>
+      </p:pic>
+      <p:pic>
+        <p:nvPicPr>
+          <p:cNvPr id="239" name="Grafik 2" descr="Ein Bild, das Text enthält.&#10;&#10;Automatisch generierte Beschreibung"/>
+          <p:cNvPicPr/>
+          <p:nvPr/>
+        </p:nvPicPr>
+        <p:blipFill>
+          <a:blip r:embed="rId4">
+            <a:alphaModFix amt="0"/>
+          </a:blip>
+          <a:stretch/>
+        </p:blipFill>
+        <p:spPr>
+          <a:xfrm>
+            <a:off x="231480" y="973080"/>
+            <a:ext cx="8262360" cy="2703600"/>
+          </a:xfrm>
+          <a:prstGeom prst="rect">
+            <a:avLst/>
+          </a:prstGeom>
+          <a:ln>
+            <a:noFill/>
+          </a:ln>
+        </p:spPr>
+      </p:pic>
+      <p:sp>
+        <p:nvSpPr>
+          <p:cNvPr id="240" name="CustomShape 1"/>
+          <p:cNvSpPr/>
+          <p:nvPr/>
+        </p:nvSpPr>
+        <p:spPr>
+          <a:xfrm>
+            <a:off x="127440" y="99000"/>
+            <a:ext cx="8836200" cy="953280"/>
+          </a:xfrm>
+          <a:prstGeom prst="rect">
+            <a:avLst/>
+          </a:prstGeom>
+          <a:noFill/>
+          <a:ln>
+            <a:noFill/>
+          </a:ln>
+        </p:spPr>
+        <p:style>
+          <a:lnRef idx="0">
+            <a:scrgbClr r="0" g="0" b="0"/>
+          </a:lnRef>
+          <a:fillRef idx="0">
+            <a:scrgbClr r="0" g="0" b="0"/>
+          </a:fillRef>
+          <a:effectRef idx="0">
+            <a:scrgbClr r="0" g="0" b="0"/>
+          </a:effectRef>
+          <a:fontRef idx="minor"/>
+        </p:style>
+        <p:txBody>
+          <a:bodyPr lIns="90000" tIns="45000" rIns="90000" bIns="45000" anchor="b">
+            <a:normAutofit/>
+          </a:bodyPr>
+          <a:lstStyle/>
+          <a:p>
+            <a:pPr>
               <a:lnSpc>
                 <a:spcPct val="85000"/>
               </a:lnSpc>
             </a:pPr>
             <a:r>
-              <a:rPr lang="zxx" sz="4800" b="0" strike="noStrike" spc="-52">
+              <a:rPr lang="en-US" sz="4800" b="0" strike="noStrike" spc="-52" dirty="0">
                 <a:solidFill>
                   <a:srgbClr val="404040"/>
                 </a:solidFill>
                 <a:latin typeface="Calibri Light"/>
                 <a:ea typeface="DejaVu Sans"/>
               </a:rPr>
-              <a:t>Thank you!</a:t>
-            </a:r>
-            <a:endParaRPr lang="de-AT" sz="4800" b="0" strike="noStrike" spc="-1">
+              <a:t>Problem in Power Analysis</a:t>
+            </a:r>
+            <a:endParaRPr lang="de-AT" sz="4800" b="0" strike="noStrike" spc="-1" dirty="0">
               <a:latin typeface="Arial"/>
             </a:endParaRPr>
           </a:p>
@@ -19080,7 +22703,763 @@
       </p:sp>
       <p:sp>
         <p:nvSpPr>
-          <p:cNvPr id="250" name="CustomShape 2"/>
+          <p:cNvPr id="241" name="CustomShape 2"/>
+          <p:cNvSpPr/>
+          <p:nvPr/>
+        </p:nvSpPr>
+        <p:spPr>
+          <a:xfrm>
+            <a:off x="127440" y="1145520"/>
+            <a:ext cx="8836200" cy="5128560"/>
+          </a:xfrm>
+          <a:prstGeom prst="rect">
+            <a:avLst/>
+          </a:prstGeom>
+          <a:noFill/>
+          <a:ln>
+            <a:noFill/>
+          </a:ln>
+        </p:spPr>
+        <p:style>
+          <a:lnRef idx="0">
+            <a:scrgbClr r="0" g="0" b="0"/>
+          </a:lnRef>
+          <a:fillRef idx="0">
+            <a:scrgbClr r="0" g="0" b="0"/>
+          </a:fillRef>
+          <a:effectRef idx="0">
+            <a:scrgbClr r="0" g="0" b="0"/>
+          </a:effectRef>
+          <a:fontRef idx="minor"/>
+        </p:style>
+        <p:txBody>
+          <a:bodyPr lIns="0" tIns="45000" rIns="0" bIns="45000">
+            <a:noAutofit/>
+          </a:bodyPr>
+          <a:lstStyle/>
+          <a:p>
+            <a:pPr marL="108360">
+              <a:lnSpc>
+                <a:spcPct val="100000"/>
+              </a:lnSpc>
+              <a:spcBef>
+                <a:spcPts val="1417"/>
+              </a:spcBef>
+            </a:pPr>
+            <a:r>
+              <a:rPr lang="de-AT" sz="2000" b="0" strike="noStrike" spc="-1" dirty="0" err="1">
+                <a:latin typeface="Arial"/>
+              </a:rPr>
+              <a:t>What</a:t>
+            </a:r>
+            <a:r>
+              <a:rPr lang="de-AT" sz="2000" b="0" strike="noStrike" spc="-1" dirty="0">
+                <a:latin typeface="Arial"/>
+              </a:rPr>
+              <a:t> </a:t>
+            </a:r>
+            <a:r>
+              <a:rPr lang="de-AT" sz="2000" b="0" strike="noStrike" spc="-1" dirty="0" err="1">
+                <a:latin typeface="Arial"/>
+              </a:rPr>
+              <a:t>could</a:t>
+            </a:r>
+            <a:r>
+              <a:rPr lang="de-AT" sz="2000" b="0" strike="noStrike" spc="-1" dirty="0">
+                <a:latin typeface="Arial"/>
+              </a:rPr>
+              <a:t> </a:t>
+            </a:r>
+            <a:r>
+              <a:rPr lang="de-AT" sz="2000" b="0" strike="noStrike" spc="-1" dirty="0" err="1">
+                <a:latin typeface="Arial"/>
+              </a:rPr>
+              <a:t>be</a:t>
+            </a:r>
+            <a:r>
+              <a:rPr lang="de-AT" sz="2000" b="0" strike="noStrike" spc="-1" dirty="0">
+                <a:latin typeface="Arial"/>
+              </a:rPr>
+              <a:t> </a:t>
+            </a:r>
+            <a:r>
+              <a:rPr lang="de-AT" sz="2000" b="0" strike="noStrike" spc="-1" dirty="0" err="1">
+                <a:latin typeface="Arial"/>
+              </a:rPr>
+              <a:t>the</a:t>
+            </a:r>
+            <a:r>
+              <a:rPr lang="de-AT" sz="2000" b="0" strike="noStrike" spc="-1" dirty="0">
+                <a:latin typeface="Arial"/>
+              </a:rPr>
+              <a:t> </a:t>
+            </a:r>
+            <a:r>
+              <a:rPr lang="de-AT" sz="2000" b="0" strike="noStrike" spc="-1" dirty="0" err="1">
+                <a:latin typeface="Arial"/>
+              </a:rPr>
+              <a:t>reason</a:t>
+            </a:r>
+            <a:r>
+              <a:rPr lang="de-AT" sz="2000" spc="-1" dirty="0">
+                <a:latin typeface="Arial"/>
+              </a:rPr>
+              <a:t>:</a:t>
+            </a:r>
+          </a:p>
+          <a:p>
+            <a:pPr marL="451260" indent="-342900">
+              <a:lnSpc>
+                <a:spcPct val="100000"/>
+              </a:lnSpc>
+              <a:spcBef>
+                <a:spcPts val="1417"/>
+              </a:spcBef>
+              <a:buFont typeface="Arial" panose="020B0604020202020204" pitchFamily="34" charset="0"/>
+              <a:buChar char="•"/>
+            </a:pPr>
+            <a:r>
+              <a:rPr lang="de-AT" sz="2000" b="0" strike="noStrike" spc="-1" dirty="0" err="1">
+                <a:latin typeface="Arial"/>
+              </a:rPr>
+              <a:t>Approximate</a:t>
+            </a:r>
+            <a:r>
+              <a:rPr lang="de-AT" sz="2000" b="0" strike="noStrike" spc="-1" dirty="0">
+                <a:latin typeface="Arial"/>
+              </a:rPr>
+              <a:t> design </a:t>
+            </a:r>
+            <a:r>
+              <a:rPr lang="de-AT" sz="2000" b="0" strike="noStrike" spc="-1" dirty="0" err="1">
+                <a:latin typeface="Arial"/>
+              </a:rPr>
+              <a:t>is</a:t>
+            </a:r>
+            <a:r>
+              <a:rPr lang="de-AT" sz="2000" b="0" strike="noStrike" spc="-1" dirty="0">
+                <a:latin typeface="Arial"/>
+              </a:rPr>
+              <a:t> </a:t>
+            </a:r>
+            <a:r>
+              <a:rPr lang="de-AT" sz="2000" b="0" strike="noStrike" spc="-1" dirty="0" err="1">
+                <a:latin typeface="Arial"/>
+              </a:rPr>
+              <a:t>actually</a:t>
+            </a:r>
+            <a:r>
+              <a:rPr lang="de-AT" sz="2000" b="0" strike="noStrike" spc="-1" dirty="0">
+                <a:latin typeface="Arial"/>
+              </a:rPr>
+              <a:t> </a:t>
+            </a:r>
+            <a:r>
+              <a:rPr lang="de-AT" sz="2000" b="0" strike="noStrike" spc="-1" dirty="0" err="1">
+                <a:latin typeface="Arial"/>
+              </a:rPr>
+              <a:t>faster</a:t>
+            </a:r>
+            <a:r>
+              <a:rPr lang="de-AT" sz="2000" b="0" strike="noStrike" spc="-1" dirty="0">
+                <a:latin typeface="Arial"/>
+              </a:rPr>
+              <a:t> in </a:t>
+            </a:r>
+            <a:r>
+              <a:rPr lang="de-AT" sz="2000" b="0" strike="noStrike" spc="-1" dirty="0" err="1">
+                <a:latin typeface="Arial"/>
+              </a:rPr>
+              <a:t>calculating</a:t>
+            </a:r>
+            <a:r>
+              <a:rPr lang="de-AT" sz="2000" b="0" strike="noStrike" spc="-1" dirty="0">
+                <a:latin typeface="Arial"/>
+              </a:rPr>
+              <a:t> </a:t>
+            </a:r>
+            <a:r>
+              <a:rPr lang="de-AT" sz="2000" b="0" strike="noStrike" spc="-1" dirty="0" err="1">
+                <a:latin typeface="Arial"/>
+              </a:rPr>
+              <a:t>inputs</a:t>
+            </a:r>
+            <a:r>
+              <a:rPr lang="de-AT" sz="2000" b="0" strike="noStrike" spc="-1" dirty="0">
+                <a:latin typeface="Arial"/>
+              </a:rPr>
+              <a:t>.</a:t>
+            </a:r>
+          </a:p>
+          <a:p>
+            <a:pPr marL="908460" lvl="1" indent="-342900">
+              <a:spcBef>
+                <a:spcPts val="1417"/>
+              </a:spcBef>
+              <a:buFontTx/>
+              <a:buChar char="-"/>
+            </a:pPr>
+            <a:r>
+              <a:rPr lang="de-AT" sz="2000" spc="-1" dirty="0" err="1">
+                <a:latin typeface="Arial"/>
+              </a:rPr>
+              <a:t>Therefore</a:t>
+            </a:r>
+            <a:r>
+              <a:rPr lang="de-AT" sz="2000" spc="-1" dirty="0">
+                <a:latin typeface="Arial"/>
+              </a:rPr>
+              <a:t>, in </a:t>
+            </a:r>
+            <a:r>
+              <a:rPr lang="de-AT" sz="2000" spc="-1" dirty="0" err="1">
+                <a:latin typeface="Arial"/>
+              </a:rPr>
+              <a:t>given</a:t>
+            </a:r>
+            <a:r>
+              <a:rPr lang="de-AT" sz="2000" spc="-1" dirty="0">
+                <a:latin typeface="Arial"/>
+              </a:rPr>
+              <a:t> </a:t>
+            </a:r>
+            <a:r>
+              <a:rPr lang="de-AT" sz="2000" spc="-1" dirty="0" err="1">
+                <a:latin typeface="Arial"/>
+              </a:rPr>
+              <a:t>certain</a:t>
+            </a:r>
+            <a:r>
+              <a:rPr lang="de-AT" sz="2000" spc="-1" dirty="0">
+                <a:latin typeface="Arial"/>
+              </a:rPr>
+              <a:t> </a:t>
+            </a:r>
+            <a:r>
+              <a:rPr lang="de-AT" sz="2000" spc="-1" dirty="0" err="1">
+                <a:latin typeface="Arial"/>
+              </a:rPr>
+              <a:t>amount</a:t>
+            </a:r>
+            <a:r>
+              <a:rPr lang="de-AT" sz="2000" spc="-1" dirty="0">
+                <a:latin typeface="Arial"/>
+              </a:rPr>
+              <a:t> </a:t>
+            </a:r>
+            <a:r>
+              <a:rPr lang="de-AT" sz="2000" spc="-1" dirty="0" err="1">
+                <a:latin typeface="Arial"/>
+              </a:rPr>
+              <a:t>of</a:t>
+            </a:r>
+            <a:r>
+              <a:rPr lang="de-AT" sz="2000" spc="-1" dirty="0">
+                <a:latin typeface="Arial"/>
+              </a:rPr>
+              <a:t> time </a:t>
+            </a:r>
+            <a:r>
+              <a:rPr lang="de-AT" sz="2000" spc="-1" dirty="0" err="1">
+                <a:latin typeface="Arial"/>
+              </a:rPr>
+              <a:t>it</a:t>
+            </a:r>
+            <a:r>
+              <a:rPr lang="de-AT" sz="2000" spc="-1" dirty="0">
+                <a:latin typeface="Arial"/>
+              </a:rPr>
+              <a:t> </a:t>
+            </a:r>
+            <a:r>
+              <a:rPr lang="de-AT" sz="2000" spc="-1" dirty="0" err="1">
+                <a:latin typeface="Arial"/>
+              </a:rPr>
+              <a:t>processes</a:t>
+            </a:r>
+            <a:r>
+              <a:rPr lang="de-AT" sz="2000" spc="-1" dirty="0">
+                <a:latin typeface="Arial"/>
+              </a:rPr>
+              <a:t> </a:t>
+            </a:r>
+            <a:r>
+              <a:rPr lang="de-AT" sz="2000" spc="-1" dirty="0" err="1">
+                <a:latin typeface="Arial"/>
+              </a:rPr>
+              <a:t>more</a:t>
+            </a:r>
+            <a:r>
+              <a:rPr lang="de-AT" sz="2000" spc="-1" dirty="0">
+                <a:latin typeface="Arial"/>
+              </a:rPr>
+              <a:t> </a:t>
+            </a:r>
+            <a:r>
+              <a:rPr lang="de-AT" sz="2000" spc="-1" dirty="0" err="1">
+                <a:latin typeface="Arial"/>
+              </a:rPr>
+              <a:t>calculations</a:t>
+            </a:r>
+            <a:r>
+              <a:rPr lang="de-AT" sz="2000" spc="-1" dirty="0">
+                <a:latin typeface="Arial"/>
+              </a:rPr>
+              <a:t>, </a:t>
+            </a:r>
+            <a:r>
+              <a:rPr lang="de-AT" sz="2000" spc="-1" dirty="0" err="1">
+                <a:latin typeface="Arial"/>
+              </a:rPr>
+              <a:t>which</a:t>
+            </a:r>
+            <a:r>
+              <a:rPr lang="de-AT" sz="2000" spc="-1" dirty="0">
+                <a:latin typeface="Arial"/>
+              </a:rPr>
+              <a:t> </a:t>
+            </a:r>
+            <a:r>
+              <a:rPr lang="de-AT" sz="2000" spc="-1" dirty="0" err="1">
+                <a:latin typeface="Arial"/>
+              </a:rPr>
+              <a:t>leads</a:t>
+            </a:r>
+            <a:r>
+              <a:rPr lang="de-AT" sz="2000" spc="-1" dirty="0">
+                <a:latin typeface="Arial"/>
+              </a:rPr>
+              <a:t> </a:t>
+            </a:r>
+            <a:r>
+              <a:rPr lang="de-AT" sz="2000" spc="-1" dirty="0" err="1">
+                <a:latin typeface="Arial"/>
+              </a:rPr>
+              <a:t>to</a:t>
+            </a:r>
+            <a:r>
+              <a:rPr lang="de-AT" sz="2000" spc="-1" dirty="0">
+                <a:latin typeface="Arial"/>
+              </a:rPr>
+              <a:t> </a:t>
+            </a:r>
+            <a:r>
+              <a:rPr lang="de-AT" sz="2000" spc="-1" dirty="0" err="1">
+                <a:latin typeface="Arial"/>
+              </a:rPr>
+              <a:t>more</a:t>
+            </a:r>
+            <a:r>
+              <a:rPr lang="de-AT" sz="2000" spc="-1" dirty="0">
+                <a:latin typeface="Arial"/>
+              </a:rPr>
+              <a:t> power </a:t>
+            </a:r>
+            <a:r>
+              <a:rPr lang="de-AT" sz="2000" spc="-1" dirty="0" err="1">
+                <a:latin typeface="Arial"/>
+              </a:rPr>
+              <a:t>consumption</a:t>
+            </a:r>
+            <a:r>
+              <a:rPr lang="de-AT" sz="2000" spc="-1" dirty="0">
+                <a:latin typeface="Arial"/>
+              </a:rPr>
+              <a:t>.</a:t>
+            </a:r>
+          </a:p>
+          <a:p>
+            <a:pPr marL="908460" lvl="1" indent="-342900">
+              <a:spcBef>
+                <a:spcPts val="1417"/>
+              </a:spcBef>
+              <a:buFontTx/>
+              <a:buChar char="-"/>
+            </a:pPr>
+            <a:endParaRPr lang="de-AT" sz="2000" b="0" strike="noStrike" spc="-1" dirty="0">
+              <a:latin typeface="Arial"/>
+            </a:endParaRPr>
+          </a:p>
+          <a:p>
+            <a:pPr marL="908460" lvl="1" indent="-342900">
+              <a:spcBef>
+                <a:spcPts val="1417"/>
+              </a:spcBef>
+              <a:buFontTx/>
+              <a:buChar char="-"/>
+            </a:pPr>
+            <a:endParaRPr lang="de-AT" sz="2000" spc="-1" dirty="0">
+              <a:latin typeface="Arial"/>
+            </a:endParaRPr>
+          </a:p>
+          <a:p>
+            <a:pPr marL="565560" lvl="1">
+              <a:spcBef>
+                <a:spcPts val="1417"/>
+              </a:spcBef>
+            </a:pPr>
+            <a:endParaRPr lang="de-AT" sz="2000" spc="-1" dirty="0">
+              <a:latin typeface="Arial"/>
+            </a:endParaRPr>
+          </a:p>
+          <a:p>
+            <a:pPr marL="565560" lvl="1">
+              <a:spcBef>
+                <a:spcPts val="1417"/>
+              </a:spcBef>
+            </a:pPr>
+            <a:endParaRPr lang="de-AT" sz="2000" b="0" strike="noStrike" spc="-1" dirty="0">
+              <a:latin typeface="Arial"/>
+            </a:endParaRPr>
+          </a:p>
+          <a:p>
+            <a:pPr marL="394110" indent="-285750">
+              <a:lnSpc>
+                <a:spcPct val="100000"/>
+              </a:lnSpc>
+              <a:spcBef>
+                <a:spcPts val="1417"/>
+              </a:spcBef>
+              <a:buFont typeface="Arial" panose="020B0604020202020204" pitchFamily="34" charset="0"/>
+              <a:buChar char="•"/>
+            </a:pPr>
+            <a:r>
+              <a:rPr lang="de-AT" sz="1800" b="0" strike="noStrike" spc="-1" dirty="0" err="1">
+                <a:latin typeface="Arial"/>
+              </a:rPr>
+              <a:t>Without</a:t>
+            </a:r>
+            <a:r>
+              <a:rPr lang="de-AT" sz="1800" b="0" strike="noStrike" spc="-1" dirty="0">
+                <a:latin typeface="Arial"/>
+              </a:rPr>
+              <a:t> a </a:t>
+            </a:r>
+            <a:r>
+              <a:rPr lang="de-AT" sz="1800" b="0" strike="noStrike" spc="-1" dirty="0" err="1">
+                <a:latin typeface="Arial"/>
+              </a:rPr>
+              <a:t>Testbench</a:t>
+            </a:r>
+            <a:r>
+              <a:rPr lang="de-AT" sz="1800" b="0" strike="noStrike" spc="-1" dirty="0">
+                <a:latin typeface="Arial"/>
+              </a:rPr>
+              <a:t> </a:t>
+            </a:r>
+            <a:r>
+              <a:rPr lang="de-AT" sz="1800" b="0" strike="noStrike" spc="-1" dirty="0" err="1">
+                <a:latin typeface="Arial"/>
+              </a:rPr>
+              <a:t>we</a:t>
+            </a:r>
+            <a:r>
+              <a:rPr lang="de-AT" sz="1800" b="0" strike="noStrike" spc="-1" dirty="0">
+                <a:latin typeface="Arial"/>
+              </a:rPr>
+              <a:t> </a:t>
+            </a:r>
+            <a:r>
+              <a:rPr lang="de-AT" sz="1800" b="0" strike="noStrike" spc="-1" dirty="0" err="1">
+                <a:latin typeface="Arial"/>
+              </a:rPr>
+              <a:t>don‘t</a:t>
+            </a:r>
+            <a:r>
+              <a:rPr lang="de-AT" sz="1800" b="0" strike="noStrike" spc="-1" dirty="0">
+                <a:latin typeface="Arial"/>
+              </a:rPr>
+              <a:t> </a:t>
+            </a:r>
+            <a:r>
+              <a:rPr lang="de-AT" sz="1800" b="0" strike="noStrike" spc="-1" dirty="0" err="1">
+                <a:latin typeface="Arial"/>
+              </a:rPr>
+              <a:t>have</a:t>
+            </a:r>
+            <a:r>
+              <a:rPr lang="de-AT" sz="1800" b="0" strike="noStrike" spc="-1" dirty="0">
+                <a:latin typeface="Arial"/>
+              </a:rPr>
+              <a:t> a </a:t>
+            </a:r>
+            <a:r>
+              <a:rPr lang="de-AT" sz="1800" b="0" strike="noStrike" spc="-1" dirty="0" err="1">
+                <a:latin typeface="Arial"/>
+              </a:rPr>
+              <a:t>controlled</a:t>
+            </a:r>
+            <a:r>
+              <a:rPr lang="de-AT" sz="1800" b="0" strike="noStrike" spc="-1" dirty="0">
+                <a:latin typeface="Arial"/>
+              </a:rPr>
+              <a:t> </a:t>
+            </a:r>
+            <a:r>
+              <a:rPr lang="de-AT" sz="1800" b="0" strike="noStrike" spc="-1" dirty="0" err="1">
+                <a:latin typeface="Arial"/>
+              </a:rPr>
+              <a:t>test</a:t>
+            </a:r>
+            <a:r>
+              <a:rPr lang="de-AT" sz="1800" b="0" strike="noStrike" spc="-1" dirty="0">
+                <a:latin typeface="Arial"/>
+              </a:rPr>
+              <a:t> </a:t>
+            </a:r>
+            <a:r>
+              <a:rPr lang="de-AT" sz="1800" b="0" strike="noStrike" spc="-1" dirty="0" err="1">
+                <a:latin typeface="Arial"/>
+              </a:rPr>
+              <a:t>environment</a:t>
+            </a:r>
+            <a:r>
+              <a:rPr lang="de-AT" sz="1800" b="0" strike="noStrike" spc="-1" dirty="0">
+                <a:latin typeface="Arial"/>
+              </a:rPr>
+              <a:t>. </a:t>
+            </a:r>
+          </a:p>
+          <a:p>
+            <a:pPr marL="394110" indent="-285750">
+              <a:lnSpc>
+                <a:spcPct val="100000"/>
+              </a:lnSpc>
+              <a:spcBef>
+                <a:spcPts val="1417"/>
+              </a:spcBef>
+              <a:buFont typeface="Arial" panose="020B0604020202020204" pitchFamily="34" charset="0"/>
+              <a:buChar char="•"/>
+            </a:pPr>
+            <a:r>
+              <a:rPr lang="de-AT" spc="-1" dirty="0" err="1">
+                <a:latin typeface="Arial"/>
+              </a:rPr>
+              <a:t>Vivado</a:t>
+            </a:r>
+            <a:r>
+              <a:rPr lang="de-AT" spc="-1" dirty="0">
+                <a:latin typeface="Arial"/>
+              </a:rPr>
+              <a:t> </a:t>
+            </a:r>
+            <a:r>
+              <a:rPr lang="de-AT" spc="-1" dirty="0" err="1">
+                <a:latin typeface="Arial"/>
+              </a:rPr>
+              <a:t>is</a:t>
+            </a:r>
+            <a:r>
+              <a:rPr lang="de-AT" spc="-1" dirty="0">
+                <a:latin typeface="Arial"/>
+              </a:rPr>
+              <a:t> </a:t>
+            </a:r>
+            <a:r>
+              <a:rPr lang="de-AT" spc="-1" dirty="0" err="1">
+                <a:latin typeface="Arial"/>
+              </a:rPr>
+              <a:t>sometimes</a:t>
+            </a:r>
+            <a:r>
+              <a:rPr lang="de-AT" spc="-1" dirty="0">
+                <a:latin typeface="Arial"/>
+              </a:rPr>
+              <a:t> </a:t>
+            </a:r>
+            <a:r>
+              <a:rPr lang="de-AT" spc="-1" dirty="0" err="1">
+                <a:latin typeface="Arial"/>
+              </a:rPr>
+              <a:t>inconsistent</a:t>
+            </a:r>
+            <a:r>
+              <a:rPr lang="de-AT" spc="-1" dirty="0">
+                <a:latin typeface="Arial"/>
+              </a:rPr>
+              <a:t> </a:t>
+            </a:r>
+            <a:r>
+              <a:rPr lang="de-AT" spc="-1" dirty="0" err="1">
+                <a:latin typeface="Arial"/>
+              </a:rPr>
+              <a:t>with</a:t>
+            </a:r>
+            <a:r>
+              <a:rPr lang="de-AT" spc="-1" dirty="0">
+                <a:latin typeface="Arial"/>
+              </a:rPr>
+              <a:t> </a:t>
+            </a:r>
+            <a:r>
+              <a:rPr lang="de-AT" spc="-1" dirty="0" err="1">
+                <a:latin typeface="Arial"/>
+              </a:rPr>
+              <a:t>its</a:t>
+            </a:r>
+            <a:r>
+              <a:rPr lang="de-AT" spc="-1" dirty="0">
+                <a:latin typeface="Arial"/>
+              </a:rPr>
+              <a:t>‘ </a:t>
+            </a:r>
+            <a:r>
+              <a:rPr lang="de-AT" spc="-1" dirty="0" err="1">
+                <a:latin typeface="Arial"/>
+              </a:rPr>
+              <a:t>analysis</a:t>
+            </a:r>
+            <a:r>
+              <a:rPr lang="de-AT" spc="-1" dirty="0">
+                <a:latin typeface="Arial"/>
+              </a:rPr>
+              <a:t> </a:t>
+            </a:r>
+            <a:r>
+              <a:rPr lang="de-AT" spc="-1" dirty="0" err="1">
+                <a:latin typeface="Arial"/>
+              </a:rPr>
+              <a:t>tools</a:t>
+            </a:r>
+            <a:r>
+              <a:rPr lang="de-AT" spc="-1" dirty="0">
+                <a:latin typeface="Arial"/>
+              </a:rPr>
+              <a:t>.</a:t>
+            </a:r>
+            <a:endParaRPr lang="de-AT" sz="1800" b="0" strike="noStrike" spc="-1" dirty="0">
+              <a:latin typeface="Arial"/>
+            </a:endParaRPr>
+          </a:p>
+          <a:p>
+            <a:pPr marL="108360">
+              <a:lnSpc>
+                <a:spcPct val="100000"/>
+              </a:lnSpc>
+              <a:spcBef>
+                <a:spcPts val="1417"/>
+              </a:spcBef>
+            </a:pPr>
+            <a:endParaRPr lang="de-AT" sz="1800" b="0" strike="noStrike" spc="-1" dirty="0">
+              <a:latin typeface="Arial"/>
+            </a:endParaRPr>
+          </a:p>
+          <a:p>
+            <a:pPr marL="108360">
+              <a:lnSpc>
+                <a:spcPct val="100000"/>
+              </a:lnSpc>
+              <a:spcBef>
+                <a:spcPts val="1417"/>
+              </a:spcBef>
+            </a:pPr>
+            <a:endParaRPr lang="de-AT" sz="1800" b="0" strike="noStrike" spc="-1" dirty="0">
+              <a:latin typeface="Arial"/>
+            </a:endParaRPr>
+          </a:p>
+          <a:p>
+            <a:pPr marL="108360">
+              <a:lnSpc>
+                <a:spcPct val="100000"/>
+              </a:lnSpc>
+              <a:spcBef>
+                <a:spcPts val="1417"/>
+              </a:spcBef>
+            </a:pPr>
+            <a:r>
+              <a:rPr lang="de-DE" sz="2000" b="0" strike="noStrike" spc="-1" dirty="0">
+                <a:solidFill>
+                  <a:srgbClr val="000000"/>
+                </a:solidFill>
+                <a:latin typeface="Arial"/>
+                <a:ea typeface="DejaVu Sans"/>
+              </a:rPr>
+              <a:t>						</a:t>
+            </a:r>
+            <a:endParaRPr lang="de-AT" sz="2000" b="0" strike="noStrike" spc="-1" dirty="0">
+              <a:latin typeface="Arial"/>
+            </a:endParaRPr>
+          </a:p>
+          <a:p>
+            <a:pPr marL="108360">
+              <a:lnSpc>
+                <a:spcPct val="100000"/>
+              </a:lnSpc>
+              <a:spcBef>
+                <a:spcPts val="1417"/>
+              </a:spcBef>
+            </a:pPr>
+            <a:endParaRPr lang="de-AT" sz="2000" b="0" strike="noStrike" spc="-1" dirty="0">
+              <a:latin typeface="Arial"/>
+            </a:endParaRPr>
+          </a:p>
+          <a:p>
+            <a:pPr marL="108360">
+              <a:lnSpc>
+                <a:spcPct val="100000"/>
+              </a:lnSpc>
+              <a:spcBef>
+                <a:spcPts val="1417"/>
+              </a:spcBef>
+            </a:pPr>
+            <a:endParaRPr lang="de-AT" sz="2000" b="0" strike="noStrike" spc="-1" dirty="0">
+              <a:latin typeface="Arial"/>
+            </a:endParaRPr>
+          </a:p>
+          <a:p>
+            <a:pPr marL="108360">
+              <a:lnSpc>
+                <a:spcPct val="100000"/>
+              </a:lnSpc>
+              <a:spcBef>
+                <a:spcPts val="1417"/>
+              </a:spcBef>
+            </a:pPr>
+            <a:endParaRPr lang="de-AT" sz="2000" b="0" strike="noStrike" spc="-1" dirty="0">
+              <a:latin typeface="Arial"/>
+            </a:endParaRPr>
+          </a:p>
+          <a:p>
+            <a:pPr marL="108360">
+              <a:lnSpc>
+                <a:spcPct val="100000"/>
+              </a:lnSpc>
+              <a:spcBef>
+                <a:spcPts val="1417"/>
+              </a:spcBef>
+            </a:pPr>
+            <a:endParaRPr lang="de-AT" sz="2000" b="0" strike="noStrike" spc="-1" dirty="0">
+              <a:latin typeface="Arial"/>
+            </a:endParaRPr>
+          </a:p>
+          <a:p>
+            <a:pPr marL="108360">
+              <a:lnSpc>
+                <a:spcPct val="100000"/>
+              </a:lnSpc>
+              <a:spcBef>
+                <a:spcPts val="1417"/>
+              </a:spcBef>
+            </a:pPr>
+            <a:r>
+              <a:rPr lang="de-DE" sz="2000" b="0" strike="noStrike" spc="-1" dirty="0">
+                <a:solidFill>
+                  <a:srgbClr val="000000"/>
+                </a:solidFill>
+                <a:latin typeface="Arial"/>
+                <a:ea typeface="DejaVu Sans"/>
+              </a:rPr>
+              <a:t>						</a:t>
+            </a:r>
+            <a:endParaRPr lang="de-AT" sz="2000" b="0" strike="noStrike" spc="-1" dirty="0">
+              <a:latin typeface="Arial"/>
+            </a:endParaRPr>
+          </a:p>
+        </p:txBody>
+      </p:sp>
+      <p:sp>
+        <p:nvSpPr>
+          <p:cNvPr id="242" name="CustomShape 3"/>
           <p:cNvSpPr/>
           <p:nvPr/>
         </p:nvSpPr>
@@ -19120,6 +23499,907 @@
                 <a:spcPct val="100000"/>
               </a:lnSpc>
             </a:pPr>
+            <a:fld id="{4E1A617F-480F-4D32-A343-FB8B67725212}" type="slidenum">
+              <a:rPr lang="zxx" sz="1050" b="0" strike="noStrike" spc="-1">
+                <a:solidFill>
+                  <a:srgbClr val="000000"/>
+                </a:solidFill>
+                <a:latin typeface="Calibri"/>
+                <a:ea typeface="DejaVu Sans"/>
+              </a:rPr>
+              <a:t>25</a:t>
+            </a:fld>
+            <a:r>
+              <a:rPr lang="zxx" sz="1050" b="0" strike="noStrike" spc="-1">
+                <a:solidFill>
+                  <a:srgbClr val="000000"/>
+                </a:solidFill>
+                <a:latin typeface="Calibri"/>
+                <a:ea typeface="DejaVu Sans"/>
+              </a:rPr>
+              <a:t>/</a:t>
+            </a:r>
+            <a:endParaRPr lang="de-AT" sz="1050" b="0" strike="noStrike" spc="-1">
+              <a:latin typeface="Arial"/>
+            </a:endParaRPr>
+          </a:p>
+        </p:txBody>
+      </p:sp>
+      <p:graphicFrame>
+        <p:nvGraphicFramePr>
+          <p:cNvPr id="3" name="Tabelle 4">
+            <a:extLst>
+              <a:ext uri="{FF2B5EF4-FFF2-40B4-BE49-F238E27FC236}">
+                <a16:creationId xmlns:a16="http://schemas.microsoft.com/office/drawing/2014/main" id="{1D9B495C-692C-47D3-AEAE-CECDE2BFCD98}"/>
+              </a:ext>
+            </a:extLst>
+          </p:cNvPr>
+          <p:cNvGraphicFramePr>
+            <a:graphicFrameLocks noGrp="1"/>
+          </p:cNvGraphicFramePr>
+          <p:nvPr>
+            <p:extLst>
+              <p:ext uri="{D42A27DB-BD31-4B8C-83A1-F6EECF244321}">
+                <p14:modId xmlns:p14="http://schemas.microsoft.com/office/powerpoint/2010/main" val="4039161769"/>
+              </p:ext>
+            </p:extLst>
+          </p:nvPr>
+        </p:nvGraphicFramePr>
+        <p:xfrm>
+          <a:off x="1326995" y="3050640"/>
+          <a:ext cx="6768791" cy="1381760"/>
+        </p:xfrm>
+        <a:graphic>
+          <a:graphicData uri="http://schemas.openxmlformats.org/drawingml/2006/table">
+            <a:tbl>
+              <a:tblPr firstRow="1" bandRow="1">
+                <a:tableStyleId>{5C22544A-7EE6-4342-B048-85BDC9FD1C3A}</a:tableStyleId>
+              </a:tblPr>
+              <a:tblGrid>
+                <a:gridCol w="1702976">
+                  <a:extLst>
+                    <a:ext uri="{9D8B030D-6E8A-4147-A177-3AD203B41FA5}">
+                      <a16:colId xmlns:a16="http://schemas.microsoft.com/office/drawing/2014/main" val="2819568334"/>
+                    </a:ext>
+                  </a:extLst>
+                </a:gridCol>
+                <a:gridCol w="851488">
+                  <a:extLst>
+                    <a:ext uri="{9D8B030D-6E8A-4147-A177-3AD203B41FA5}">
+                      <a16:colId xmlns:a16="http://schemas.microsoft.com/office/drawing/2014/main" val="2199693321"/>
+                    </a:ext>
+                  </a:extLst>
+                </a:gridCol>
+                <a:gridCol w="824356">
+                  <a:extLst>
+                    <a:ext uri="{9D8B030D-6E8A-4147-A177-3AD203B41FA5}">
+                      <a16:colId xmlns:a16="http://schemas.microsoft.com/office/drawing/2014/main" val="3742772994"/>
+                    </a:ext>
+                  </a:extLst>
+                </a:gridCol>
+                <a:gridCol w="880946">
+                  <a:extLst>
+                    <a:ext uri="{9D8B030D-6E8A-4147-A177-3AD203B41FA5}">
+                      <a16:colId xmlns:a16="http://schemas.microsoft.com/office/drawing/2014/main" val="1423243837"/>
+                    </a:ext>
+                  </a:extLst>
+                </a:gridCol>
+                <a:gridCol w="1182029">
+                  <a:extLst>
+                    <a:ext uri="{9D8B030D-6E8A-4147-A177-3AD203B41FA5}">
+                      <a16:colId xmlns:a16="http://schemas.microsoft.com/office/drawing/2014/main" val="683634465"/>
+                    </a:ext>
+                  </a:extLst>
+                </a:gridCol>
+                <a:gridCol w="1326996">
+                  <a:extLst>
+                    <a:ext uri="{9D8B030D-6E8A-4147-A177-3AD203B41FA5}">
+                      <a16:colId xmlns:a16="http://schemas.microsoft.com/office/drawing/2014/main" val="941934118"/>
+                    </a:ext>
+                  </a:extLst>
+                </a:gridCol>
+              </a:tblGrid>
+              <a:tr h="370840">
+                <a:tc>
+                  <a:txBody>
+                    <a:bodyPr/>
+                    <a:lstStyle/>
+                    <a:p>
+                      <a:pPr algn="ctr"/>
+                      <a:r>
+                        <a:rPr lang="de-AT" dirty="0"/>
+                        <a:t>Signal Rate (</a:t>
+                      </a:r>
+                      <a:r>
+                        <a:rPr lang="de-AT" dirty="0" err="1"/>
+                        <a:t>Mtr</a:t>
+                      </a:r>
+                      <a:r>
+                        <a:rPr lang="de-AT" dirty="0"/>
+                        <a:t>/s)</a:t>
+                      </a:r>
+                    </a:p>
+                  </a:txBody>
+                  <a:tcPr/>
+                </a:tc>
+                <a:tc>
+                  <a:txBody>
+                    <a:bodyPr/>
+                    <a:lstStyle/>
+                    <a:p>
+                      <a:pPr algn="ctr"/>
+                      <a:r>
+                        <a:rPr lang="de-AT" dirty="0"/>
+                        <a:t>A</a:t>
+                      </a:r>
+                    </a:p>
+                  </a:txBody>
+                  <a:tcPr/>
+                </a:tc>
+                <a:tc>
+                  <a:txBody>
+                    <a:bodyPr/>
+                    <a:lstStyle/>
+                    <a:p>
+                      <a:pPr algn="ctr"/>
+                      <a:r>
+                        <a:rPr lang="de-AT" dirty="0"/>
+                        <a:t>B</a:t>
+                      </a:r>
+                    </a:p>
+                  </a:txBody>
+                  <a:tcPr/>
+                </a:tc>
+                <a:tc>
+                  <a:txBody>
+                    <a:bodyPr/>
+                    <a:lstStyle/>
+                    <a:p>
+                      <a:pPr algn="ctr"/>
+                      <a:r>
+                        <a:rPr lang="de-AT" dirty="0" err="1"/>
+                        <a:t>Cin</a:t>
+                      </a:r>
+                      <a:endParaRPr lang="de-AT" dirty="0"/>
+                    </a:p>
+                  </a:txBody>
+                  <a:tcPr/>
+                </a:tc>
+                <a:tc>
+                  <a:txBody>
+                    <a:bodyPr/>
+                    <a:lstStyle/>
+                    <a:p>
+                      <a:pPr algn="ctr"/>
+                      <a:r>
+                        <a:rPr lang="de-AT" dirty="0"/>
+                        <a:t>S</a:t>
+                      </a:r>
+                    </a:p>
+                  </a:txBody>
+                  <a:tcPr>
+                    <a:solidFill>
+                      <a:schemeClr val="accent3"/>
+                    </a:solidFill>
+                  </a:tcPr>
+                </a:tc>
+                <a:tc>
+                  <a:txBody>
+                    <a:bodyPr/>
+                    <a:lstStyle/>
+                    <a:p>
+                      <a:pPr algn="ctr"/>
+                      <a:r>
+                        <a:rPr lang="de-AT" dirty="0" err="1"/>
+                        <a:t>Cout</a:t>
+                      </a:r>
+                      <a:endParaRPr lang="de-AT" dirty="0"/>
+                    </a:p>
+                  </a:txBody>
+                  <a:tcPr>
+                    <a:solidFill>
+                      <a:schemeClr val="accent3"/>
+                    </a:solidFill>
+                  </a:tcPr>
+                </a:tc>
+                <a:extLst>
+                  <a:ext uri="{0D108BD9-81ED-4DB2-BD59-A6C34878D82A}">
+                    <a16:rowId xmlns:a16="http://schemas.microsoft.com/office/drawing/2014/main" val="807336817"/>
+                  </a:ext>
+                </a:extLst>
+              </a:tr>
+              <a:tr h="370840">
+                <a:tc>
+                  <a:txBody>
+                    <a:bodyPr/>
+                    <a:lstStyle/>
+                    <a:p>
+                      <a:pPr algn="ctr"/>
+                      <a:r>
+                        <a:rPr lang="de-AT" dirty="0"/>
+                        <a:t>16 Bit </a:t>
+                      </a:r>
+                      <a:r>
+                        <a:rPr lang="de-AT" dirty="0" err="1"/>
+                        <a:t>Exact</a:t>
+                      </a:r>
+                      <a:endParaRPr lang="de-AT" dirty="0"/>
+                    </a:p>
+                  </a:txBody>
+                  <a:tcPr/>
+                </a:tc>
+                <a:tc>
+                  <a:txBody>
+                    <a:bodyPr/>
+                    <a:lstStyle/>
+                    <a:p>
+                      <a:pPr algn="ctr"/>
+                      <a:r>
+                        <a:rPr lang="de-AT" dirty="0"/>
+                        <a:t>12500</a:t>
+                      </a:r>
+                    </a:p>
+                  </a:txBody>
+                  <a:tcPr/>
+                </a:tc>
+                <a:tc>
+                  <a:txBody>
+                    <a:bodyPr/>
+                    <a:lstStyle/>
+                    <a:p>
+                      <a:pPr algn="ctr"/>
+                      <a:r>
+                        <a:rPr lang="de-AT" dirty="0"/>
+                        <a:t>12500</a:t>
+                      </a:r>
+                    </a:p>
+                  </a:txBody>
+                  <a:tcPr/>
+                </a:tc>
+                <a:tc>
+                  <a:txBody>
+                    <a:bodyPr/>
+                    <a:lstStyle/>
+                    <a:p>
+                      <a:pPr algn="ctr"/>
+                      <a:r>
+                        <a:rPr lang="de-AT" dirty="0"/>
+                        <a:t>12500</a:t>
+                      </a:r>
+                    </a:p>
+                  </a:txBody>
+                  <a:tcPr/>
+                </a:tc>
+                <a:tc>
+                  <a:txBody>
+                    <a:bodyPr/>
+                    <a:lstStyle/>
+                    <a:p>
+                      <a:pPr algn="ctr"/>
+                      <a:r>
+                        <a:rPr lang="de-AT" dirty="0"/>
+                        <a:t>32304,17</a:t>
+                      </a:r>
+                    </a:p>
+                  </a:txBody>
+                  <a:tcPr/>
+                </a:tc>
+                <a:tc>
+                  <a:txBody>
+                    <a:bodyPr/>
+                    <a:lstStyle/>
+                    <a:p>
+                      <a:pPr algn="ctr"/>
+                      <a:r>
+                        <a:rPr lang="de-AT" dirty="0"/>
+                        <a:t>19238,91</a:t>
+                      </a:r>
+                    </a:p>
+                  </a:txBody>
+                  <a:tcPr/>
+                </a:tc>
+                <a:extLst>
+                  <a:ext uri="{0D108BD9-81ED-4DB2-BD59-A6C34878D82A}">
+                    <a16:rowId xmlns:a16="http://schemas.microsoft.com/office/drawing/2014/main" val="3297572610"/>
+                  </a:ext>
+                </a:extLst>
+              </a:tr>
+              <a:tr h="370840">
+                <a:tc>
+                  <a:txBody>
+                    <a:bodyPr/>
+                    <a:lstStyle/>
+                    <a:p>
+                      <a:pPr algn="ctr"/>
+                      <a:r>
+                        <a:rPr lang="de-AT" dirty="0"/>
+                        <a:t>16 Bit </a:t>
+                      </a:r>
+                      <a:r>
+                        <a:rPr lang="de-AT" dirty="0" err="1"/>
+                        <a:t>Appro</a:t>
+                      </a:r>
+                      <a:r>
+                        <a:rPr lang="de-AT" dirty="0"/>
+                        <a:t>.</a:t>
+                      </a:r>
+                    </a:p>
+                  </a:txBody>
+                  <a:tcPr/>
+                </a:tc>
+                <a:tc>
+                  <a:txBody>
+                    <a:bodyPr/>
+                    <a:lstStyle/>
+                    <a:p>
+                      <a:pPr algn="ctr"/>
+                      <a:r>
+                        <a:rPr lang="de-AT" dirty="0"/>
+                        <a:t>12500</a:t>
+                      </a:r>
+                    </a:p>
+                  </a:txBody>
+                  <a:tcPr/>
+                </a:tc>
+                <a:tc>
+                  <a:txBody>
+                    <a:bodyPr/>
+                    <a:lstStyle/>
+                    <a:p>
+                      <a:pPr algn="ctr"/>
+                      <a:r>
+                        <a:rPr lang="de-AT" dirty="0"/>
+                        <a:t>12500</a:t>
+                      </a:r>
+                    </a:p>
+                  </a:txBody>
+                  <a:tcPr/>
+                </a:tc>
+                <a:tc>
+                  <a:txBody>
+                    <a:bodyPr/>
+                    <a:lstStyle/>
+                    <a:p>
+                      <a:pPr algn="ctr"/>
+                      <a:r>
+                        <a:rPr lang="de-AT" dirty="0"/>
+                        <a:t>12500</a:t>
+                      </a:r>
+                    </a:p>
+                  </a:txBody>
+                  <a:tcPr/>
+                </a:tc>
+                <a:tc>
+                  <a:txBody>
+                    <a:bodyPr/>
+                    <a:lstStyle/>
+                    <a:p>
+                      <a:pPr algn="ctr"/>
+                      <a:r>
+                        <a:rPr lang="de-AT" dirty="0"/>
+                        <a:t>46986,90</a:t>
+                      </a:r>
+                    </a:p>
+                  </a:txBody>
+                  <a:tcPr/>
+                </a:tc>
+                <a:tc>
+                  <a:txBody>
+                    <a:bodyPr/>
+                    <a:lstStyle/>
+                    <a:p>
+                      <a:pPr algn="ctr"/>
+                      <a:r>
+                        <a:rPr lang="de-AT" dirty="0"/>
+                        <a:t>49996,23</a:t>
+                      </a:r>
+                    </a:p>
+                  </a:txBody>
+                  <a:tcPr/>
+                </a:tc>
+                <a:extLst>
+                  <a:ext uri="{0D108BD9-81ED-4DB2-BD59-A6C34878D82A}">
+                    <a16:rowId xmlns:a16="http://schemas.microsoft.com/office/drawing/2014/main" val="409586983"/>
+                  </a:ext>
+                </a:extLst>
+              </a:tr>
+            </a:tbl>
+          </a:graphicData>
+        </a:graphic>
+      </p:graphicFrame>
+    </p:spTree>
+    <p:extLst>
+      <p:ext uri="{BB962C8B-B14F-4D97-AF65-F5344CB8AC3E}">
+        <p14:creationId xmlns:p14="http://schemas.microsoft.com/office/powerpoint/2010/main" val="1183174845"/>
+      </p:ext>
+    </p:extLst>
+  </p:cSld>
+  <p:clrMapOvr>
+    <a:masterClrMapping/>
+  </p:clrMapOvr>
+</p:sld>
+</file>
+
+<file path=ppt/slides/slide26.xml><?xml version="1.0" encoding="utf-8"?>
+<p:sld xmlns:a="http://schemas.openxmlformats.org/drawingml/2006/main" xmlns:r="http://schemas.openxmlformats.org/officeDocument/2006/relationships" xmlns:p="http://schemas.openxmlformats.org/presentationml/2006/main">
+  <p:cSld>
+    <p:spTree>
+      <p:nvGrpSpPr>
+        <p:cNvPr id="1" name=""/>
+        <p:cNvGrpSpPr/>
+        <p:nvPr/>
+      </p:nvGrpSpPr>
+      <p:grpSpPr>
+        <a:xfrm>
+          <a:off x="0" y="0"/>
+          <a:ext cx="0" cy="0"/>
+          <a:chOff x="0" y="0"/>
+          <a:chExt cx="0" cy="0"/>
+        </a:xfrm>
+      </p:grpSpPr>
+      <p:sp>
+        <p:nvSpPr>
+          <p:cNvPr id="246" name="CustomShape 1"/>
+          <p:cNvSpPr/>
+          <p:nvPr/>
+        </p:nvSpPr>
+        <p:spPr>
+          <a:xfrm>
+            <a:off x="127440" y="99000"/>
+            <a:ext cx="8836200" cy="953280"/>
+          </a:xfrm>
+          <a:prstGeom prst="rect">
+            <a:avLst/>
+          </a:prstGeom>
+          <a:noFill/>
+          <a:ln>
+            <a:noFill/>
+          </a:ln>
+        </p:spPr>
+        <p:style>
+          <a:lnRef idx="0">
+            <a:scrgbClr r="0" g="0" b="0"/>
+          </a:lnRef>
+          <a:fillRef idx="0">
+            <a:scrgbClr r="0" g="0" b="0"/>
+          </a:fillRef>
+          <a:effectRef idx="0">
+            <a:scrgbClr r="0" g="0" b="0"/>
+          </a:effectRef>
+          <a:fontRef idx="minor"/>
+        </p:style>
+        <p:txBody>
+          <a:bodyPr lIns="90000" tIns="45000" rIns="90000" bIns="45000" anchor="b">
+            <a:normAutofit/>
+          </a:bodyPr>
+          <a:lstStyle/>
+          <a:p>
+            <a:pPr>
+              <a:lnSpc>
+                <a:spcPct val="85000"/>
+              </a:lnSpc>
+            </a:pPr>
+            <a:r>
+              <a:rPr lang="de-DE" sz="4800" b="0" strike="noStrike" spc="-52">
+                <a:solidFill>
+                  <a:srgbClr val="404040"/>
+                </a:solidFill>
+                <a:latin typeface="Calibri Light"/>
+                <a:ea typeface="DejaVu Sans"/>
+              </a:rPr>
+              <a:t>Future Plans</a:t>
+            </a:r>
+            <a:endParaRPr lang="de-AT" sz="4800" b="0" strike="noStrike" spc="-1">
+              <a:latin typeface="Arial"/>
+            </a:endParaRPr>
+          </a:p>
+        </p:txBody>
+      </p:sp>
+      <p:sp>
+        <p:nvSpPr>
+          <p:cNvPr id="247" name="CustomShape 2"/>
+          <p:cNvSpPr/>
+          <p:nvPr/>
+        </p:nvSpPr>
+        <p:spPr>
+          <a:xfrm>
+            <a:off x="127440" y="1145520"/>
+            <a:ext cx="8836200" cy="5128560"/>
+          </a:xfrm>
+          <a:prstGeom prst="rect">
+            <a:avLst/>
+          </a:prstGeom>
+          <a:noFill/>
+          <a:ln>
+            <a:noFill/>
+          </a:ln>
+        </p:spPr>
+        <p:style>
+          <a:lnRef idx="0">
+            <a:scrgbClr r="0" g="0" b="0"/>
+          </a:lnRef>
+          <a:fillRef idx="0">
+            <a:scrgbClr r="0" g="0" b="0"/>
+          </a:fillRef>
+          <a:effectRef idx="0">
+            <a:scrgbClr r="0" g="0" b="0"/>
+          </a:effectRef>
+          <a:fontRef idx="minor"/>
+        </p:style>
+        <p:txBody>
+          <a:bodyPr lIns="0" tIns="45000" rIns="0" bIns="45000">
+            <a:noAutofit/>
+          </a:bodyPr>
+          <a:lstStyle/>
+          <a:p>
+            <a:pPr marL="432000" indent="-323640">
+              <a:lnSpc>
+                <a:spcPct val="100000"/>
+              </a:lnSpc>
+              <a:spcBef>
+                <a:spcPts val="1417"/>
+              </a:spcBef>
+              <a:buClr>
+                <a:srgbClr val="000000"/>
+              </a:buClr>
+              <a:buSzPct val="45000"/>
+              <a:buFont typeface="Wingdings" charset="2"/>
+              <a:buChar char=""/>
+            </a:pPr>
+            <a:r>
+              <a:rPr lang="en-US" sz="2000" b="0" strike="noStrike" spc="-1" dirty="0">
+                <a:solidFill>
+                  <a:srgbClr val="000000"/>
+                </a:solidFill>
+                <a:latin typeface="Arial"/>
+                <a:ea typeface="DejaVu Sans"/>
+              </a:rPr>
+              <a:t>Adding functionality for generic N bit Adders</a:t>
+            </a:r>
+            <a:endParaRPr lang="de-AT" sz="2000" b="0" strike="noStrike" spc="-1" dirty="0">
+              <a:latin typeface="Arial"/>
+            </a:endParaRPr>
+          </a:p>
+          <a:p>
+            <a:pPr marL="432000" indent="-323640">
+              <a:lnSpc>
+                <a:spcPct val="100000"/>
+              </a:lnSpc>
+              <a:spcBef>
+                <a:spcPts val="1417"/>
+              </a:spcBef>
+              <a:buClr>
+                <a:srgbClr val="000000"/>
+              </a:buClr>
+              <a:buSzPct val="45000"/>
+              <a:buFont typeface="Wingdings" charset="2"/>
+              <a:buChar char=""/>
+            </a:pPr>
+            <a:r>
+              <a:rPr lang="en-US" sz="2000" b="0" strike="noStrike" spc="-1" dirty="0">
+                <a:solidFill>
+                  <a:srgbClr val="000000"/>
+                </a:solidFill>
+                <a:latin typeface="Arial"/>
+                <a:ea typeface="DejaVu Sans"/>
+              </a:rPr>
+              <a:t>Final Worst Case Error Analysis with BDD</a:t>
+            </a:r>
+            <a:endParaRPr lang="de-AT" sz="2000" b="0" strike="noStrike" spc="-1" dirty="0">
+              <a:latin typeface="Arial"/>
+            </a:endParaRPr>
+          </a:p>
+          <a:p>
+            <a:pPr marL="432000" indent="-323640">
+              <a:lnSpc>
+                <a:spcPct val="100000"/>
+              </a:lnSpc>
+              <a:spcBef>
+                <a:spcPts val="1417"/>
+              </a:spcBef>
+              <a:buClr>
+                <a:srgbClr val="000000"/>
+              </a:buClr>
+              <a:buSzPct val="45000"/>
+              <a:buFont typeface="Wingdings" charset="2"/>
+              <a:buChar char=""/>
+            </a:pPr>
+            <a:r>
+              <a:rPr lang="en-US" sz="2000" b="0" strike="noStrike" spc="-1" dirty="0">
+                <a:solidFill>
+                  <a:srgbClr val="000000"/>
+                </a:solidFill>
+                <a:latin typeface="Arial"/>
+                <a:ea typeface="DejaVu Sans"/>
+              </a:rPr>
+              <a:t>Several Graphical Error Visualizations</a:t>
+            </a:r>
+          </a:p>
+          <a:p>
+            <a:pPr marL="432000" indent="-323640">
+              <a:lnSpc>
+                <a:spcPct val="100000"/>
+              </a:lnSpc>
+              <a:spcBef>
+                <a:spcPts val="1417"/>
+              </a:spcBef>
+              <a:buClr>
+                <a:srgbClr val="000000"/>
+              </a:buClr>
+              <a:buSzPct val="45000"/>
+              <a:buFont typeface="Wingdings" charset="2"/>
+              <a:buChar char=""/>
+            </a:pPr>
+            <a:r>
+              <a:rPr lang="en-US" sz="2000" spc="-1" dirty="0">
+                <a:solidFill>
+                  <a:srgbClr val="000000"/>
+                </a:solidFill>
+                <a:latin typeface="Arial"/>
+              </a:rPr>
+              <a:t>Designing a Testbench for VHDL design</a:t>
+            </a:r>
+            <a:endParaRPr lang="de-AT" sz="2000" b="0" strike="noStrike" spc="-1" dirty="0">
+              <a:latin typeface="Arial"/>
+            </a:endParaRPr>
+          </a:p>
+          <a:p>
+            <a:pPr marL="432000" indent="-323640">
+              <a:lnSpc>
+                <a:spcPct val="100000"/>
+              </a:lnSpc>
+              <a:spcBef>
+                <a:spcPts val="1417"/>
+              </a:spcBef>
+              <a:buClr>
+                <a:srgbClr val="000000"/>
+              </a:buClr>
+              <a:buSzPct val="45000"/>
+              <a:buFont typeface="Wingdings" charset="2"/>
+              <a:buChar char=""/>
+            </a:pPr>
+            <a:r>
+              <a:rPr lang="en-US" sz="2000" b="0" strike="noStrike" spc="-1" dirty="0">
+                <a:solidFill>
+                  <a:srgbClr val="000000"/>
+                </a:solidFill>
+                <a:latin typeface="Arial"/>
+                <a:ea typeface="DejaVu Sans"/>
+              </a:rPr>
+              <a:t>Implementing on </a:t>
+            </a:r>
+            <a:r>
+              <a:rPr lang="en-US" sz="2000" b="0" strike="noStrike" spc="-1" dirty="0" err="1">
+                <a:solidFill>
+                  <a:srgbClr val="000000"/>
+                </a:solidFill>
+                <a:latin typeface="Arial"/>
+                <a:ea typeface="DejaVu Sans"/>
+              </a:rPr>
+              <a:t>Zedboard</a:t>
+            </a:r>
+            <a:r>
+              <a:rPr lang="en-US" sz="2000" b="0" strike="noStrike" spc="-1" dirty="0">
+                <a:solidFill>
+                  <a:srgbClr val="000000"/>
+                </a:solidFill>
+                <a:latin typeface="Arial"/>
+                <a:ea typeface="DejaVu Sans"/>
+              </a:rPr>
+              <a:t> (Hardware)</a:t>
+            </a:r>
+            <a:endParaRPr lang="de-AT" sz="2000" b="0" strike="noStrike" spc="-1" dirty="0">
+              <a:latin typeface="Arial"/>
+            </a:endParaRPr>
+          </a:p>
+          <a:p>
+            <a:pPr>
+              <a:lnSpc>
+                <a:spcPct val="100000"/>
+              </a:lnSpc>
+              <a:spcBef>
+                <a:spcPts val="1417"/>
+              </a:spcBef>
+            </a:pPr>
+            <a:endParaRPr lang="de-AT" sz="2000" b="0" strike="noStrike" spc="-1" dirty="0">
+              <a:latin typeface="Arial"/>
+            </a:endParaRPr>
+          </a:p>
+        </p:txBody>
+      </p:sp>
+      <p:sp>
+        <p:nvSpPr>
+          <p:cNvPr id="248" name="CustomShape 3"/>
+          <p:cNvSpPr/>
+          <p:nvPr/>
+        </p:nvSpPr>
+        <p:spPr>
+          <a:xfrm>
+            <a:off x="4006440" y="6410880"/>
+            <a:ext cx="582480" cy="363960"/>
+          </a:xfrm>
+          <a:prstGeom prst="rect">
+            <a:avLst/>
+          </a:prstGeom>
+          <a:noFill/>
+          <a:ln>
+            <a:noFill/>
+          </a:ln>
+        </p:spPr>
+        <p:style>
+          <a:lnRef idx="0">
+            <a:scrgbClr r="0" g="0" b="0"/>
+          </a:lnRef>
+          <a:fillRef idx="0">
+            <a:scrgbClr r="0" g="0" b="0"/>
+          </a:fillRef>
+          <a:effectRef idx="0">
+            <a:scrgbClr r="0" g="0" b="0"/>
+          </a:effectRef>
+          <a:fontRef idx="minor"/>
+        </p:style>
+        <p:txBody>
+          <a:bodyPr lIns="90000" tIns="45000" rIns="90000" bIns="45000" anchor="ctr">
+            <a:noAutofit/>
+          </a:bodyPr>
+          <a:lstStyle/>
+          <a:p>
+            <a:pPr algn="r">
+              <a:lnSpc>
+                <a:spcPct val="100000"/>
+              </a:lnSpc>
+            </a:pPr>
+            <a:fld id="{529BAE5C-0237-4ABB-9BAC-104434346622}" type="slidenum">
+              <a:rPr lang="zxx" sz="1050" b="0" strike="noStrike" spc="-1">
+                <a:solidFill>
+                  <a:srgbClr val="000000"/>
+                </a:solidFill>
+                <a:latin typeface="Calibri"/>
+                <a:ea typeface="DejaVu Sans"/>
+              </a:rPr>
+              <a:t>26</a:t>
+            </a:fld>
+            <a:r>
+              <a:rPr lang="zxx" sz="1050" b="0" strike="noStrike" spc="-1">
+                <a:solidFill>
+                  <a:srgbClr val="000000"/>
+                </a:solidFill>
+                <a:latin typeface="Calibri"/>
+                <a:ea typeface="DejaVu Sans"/>
+              </a:rPr>
+              <a:t>/</a:t>
+            </a:r>
+            <a:endParaRPr lang="de-AT" sz="1050" b="0" strike="noStrike" spc="-1">
+              <a:latin typeface="Arial"/>
+            </a:endParaRPr>
+          </a:p>
+        </p:txBody>
+      </p:sp>
+    </p:spTree>
+  </p:cSld>
+  <p:clrMapOvr>
+    <a:masterClrMapping/>
+  </p:clrMapOvr>
+</p:sld>
+</file>
+
+<file path=ppt/slides/slide27.xml><?xml version="1.0" encoding="utf-8"?>
+<p:sld xmlns:a="http://schemas.openxmlformats.org/drawingml/2006/main" xmlns:r="http://schemas.openxmlformats.org/officeDocument/2006/relationships" xmlns:p="http://schemas.openxmlformats.org/presentationml/2006/main">
+  <p:cSld>
+    <p:spTree>
+      <p:nvGrpSpPr>
+        <p:cNvPr id="1" name=""/>
+        <p:cNvGrpSpPr/>
+        <p:nvPr/>
+      </p:nvGrpSpPr>
+      <p:grpSpPr>
+        <a:xfrm>
+          <a:off x="0" y="0"/>
+          <a:ext cx="0" cy="0"/>
+          <a:chOff x="0" y="0"/>
+          <a:chExt cx="0" cy="0"/>
+        </a:xfrm>
+      </p:grpSpPr>
+      <p:sp>
+        <p:nvSpPr>
+          <p:cNvPr id="249" name="CustomShape 1"/>
+          <p:cNvSpPr/>
+          <p:nvPr/>
+        </p:nvSpPr>
+        <p:spPr>
+          <a:xfrm>
+            <a:off x="822960" y="1385640"/>
+            <a:ext cx="7542720" cy="4146840"/>
+          </a:xfrm>
+          <a:prstGeom prst="rect">
+            <a:avLst/>
+          </a:prstGeom>
+          <a:noFill/>
+          <a:ln>
+            <a:noFill/>
+          </a:ln>
+        </p:spPr>
+        <p:style>
+          <a:lnRef idx="0">
+            <a:scrgbClr r="0" g="0" b="0"/>
+          </a:lnRef>
+          <a:fillRef idx="0">
+            <a:scrgbClr r="0" g="0" b="0"/>
+          </a:fillRef>
+          <a:effectRef idx="0">
+            <a:scrgbClr r="0" g="0" b="0"/>
+          </a:effectRef>
+          <a:fontRef idx="minor"/>
+        </p:style>
+        <p:txBody>
+          <a:bodyPr lIns="90000" tIns="45000" rIns="90000" bIns="45000" anchor="ctr">
+            <a:noAutofit/>
+          </a:bodyPr>
+          <a:lstStyle/>
+          <a:p>
+            <a:pPr algn="ctr">
+              <a:lnSpc>
+                <a:spcPct val="85000"/>
+              </a:lnSpc>
+            </a:pPr>
+            <a:r>
+              <a:rPr lang="zxx" sz="4800" b="0" strike="noStrike" spc="-52">
+                <a:solidFill>
+                  <a:srgbClr val="404040"/>
+                </a:solidFill>
+                <a:latin typeface="Calibri Light"/>
+                <a:ea typeface="DejaVu Sans"/>
+              </a:rPr>
+              <a:t>Thank you!</a:t>
+            </a:r>
+            <a:endParaRPr lang="de-AT" sz="4800" b="0" strike="noStrike" spc="-1">
+              <a:latin typeface="Arial"/>
+            </a:endParaRPr>
+          </a:p>
+        </p:txBody>
+      </p:sp>
+      <p:sp>
+        <p:nvSpPr>
+          <p:cNvPr id="250" name="CustomShape 2"/>
+          <p:cNvSpPr/>
+          <p:nvPr/>
+        </p:nvSpPr>
+        <p:spPr>
+          <a:xfrm>
+            <a:off x="4006440" y="6410880"/>
+            <a:ext cx="582480" cy="363960"/>
+          </a:xfrm>
+          <a:prstGeom prst="rect">
+            <a:avLst/>
+          </a:prstGeom>
+          <a:noFill/>
+          <a:ln>
+            <a:noFill/>
+          </a:ln>
+        </p:spPr>
+        <p:style>
+          <a:lnRef idx="0">
+            <a:scrgbClr r="0" g="0" b="0"/>
+          </a:lnRef>
+          <a:fillRef idx="0">
+            <a:scrgbClr r="0" g="0" b="0"/>
+          </a:fillRef>
+          <a:effectRef idx="0">
+            <a:scrgbClr r="0" g="0" b="0"/>
+          </a:effectRef>
+          <a:fontRef idx="minor"/>
+        </p:style>
+        <p:txBody>
+          <a:bodyPr lIns="90000" tIns="45000" rIns="90000" bIns="45000" anchor="ctr">
+            <a:noAutofit/>
+          </a:bodyPr>
+          <a:lstStyle/>
+          <a:p>
+            <a:pPr algn="r">
+              <a:lnSpc>
+                <a:spcPct val="100000"/>
+              </a:lnSpc>
+            </a:pPr>
             <a:fld id="{E7CFE6CB-5B57-4F5A-89AC-5E1973BD2CB3}" type="slidenum">
               <a:rPr lang="zxx" sz="1050" b="0" strike="noStrike" spc="-1">
                 <a:solidFill>
@@ -19128,7 +24408,7 @@
                 <a:latin typeface="Calibri"/>
                 <a:ea typeface="DejaVu Sans"/>
               </a:rPr>
-              <a:t>24</a:t>
+              <a:t>27</a:t>
             </a:fld>
             <a:r>
               <a:rPr lang="zxx" sz="1050" b="0" strike="noStrike" spc="-1">

--- a/Presentation Slides/Second Midterm (11-01-2022)/Midterm 11-01-2022.pptx
+++ b/Presentation Slides/Second Midterm (11-01-2022)/Midterm 11-01-2022.pptx
@@ -4,38 +4,37 @@
   <p:sldMasterIdLst>
     <p:sldMasterId id="2147483648" r:id="rId1"/>
     <p:sldMasterId id="2147483661" r:id="rId2"/>
-    <p:sldMasterId id="2147483674" r:id="rId3"/>
   </p:sldMasterIdLst>
   <p:notesMasterIdLst>
-    <p:notesMasterId r:id="rId30"/>
+    <p:notesMasterId r:id="rId29"/>
   </p:notesMasterIdLst>
   <p:sldIdLst>
-    <p:sldId id="256" r:id="rId4"/>
-    <p:sldId id="257" r:id="rId5"/>
-    <p:sldId id="272" r:id="rId6"/>
-    <p:sldId id="266" r:id="rId7"/>
-    <p:sldId id="268" r:id="rId8"/>
-    <p:sldId id="274" r:id="rId9"/>
-    <p:sldId id="276" r:id="rId10"/>
-    <p:sldId id="263" r:id="rId11"/>
-    <p:sldId id="284" r:id="rId12"/>
-    <p:sldId id="265" r:id="rId13"/>
-    <p:sldId id="285" r:id="rId14"/>
-    <p:sldId id="286" r:id="rId15"/>
-    <p:sldId id="287" r:id="rId16"/>
-    <p:sldId id="269" r:id="rId17"/>
-    <p:sldId id="270" r:id="rId18"/>
-    <p:sldId id="271" r:id="rId19"/>
-    <p:sldId id="288" r:id="rId20"/>
-    <p:sldId id="280" r:id="rId21"/>
-    <p:sldId id="289" r:id="rId22"/>
-    <p:sldId id="283" r:id="rId23"/>
-    <p:sldId id="290" r:id="rId24"/>
-    <p:sldId id="275" r:id="rId25"/>
-    <p:sldId id="282" r:id="rId26"/>
-    <p:sldId id="291" r:id="rId27"/>
-    <p:sldId id="277" r:id="rId28"/>
-    <p:sldId id="264" r:id="rId29"/>
+    <p:sldId id="256" r:id="rId3"/>
+    <p:sldId id="257" r:id="rId4"/>
+    <p:sldId id="272" r:id="rId5"/>
+    <p:sldId id="266" r:id="rId6"/>
+    <p:sldId id="268" r:id="rId7"/>
+    <p:sldId id="274" r:id="rId8"/>
+    <p:sldId id="276" r:id="rId9"/>
+    <p:sldId id="263" r:id="rId10"/>
+    <p:sldId id="284" r:id="rId11"/>
+    <p:sldId id="265" r:id="rId12"/>
+    <p:sldId id="285" r:id="rId13"/>
+    <p:sldId id="286" r:id="rId14"/>
+    <p:sldId id="287" r:id="rId15"/>
+    <p:sldId id="269" r:id="rId16"/>
+    <p:sldId id="270" r:id="rId17"/>
+    <p:sldId id="271" r:id="rId18"/>
+    <p:sldId id="288" r:id="rId19"/>
+    <p:sldId id="280" r:id="rId20"/>
+    <p:sldId id="289" r:id="rId21"/>
+    <p:sldId id="283" r:id="rId22"/>
+    <p:sldId id="290" r:id="rId23"/>
+    <p:sldId id="275" r:id="rId24"/>
+    <p:sldId id="282" r:id="rId25"/>
+    <p:sldId id="291" r:id="rId26"/>
+    <p:sldId id="277" r:id="rId27"/>
+    <p:sldId id="292" r:id="rId28"/>
   </p:sldIdLst>
   <p:sldSz cx="9144000" cy="6858000" type="screen4x3"/>
   <p:notesSz cx="7559675" cy="10691813"/>
@@ -9033,384 +9032,6 @@
 </p:sldLayout>
 </file>
 
-<file path=ppt/slideLayouts/slideLayout25.xml><?xml version="1.0" encoding="utf-8"?>
-<p:sldLayout xmlns:a="http://schemas.openxmlformats.org/drawingml/2006/main" xmlns:r="http://schemas.openxmlformats.org/officeDocument/2006/relationships" xmlns:p="http://schemas.openxmlformats.org/presentationml/2006/main" type="blank" preserve="1">
-  <p:cSld name="Blank Slide">
-    <p:spTree>
-      <p:nvGrpSpPr>
-        <p:cNvPr id="1" name=""/>
-        <p:cNvGrpSpPr/>
-        <p:nvPr/>
-      </p:nvGrpSpPr>
-      <p:grpSpPr>
-        <a:xfrm>
-          <a:off x="0" y="0"/>
-          <a:ext cx="0" cy="0"/>
-          <a:chOff x="0" y="0"/>
-          <a:chExt cx="0" cy="0"/>
-        </a:xfrm>
-      </p:grpSpPr>
-    </p:spTree>
-  </p:cSld>
-  <p:clrMapOvr>
-    <a:masterClrMapping/>
-  </p:clrMapOvr>
-</p:sldLayout>
-</file>
-
-<file path=ppt/slideLayouts/slideLayout26.xml><?xml version="1.0" encoding="utf-8"?>
-<p:sldLayout xmlns:a="http://schemas.openxmlformats.org/drawingml/2006/main" xmlns:r="http://schemas.openxmlformats.org/officeDocument/2006/relationships" xmlns:p="http://schemas.openxmlformats.org/presentationml/2006/main" type="tx" preserve="1">
-  <p:cSld name="Title Slide">
-    <p:spTree>
-      <p:nvGrpSpPr>
-        <p:cNvPr id="1" name=""/>
-        <p:cNvGrpSpPr/>
-        <p:nvPr/>
-      </p:nvGrpSpPr>
-      <p:grpSpPr>
-        <a:xfrm>
-          <a:off x="0" y="0"/>
-          <a:ext cx="0" cy="0"/>
-          <a:chOff x="0" y="0"/>
-          <a:chExt cx="0" cy="0"/>
-        </a:xfrm>
-      </p:grpSpPr>
-      <p:sp>
-        <p:nvSpPr>
-          <p:cNvPr id="91" name="PlaceHolder 1"/>
-          <p:cNvSpPr>
-            <a:spLocks noGrp="1"/>
-          </p:cNvSpPr>
-          <p:nvPr>
-            <p:ph type="title"/>
-          </p:nvPr>
-        </p:nvSpPr>
-        <p:spPr>
-          <a:xfrm>
-            <a:off x="822960" y="1385640"/>
-            <a:ext cx="7543080" cy="4147200"/>
-          </a:xfrm>
-          <a:prstGeom prst="rect">
-            <a:avLst/>
-          </a:prstGeom>
-        </p:spPr>
-        <p:txBody>
-          <a:bodyPr lIns="0" tIns="0" rIns="0" bIns="0" anchor="ctr">
-            <a:noAutofit/>
-          </a:bodyPr>
-          <a:lstStyle/>
-          <a:p>
-            <a:pPr algn="ctr"/>
-            <a:endParaRPr lang="de-AT" sz="4400" b="0" strike="noStrike" spc="-1">
-              <a:latin typeface="Arial"/>
-            </a:endParaRPr>
-          </a:p>
-        </p:txBody>
-      </p:sp>
-      <p:sp>
-        <p:nvSpPr>
-          <p:cNvPr id="92" name="PlaceHolder 2"/>
-          <p:cNvSpPr>
-            <a:spLocks noGrp="1"/>
-          </p:cNvSpPr>
-          <p:nvPr>
-            <p:ph type="subTitle"/>
-          </p:nvPr>
-        </p:nvSpPr>
-        <p:spPr>
-          <a:xfrm>
-            <a:off x="457200" y="1604520"/>
-            <a:ext cx="8229240" cy="3977280"/>
-          </a:xfrm>
-          <a:prstGeom prst="rect">
-            <a:avLst/>
-          </a:prstGeom>
-        </p:spPr>
-        <p:txBody>
-          <a:bodyPr lIns="0" tIns="0" rIns="0" bIns="0" anchor="ctr">
-            <a:noAutofit/>
-          </a:bodyPr>
-          <a:lstStyle/>
-          <a:p>
-            <a:pPr algn="ctr"/>
-            <a:endParaRPr lang="de-AT" sz="3200" b="0" strike="noStrike" spc="-1">
-              <a:latin typeface="Arial"/>
-            </a:endParaRPr>
-          </a:p>
-        </p:txBody>
-      </p:sp>
-    </p:spTree>
-  </p:cSld>
-  <p:clrMapOvr>
-    <a:masterClrMapping/>
-  </p:clrMapOvr>
-</p:sldLayout>
-</file>
-
-<file path=ppt/slideLayouts/slideLayout27.xml><?xml version="1.0" encoding="utf-8"?>
-<p:sldLayout xmlns:a="http://schemas.openxmlformats.org/drawingml/2006/main" xmlns:r="http://schemas.openxmlformats.org/officeDocument/2006/relationships" xmlns:p="http://schemas.openxmlformats.org/presentationml/2006/main" type="obj" preserve="1">
-  <p:cSld name="Title, Content">
-    <p:spTree>
-      <p:nvGrpSpPr>
-        <p:cNvPr id="1" name=""/>
-        <p:cNvGrpSpPr/>
-        <p:nvPr/>
-      </p:nvGrpSpPr>
-      <p:grpSpPr>
-        <a:xfrm>
-          <a:off x="0" y="0"/>
-          <a:ext cx="0" cy="0"/>
-          <a:chOff x="0" y="0"/>
-          <a:chExt cx="0" cy="0"/>
-        </a:xfrm>
-      </p:grpSpPr>
-      <p:sp>
-        <p:nvSpPr>
-          <p:cNvPr id="93" name="PlaceHolder 1"/>
-          <p:cNvSpPr>
-            <a:spLocks noGrp="1"/>
-          </p:cNvSpPr>
-          <p:nvPr>
-            <p:ph type="title"/>
-          </p:nvPr>
-        </p:nvSpPr>
-        <p:spPr>
-          <a:xfrm>
-            <a:off x="822960" y="1385640"/>
-            <a:ext cx="7543080" cy="4147200"/>
-          </a:xfrm>
-          <a:prstGeom prst="rect">
-            <a:avLst/>
-          </a:prstGeom>
-        </p:spPr>
-        <p:txBody>
-          <a:bodyPr lIns="0" tIns="0" rIns="0" bIns="0" anchor="ctr">
-            <a:noAutofit/>
-          </a:bodyPr>
-          <a:lstStyle/>
-          <a:p>
-            <a:pPr algn="ctr"/>
-            <a:endParaRPr lang="de-AT" sz="4400" b="0" strike="noStrike" spc="-1">
-              <a:latin typeface="Arial"/>
-            </a:endParaRPr>
-          </a:p>
-        </p:txBody>
-      </p:sp>
-      <p:sp>
-        <p:nvSpPr>
-          <p:cNvPr id="94" name="PlaceHolder 2"/>
-          <p:cNvSpPr>
-            <a:spLocks noGrp="1"/>
-          </p:cNvSpPr>
-          <p:nvPr>
-            <p:ph type="body"/>
-          </p:nvPr>
-        </p:nvSpPr>
-        <p:spPr>
-          <a:xfrm>
-            <a:off x="457200" y="1604520"/>
-            <a:ext cx="8229240" cy="3977280"/>
-          </a:xfrm>
-          <a:prstGeom prst="rect">
-            <a:avLst/>
-          </a:prstGeom>
-        </p:spPr>
-        <p:txBody>
-          <a:bodyPr lIns="0" tIns="0" rIns="0" bIns="0">
-            <a:normAutofit/>
-          </a:bodyPr>
-          <a:lstStyle/>
-          <a:p>
-            <a:endParaRPr lang="de-AT" sz="3200" b="0" strike="noStrike" spc="-1">
-              <a:latin typeface="Arial"/>
-            </a:endParaRPr>
-          </a:p>
-        </p:txBody>
-      </p:sp>
-    </p:spTree>
-  </p:cSld>
-  <p:clrMapOvr>
-    <a:masterClrMapping/>
-  </p:clrMapOvr>
-</p:sldLayout>
-</file>
-
-<file path=ppt/slideLayouts/slideLayout28.xml><?xml version="1.0" encoding="utf-8"?>
-<p:sldLayout xmlns:a="http://schemas.openxmlformats.org/drawingml/2006/main" xmlns:r="http://schemas.openxmlformats.org/officeDocument/2006/relationships" xmlns:p="http://schemas.openxmlformats.org/presentationml/2006/main" type="twoObj" preserve="1">
-  <p:cSld name="Title, 2 Content">
-    <p:spTree>
-      <p:nvGrpSpPr>
-        <p:cNvPr id="1" name=""/>
-        <p:cNvGrpSpPr/>
-        <p:nvPr/>
-      </p:nvGrpSpPr>
-      <p:grpSpPr>
-        <a:xfrm>
-          <a:off x="0" y="0"/>
-          <a:ext cx="0" cy="0"/>
-          <a:chOff x="0" y="0"/>
-          <a:chExt cx="0" cy="0"/>
-        </a:xfrm>
-      </p:grpSpPr>
-      <p:sp>
-        <p:nvSpPr>
-          <p:cNvPr id="95" name="PlaceHolder 1"/>
-          <p:cNvSpPr>
-            <a:spLocks noGrp="1"/>
-          </p:cNvSpPr>
-          <p:nvPr>
-            <p:ph type="title"/>
-          </p:nvPr>
-        </p:nvSpPr>
-        <p:spPr>
-          <a:xfrm>
-            <a:off x="822960" y="1385640"/>
-            <a:ext cx="7543080" cy="4147200"/>
-          </a:xfrm>
-          <a:prstGeom prst="rect">
-            <a:avLst/>
-          </a:prstGeom>
-        </p:spPr>
-        <p:txBody>
-          <a:bodyPr lIns="0" tIns="0" rIns="0" bIns="0" anchor="ctr">
-            <a:noAutofit/>
-          </a:bodyPr>
-          <a:lstStyle/>
-          <a:p>
-            <a:pPr algn="ctr"/>
-            <a:endParaRPr lang="de-AT" sz="4400" b="0" strike="noStrike" spc="-1">
-              <a:latin typeface="Arial"/>
-            </a:endParaRPr>
-          </a:p>
-        </p:txBody>
-      </p:sp>
-      <p:sp>
-        <p:nvSpPr>
-          <p:cNvPr id="96" name="PlaceHolder 2"/>
-          <p:cNvSpPr>
-            <a:spLocks noGrp="1"/>
-          </p:cNvSpPr>
-          <p:nvPr>
-            <p:ph type="body"/>
-          </p:nvPr>
-        </p:nvSpPr>
-        <p:spPr>
-          <a:xfrm>
-            <a:off x="457200" y="1604520"/>
-            <a:ext cx="4015800" cy="3977280"/>
-          </a:xfrm>
-          <a:prstGeom prst="rect">
-            <a:avLst/>
-          </a:prstGeom>
-        </p:spPr>
-        <p:txBody>
-          <a:bodyPr lIns="0" tIns="0" rIns="0" bIns="0">
-            <a:normAutofit/>
-          </a:bodyPr>
-          <a:lstStyle/>
-          <a:p>
-            <a:endParaRPr lang="de-AT" sz="3200" b="0" strike="noStrike" spc="-1">
-              <a:latin typeface="Arial"/>
-            </a:endParaRPr>
-          </a:p>
-        </p:txBody>
-      </p:sp>
-      <p:sp>
-        <p:nvSpPr>
-          <p:cNvPr id="97" name="PlaceHolder 3"/>
-          <p:cNvSpPr>
-            <a:spLocks noGrp="1"/>
-          </p:cNvSpPr>
-          <p:nvPr>
-            <p:ph type="body"/>
-          </p:nvPr>
-        </p:nvSpPr>
-        <p:spPr>
-          <a:xfrm>
-            <a:off x="4674240" y="1604520"/>
-            <a:ext cx="4015800" cy="3977280"/>
-          </a:xfrm>
-          <a:prstGeom prst="rect">
-            <a:avLst/>
-          </a:prstGeom>
-        </p:spPr>
-        <p:txBody>
-          <a:bodyPr lIns="0" tIns="0" rIns="0" bIns="0">
-            <a:normAutofit/>
-          </a:bodyPr>
-          <a:lstStyle/>
-          <a:p>
-            <a:endParaRPr lang="de-AT" sz="3200" b="0" strike="noStrike" spc="-1">
-              <a:latin typeface="Arial"/>
-            </a:endParaRPr>
-          </a:p>
-        </p:txBody>
-      </p:sp>
-    </p:spTree>
-  </p:cSld>
-  <p:clrMapOvr>
-    <a:masterClrMapping/>
-  </p:clrMapOvr>
-</p:sldLayout>
-</file>
-
-<file path=ppt/slideLayouts/slideLayout29.xml><?xml version="1.0" encoding="utf-8"?>
-<p:sldLayout xmlns:a="http://schemas.openxmlformats.org/drawingml/2006/main" xmlns:r="http://schemas.openxmlformats.org/officeDocument/2006/relationships" xmlns:p="http://schemas.openxmlformats.org/presentationml/2006/main" type="titleOnly" preserve="1">
-  <p:cSld name="Title Only">
-    <p:spTree>
-      <p:nvGrpSpPr>
-        <p:cNvPr id="1" name=""/>
-        <p:cNvGrpSpPr/>
-        <p:nvPr/>
-      </p:nvGrpSpPr>
-      <p:grpSpPr>
-        <a:xfrm>
-          <a:off x="0" y="0"/>
-          <a:ext cx="0" cy="0"/>
-          <a:chOff x="0" y="0"/>
-          <a:chExt cx="0" cy="0"/>
-        </a:xfrm>
-      </p:grpSpPr>
-      <p:sp>
-        <p:nvSpPr>
-          <p:cNvPr id="98" name="PlaceHolder 1"/>
-          <p:cNvSpPr>
-            <a:spLocks noGrp="1"/>
-          </p:cNvSpPr>
-          <p:nvPr>
-            <p:ph type="title"/>
-          </p:nvPr>
-        </p:nvSpPr>
-        <p:spPr>
-          <a:xfrm>
-            <a:off x="822960" y="1385640"/>
-            <a:ext cx="7543080" cy="4147200"/>
-          </a:xfrm>
-          <a:prstGeom prst="rect">
-            <a:avLst/>
-          </a:prstGeom>
-        </p:spPr>
-        <p:txBody>
-          <a:bodyPr lIns="0" tIns="0" rIns="0" bIns="0" anchor="ctr">
-            <a:noAutofit/>
-          </a:bodyPr>
-          <a:lstStyle/>
-          <a:p>
-            <a:pPr algn="ctr"/>
-            <a:endParaRPr lang="de-AT" sz="4400" b="0" strike="noStrike" spc="-1">
-              <a:latin typeface="Arial"/>
-            </a:endParaRPr>
-          </a:p>
-        </p:txBody>
-      </p:sp>
-    </p:spTree>
-  </p:cSld>
-  <p:clrMapOvr>
-    <a:masterClrMapping/>
-  </p:clrMapOvr>
-</p:sldLayout>
-</file>
-
 <file path=ppt/slideLayouts/slideLayout3.xml><?xml version="1.0" encoding="utf-8"?>
 <p:sldLayout xmlns:a="http://schemas.openxmlformats.org/drawingml/2006/main" xmlns:r="http://schemas.openxmlformats.org/officeDocument/2006/relationships" xmlns:p="http://schemas.openxmlformats.org/presentationml/2006/main" type="obj" preserve="1">
   <p:cSld name="Title, Content">
@@ -9474,1056 +9095,6 @@
           <a:xfrm>
             <a:off x="457200" y="1604520"/>
             <a:ext cx="8229240" cy="3977280"/>
-          </a:xfrm>
-          <a:prstGeom prst="rect">
-            <a:avLst/>
-          </a:prstGeom>
-        </p:spPr>
-        <p:txBody>
-          <a:bodyPr lIns="0" tIns="0" rIns="0" bIns="0">
-            <a:normAutofit/>
-          </a:bodyPr>
-          <a:lstStyle/>
-          <a:p>
-            <a:endParaRPr lang="de-AT" sz="3200" b="0" strike="noStrike" spc="-1">
-              <a:latin typeface="Arial"/>
-            </a:endParaRPr>
-          </a:p>
-        </p:txBody>
-      </p:sp>
-    </p:spTree>
-  </p:cSld>
-  <p:clrMapOvr>
-    <a:masterClrMapping/>
-  </p:clrMapOvr>
-</p:sldLayout>
-</file>
-
-<file path=ppt/slideLayouts/slideLayout30.xml><?xml version="1.0" encoding="utf-8"?>
-<p:sldLayout xmlns:a="http://schemas.openxmlformats.org/drawingml/2006/main" xmlns:r="http://schemas.openxmlformats.org/officeDocument/2006/relationships" xmlns:p="http://schemas.openxmlformats.org/presentationml/2006/main" type="objOnly" preserve="1">
-  <p:cSld name="Centered Text">
-    <p:spTree>
-      <p:nvGrpSpPr>
-        <p:cNvPr id="1" name=""/>
-        <p:cNvGrpSpPr/>
-        <p:nvPr/>
-      </p:nvGrpSpPr>
-      <p:grpSpPr>
-        <a:xfrm>
-          <a:off x="0" y="0"/>
-          <a:ext cx="0" cy="0"/>
-          <a:chOff x="0" y="0"/>
-          <a:chExt cx="0" cy="0"/>
-        </a:xfrm>
-      </p:grpSpPr>
-      <p:sp>
-        <p:nvSpPr>
-          <p:cNvPr id="99" name="PlaceHolder 1"/>
-          <p:cNvSpPr>
-            <a:spLocks noGrp="1"/>
-          </p:cNvSpPr>
-          <p:nvPr>
-            <p:ph type="subTitle"/>
-          </p:nvPr>
-        </p:nvSpPr>
-        <p:spPr>
-          <a:xfrm>
-            <a:off x="822960" y="4140000"/>
-            <a:ext cx="7543080" cy="13716000"/>
-          </a:xfrm>
-          <a:prstGeom prst="rect">
-            <a:avLst/>
-          </a:prstGeom>
-        </p:spPr>
-        <p:txBody>
-          <a:bodyPr lIns="0" tIns="0" rIns="0" bIns="0" anchor="ctr">
-            <a:noAutofit/>
-          </a:bodyPr>
-          <a:lstStyle/>
-          <a:p>
-            <a:pPr algn="ctr"/>
-            <a:endParaRPr lang="de-AT" sz="3200" b="0" strike="noStrike" spc="-1">
-              <a:latin typeface="Arial"/>
-            </a:endParaRPr>
-          </a:p>
-        </p:txBody>
-      </p:sp>
-    </p:spTree>
-  </p:cSld>
-  <p:clrMapOvr>
-    <a:masterClrMapping/>
-  </p:clrMapOvr>
-</p:sldLayout>
-</file>
-
-<file path=ppt/slideLayouts/slideLayout31.xml><?xml version="1.0" encoding="utf-8"?>
-<p:sldLayout xmlns:a="http://schemas.openxmlformats.org/drawingml/2006/main" xmlns:r="http://schemas.openxmlformats.org/officeDocument/2006/relationships" xmlns:p="http://schemas.openxmlformats.org/presentationml/2006/main" type="twoObjAndObj" preserve="1">
-  <p:cSld name="Title, 2 Content and Content">
-    <p:spTree>
-      <p:nvGrpSpPr>
-        <p:cNvPr id="1" name=""/>
-        <p:cNvGrpSpPr/>
-        <p:nvPr/>
-      </p:nvGrpSpPr>
-      <p:grpSpPr>
-        <a:xfrm>
-          <a:off x="0" y="0"/>
-          <a:ext cx="0" cy="0"/>
-          <a:chOff x="0" y="0"/>
-          <a:chExt cx="0" cy="0"/>
-        </a:xfrm>
-      </p:grpSpPr>
-      <p:sp>
-        <p:nvSpPr>
-          <p:cNvPr id="100" name="PlaceHolder 1"/>
-          <p:cNvSpPr>
-            <a:spLocks noGrp="1"/>
-          </p:cNvSpPr>
-          <p:nvPr>
-            <p:ph type="title"/>
-          </p:nvPr>
-        </p:nvSpPr>
-        <p:spPr>
-          <a:xfrm>
-            <a:off x="822960" y="1385640"/>
-            <a:ext cx="7543080" cy="4147200"/>
-          </a:xfrm>
-          <a:prstGeom prst="rect">
-            <a:avLst/>
-          </a:prstGeom>
-        </p:spPr>
-        <p:txBody>
-          <a:bodyPr lIns="0" tIns="0" rIns="0" bIns="0" anchor="ctr">
-            <a:noAutofit/>
-          </a:bodyPr>
-          <a:lstStyle/>
-          <a:p>
-            <a:pPr algn="ctr"/>
-            <a:endParaRPr lang="de-AT" sz="4400" b="0" strike="noStrike" spc="-1">
-              <a:latin typeface="Arial"/>
-            </a:endParaRPr>
-          </a:p>
-        </p:txBody>
-      </p:sp>
-      <p:sp>
-        <p:nvSpPr>
-          <p:cNvPr id="101" name="PlaceHolder 2"/>
-          <p:cNvSpPr>
-            <a:spLocks noGrp="1"/>
-          </p:cNvSpPr>
-          <p:nvPr>
-            <p:ph type="body"/>
-          </p:nvPr>
-        </p:nvSpPr>
-        <p:spPr>
-          <a:xfrm>
-            <a:off x="457200" y="1604520"/>
-            <a:ext cx="4015800" cy="1896840"/>
-          </a:xfrm>
-          <a:prstGeom prst="rect">
-            <a:avLst/>
-          </a:prstGeom>
-        </p:spPr>
-        <p:txBody>
-          <a:bodyPr lIns="0" tIns="0" rIns="0" bIns="0">
-            <a:normAutofit/>
-          </a:bodyPr>
-          <a:lstStyle/>
-          <a:p>
-            <a:endParaRPr lang="de-AT" sz="3200" b="0" strike="noStrike" spc="-1">
-              <a:latin typeface="Arial"/>
-            </a:endParaRPr>
-          </a:p>
-        </p:txBody>
-      </p:sp>
-      <p:sp>
-        <p:nvSpPr>
-          <p:cNvPr id="102" name="PlaceHolder 3"/>
-          <p:cNvSpPr>
-            <a:spLocks noGrp="1"/>
-          </p:cNvSpPr>
-          <p:nvPr>
-            <p:ph type="body"/>
-          </p:nvPr>
-        </p:nvSpPr>
-        <p:spPr>
-          <a:xfrm>
-            <a:off x="4674240" y="1604520"/>
-            <a:ext cx="4015800" cy="3977280"/>
-          </a:xfrm>
-          <a:prstGeom prst="rect">
-            <a:avLst/>
-          </a:prstGeom>
-        </p:spPr>
-        <p:txBody>
-          <a:bodyPr lIns="0" tIns="0" rIns="0" bIns="0">
-            <a:normAutofit/>
-          </a:bodyPr>
-          <a:lstStyle/>
-          <a:p>
-            <a:endParaRPr lang="de-AT" sz="3200" b="0" strike="noStrike" spc="-1">
-              <a:latin typeface="Arial"/>
-            </a:endParaRPr>
-          </a:p>
-        </p:txBody>
-      </p:sp>
-      <p:sp>
-        <p:nvSpPr>
-          <p:cNvPr id="103" name="PlaceHolder 4"/>
-          <p:cNvSpPr>
-            <a:spLocks noGrp="1"/>
-          </p:cNvSpPr>
-          <p:nvPr>
-            <p:ph type="body"/>
-          </p:nvPr>
-        </p:nvSpPr>
-        <p:spPr>
-          <a:xfrm>
-            <a:off x="457200" y="3682080"/>
-            <a:ext cx="4015800" cy="1896840"/>
-          </a:xfrm>
-          <a:prstGeom prst="rect">
-            <a:avLst/>
-          </a:prstGeom>
-        </p:spPr>
-        <p:txBody>
-          <a:bodyPr lIns="0" tIns="0" rIns="0" bIns="0">
-            <a:normAutofit/>
-          </a:bodyPr>
-          <a:lstStyle/>
-          <a:p>
-            <a:endParaRPr lang="de-AT" sz="3200" b="0" strike="noStrike" spc="-1">
-              <a:latin typeface="Arial"/>
-            </a:endParaRPr>
-          </a:p>
-        </p:txBody>
-      </p:sp>
-    </p:spTree>
-  </p:cSld>
-  <p:clrMapOvr>
-    <a:masterClrMapping/>
-  </p:clrMapOvr>
-</p:sldLayout>
-</file>
-
-<file path=ppt/slideLayouts/slideLayout32.xml><?xml version="1.0" encoding="utf-8"?>
-<p:sldLayout xmlns:a="http://schemas.openxmlformats.org/drawingml/2006/main" xmlns:r="http://schemas.openxmlformats.org/officeDocument/2006/relationships" xmlns:p="http://schemas.openxmlformats.org/presentationml/2006/main" type="objAndTwoObj" preserve="1">
-  <p:cSld name="Title Content and 2 Content">
-    <p:spTree>
-      <p:nvGrpSpPr>
-        <p:cNvPr id="1" name=""/>
-        <p:cNvGrpSpPr/>
-        <p:nvPr/>
-      </p:nvGrpSpPr>
-      <p:grpSpPr>
-        <a:xfrm>
-          <a:off x="0" y="0"/>
-          <a:ext cx="0" cy="0"/>
-          <a:chOff x="0" y="0"/>
-          <a:chExt cx="0" cy="0"/>
-        </a:xfrm>
-      </p:grpSpPr>
-      <p:sp>
-        <p:nvSpPr>
-          <p:cNvPr id="104" name="PlaceHolder 1"/>
-          <p:cNvSpPr>
-            <a:spLocks noGrp="1"/>
-          </p:cNvSpPr>
-          <p:nvPr>
-            <p:ph type="title"/>
-          </p:nvPr>
-        </p:nvSpPr>
-        <p:spPr>
-          <a:xfrm>
-            <a:off x="822960" y="1385640"/>
-            <a:ext cx="7543080" cy="4147200"/>
-          </a:xfrm>
-          <a:prstGeom prst="rect">
-            <a:avLst/>
-          </a:prstGeom>
-        </p:spPr>
-        <p:txBody>
-          <a:bodyPr lIns="0" tIns="0" rIns="0" bIns="0" anchor="ctr">
-            <a:noAutofit/>
-          </a:bodyPr>
-          <a:lstStyle/>
-          <a:p>
-            <a:pPr algn="ctr"/>
-            <a:endParaRPr lang="de-AT" sz="4400" b="0" strike="noStrike" spc="-1">
-              <a:latin typeface="Arial"/>
-            </a:endParaRPr>
-          </a:p>
-        </p:txBody>
-      </p:sp>
-      <p:sp>
-        <p:nvSpPr>
-          <p:cNvPr id="105" name="PlaceHolder 2"/>
-          <p:cNvSpPr>
-            <a:spLocks noGrp="1"/>
-          </p:cNvSpPr>
-          <p:nvPr>
-            <p:ph type="body"/>
-          </p:nvPr>
-        </p:nvSpPr>
-        <p:spPr>
-          <a:xfrm>
-            <a:off x="457200" y="1604520"/>
-            <a:ext cx="4015800" cy="3977280"/>
-          </a:xfrm>
-          <a:prstGeom prst="rect">
-            <a:avLst/>
-          </a:prstGeom>
-        </p:spPr>
-        <p:txBody>
-          <a:bodyPr lIns="0" tIns="0" rIns="0" bIns="0">
-            <a:normAutofit/>
-          </a:bodyPr>
-          <a:lstStyle/>
-          <a:p>
-            <a:endParaRPr lang="de-AT" sz="3200" b="0" strike="noStrike" spc="-1">
-              <a:latin typeface="Arial"/>
-            </a:endParaRPr>
-          </a:p>
-        </p:txBody>
-      </p:sp>
-      <p:sp>
-        <p:nvSpPr>
-          <p:cNvPr id="106" name="PlaceHolder 3"/>
-          <p:cNvSpPr>
-            <a:spLocks noGrp="1"/>
-          </p:cNvSpPr>
-          <p:nvPr>
-            <p:ph type="body"/>
-          </p:nvPr>
-        </p:nvSpPr>
-        <p:spPr>
-          <a:xfrm>
-            <a:off x="4674240" y="1604520"/>
-            <a:ext cx="4015800" cy="1896840"/>
-          </a:xfrm>
-          <a:prstGeom prst="rect">
-            <a:avLst/>
-          </a:prstGeom>
-        </p:spPr>
-        <p:txBody>
-          <a:bodyPr lIns="0" tIns="0" rIns="0" bIns="0">
-            <a:normAutofit/>
-          </a:bodyPr>
-          <a:lstStyle/>
-          <a:p>
-            <a:endParaRPr lang="de-AT" sz="3200" b="0" strike="noStrike" spc="-1">
-              <a:latin typeface="Arial"/>
-            </a:endParaRPr>
-          </a:p>
-        </p:txBody>
-      </p:sp>
-      <p:sp>
-        <p:nvSpPr>
-          <p:cNvPr id="107" name="PlaceHolder 4"/>
-          <p:cNvSpPr>
-            <a:spLocks noGrp="1"/>
-          </p:cNvSpPr>
-          <p:nvPr>
-            <p:ph type="body"/>
-          </p:nvPr>
-        </p:nvSpPr>
-        <p:spPr>
-          <a:xfrm>
-            <a:off x="4674240" y="3682080"/>
-            <a:ext cx="4015800" cy="1896840"/>
-          </a:xfrm>
-          <a:prstGeom prst="rect">
-            <a:avLst/>
-          </a:prstGeom>
-        </p:spPr>
-        <p:txBody>
-          <a:bodyPr lIns="0" tIns="0" rIns="0" bIns="0">
-            <a:normAutofit/>
-          </a:bodyPr>
-          <a:lstStyle/>
-          <a:p>
-            <a:endParaRPr lang="de-AT" sz="3200" b="0" strike="noStrike" spc="-1">
-              <a:latin typeface="Arial"/>
-            </a:endParaRPr>
-          </a:p>
-        </p:txBody>
-      </p:sp>
-    </p:spTree>
-  </p:cSld>
-  <p:clrMapOvr>
-    <a:masterClrMapping/>
-  </p:clrMapOvr>
-</p:sldLayout>
-</file>
-
-<file path=ppt/slideLayouts/slideLayout33.xml><?xml version="1.0" encoding="utf-8"?>
-<p:sldLayout xmlns:a="http://schemas.openxmlformats.org/drawingml/2006/main" xmlns:r="http://schemas.openxmlformats.org/officeDocument/2006/relationships" xmlns:p="http://schemas.openxmlformats.org/presentationml/2006/main" type="twoObjOverTx" preserve="1">
-  <p:cSld name="Title, 2 Content over Content">
-    <p:spTree>
-      <p:nvGrpSpPr>
-        <p:cNvPr id="1" name=""/>
-        <p:cNvGrpSpPr/>
-        <p:nvPr/>
-      </p:nvGrpSpPr>
-      <p:grpSpPr>
-        <a:xfrm>
-          <a:off x="0" y="0"/>
-          <a:ext cx="0" cy="0"/>
-          <a:chOff x="0" y="0"/>
-          <a:chExt cx="0" cy="0"/>
-        </a:xfrm>
-      </p:grpSpPr>
-      <p:sp>
-        <p:nvSpPr>
-          <p:cNvPr id="108" name="PlaceHolder 1"/>
-          <p:cNvSpPr>
-            <a:spLocks noGrp="1"/>
-          </p:cNvSpPr>
-          <p:nvPr>
-            <p:ph type="title"/>
-          </p:nvPr>
-        </p:nvSpPr>
-        <p:spPr>
-          <a:xfrm>
-            <a:off x="822960" y="1385640"/>
-            <a:ext cx="7543080" cy="4147200"/>
-          </a:xfrm>
-          <a:prstGeom prst="rect">
-            <a:avLst/>
-          </a:prstGeom>
-        </p:spPr>
-        <p:txBody>
-          <a:bodyPr lIns="0" tIns="0" rIns="0" bIns="0" anchor="ctr">
-            <a:noAutofit/>
-          </a:bodyPr>
-          <a:lstStyle/>
-          <a:p>
-            <a:pPr algn="ctr"/>
-            <a:endParaRPr lang="de-AT" sz="4400" b="0" strike="noStrike" spc="-1">
-              <a:latin typeface="Arial"/>
-            </a:endParaRPr>
-          </a:p>
-        </p:txBody>
-      </p:sp>
-      <p:sp>
-        <p:nvSpPr>
-          <p:cNvPr id="109" name="PlaceHolder 2"/>
-          <p:cNvSpPr>
-            <a:spLocks noGrp="1"/>
-          </p:cNvSpPr>
-          <p:nvPr>
-            <p:ph type="body"/>
-          </p:nvPr>
-        </p:nvSpPr>
-        <p:spPr>
-          <a:xfrm>
-            <a:off x="457200" y="1604520"/>
-            <a:ext cx="4015800" cy="1896840"/>
-          </a:xfrm>
-          <a:prstGeom prst="rect">
-            <a:avLst/>
-          </a:prstGeom>
-        </p:spPr>
-        <p:txBody>
-          <a:bodyPr lIns="0" tIns="0" rIns="0" bIns="0">
-            <a:normAutofit/>
-          </a:bodyPr>
-          <a:lstStyle/>
-          <a:p>
-            <a:endParaRPr lang="de-AT" sz="3200" b="0" strike="noStrike" spc="-1">
-              <a:latin typeface="Arial"/>
-            </a:endParaRPr>
-          </a:p>
-        </p:txBody>
-      </p:sp>
-      <p:sp>
-        <p:nvSpPr>
-          <p:cNvPr id="110" name="PlaceHolder 3"/>
-          <p:cNvSpPr>
-            <a:spLocks noGrp="1"/>
-          </p:cNvSpPr>
-          <p:nvPr>
-            <p:ph type="body"/>
-          </p:nvPr>
-        </p:nvSpPr>
-        <p:spPr>
-          <a:xfrm>
-            <a:off x="4674240" y="1604520"/>
-            <a:ext cx="4015800" cy="1896840"/>
-          </a:xfrm>
-          <a:prstGeom prst="rect">
-            <a:avLst/>
-          </a:prstGeom>
-        </p:spPr>
-        <p:txBody>
-          <a:bodyPr lIns="0" tIns="0" rIns="0" bIns="0">
-            <a:normAutofit/>
-          </a:bodyPr>
-          <a:lstStyle/>
-          <a:p>
-            <a:endParaRPr lang="de-AT" sz="3200" b="0" strike="noStrike" spc="-1">
-              <a:latin typeface="Arial"/>
-            </a:endParaRPr>
-          </a:p>
-        </p:txBody>
-      </p:sp>
-      <p:sp>
-        <p:nvSpPr>
-          <p:cNvPr id="111" name="PlaceHolder 4"/>
-          <p:cNvSpPr>
-            <a:spLocks noGrp="1"/>
-          </p:cNvSpPr>
-          <p:nvPr>
-            <p:ph type="body"/>
-          </p:nvPr>
-        </p:nvSpPr>
-        <p:spPr>
-          <a:xfrm>
-            <a:off x="457200" y="3682080"/>
-            <a:ext cx="8229240" cy="1896840"/>
-          </a:xfrm>
-          <a:prstGeom prst="rect">
-            <a:avLst/>
-          </a:prstGeom>
-        </p:spPr>
-        <p:txBody>
-          <a:bodyPr lIns="0" tIns="0" rIns="0" bIns="0">
-            <a:normAutofit/>
-          </a:bodyPr>
-          <a:lstStyle/>
-          <a:p>
-            <a:endParaRPr lang="de-AT" sz="3200" b="0" strike="noStrike" spc="-1">
-              <a:latin typeface="Arial"/>
-            </a:endParaRPr>
-          </a:p>
-        </p:txBody>
-      </p:sp>
-    </p:spTree>
-  </p:cSld>
-  <p:clrMapOvr>
-    <a:masterClrMapping/>
-  </p:clrMapOvr>
-</p:sldLayout>
-</file>
-
-<file path=ppt/slideLayouts/slideLayout34.xml><?xml version="1.0" encoding="utf-8"?>
-<p:sldLayout xmlns:a="http://schemas.openxmlformats.org/drawingml/2006/main" xmlns:r="http://schemas.openxmlformats.org/officeDocument/2006/relationships" xmlns:p="http://schemas.openxmlformats.org/presentationml/2006/main" type="objOverTx" preserve="1">
-  <p:cSld name="Title, Content over Content">
-    <p:spTree>
-      <p:nvGrpSpPr>
-        <p:cNvPr id="1" name=""/>
-        <p:cNvGrpSpPr/>
-        <p:nvPr/>
-      </p:nvGrpSpPr>
-      <p:grpSpPr>
-        <a:xfrm>
-          <a:off x="0" y="0"/>
-          <a:ext cx="0" cy="0"/>
-          <a:chOff x="0" y="0"/>
-          <a:chExt cx="0" cy="0"/>
-        </a:xfrm>
-      </p:grpSpPr>
-      <p:sp>
-        <p:nvSpPr>
-          <p:cNvPr id="112" name="PlaceHolder 1"/>
-          <p:cNvSpPr>
-            <a:spLocks noGrp="1"/>
-          </p:cNvSpPr>
-          <p:nvPr>
-            <p:ph type="title"/>
-          </p:nvPr>
-        </p:nvSpPr>
-        <p:spPr>
-          <a:xfrm>
-            <a:off x="822960" y="1385640"/>
-            <a:ext cx="7543080" cy="4147200"/>
-          </a:xfrm>
-          <a:prstGeom prst="rect">
-            <a:avLst/>
-          </a:prstGeom>
-        </p:spPr>
-        <p:txBody>
-          <a:bodyPr lIns="0" tIns="0" rIns="0" bIns="0" anchor="ctr">
-            <a:noAutofit/>
-          </a:bodyPr>
-          <a:lstStyle/>
-          <a:p>
-            <a:pPr algn="ctr"/>
-            <a:endParaRPr lang="de-AT" sz="4400" b="0" strike="noStrike" spc="-1">
-              <a:latin typeface="Arial"/>
-            </a:endParaRPr>
-          </a:p>
-        </p:txBody>
-      </p:sp>
-      <p:sp>
-        <p:nvSpPr>
-          <p:cNvPr id="113" name="PlaceHolder 2"/>
-          <p:cNvSpPr>
-            <a:spLocks noGrp="1"/>
-          </p:cNvSpPr>
-          <p:nvPr>
-            <p:ph type="body"/>
-          </p:nvPr>
-        </p:nvSpPr>
-        <p:spPr>
-          <a:xfrm>
-            <a:off x="457200" y="1604520"/>
-            <a:ext cx="8229240" cy="1896840"/>
-          </a:xfrm>
-          <a:prstGeom prst="rect">
-            <a:avLst/>
-          </a:prstGeom>
-        </p:spPr>
-        <p:txBody>
-          <a:bodyPr lIns="0" tIns="0" rIns="0" bIns="0">
-            <a:normAutofit/>
-          </a:bodyPr>
-          <a:lstStyle/>
-          <a:p>
-            <a:endParaRPr lang="de-AT" sz="3200" b="0" strike="noStrike" spc="-1">
-              <a:latin typeface="Arial"/>
-            </a:endParaRPr>
-          </a:p>
-        </p:txBody>
-      </p:sp>
-      <p:sp>
-        <p:nvSpPr>
-          <p:cNvPr id="114" name="PlaceHolder 3"/>
-          <p:cNvSpPr>
-            <a:spLocks noGrp="1"/>
-          </p:cNvSpPr>
-          <p:nvPr>
-            <p:ph type="body"/>
-          </p:nvPr>
-        </p:nvSpPr>
-        <p:spPr>
-          <a:xfrm>
-            <a:off x="457200" y="3682080"/>
-            <a:ext cx="8229240" cy="1896840"/>
-          </a:xfrm>
-          <a:prstGeom prst="rect">
-            <a:avLst/>
-          </a:prstGeom>
-        </p:spPr>
-        <p:txBody>
-          <a:bodyPr lIns="0" tIns="0" rIns="0" bIns="0">
-            <a:normAutofit/>
-          </a:bodyPr>
-          <a:lstStyle/>
-          <a:p>
-            <a:endParaRPr lang="de-AT" sz="3200" b="0" strike="noStrike" spc="-1">
-              <a:latin typeface="Arial"/>
-            </a:endParaRPr>
-          </a:p>
-        </p:txBody>
-      </p:sp>
-    </p:spTree>
-  </p:cSld>
-  <p:clrMapOvr>
-    <a:masterClrMapping/>
-  </p:clrMapOvr>
-</p:sldLayout>
-</file>
-
-<file path=ppt/slideLayouts/slideLayout35.xml><?xml version="1.0" encoding="utf-8"?>
-<p:sldLayout xmlns:a="http://schemas.openxmlformats.org/drawingml/2006/main" xmlns:r="http://schemas.openxmlformats.org/officeDocument/2006/relationships" xmlns:p="http://schemas.openxmlformats.org/presentationml/2006/main" type="fourObj" preserve="1">
-  <p:cSld name="Title, 4 Content">
-    <p:spTree>
-      <p:nvGrpSpPr>
-        <p:cNvPr id="1" name=""/>
-        <p:cNvGrpSpPr/>
-        <p:nvPr/>
-      </p:nvGrpSpPr>
-      <p:grpSpPr>
-        <a:xfrm>
-          <a:off x="0" y="0"/>
-          <a:ext cx="0" cy="0"/>
-          <a:chOff x="0" y="0"/>
-          <a:chExt cx="0" cy="0"/>
-        </a:xfrm>
-      </p:grpSpPr>
-      <p:sp>
-        <p:nvSpPr>
-          <p:cNvPr id="115" name="PlaceHolder 1"/>
-          <p:cNvSpPr>
-            <a:spLocks noGrp="1"/>
-          </p:cNvSpPr>
-          <p:nvPr>
-            <p:ph type="title"/>
-          </p:nvPr>
-        </p:nvSpPr>
-        <p:spPr>
-          <a:xfrm>
-            <a:off x="822960" y="1385640"/>
-            <a:ext cx="7543080" cy="4147200"/>
-          </a:xfrm>
-          <a:prstGeom prst="rect">
-            <a:avLst/>
-          </a:prstGeom>
-        </p:spPr>
-        <p:txBody>
-          <a:bodyPr lIns="0" tIns="0" rIns="0" bIns="0" anchor="ctr">
-            <a:noAutofit/>
-          </a:bodyPr>
-          <a:lstStyle/>
-          <a:p>
-            <a:pPr algn="ctr"/>
-            <a:endParaRPr lang="de-AT" sz="4400" b="0" strike="noStrike" spc="-1">
-              <a:latin typeface="Arial"/>
-            </a:endParaRPr>
-          </a:p>
-        </p:txBody>
-      </p:sp>
-      <p:sp>
-        <p:nvSpPr>
-          <p:cNvPr id="116" name="PlaceHolder 2"/>
-          <p:cNvSpPr>
-            <a:spLocks noGrp="1"/>
-          </p:cNvSpPr>
-          <p:nvPr>
-            <p:ph type="body"/>
-          </p:nvPr>
-        </p:nvSpPr>
-        <p:spPr>
-          <a:xfrm>
-            <a:off x="457200" y="1604520"/>
-            <a:ext cx="4015800" cy="1896840"/>
-          </a:xfrm>
-          <a:prstGeom prst="rect">
-            <a:avLst/>
-          </a:prstGeom>
-        </p:spPr>
-        <p:txBody>
-          <a:bodyPr lIns="0" tIns="0" rIns="0" bIns="0">
-            <a:normAutofit/>
-          </a:bodyPr>
-          <a:lstStyle/>
-          <a:p>
-            <a:endParaRPr lang="de-AT" sz="3200" b="0" strike="noStrike" spc="-1">
-              <a:latin typeface="Arial"/>
-            </a:endParaRPr>
-          </a:p>
-        </p:txBody>
-      </p:sp>
-      <p:sp>
-        <p:nvSpPr>
-          <p:cNvPr id="117" name="PlaceHolder 3"/>
-          <p:cNvSpPr>
-            <a:spLocks noGrp="1"/>
-          </p:cNvSpPr>
-          <p:nvPr>
-            <p:ph type="body"/>
-          </p:nvPr>
-        </p:nvSpPr>
-        <p:spPr>
-          <a:xfrm>
-            <a:off x="4674240" y="1604520"/>
-            <a:ext cx="4015800" cy="1896840"/>
-          </a:xfrm>
-          <a:prstGeom prst="rect">
-            <a:avLst/>
-          </a:prstGeom>
-        </p:spPr>
-        <p:txBody>
-          <a:bodyPr lIns="0" tIns="0" rIns="0" bIns="0">
-            <a:normAutofit/>
-          </a:bodyPr>
-          <a:lstStyle/>
-          <a:p>
-            <a:endParaRPr lang="de-AT" sz="3200" b="0" strike="noStrike" spc="-1">
-              <a:latin typeface="Arial"/>
-            </a:endParaRPr>
-          </a:p>
-        </p:txBody>
-      </p:sp>
-      <p:sp>
-        <p:nvSpPr>
-          <p:cNvPr id="118" name="PlaceHolder 4"/>
-          <p:cNvSpPr>
-            <a:spLocks noGrp="1"/>
-          </p:cNvSpPr>
-          <p:nvPr>
-            <p:ph type="body"/>
-          </p:nvPr>
-        </p:nvSpPr>
-        <p:spPr>
-          <a:xfrm>
-            <a:off x="457200" y="3682080"/>
-            <a:ext cx="4015800" cy="1896840"/>
-          </a:xfrm>
-          <a:prstGeom prst="rect">
-            <a:avLst/>
-          </a:prstGeom>
-        </p:spPr>
-        <p:txBody>
-          <a:bodyPr lIns="0" tIns="0" rIns="0" bIns="0">
-            <a:normAutofit/>
-          </a:bodyPr>
-          <a:lstStyle/>
-          <a:p>
-            <a:endParaRPr lang="de-AT" sz="3200" b="0" strike="noStrike" spc="-1">
-              <a:latin typeface="Arial"/>
-            </a:endParaRPr>
-          </a:p>
-        </p:txBody>
-      </p:sp>
-      <p:sp>
-        <p:nvSpPr>
-          <p:cNvPr id="119" name="PlaceHolder 5"/>
-          <p:cNvSpPr>
-            <a:spLocks noGrp="1"/>
-          </p:cNvSpPr>
-          <p:nvPr>
-            <p:ph type="body"/>
-          </p:nvPr>
-        </p:nvSpPr>
-        <p:spPr>
-          <a:xfrm>
-            <a:off x="4674240" y="3682080"/>
-            <a:ext cx="4015800" cy="1896840"/>
-          </a:xfrm>
-          <a:prstGeom prst="rect">
-            <a:avLst/>
-          </a:prstGeom>
-        </p:spPr>
-        <p:txBody>
-          <a:bodyPr lIns="0" tIns="0" rIns="0" bIns="0">
-            <a:normAutofit/>
-          </a:bodyPr>
-          <a:lstStyle/>
-          <a:p>
-            <a:endParaRPr lang="de-AT" sz="3200" b="0" strike="noStrike" spc="-1">
-              <a:latin typeface="Arial"/>
-            </a:endParaRPr>
-          </a:p>
-        </p:txBody>
-      </p:sp>
-    </p:spTree>
-  </p:cSld>
-  <p:clrMapOvr>
-    <a:masterClrMapping/>
-  </p:clrMapOvr>
-</p:sldLayout>
-</file>
-
-<file path=ppt/slideLayouts/slideLayout36.xml><?xml version="1.0" encoding="utf-8"?>
-<p:sldLayout xmlns:a="http://schemas.openxmlformats.org/drawingml/2006/main" xmlns:r="http://schemas.openxmlformats.org/officeDocument/2006/relationships" xmlns:p="http://schemas.openxmlformats.org/presentationml/2006/main" type="blank" preserve="1">
-  <p:cSld name="Title, 6 Content">
-    <p:spTree>
-      <p:nvGrpSpPr>
-        <p:cNvPr id="1" name=""/>
-        <p:cNvGrpSpPr/>
-        <p:nvPr/>
-      </p:nvGrpSpPr>
-      <p:grpSpPr>
-        <a:xfrm>
-          <a:off x="0" y="0"/>
-          <a:ext cx="0" cy="0"/>
-          <a:chOff x="0" y="0"/>
-          <a:chExt cx="0" cy="0"/>
-        </a:xfrm>
-      </p:grpSpPr>
-      <p:sp>
-        <p:nvSpPr>
-          <p:cNvPr id="120" name="PlaceHolder 1"/>
-          <p:cNvSpPr>
-            <a:spLocks noGrp="1"/>
-          </p:cNvSpPr>
-          <p:nvPr>
-            <p:ph type="title"/>
-          </p:nvPr>
-        </p:nvSpPr>
-        <p:spPr>
-          <a:xfrm>
-            <a:off x="822960" y="1385640"/>
-            <a:ext cx="7543080" cy="4147200"/>
-          </a:xfrm>
-          <a:prstGeom prst="rect">
-            <a:avLst/>
-          </a:prstGeom>
-        </p:spPr>
-        <p:txBody>
-          <a:bodyPr lIns="0" tIns="0" rIns="0" bIns="0" anchor="ctr">
-            <a:noAutofit/>
-          </a:bodyPr>
-          <a:lstStyle/>
-          <a:p>
-            <a:pPr algn="ctr"/>
-            <a:endParaRPr lang="de-AT" sz="4400" b="0" strike="noStrike" spc="-1">
-              <a:latin typeface="Arial"/>
-            </a:endParaRPr>
-          </a:p>
-        </p:txBody>
-      </p:sp>
-      <p:sp>
-        <p:nvSpPr>
-          <p:cNvPr id="121" name="PlaceHolder 2"/>
-          <p:cNvSpPr>
-            <a:spLocks noGrp="1"/>
-          </p:cNvSpPr>
-          <p:nvPr>
-            <p:ph type="body"/>
-          </p:nvPr>
-        </p:nvSpPr>
-        <p:spPr>
-          <a:xfrm>
-            <a:off x="457200" y="1604520"/>
-            <a:ext cx="2649600" cy="1896840"/>
-          </a:xfrm>
-          <a:prstGeom prst="rect">
-            <a:avLst/>
-          </a:prstGeom>
-        </p:spPr>
-        <p:txBody>
-          <a:bodyPr lIns="0" tIns="0" rIns="0" bIns="0">
-            <a:normAutofit/>
-          </a:bodyPr>
-          <a:lstStyle/>
-          <a:p>
-            <a:endParaRPr lang="de-AT" sz="3200" b="0" strike="noStrike" spc="-1">
-              <a:latin typeface="Arial"/>
-            </a:endParaRPr>
-          </a:p>
-        </p:txBody>
-      </p:sp>
-      <p:sp>
-        <p:nvSpPr>
-          <p:cNvPr id="122" name="PlaceHolder 3"/>
-          <p:cNvSpPr>
-            <a:spLocks noGrp="1"/>
-          </p:cNvSpPr>
-          <p:nvPr>
-            <p:ph type="body"/>
-          </p:nvPr>
-        </p:nvSpPr>
-        <p:spPr>
-          <a:xfrm>
-            <a:off x="3239640" y="1604520"/>
-            <a:ext cx="2649600" cy="1896840"/>
-          </a:xfrm>
-          <a:prstGeom prst="rect">
-            <a:avLst/>
-          </a:prstGeom>
-        </p:spPr>
-        <p:txBody>
-          <a:bodyPr lIns="0" tIns="0" rIns="0" bIns="0">
-            <a:normAutofit/>
-          </a:bodyPr>
-          <a:lstStyle/>
-          <a:p>
-            <a:endParaRPr lang="de-AT" sz="3200" b="0" strike="noStrike" spc="-1">
-              <a:latin typeface="Arial"/>
-            </a:endParaRPr>
-          </a:p>
-        </p:txBody>
-      </p:sp>
-      <p:sp>
-        <p:nvSpPr>
-          <p:cNvPr id="123" name="PlaceHolder 4"/>
-          <p:cNvSpPr>
-            <a:spLocks noGrp="1"/>
-          </p:cNvSpPr>
-          <p:nvPr>
-            <p:ph type="body"/>
-          </p:nvPr>
-        </p:nvSpPr>
-        <p:spPr>
-          <a:xfrm>
-            <a:off x="6022080" y="1604520"/>
-            <a:ext cx="2649600" cy="1896840"/>
-          </a:xfrm>
-          <a:prstGeom prst="rect">
-            <a:avLst/>
-          </a:prstGeom>
-        </p:spPr>
-        <p:txBody>
-          <a:bodyPr lIns="0" tIns="0" rIns="0" bIns="0">
-            <a:normAutofit/>
-          </a:bodyPr>
-          <a:lstStyle/>
-          <a:p>
-            <a:endParaRPr lang="de-AT" sz="3200" b="0" strike="noStrike" spc="-1">
-              <a:latin typeface="Arial"/>
-            </a:endParaRPr>
-          </a:p>
-        </p:txBody>
-      </p:sp>
-      <p:sp>
-        <p:nvSpPr>
-          <p:cNvPr id="124" name="PlaceHolder 5"/>
-          <p:cNvSpPr>
-            <a:spLocks noGrp="1"/>
-          </p:cNvSpPr>
-          <p:nvPr>
-            <p:ph type="body"/>
-          </p:nvPr>
-        </p:nvSpPr>
-        <p:spPr>
-          <a:xfrm>
-            <a:off x="457200" y="3682080"/>
-            <a:ext cx="2649600" cy="1896840"/>
-          </a:xfrm>
-          <a:prstGeom prst="rect">
-            <a:avLst/>
-          </a:prstGeom>
-        </p:spPr>
-        <p:txBody>
-          <a:bodyPr lIns="0" tIns="0" rIns="0" bIns="0">
-            <a:normAutofit/>
-          </a:bodyPr>
-          <a:lstStyle/>
-          <a:p>
-            <a:endParaRPr lang="de-AT" sz="3200" b="0" strike="noStrike" spc="-1">
-              <a:latin typeface="Arial"/>
-            </a:endParaRPr>
-          </a:p>
-        </p:txBody>
-      </p:sp>
-      <p:sp>
-        <p:nvSpPr>
-          <p:cNvPr id="125" name="PlaceHolder 6"/>
-          <p:cNvSpPr>
-            <a:spLocks noGrp="1"/>
-          </p:cNvSpPr>
-          <p:nvPr>
-            <p:ph type="body"/>
-          </p:nvPr>
-        </p:nvSpPr>
-        <p:spPr>
-          <a:xfrm>
-            <a:off x="3239640" y="3682080"/>
-            <a:ext cx="2649600" cy="1896840"/>
-          </a:xfrm>
-          <a:prstGeom prst="rect">
-            <a:avLst/>
-          </a:prstGeom>
-        </p:spPr>
-        <p:txBody>
-          <a:bodyPr lIns="0" tIns="0" rIns="0" bIns="0">
-            <a:normAutofit/>
-          </a:bodyPr>
-          <a:lstStyle/>
-          <a:p>
-            <a:endParaRPr lang="de-AT" sz="3200" b="0" strike="noStrike" spc="-1">
-              <a:latin typeface="Arial"/>
-            </a:endParaRPr>
-          </a:p>
-        </p:txBody>
-      </p:sp>
-      <p:sp>
-        <p:nvSpPr>
-          <p:cNvPr id="126" name="PlaceHolder 7"/>
-          <p:cNvSpPr>
-            <a:spLocks noGrp="1"/>
-          </p:cNvSpPr>
-          <p:nvPr>
-            <p:ph type="body"/>
-          </p:nvPr>
-        </p:nvSpPr>
-        <p:spPr>
-          <a:xfrm>
-            <a:off x="6022080" y="3682080"/>
-            <a:ext cx="2649600" cy="1896840"/>
           </a:xfrm>
           <a:prstGeom prst="rect">
             <a:avLst/>
@@ -12109,18 +10680,11 @@
               </a:lnSpc>
             </a:pPr>
             <a:r>
-              <a:rPr lang="en-CA" sz="1050" b="0" strike="noStrike" spc="-1">
-                <a:solidFill>
-                  <a:srgbClr val="000000"/>
-                </a:solidFill>
-                <a:latin typeface="Calibri"/>
-                <a:ea typeface="DejaVu Sans"/>
-              </a:rPr>
-              <a:t>12</a:t>
-            </a:r>
-            <a:endParaRPr lang="de-AT" sz="1050" b="0" strike="noStrike" spc="-1">
-              <a:latin typeface="Arial"/>
-            </a:endParaRPr>
+              <a:rPr lang="de-AT" sz="1050" b="0" strike="noStrike" spc="-1" dirty="0">
+                <a:latin typeface="Arial"/>
+              </a:rPr>
+              <a:t>26</a:t>
+            </a:r>
           </a:p>
         </p:txBody>
       </p:sp>
@@ -12334,629 +10898,6 @@
     <p:sldLayoutId id="2147483671" r:id="rId10"/>
     <p:sldLayoutId id="2147483672" r:id="rId11"/>
     <p:sldLayoutId id="2147483673" r:id="rId12"/>
-  </p:sldLayoutIdLst>
-  <p:txStyles>
-    <p:titleStyle>
-      <a:lvl1pPr algn="l" defTabSz="914400" rtl="0" eaLnBrk="1" latinLnBrk="0" hangingPunct="1">
-        <a:lnSpc>
-          <a:spcPct val="90000"/>
-        </a:lnSpc>
-        <a:spcBef>
-          <a:spcPct val="0"/>
-        </a:spcBef>
-        <a:buNone/>
-        <a:defRPr sz="4400" kern="1200">
-          <a:solidFill>
-            <a:schemeClr val="tx1"/>
-          </a:solidFill>
-          <a:latin typeface="+mj-lt"/>
-          <a:ea typeface="+mj-ea"/>
-          <a:cs typeface="+mj-cs"/>
-        </a:defRPr>
-      </a:lvl1pPr>
-    </p:titleStyle>
-    <p:bodyStyle>
-      <a:lvl1pPr marL="228600" indent="-228600" algn="l" defTabSz="914400" rtl="0" eaLnBrk="1" latinLnBrk="0" hangingPunct="1">
-        <a:lnSpc>
-          <a:spcPct val="90000"/>
-        </a:lnSpc>
-        <a:spcBef>
-          <a:spcPts val="1000"/>
-        </a:spcBef>
-        <a:buFont typeface="Arial" panose="020B0604020202020204" pitchFamily="34" charset="0"/>
-        <a:buChar char="•"/>
-        <a:defRPr sz="2800" kern="1200">
-          <a:solidFill>
-            <a:schemeClr val="tx1"/>
-          </a:solidFill>
-          <a:latin typeface="+mn-lt"/>
-          <a:ea typeface="+mn-ea"/>
-          <a:cs typeface="+mn-cs"/>
-        </a:defRPr>
-      </a:lvl1pPr>
-      <a:lvl2pPr marL="685800" indent="-228600" algn="l" defTabSz="914400" rtl="0" eaLnBrk="1" latinLnBrk="0" hangingPunct="1">
-        <a:lnSpc>
-          <a:spcPct val="90000"/>
-        </a:lnSpc>
-        <a:spcBef>
-          <a:spcPts val="500"/>
-        </a:spcBef>
-        <a:buFont typeface="Arial" panose="020B0604020202020204" pitchFamily="34" charset="0"/>
-        <a:buChar char="•"/>
-        <a:defRPr sz="2400" kern="1200">
-          <a:solidFill>
-            <a:schemeClr val="tx1"/>
-          </a:solidFill>
-          <a:latin typeface="+mn-lt"/>
-          <a:ea typeface="+mn-ea"/>
-          <a:cs typeface="+mn-cs"/>
-        </a:defRPr>
-      </a:lvl2pPr>
-      <a:lvl3pPr marL="1143000" indent="-228600" algn="l" defTabSz="914400" rtl="0" eaLnBrk="1" latinLnBrk="0" hangingPunct="1">
-        <a:lnSpc>
-          <a:spcPct val="90000"/>
-        </a:lnSpc>
-        <a:spcBef>
-          <a:spcPts val="500"/>
-        </a:spcBef>
-        <a:buFont typeface="Arial" panose="020B0604020202020204" pitchFamily="34" charset="0"/>
-        <a:buChar char="•"/>
-        <a:defRPr sz="2000" kern="1200">
-          <a:solidFill>
-            <a:schemeClr val="tx1"/>
-          </a:solidFill>
-          <a:latin typeface="+mn-lt"/>
-          <a:ea typeface="+mn-ea"/>
-          <a:cs typeface="+mn-cs"/>
-        </a:defRPr>
-      </a:lvl3pPr>
-      <a:lvl4pPr marL="1600200" indent="-228600" algn="l" defTabSz="914400" rtl="0" eaLnBrk="1" latinLnBrk="0" hangingPunct="1">
-        <a:lnSpc>
-          <a:spcPct val="90000"/>
-        </a:lnSpc>
-        <a:spcBef>
-          <a:spcPts val="500"/>
-        </a:spcBef>
-        <a:buFont typeface="Arial" panose="020B0604020202020204" pitchFamily="34" charset="0"/>
-        <a:buChar char="•"/>
-        <a:defRPr sz="1800" kern="1200">
-          <a:solidFill>
-            <a:schemeClr val="tx1"/>
-          </a:solidFill>
-          <a:latin typeface="+mn-lt"/>
-          <a:ea typeface="+mn-ea"/>
-          <a:cs typeface="+mn-cs"/>
-        </a:defRPr>
-      </a:lvl4pPr>
-      <a:lvl5pPr marL="2057400" indent="-228600" algn="l" defTabSz="914400" rtl="0" eaLnBrk="1" latinLnBrk="0" hangingPunct="1">
-        <a:lnSpc>
-          <a:spcPct val="90000"/>
-        </a:lnSpc>
-        <a:spcBef>
-          <a:spcPts val="500"/>
-        </a:spcBef>
-        <a:buFont typeface="Arial" panose="020B0604020202020204" pitchFamily="34" charset="0"/>
-        <a:buChar char="•"/>
-        <a:defRPr sz="1800" kern="1200">
-          <a:solidFill>
-            <a:schemeClr val="tx1"/>
-          </a:solidFill>
-          <a:latin typeface="+mn-lt"/>
-          <a:ea typeface="+mn-ea"/>
-          <a:cs typeface="+mn-cs"/>
-        </a:defRPr>
-      </a:lvl5pPr>
-      <a:lvl6pPr marL="2514600" indent="-228600" algn="l" defTabSz="914400" rtl="0" eaLnBrk="1" latinLnBrk="0" hangingPunct="1">
-        <a:lnSpc>
-          <a:spcPct val="90000"/>
-        </a:lnSpc>
-        <a:spcBef>
-          <a:spcPts val="500"/>
-        </a:spcBef>
-        <a:buFont typeface="Arial" panose="020B0604020202020204" pitchFamily="34" charset="0"/>
-        <a:buChar char="•"/>
-        <a:defRPr sz="1800" kern="1200">
-          <a:solidFill>
-            <a:schemeClr val="tx1"/>
-          </a:solidFill>
-          <a:latin typeface="+mn-lt"/>
-          <a:ea typeface="+mn-ea"/>
-          <a:cs typeface="+mn-cs"/>
-        </a:defRPr>
-      </a:lvl6pPr>
-      <a:lvl7pPr marL="2971800" indent="-228600" algn="l" defTabSz="914400" rtl="0" eaLnBrk="1" latinLnBrk="0" hangingPunct="1">
-        <a:lnSpc>
-          <a:spcPct val="90000"/>
-        </a:lnSpc>
-        <a:spcBef>
-          <a:spcPts val="500"/>
-        </a:spcBef>
-        <a:buFont typeface="Arial" panose="020B0604020202020204" pitchFamily="34" charset="0"/>
-        <a:buChar char="•"/>
-        <a:defRPr sz="1800" kern="1200">
-          <a:solidFill>
-            <a:schemeClr val="tx1"/>
-          </a:solidFill>
-          <a:latin typeface="+mn-lt"/>
-          <a:ea typeface="+mn-ea"/>
-          <a:cs typeface="+mn-cs"/>
-        </a:defRPr>
-      </a:lvl7pPr>
-      <a:lvl8pPr marL="3429000" indent="-228600" algn="l" defTabSz="914400" rtl="0" eaLnBrk="1" latinLnBrk="0" hangingPunct="1">
-        <a:lnSpc>
-          <a:spcPct val="90000"/>
-        </a:lnSpc>
-        <a:spcBef>
-          <a:spcPts val="500"/>
-        </a:spcBef>
-        <a:buFont typeface="Arial" panose="020B0604020202020204" pitchFamily="34" charset="0"/>
-        <a:buChar char="•"/>
-        <a:defRPr sz="1800" kern="1200">
-          <a:solidFill>
-            <a:schemeClr val="tx1"/>
-          </a:solidFill>
-          <a:latin typeface="+mn-lt"/>
-          <a:ea typeface="+mn-ea"/>
-          <a:cs typeface="+mn-cs"/>
-        </a:defRPr>
-      </a:lvl8pPr>
-      <a:lvl9pPr marL="3886200" indent="-228600" algn="l" defTabSz="914400" rtl="0" eaLnBrk="1" latinLnBrk="0" hangingPunct="1">
-        <a:lnSpc>
-          <a:spcPct val="90000"/>
-        </a:lnSpc>
-        <a:spcBef>
-          <a:spcPts val="500"/>
-        </a:spcBef>
-        <a:buFont typeface="Arial" panose="020B0604020202020204" pitchFamily="34" charset="0"/>
-        <a:buChar char="•"/>
-        <a:defRPr sz="1800" kern="1200">
-          <a:solidFill>
-            <a:schemeClr val="tx1"/>
-          </a:solidFill>
-          <a:latin typeface="+mn-lt"/>
-          <a:ea typeface="+mn-ea"/>
-          <a:cs typeface="+mn-cs"/>
-        </a:defRPr>
-      </a:lvl9pPr>
-    </p:bodyStyle>
-    <p:otherStyle>
-      <a:defPPr>
-        <a:defRPr lang="de-DE"/>
-      </a:defPPr>
-      <a:lvl1pPr marL="0" algn="l" defTabSz="914400" rtl="0" eaLnBrk="1" latinLnBrk="0" hangingPunct="1">
-        <a:defRPr sz="1800" kern="1200">
-          <a:solidFill>
-            <a:schemeClr val="tx1"/>
-          </a:solidFill>
-          <a:latin typeface="+mn-lt"/>
-          <a:ea typeface="+mn-ea"/>
-          <a:cs typeface="+mn-cs"/>
-        </a:defRPr>
-      </a:lvl1pPr>
-      <a:lvl2pPr marL="457200" algn="l" defTabSz="914400" rtl="0" eaLnBrk="1" latinLnBrk="0" hangingPunct="1">
-        <a:defRPr sz="1800" kern="1200">
-          <a:solidFill>
-            <a:schemeClr val="tx1"/>
-          </a:solidFill>
-          <a:latin typeface="+mn-lt"/>
-          <a:ea typeface="+mn-ea"/>
-          <a:cs typeface="+mn-cs"/>
-        </a:defRPr>
-      </a:lvl2pPr>
-      <a:lvl3pPr marL="914400" algn="l" defTabSz="914400" rtl="0" eaLnBrk="1" latinLnBrk="0" hangingPunct="1">
-        <a:defRPr sz="1800" kern="1200">
-          <a:solidFill>
-            <a:schemeClr val="tx1"/>
-          </a:solidFill>
-          <a:latin typeface="+mn-lt"/>
-          <a:ea typeface="+mn-ea"/>
-          <a:cs typeface="+mn-cs"/>
-        </a:defRPr>
-      </a:lvl3pPr>
-      <a:lvl4pPr marL="1371600" algn="l" defTabSz="914400" rtl="0" eaLnBrk="1" latinLnBrk="0" hangingPunct="1">
-        <a:defRPr sz="1800" kern="1200">
-          <a:solidFill>
-            <a:schemeClr val="tx1"/>
-          </a:solidFill>
-          <a:latin typeface="+mn-lt"/>
-          <a:ea typeface="+mn-ea"/>
-          <a:cs typeface="+mn-cs"/>
-        </a:defRPr>
-      </a:lvl4pPr>
-      <a:lvl5pPr marL="1828800" algn="l" defTabSz="914400" rtl="0" eaLnBrk="1" latinLnBrk="0" hangingPunct="1">
-        <a:defRPr sz="1800" kern="1200">
-          <a:solidFill>
-            <a:schemeClr val="tx1"/>
-          </a:solidFill>
-          <a:latin typeface="+mn-lt"/>
-          <a:ea typeface="+mn-ea"/>
-          <a:cs typeface="+mn-cs"/>
-        </a:defRPr>
-      </a:lvl5pPr>
-      <a:lvl6pPr marL="2286000" algn="l" defTabSz="914400" rtl="0" eaLnBrk="1" latinLnBrk="0" hangingPunct="1">
-        <a:defRPr sz="1800" kern="1200">
-          <a:solidFill>
-            <a:schemeClr val="tx1"/>
-          </a:solidFill>
-          <a:latin typeface="+mn-lt"/>
-          <a:ea typeface="+mn-ea"/>
-          <a:cs typeface="+mn-cs"/>
-        </a:defRPr>
-      </a:lvl6pPr>
-      <a:lvl7pPr marL="2743200" algn="l" defTabSz="914400" rtl="0" eaLnBrk="1" latinLnBrk="0" hangingPunct="1">
-        <a:defRPr sz="1800" kern="1200">
-          <a:solidFill>
-            <a:schemeClr val="tx1"/>
-          </a:solidFill>
-          <a:latin typeface="+mn-lt"/>
-          <a:ea typeface="+mn-ea"/>
-          <a:cs typeface="+mn-cs"/>
-        </a:defRPr>
-      </a:lvl7pPr>
-      <a:lvl8pPr marL="3200400" algn="l" defTabSz="914400" rtl="0" eaLnBrk="1" latinLnBrk="0" hangingPunct="1">
-        <a:defRPr sz="1800" kern="1200">
-          <a:solidFill>
-            <a:schemeClr val="tx1"/>
-          </a:solidFill>
-          <a:latin typeface="+mn-lt"/>
-          <a:ea typeface="+mn-ea"/>
-          <a:cs typeface="+mn-cs"/>
-        </a:defRPr>
-      </a:lvl8pPr>
-      <a:lvl9pPr marL="3657600" algn="l" defTabSz="914400" rtl="0" eaLnBrk="1" latinLnBrk="0" hangingPunct="1">
-        <a:defRPr sz="1800" kern="1200">
-          <a:solidFill>
-            <a:schemeClr val="tx1"/>
-          </a:solidFill>
-          <a:latin typeface="+mn-lt"/>
-          <a:ea typeface="+mn-ea"/>
-          <a:cs typeface="+mn-cs"/>
-        </a:defRPr>
-      </a:lvl9pPr>
-    </p:otherStyle>
-  </p:txStyles>
-</p:sldMaster>
-</file>
-
-<file path=ppt/slideMasters/slideMaster3.xml><?xml version="1.0" encoding="utf-8"?>
-<p:sldMaster xmlns:a="http://schemas.openxmlformats.org/drawingml/2006/main" xmlns:r="http://schemas.openxmlformats.org/officeDocument/2006/relationships" xmlns:p="http://schemas.openxmlformats.org/presentationml/2006/main">
-  <p:cSld>
-    <p:bg>
-      <p:bgPr>
-        <a:solidFill>
-          <a:srgbClr val="FFFFFF"/>
-        </a:solidFill>
-        <a:effectLst/>
-      </p:bgPr>
-    </p:bg>
-    <p:spTree>
-      <p:nvGrpSpPr>
-        <p:cNvPr id="1" name=""/>
-        <p:cNvGrpSpPr/>
-        <p:nvPr/>
-      </p:nvGrpSpPr>
-      <p:grpSpPr>
-        <a:xfrm>
-          <a:off x="0" y="0"/>
-          <a:ext cx="0" cy="0"/>
-          <a:chOff x="0" y="0"/>
-          <a:chExt cx="0" cy="0"/>
-        </a:xfrm>
-      </p:grpSpPr>
-      <p:pic>
-        <p:nvPicPr>
-          <p:cNvPr id="86" name="Picture 7"/>
-          <p:cNvPicPr/>
-          <p:nvPr/>
-        </p:nvPicPr>
-        <p:blipFill>
-          <a:blip r:embed="rId14"/>
-          <a:srcRect l="-2" r="-6522"/>
-          <a:stretch/>
-        </p:blipFill>
-        <p:spPr>
-          <a:xfrm>
-            <a:off x="127440" y="6338880"/>
-            <a:ext cx="1219320" cy="433080"/>
-          </a:xfrm>
-          <a:prstGeom prst="rect">
-            <a:avLst/>
-          </a:prstGeom>
-          <a:ln>
-            <a:noFill/>
-          </a:ln>
-        </p:spPr>
-      </p:pic>
-      <p:pic>
-        <p:nvPicPr>
-          <p:cNvPr id="87" name="Picture 17"/>
-          <p:cNvPicPr/>
-          <p:nvPr/>
-        </p:nvPicPr>
-        <p:blipFill>
-          <a:blip r:embed="rId15"/>
-          <a:stretch/>
-        </p:blipFill>
-        <p:spPr>
-          <a:xfrm>
-            <a:off x="7405560" y="6341400"/>
-            <a:ext cx="1585440" cy="441720"/>
-          </a:xfrm>
-          <a:prstGeom prst="rect">
-            <a:avLst/>
-          </a:prstGeom>
-          <a:ln>
-            <a:noFill/>
-          </a:ln>
-        </p:spPr>
-      </p:pic>
-      <p:sp>
-        <p:nvSpPr>
-          <p:cNvPr id="88" name="CustomShape 1"/>
-          <p:cNvSpPr/>
-          <p:nvPr/>
-        </p:nvSpPr>
-        <p:spPr>
-          <a:xfrm>
-            <a:off x="4392720" y="6415200"/>
-            <a:ext cx="352800" cy="356760"/>
-          </a:xfrm>
-          <a:prstGeom prst="rect">
-            <a:avLst/>
-          </a:prstGeom>
-          <a:noFill/>
-          <a:ln>
-            <a:noFill/>
-          </a:ln>
-        </p:spPr>
-        <p:style>
-          <a:lnRef idx="0">
-            <a:scrgbClr r="0" g="0" b="0"/>
-          </a:lnRef>
-          <a:fillRef idx="0">
-            <a:scrgbClr r="0" g="0" b="0"/>
-          </a:fillRef>
-          <a:effectRef idx="0">
-            <a:scrgbClr r="0" g="0" b="0"/>
-          </a:effectRef>
-          <a:fontRef idx="minor"/>
-        </p:style>
-        <p:txBody>
-          <a:bodyPr lIns="90000" tIns="45000" rIns="90000" bIns="45000" anchor="ctr">
-            <a:noAutofit/>
-          </a:bodyPr>
-          <a:lstStyle/>
-          <a:p>
-            <a:pPr algn="r">
-              <a:lnSpc>
-                <a:spcPct val="100000"/>
-              </a:lnSpc>
-            </a:pPr>
-            <a:r>
-              <a:rPr lang="en-CA" sz="1050" b="0" strike="noStrike" spc="-1">
-                <a:solidFill>
-                  <a:srgbClr val="000000"/>
-                </a:solidFill>
-                <a:latin typeface="Calibri"/>
-                <a:ea typeface="DejaVu Sans"/>
-              </a:rPr>
-              <a:t>12</a:t>
-            </a:r>
-            <a:endParaRPr lang="de-AT" sz="1050" b="0" strike="noStrike" spc="-1">
-              <a:latin typeface="Arial"/>
-            </a:endParaRPr>
-          </a:p>
-        </p:txBody>
-      </p:sp>
-      <p:sp>
-        <p:nvSpPr>
-          <p:cNvPr id="89" name="PlaceHolder 2"/>
-          <p:cNvSpPr>
-            <a:spLocks noGrp="1"/>
-          </p:cNvSpPr>
-          <p:nvPr>
-            <p:ph type="title"/>
-          </p:nvPr>
-        </p:nvSpPr>
-        <p:spPr>
-          <a:xfrm>
-            <a:off x="822960" y="1385640"/>
-            <a:ext cx="7543080" cy="4147200"/>
-          </a:xfrm>
-          <a:prstGeom prst="rect">
-            <a:avLst/>
-          </a:prstGeom>
-        </p:spPr>
-        <p:txBody>
-          <a:bodyPr lIns="0" tIns="0" rIns="0" bIns="0" anchor="ctr">
-            <a:noAutofit/>
-          </a:bodyPr>
-          <a:lstStyle/>
-          <a:p>
-            <a:r>
-              <a:rPr lang="de-AT" sz="1800" b="0" strike="noStrike" spc="-1">
-                <a:latin typeface="Arial"/>
-              </a:rPr>
-              <a:t>Format des Titeltextes durch Klicken bearbeiten</a:t>
-            </a:r>
-          </a:p>
-        </p:txBody>
-      </p:sp>
-      <p:sp>
-        <p:nvSpPr>
-          <p:cNvPr id="90" name="PlaceHolder 3"/>
-          <p:cNvSpPr>
-            <a:spLocks noGrp="1"/>
-          </p:cNvSpPr>
-          <p:nvPr>
-            <p:ph type="body"/>
-          </p:nvPr>
-        </p:nvSpPr>
-        <p:spPr>
-          <a:xfrm>
-            <a:off x="457200" y="1604520"/>
-            <a:ext cx="8229240" cy="3977280"/>
-          </a:xfrm>
-          <a:prstGeom prst="rect">
-            <a:avLst/>
-          </a:prstGeom>
-        </p:spPr>
-        <p:txBody>
-          <a:bodyPr lIns="0" tIns="0" rIns="0" bIns="0">
-            <a:normAutofit/>
-          </a:bodyPr>
-          <a:lstStyle/>
-          <a:p>
-            <a:pPr marL="432000" indent="-324000">
-              <a:spcBef>
-                <a:spcPts val="1417"/>
-              </a:spcBef>
-              <a:buClr>
-                <a:srgbClr val="000000"/>
-              </a:buClr>
-              <a:buSzPct val="45000"/>
-              <a:buFont typeface="Wingdings" charset="2"/>
-              <a:buChar char=""/>
-            </a:pPr>
-            <a:r>
-              <a:rPr lang="de-AT" sz="3200" b="0" strike="noStrike" spc="-1">
-                <a:latin typeface="Arial"/>
-              </a:rPr>
-              <a:t>Format des Gliederungstextes durch Klicken bearbeiten</a:t>
-            </a:r>
-          </a:p>
-          <a:p>
-            <a:pPr marL="864000" lvl="1" indent="-324000">
-              <a:spcBef>
-                <a:spcPts val="1134"/>
-              </a:spcBef>
-              <a:buClr>
-                <a:srgbClr val="000000"/>
-              </a:buClr>
-              <a:buSzPct val="75000"/>
-              <a:buFont typeface="Symbol" charset="2"/>
-              <a:buChar char=""/>
-            </a:pPr>
-            <a:r>
-              <a:rPr lang="de-AT" sz="2800" b="0" strike="noStrike" spc="-1">
-                <a:latin typeface="Arial"/>
-              </a:rPr>
-              <a:t>Zweite Gliederungsebene</a:t>
-            </a:r>
-          </a:p>
-          <a:p>
-            <a:pPr marL="1296000" lvl="2" indent="-288000">
-              <a:spcBef>
-                <a:spcPts val="850"/>
-              </a:spcBef>
-              <a:buClr>
-                <a:srgbClr val="000000"/>
-              </a:buClr>
-              <a:buSzPct val="45000"/>
-              <a:buFont typeface="Wingdings" charset="2"/>
-              <a:buChar char=""/>
-            </a:pPr>
-            <a:r>
-              <a:rPr lang="de-AT" sz="2400" b="0" strike="noStrike" spc="-1">
-                <a:latin typeface="Arial"/>
-              </a:rPr>
-              <a:t>Dritte Gliederungsebene</a:t>
-            </a:r>
-          </a:p>
-          <a:p>
-            <a:pPr marL="1728000" lvl="3" indent="-216000">
-              <a:spcBef>
-                <a:spcPts val="567"/>
-              </a:spcBef>
-              <a:buClr>
-                <a:srgbClr val="000000"/>
-              </a:buClr>
-              <a:buSzPct val="75000"/>
-              <a:buFont typeface="Symbol" charset="2"/>
-              <a:buChar char=""/>
-            </a:pPr>
-            <a:r>
-              <a:rPr lang="de-AT" sz="2000" b="0" strike="noStrike" spc="-1">
-                <a:latin typeface="Arial"/>
-              </a:rPr>
-              <a:t>Vierte Gliederungsebene</a:t>
-            </a:r>
-          </a:p>
-          <a:p>
-            <a:pPr marL="2160000" lvl="4" indent="-216000">
-              <a:spcBef>
-                <a:spcPts val="283"/>
-              </a:spcBef>
-              <a:buClr>
-                <a:srgbClr val="000000"/>
-              </a:buClr>
-              <a:buSzPct val="45000"/>
-              <a:buFont typeface="Wingdings" charset="2"/>
-              <a:buChar char=""/>
-            </a:pPr>
-            <a:r>
-              <a:rPr lang="de-AT" sz="2000" b="0" strike="noStrike" spc="-1">
-                <a:latin typeface="Arial"/>
-              </a:rPr>
-              <a:t>Fünfte Gliederungsebene</a:t>
-            </a:r>
-          </a:p>
-          <a:p>
-            <a:pPr marL="2592000" lvl="5" indent="-216000">
-              <a:spcBef>
-                <a:spcPts val="283"/>
-              </a:spcBef>
-              <a:buClr>
-                <a:srgbClr val="000000"/>
-              </a:buClr>
-              <a:buSzPct val="45000"/>
-              <a:buFont typeface="Wingdings" charset="2"/>
-              <a:buChar char=""/>
-            </a:pPr>
-            <a:r>
-              <a:rPr lang="de-AT" sz="2000" b="0" strike="noStrike" spc="-1">
-                <a:latin typeface="Arial"/>
-              </a:rPr>
-              <a:t>Sechste Gliederungsebene</a:t>
-            </a:r>
-          </a:p>
-          <a:p>
-            <a:pPr marL="3024000" lvl="6" indent="-216000">
-              <a:spcBef>
-                <a:spcPts val="283"/>
-              </a:spcBef>
-              <a:buClr>
-                <a:srgbClr val="000000"/>
-              </a:buClr>
-              <a:buSzPct val="45000"/>
-              <a:buFont typeface="Wingdings" charset="2"/>
-              <a:buChar char=""/>
-            </a:pPr>
-            <a:r>
-              <a:rPr lang="de-AT" sz="2000" b="0" strike="noStrike" spc="-1">
-                <a:latin typeface="Arial"/>
-              </a:rPr>
-              <a:t>Siebte Gliederungsebene</a:t>
-            </a:r>
-          </a:p>
-        </p:txBody>
-      </p:sp>
-    </p:spTree>
-  </p:cSld>
-  <p:clrMap bg1="lt1" tx1="dk1" bg2="lt2" tx2="dk2" accent1="accent1" accent2="accent2" accent3="accent3" accent4="accent4" accent5="accent5" accent6="accent6" hlink="hlink" folHlink="folHlink"/>
-  <p:sldLayoutIdLst>
-    <p:sldLayoutId id="2147483675" r:id="rId1"/>
-    <p:sldLayoutId id="2147483676" r:id="rId2"/>
-    <p:sldLayoutId id="2147483677" r:id="rId3"/>
-    <p:sldLayoutId id="2147483678" r:id="rId4"/>
-    <p:sldLayoutId id="2147483679" r:id="rId5"/>
-    <p:sldLayoutId id="2147483680" r:id="rId6"/>
-    <p:sldLayoutId id="2147483681" r:id="rId7"/>
-    <p:sldLayoutId id="2147483682" r:id="rId8"/>
-    <p:sldLayoutId id="2147483683" r:id="rId9"/>
-    <p:sldLayoutId id="2147483684" r:id="rId10"/>
-    <p:sldLayoutId id="2147483685" r:id="rId11"/>
-    <p:sldLayoutId id="2147483686" r:id="rId12"/>
   </p:sldLayoutIdLst>
   <p:txStyles>
     <p:titleStyle>
@@ -17282,85 +15223,241 @@
               </a:spcBef>
             </a:pPr>
             <a:r>
-              <a:rPr lang="de-DE" sz="2000" b="0" strike="noStrike" spc="-1">
-                <a:solidFill>
-                  <a:srgbClr val="000000"/>
-                </a:solidFill>
-                <a:latin typeface="Arial"/>
-                <a:ea typeface="DejaVu Sans"/>
-              </a:rPr>
-              <a:t>Example: </a:t>
-            </a:r>
-            <a:endParaRPr lang="de-AT" sz="2000" b="0" strike="noStrike" spc="-1">
-              <a:latin typeface="Arial"/>
-            </a:endParaRPr>
-          </a:p>
-          <a:p>
-            <a:pPr marL="108360">
+              <a:rPr lang="de-DE" sz="2000" b="0" strike="noStrike" spc="-1" dirty="0" err="1">
+                <a:solidFill>
+                  <a:srgbClr val="000000"/>
+                </a:solidFill>
+                <a:latin typeface="Arial"/>
+                <a:ea typeface="DejaVu Sans"/>
+              </a:rPr>
+              <a:t>Example</a:t>
+            </a:r>
+            <a:r>
+              <a:rPr lang="de-DE" sz="2000" b="0" strike="noStrike" spc="-1" dirty="0">
+                <a:solidFill>
+                  <a:srgbClr val="000000"/>
+                </a:solidFill>
+                <a:latin typeface="Arial"/>
+                <a:ea typeface="DejaVu Sans"/>
+              </a:rPr>
+              <a:t>: </a:t>
+            </a:r>
+            <a:endParaRPr lang="de-AT" sz="2000" b="0" strike="noStrike" spc="-1" dirty="0">
+              <a:latin typeface="Arial"/>
+            </a:endParaRPr>
+          </a:p>
+          <a:p>
+            <a:pPr marL="451260" indent="-342900">
               <a:lnSpc>
                 <a:spcPct val="100000"/>
               </a:lnSpc>
               <a:spcBef>
                 <a:spcPts val="1417"/>
               </a:spcBef>
-            </a:pPr>
-            <a:r>
-              <a:rPr lang="de-DE" sz="2000" b="0" strike="noStrike" spc="-1">
-                <a:solidFill>
-                  <a:srgbClr val="000000"/>
-                </a:solidFill>
-                <a:latin typeface="Arial"/>
-                <a:ea typeface="DejaVu Sans"/>
-              </a:rPr>
-              <a:t>* 8 bit full adder</a:t>
-            </a:r>
-            <a:endParaRPr lang="de-AT" sz="2000" b="0" strike="noStrike" spc="-1">
-              <a:latin typeface="Arial"/>
-            </a:endParaRPr>
-          </a:p>
-          <a:p>
-            <a:pPr marL="108360">
+              <a:buFont typeface="Arial" panose="020B0604020202020204" pitchFamily="34" charset="0"/>
+              <a:buChar char="•"/>
+            </a:pPr>
+            <a:r>
+              <a:rPr lang="de-DE" sz="2000" b="0" strike="noStrike" spc="-1" dirty="0">
+                <a:solidFill>
+                  <a:srgbClr val="000000"/>
+                </a:solidFill>
+                <a:latin typeface="Arial"/>
+                <a:ea typeface="DejaVu Sans"/>
+              </a:rPr>
+              <a:t>8 </a:t>
+            </a:r>
+            <a:r>
+              <a:rPr lang="de-DE" sz="2000" b="0" strike="noStrike" spc="-1" dirty="0" err="1">
+                <a:solidFill>
+                  <a:srgbClr val="000000"/>
+                </a:solidFill>
+                <a:latin typeface="Arial"/>
+                <a:ea typeface="DejaVu Sans"/>
+              </a:rPr>
+              <a:t>bit</a:t>
+            </a:r>
+            <a:r>
+              <a:rPr lang="de-DE" sz="2000" b="0" strike="noStrike" spc="-1" dirty="0">
+                <a:solidFill>
+                  <a:srgbClr val="000000"/>
+                </a:solidFill>
+                <a:latin typeface="Arial"/>
+                <a:ea typeface="DejaVu Sans"/>
+              </a:rPr>
+              <a:t> </a:t>
+            </a:r>
+            <a:r>
+              <a:rPr lang="de-DE" sz="2000" b="0" strike="noStrike" spc="-1" dirty="0" err="1">
+                <a:solidFill>
+                  <a:srgbClr val="000000"/>
+                </a:solidFill>
+                <a:latin typeface="Arial"/>
+                <a:ea typeface="DejaVu Sans"/>
+              </a:rPr>
+              <a:t>full</a:t>
+            </a:r>
+            <a:r>
+              <a:rPr lang="de-DE" sz="2000" b="0" strike="noStrike" spc="-1" dirty="0">
+                <a:solidFill>
+                  <a:srgbClr val="000000"/>
+                </a:solidFill>
+                <a:latin typeface="Arial"/>
+                <a:ea typeface="DejaVu Sans"/>
+              </a:rPr>
+              <a:t> </a:t>
+            </a:r>
+            <a:r>
+              <a:rPr lang="de-DE" sz="2000" b="0" strike="noStrike" spc="-1" dirty="0" err="1">
+                <a:solidFill>
+                  <a:srgbClr val="000000"/>
+                </a:solidFill>
+                <a:latin typeface="Arial"/>
+                <a:ea typeface="DejaVu Sans"/>
+              </a:rPr>
+              <a:t>adder</a:t>
+            </a:r>
+            <a:endParaRPr lang="de-AT" sz="2000" b="0" strike="noStrike" spc="-1" dirty="0">
+              <a:latin typeface="Arial"/>
+            </a:endParaRPr>
+          </a:p>
+          <a:p>
+            <a:pPr marL="451260" indent="-342900">
               <a:lnSpc>
                 <a:spcPct val="100000"/>
               </a:lnSpc>
               <a:spcBef>
                 <a:spcPts val="1417"/>
               </a:spcBef>
-            </a:pPr>
-            <a:r>
-              <a:rPr lang="de-DE" sz="2000" b="0" strike="noStrike" spc="-1">
-                <a:solidFill>
-                  <a:srgbClr val="000000"/>
-                </a:solidFill>
-                <a:latin typeface="Arial"/>
-                <a:ea typeface="DejaVu Sans"/>
-              </a:rPr>
-              <a:t>* 2^(8*2) = 65536 input combinations</a:t>
-            </a:r>
-            <a:endParaRPr lang="de-AT" sz="2000" b="0" strike="noStrike" spc="-1">
-              <a:latin typeface="Arial"/>
-            </a:endParaRPr>
-          </a:p>
-          <a:p>
-            <a:pPr marL="108360">
+              <a:buFont typeface="Arial" panose="020B0604020202020204" pitchFamily="34" charset="0"/>
+              <a:buChar char="•"/>
+            </a:pPr>
+            <a:r>
+              <a:rPr lang="de-DE" sz="2000" b="0" strike="noStrike" spc="-1" dirty="0">
+                <a:solidFill>
+                  <a:srgbClr val="000000"/>
+                </a:solidFill>
+                <a:latin typeface="Arial"/>
+                <a:ea typeface="DejaVu Sans"/>
+              </a:rPr>
+              <a:t>2^(8*2) = 65536 </a:t>
+            </a:r>
+            <a:r>
+              <a:rPr lang="de-DE" sz="2000" b="0" strike="noStrike" spc="-1" dirty="0" err="1">
+                <a:solidFill>
+                  <a:srgbClr val="000000"/>
+                </a:solidFill>
+                <a:latin typeface="Arial"/>
+                <a:ea typeface="DejaVu Sans"/>
+              </a:rPr>
+              <a:t>input</a:t>
+            </a:r>
+            <a:r>
+              <a:rPr lang="de-DE" sz="2000" b="0" strike="noStrike" spc="-1" dirty="0">
+                <a:solidFill>
+                  <a:srgbClr val="000000"/>
+                </a:solidFill>
+                <a:latin typeface="Arial"/>
+                <a:ea typeface="DejaVu Sans"/>
+              </a:rPr>
+              <a:t> </a:t>
+            </a:r>
+            <a:r>
+              <a:rPr lang="de-DE" sz="2000" b="0" strike="noStrike" spc="-1" dirty="0" err="1">
+                <a:solidFill>
+                  <a:srgbClr val="000000"/>
+                </a:solidFill>
+                <a:latin typeface="Arial"/>
+                <a:ea typeface="DejaVu Sans"/>
+              </a:rPr>
+              <a:t>combinations</a:t>
+            </a:r>
+            <a:endParaRPr lang="de-AT" sz="2000" b="0" strike="noStrike" spc="-1" dirty="0">
+              <a:latin typeface="Arial"/>
+            </a:endParaRPr>
+          </a:p>
+          <a:p>
+            <a:pPr marL="451260" indent="-342900">
               <a:lnSpc>
                 <a:spcPct val="100000"/>
               </a:lnSpc>
               <a:spcBef>
                 <a:spcPts val="1417"/>
               </a:spcBef>
-            </a:pPr>
-            <a:r>
-              <a:rPr lang="de-DE" sz="2000" b="0" strike="noStrike" spc="-1">
-                <a:solidFill>
-                  <a:srgbClr val="000000"/>
-                </a:solidFill>
-                <a:latin typeface="Arial"/>
-                <a:ea typeface="DejaVu Sans"/>
-              </a:rPr>
-              <a:t>* BDDs for output bit „1“</a:t>
-            </a:r>
-            <a:endParaRPr lang="de-AT" sz="2000" b="0" strike="noStrike" spc="-1">
+              <a:buFont typeface="Arial" panose="020B0604020202020204" pitchFamily="34" charset="0"/>
+              <a:buChar char="•"/>
+            </a:pPr>
+            <a:r>
+              <a:rPr lang="de-DE" sz="2000" b="0" strike="noStrike" spc="-1" dirty="0">
+                <a:solidFill>
+                  <a:srgbClr val="000000"/>
+                </a:solidFill>
+                <a:latin typeface="Arial"/>
+                <a:ea typeface="DejaVu Sans"/>
+              </a:rPr>
+              <a:t>BDDs </a:t>
+            </a:r>
+            <a:r>
+              <a:rPr lang="de-DE" sz="2000" b="0" strike="noStrike" spc="-1" dirty="0" err="1">
+                <a:solidFill>
+                  <a:srgbClr val="000000"/>
+                </a:solidFill>
+                <a:latin typeface="Arial"/>
+                <a:ea typeface="DejaVu Sans"/>
+              </a:rPr>
+              <a:t>for</a:t>
+            </a:r>
+            <a:r>
+              <a:rPr lang="de-DE" sz="2000" b="0" strike="noStrike" spc="-1" dirty="0">
+                <a:solidFill>
+                  <a:srgbClr val="000000"/>
+                </a:solidFill>
+                <a:latin typeface="Arial"/>
+                <a:ea typeface="DejaVu Sans"/>
+              </a:rPr>
+              <a:t> </a:t>
+            </a:r>
+            <a:r>
+              <a:rPr lang="de-DE" sz="2000" b="0" strike="noStrike" spc="-1" dirty="0" err="1">
+                <a:solidFill>
+                  <a:srgbClr val="000000"/>
+                </a:solidFill>
+                <a:latin typeface="Arial"/>
+                <a:ea typeface="DejaVu Sans"/>
+              </a:rPr>
+              <a:t>output</a:t>
+            </a:r>
+            <a:r>
+              <a:rPr lang="de-DE" sz="2000" b="0" strike="noStrike" spc="-1" dirty="0">
+                <a:solidFill>
+                  <a:srgbClr val="000000"/>
+                </a:solidFill>
+                <a:latin typeface="Arial"/>
+                <a:ea typeface="DejaVu Sans"/>
+              </a:rPr>
+              <a:t> </a:t>
+            </a:r>
+            <a:r>
+              <a:rPr lang="de-DE" sz="2000" b="0" strike="noStrike" spc="-1" dirty="0" err="1">
+                <a:solidFill>
+                  <a:srgbClr val="000000"/>
+                </a:solidFill>
+                <a:latin typeface="Arial"/>
+                <a:ea typeface="DejaVu Sans"/>
+              </a:rPr>
+              <a:t>bit</a:t>
+            </a:r>
+            <a:r>
+              <a:rPr lang="de-DE" sz="2000" b="0" strike="noStrike" spc="-1" dirty="0">
+                <a:solidFill>
+                  <a:srgbClr val="000000"/>
+                </a:solidFill>
+                <a:latin typeface="Arial"/>
+                <a:ea typeface="DejaVu Sans"/>
+              </a:rPr>
+              <a:t> „1“</a:t>
+            </a:r>
+            <a:endParaRPr lang="de-AT" sz="2000" b="0" strike="noStrike" spc="-1" dirty="0">
               <a:latin typeface="Arial"/>
             </a:endParaRPr>
           </a:p>
@@ -17373,7 +15470,7 @@
                 <a:spcPts val="1417"/>
               </a:spcBef>
             </a:pPr>
-            <a:endParaRPr lang="de-AT" sz="2000" b="0" strike="noStrike" spc="-1">
+            <a:endParaRPr lang="de-AT" sz="2000" b="0" strike="noStrike" spc="-1" dirty="0">
               <a:latin typeface="Arial"/>
             </a:endParaRPr>
           </a:p>
@@ -17387,7 +15484,7 @@
               </a:spcBef>
             </a:pPr>
             <a:r>
-              <a:rPr lang="de-DE" sz="2000" b="0" strike="noStrike" spc="-1">
+              <a:rPr lang="de-DE" sz="2000" b="0" strike="noStrike" spc="-1" dirty="0">
                 <a:solidFill>
                   <a:srgbClr val="000000"/>
                 </a:solidFill>
@@ -17397,16 +15494,46 @@
               <a:t></a:t>
             </a:r>
             <a:r>
-              <a:rPr lang="de-DE" sz="2000" b="0" strike="noStrike" spc="-1">
-                <a:solidFill>
-                  <a:srgbClr val="000000"/>
-                </a:solidFill>
-                <a:latin typeface="Arial"/>
-                <a:ea typeface="DejaVu Sans"/>
-              </a:rPr>
-              <a:t> Approximate: 31 nodes</a:t>
-            </a:r>
-            <a:endParaRPr lang="de-AT" sz="2000" b="0" strike="noStrike" spc="-1">
+              <a:rPr lang="de-DE" sz="2000" b="0" strike="noStrike" spc="-1" dirty="0">
+                <a:solidFill>
+                  <a:srgbClr val="000000"/>
+                </a:solidFill>
+                <a:latin typeface="Arial"/>
+                <a:ea typeface="DejaVu Sans"/>
+              </a:rPr>
+              <a:t> </a:t>
+            </a:r>
+            <a:r>
+              <a:rPr lang="de-DE" sz="2000" b="0" strike="noStrike" spc="-1" dirty="0" err="1">
+                <a:solidFill>
+                  <a:srgbClr val="000000"/>
+                </a:solidFill>
+                <a:latin typeface="Arial"/>
+                <a:ea typeface="DejaVu Sans"/>
+              </a:rPr>
+              <a:t>Approximate</a:t>
+            </a:r>
+            <a:r>
+              <a:rPr lang="de-DE" sz="2000" b="0" strike="noStrike" spc="-1" dirty="0">
+                <a:solidFill>
+                  <a:srgbClr val="000000"/>
+                </a:solidFill>
+                <a:latin typeface="Arial"/>
+                <a:ea typeface="DejaVu Sans"/>
+              </a:rPr>
+              <a:t>: 31 </a:t>
+            </a:r>
+            <a:r>
+              <a:rPr lang="de-DE" sz="2000" b="0" strike="noStrike" spc="-1" dirty="0" err="1">
+                <a:solidFill>
+                  <a:srgbClr val="000000"/>
+                </a:solidFill>
+                <a:latin typeface="Arial"/>
+                <a:ea typeface="DejaVu Sans"/>
+              </a:rPr>
+              <a:t>nodes</a:t>
+            </a:r>
+            <a:endParaRPr lang="de-AT" sz="2000" b="0" strike="noStrike" spc="-1" dirty="0">
               <a:latin typeface="Arial"/>
             </a:endParaRPr>
           </a:p>
@@ -17420,7 +15547,7 @@
               </a:spcBef>
             </a:pPr>
             <a:r>
-              <a:rPr lang="de-DE" sz="2000" b="0" strike="noStrike" spc="-1">
+              <a:rPr lang="de-DE" sz="2000" b="0" strike="noStrike" spc="-1" dirty="0">
                 <a:solidFill>
                   <a:srgbClr val="000000"/>
                 </a:solidFill>
@@ -17429,7 +15556,7 @@
               </a:rPr>
               <a:t>		</a:t>
             </a:r>
-            <a:endParaRPr lang="de-AT" sz="2000" b="0" strike="noStrike" spc="-1">
+            <a:endParaRPr lang="de-AT" sz="2000" b="0" strike="noStrike" spc="-1" dirty="0">
               <a:latin typeface="Arial"/>
             </a:endParaRPr>
           </a:p>
@@ -17443,17 +15570,57 @@
               </a:spcBef>
             </a:pPr>
             <a:r>
-              <a:rPr lang="de-DE" sz="2000" b="0" strike="noStrike" spc="-1">
-                <a:solidFill>
-                  <a:srgbClr val="000000"/>
-                </a:solidFill>
-                <a:latin typeface="Arial"/>
-                <a:ea typeface="DejaVu Sans"/>
-              </a:rPr>
-              <a:t>			Exact: 49 nodes </a:t>
-            </a:r>
-            <a:r>
-              <a:rPr lang="de-DE" sz="2000" b="0" strike="noStrike" spc="-1">
+              <a:rPr lang="de-DE" sz="2000" b="0" strike="noStrike" spc="-1" dirty="0">
+                <a:solidFill>
+                  <a:srgbClr val="000000"/>
+                </a:solidFill>
+                <a:latin typeface="Arial"/>
+                <a:ea typeface="DejaVu Sans"/>
+              </a:rPr>
+              <a:t>			</a:t>
+            </a:r>
+            <a:r>
+              <a:rPr lang="de-DE" sz="2000" b="0" strike="noStrike" spc="-1" dirty="0" err="1">
+                <a:solidFill>
+                  <a:srgbClr val="000000"/>
+                </a:solidFill>
+                <a:latin typeface="Arial"/>
+                <a:ea typeface="DejaVu Sans"/>
+              </a:rPr>
+              <a:t>Exact</a:t>
+            </a:r>
+            <a:r>
+              <a:rPr lang="de-DE" sz="2000" b="0" strike="noStrike" spc="-1" dirty="0">
+                <a:solidFill>
+                  <a:srgbClr val="000000"/>
+                </a:solidFill>
+                <a:latin typeface="Arial"/>
+                <a:ea typeface="DejaVu Sans"/>
+              </a:rPr>
+              <a:t>: 49 </a:t>
+            </a:r>
+            <a:r>
+              <a:rPr lang="de-DE" sz="2000" b="0" strike="noStrike" spc="-1" dirty="0" err="1">
+                <a:solidFill>
+                  <a:srgbClr val="000000"/>
+                </a:solidFill>
+                <a:latin typeface="Arial"/>
+                <a:ea typeface="DejaVu Sans"/>
+              </a:rPr>
+              <a:t>nodes</a:t>
+            </a:r>
+            <a:r>
+              <a:rPr lang="de-DE" sz="2000" b="0" strike="noStrike" spc="-1" dirty="0">
+                <a:solidFill>
+                  <a:srgbClr val="000000"/>
+                </a:solidFill>
+                <a:latin typeface="Arial"/>
+                <a:ea typeface="DejaVu Sans"/>
+              </a:rPr>
+              <a:t> </a:t>
+            </a:r>
+            <a:r>
+              <a:rPr lang="de-DE" sz="2000" b="0" strike="noStrike" spc="-1" dirty="0">
                 <a:solidFill>
                   <a:srgbClr val="000000"/>
                 </a:solidFill>
@@ -17462,7 +15629,7 @@
               </a:rPr>
               <a:t></a:t>
             </a:r>
-            <a:endParaRPr lang="de-AT" sz="2000" b="0" strike="noStrike" spc="-1">
+            <a:endParaRPr lang="de-AT" sz="2000" b="0" strike="noStrike" spc="-1" dirty="0">
               <a:latin typeface="Arial"/>
             </a:endParaRPr>
           </a:p>
@@ -17823,85 +15990,241 @@
               </a:spcBef>
             </a:pPr>
             <a:r>
-              <a:rPr lang="de-DE" sz="2000" b="0" strike="noStrike" spc="-1">
-                <a:solidFill>
-                  <a:srgbClr val="000000"/>
-                </a:solidFill>
-                <a:latin typeface="Arial"/>
-                <a:ea typeface="DejaVu Sans"/>
-              </a:rPr>
-              <a:t>Example: </a:t>
-            </a:r>
-            <a:endParaRPr lang="de-AT" sz="2000" b="0" strike="noStrike" spc="-1">
-              <a:latin typeface="Arial"/>
-            </a:endParaRPr>
-          </a:p>
-          <a:p>
-            <a:pPr marL="108360">
+              <a:rPr lang="de-DE" sz="2000" b="0" strike="noStrike" spc="-1" dirty="0" err="1">
+                <a:solidFill>
+                  <a:srgbClr val="000000"/>
+                </a:solidFill>
+                <a:latin typeface="Arial"/>
+                <a:ea typeface="DejaVu Sans"/>
+              </a:rPr>
+              <a:t>Example</a:t>
+            </a:r>
+            <a:r>
+              <a:rPr lang="de-DE" sz="2000" b="0" strike="noStrike" spc="-1" dirty="0">
+                <a:solidFill>
+                  <a:srgbClr val="000000"/>
+                </a:solidFill>
+                <a:latin typeface="Arial"/>
+                <a:ea typeface="DejaVu Sans"/>
+              </a:rPr>
+              <a:t>: </a:t>
+            </a:r>
+            <a:endParaRPr lang="de-AT" sz="2000" b="0" strike="noStrike" spc="-1" dirty="0">
+              <a:latin typeface="Arial"/>
+            </a:endParaRPr>
+          </a:p>
+          <a:p>
+            <a:pPr marL="451260" indent="-342900">
               <a:lnSpc>
                 <a:spcPct val="100000"/>
               </a:lnSpc>
               <a:spcBef>
                 <a:spcPts val="1417"/>
               </a:spcBef>
-            </a:pPr>
-            <a:r>
-              <a:rPr lang="de-DE" sz="2000" b="0" strike="noStrike" spc="-1">
-                <a:solidFill>
-                  <a:srgbClr val="000000"/>
-                </a:solidFill>
-                <a:latin typeface="Arial"/>
-                <a:ea typeface="DejaVu Sans"/>
-              </a:rPr>
-              <a:t>* 8 bit full adder</a:t>
-            </a:r>
-            <a:endParaRPr lang="de-AT" sz="2000" b="0" strike="noStrike" spc="-1">
-              <a:latin typeface="Arial"/>
-            </a:endParaRPr>
-          </a:p>
-          <a:p>
-            <a:pPr marL="108360">
+              <a:buFont typeface="Arial" panose="020B0604020202020204" pitchFamily="34" charset="0"/>
+              <a:buChar char="•"/>
+            </a:pPr>
+            <a:r>
+              <a:rPr lang="de-DE" sz="2000" b="0" strike="noStrike" spc="-1" dirty="0">
+                <a:solidFill>
+                  <a:srgbClr val="000000"/>
+                </a:solidFill>
+                <a:latin typeface="Arial"/>
+                <a:ea typeface="DejaVu Sans"/>
+              </a:rPr>
+              <a:t>8 </a:t>
+            </a:r>
+            <a:r>
+              <a:rPr lang="de-DE" sz="2000" b="0" strike="noStrike" spc="-1" dirty="0" err="1">
+                <a:solidFill>
+                  <a:srgbClr val="000000"/>
+                </a:solidFill>
+                <a:latin typeface="Arial"/>
+                <a:ea typeface="DejaVu Sans"/>
+              </a:rPr>
+              <a:t>bit</a:t>
+            </a:r>
+            <a:r>
+              <a:rPr lang="de-DE" sz="2000" b="0" strike="noStrike" spc="-1" dirty="0">
+                <a:solidFill>
+                  <a:srgbClr val="000000"/>
+                </a:solidFill>
+                <a:latin typeface="Arial"/>
+                <a:ea typeface="DejaVu Sans"/>
+              </a:rPr>
+              <a:t> </a:t>
+            </a:r>
+            <a:r>
+              <a:rPr lang="de-DE" sz="2000" b="0" strike="noStrike" spc="-1" dirty="0" err="1">
+                <a:solidFill>
+                  <a:srgbClr val="000000"/>
+                </a:solidFill>
+                <a:latin typeface="Arial"/>
+                <a:ea typeface="DejaVu Sans"/>
+              </a:rPr>
+              <a:t>full</a:t>
+            </a:r>
+            <a:r>
+              <a:rPr lang="de-DE" sz="2000" b="0" strike="noStrike" spc="-1" dirty="0">
+                <a:solidFill>
+                  <a:srgbClr val="000000"/>
+                </a:solidFill>
+                <a:latin typeface="Arial"/>
+                <a:ea typeface="DejaVu Sans"/>
+              </a:rPr>
+              <a:t> </a:t>
+            </a:r>
+            <a:r>
+              <a:rPr lang="de-DE" sz="2000" b="0" strike="noStrike" spc="-1" dirty="0" err="1">
+                <a:solidFill>
+                  <a:srgbClr val="000000"/>
+                </a:solidFill>
+                <a:latin typeface="Arial"/>
+                <a:ea typeface="DejaVu Sans"/>
+              </a:rPr>
+              <a:t>adder</a:t>
+            </a:r>
+            <a:endParaRPr lang="de-AT" sz="2000" b="0" strike="noStrike" spc="-1" dirty="0">
+              <a:latin typeface="Arial"/>
+            </a:endParaRPr>
+          </a:p>
+          <a:p>
+            <a:pPr marL="451260" indent="-342900">
               <a:lnSpc>
                 <a:spcPct val="100000"/>
               </a:lnSpc>
               <a:spcBef>
                 <a:spcPts val="1417"/>
               </a:spcBef>
-            </a:pPr>
-            <a:r>
-              <a:rPr lang="de-DE" sz="2000" b="0" strike="noStrike" spc="-1">
-                <a:solidFill>
-                  <a:srgbClr val="000000"/>
-                </a:solidFill>
-                <a:latin typeface="Arial"/>
-                <a:ea typeface="DejaVu Sans"/>
-              </a:rPr>
-              <a:t>* 2^(8*2) = 65536 input combinations</a:t>
-            </a:r>
-            <a:endParaRPr lang="de-AT" sz="2000" b="0" strike="noStrike" spc="-1">
-              <a:latin typeface="Arial"/>
-            </a:endParaRPr>
-          </a:p>
-          <a:p>
-            <a:pPr marL="108360">
+              <a:buFont typeface="Arial" panose="020B0604020202020204" pitchFamily="34" charset="0"/>
+              <a:buChar char="•"/>
+            </a:pPr>
+            <a:r>
+              <a:rPr lang="de-DE" sz="2000" b="0" strike="noStrike" spc="-1" dirty="0">
+                <a:solidFill>
+                  <a:srgbClr val="000000"/>
+                </a:solidFill>
+                <a:latin typeface="Arial"/>
+                <a:ea typeface="DejaVu Sans"/>
+              </a:rPr>
+              <a:t>2^(8*2) = 65536 </a:t>
+            </a:r>
+            <a:r>
+              <a:rPr lang="de-DE" sz="2000" b="0" strike="noStrike" spc="-1" dirty="0" err="1">
+                <a:solidFill>
+                  <a:srgbClr val="000000"/>
+                </a:solidFill>
+                <a:latin typeface="Arial"/>
+                <a:ea typeface="DejaVu Sans"/>
+              </a:rPr>
+              <a:t>input</a:t>
+            </a:r>
+            <a:r>
+              <a:rPr lang="de-DE" sz="2000" b="0" strike="noStrike" spc="-1" dirty="0">
+                <a:solidFill>
+                  <a:srgbClr val="000000"/>
+                </a:solidFill>
+                <a:latin typeface="Arial"/>
+                <a:ea typeface="DejaVu Sans"/>
+              </a:rPr>
+              <a:t> </a:t>
+            </a:r>
+            <a:r>
+              <a:rPr lang="de-DE" sz="2000" b="0" strike="noStrike" spc="-1" dirty="0" err="1">
+                <a:solidFill>
+                  <a:srgbClr val="000000"/>
+                </a:solidFill>
+                <a:latin typeface="Arial"/>
+                <a:ea typeface="DejaVu Sans"/>
+              </a:rPr>
+              <a:t>combinations</a:t>
+            </a:r>
+            <a:endParaRPr lang="de-AT" sz="2000" b="0" strike="noStrike" spc="-1" dirty="0">
+              <a:latin typeface="Arial"/>
+            </a:endParaRPr>
+          </a:p>
+          <a:p>
+            <a:pPr marL="451260" indent="-342900">
               <a:lnSpc>
                 <a:spcPct val="100000"/>
               </a:lnSpc>
               <a:spcBef>
                 <a:spcPts val="1417"/>
               </a:spcBef>
-            </a:pPr>
-            <a:r>
-              <a:rPr lang="de-DE" sz="2000" b="0" strike="noStrike" spc="-1">
-                <a:solidFill>
-                  <a:srgbClr val="000000"/>
-                </a:solidFill>
-                <a:latin typeface="Arial"/>
-                <a:ea typeface="DejaVu Sans"/>
-              </a:rPr>
-              <a:t>* BDDs for output bit „1“</a:t>
-            </a:r>
-            <a:endParaRPr lang="de-AT" sz="2000" b="0" strike="noStrike" spc="-1">
+              <a:buFont typeface="Arial" panose="020B0604020202020204" pitchFamily="34" charset="0"/>
+              <a:buChar char="•"/>
+            </a:pPr>
+            <a:r>
+              <a:rPr lang="de-DE" sz="2000" b="0" strike="noStrike" spc="-1" dirty="0">
+                <a:solidFill>
+                  <a:srgbClr val="000000"/>
+                </a:solidFill>
+                <a:latin typeface="Arial"/>
+                <a:ea typeface="DejaVu Sans"/>
+              </a:rPr>
+              <a:t>BDDs </a:t>
+            </a:r>
+            <a:r>
+              <a:rPr lang="de-DE" sz="2000" b="0" strike="noStrike" spc="-1" dirty="0" err="1">
+                <a:solidFill>
+                  <a:srgbClr val="000000"/>
+                </a:solidFill>
+                <a:latin typeface="Arial"/>
+                <a:ea typeface="DejaVu Sans"/>
+              </a:rPr>
+              <a:t>for</a:t>
+            </a:r>
+            <a:r>
+              <a:rPr lang="de-DE" sz="2000" b="0" strike="noStrike" spc="-1" dirty="0">
+                <a:solidFill>
+                  <a:srgbClr val="000000"/>
+                </a:solidFill>
+                <a:latin typeface="Arial"/>
+                <a:ea typeface="DejaVu Sans"/>
+              </a:rPr>
+              <a:t> </a:t>
+            </a:r>
+            <a:r>
+              <a:rPr lang="de-DE" sz="2000" b="0" strike="noStrike" spc="-1" dirty="0" err="1">
+                <a:solidFill>
+                  <a:srgbClr val="000000"/>
+                </a:solidFill>
+                <a:latin typeface="Arial"/>
+                <a:ea typeface="DejaVu Sans"/>
+              </a:rPr>
+              <a:t>output</a:t>
+            </a:r>
+            <a:r>
+              <a:rPr lang="de-DE" sz="2000" b="0" strike="noStrike" spc="-1" dirty="0">
+                <a:solidFill>
+                  <a:srgbClr val="000000"/>
+                </a:solidFill>
+                <a:latin typeface="Arial"/>
+                <a:ea typeface="DejaVu Sans"/>
+              </a:rPr>
+              <a:t> </a:t>
+            </a:r>
+            <a:r>
+              <a:rPr lang="de-DE" sz="2000" b="0" strike="noStrike" spc="-1" dirty="0" err="1">
+                <a:solidFill>
+                  <a:srgbClr val="000000"/>
+                </a:solidFill>
+                <a:latin typeface="Arial"/>
+                <a:ea typeface="DejaVu Sans"/>
+              </a:rPr>
+              <a:t>bit</a:t>
+            </a:r>
+            <a:r>
+              <a:rPr lang="de-DE" sz="2000" b="0" strike="noStrike" spc="-1" dirty="0">
+                <a:solidFill>
+                  <a:srgbClr val="000000"/>
+                </a:solidFill>
+                <a:latin typeface="Arial"/>
+                <a:ea typeface="DejaVu Sans"/>
+              </a:rPr>
+              <a:t> „1“</a:t>
+            </a:r>
+            <a:endParaRPr lang="de-AT" sz="2000" b="0" strike="noStrike" spc="-1" dirty="0">
               <a:latin typeface="Arial"/>
             </a:endParaRPr>
           </a:p>
@@ -17914,7 +16237,7 @@
                 <a:spcPts val="1417"/>
               </a:spcBef>
             </a:pPr>
-            <a:endParaRPr lang="de-AT" sz="2000" b="0" strike="noStrike" spc="-1">
+            <a:endParaRPr lang="de-AT" sz="2000" b="0" strike="noStrike" spc="-1" dirty="0">
               <a:latin typeface="Arial"/>
             </a:endParaRPr>
           </a:p>
@@ -17928,7 +16251,7 @@
               </a:spcBef>
             </a:pPr>
             <a:r>
-              <a:rPr lang="de-DE" sz="2000" b="0" strike="noStrike" spc="-1">
+              <a:rPr lang="de-DE" sz="2000" b="0" strike="noStrike" spc="-1" dirty="0">
                 <a:solidFill>
                   <a:srgbClr val="000000"/>
                 </a:solidFill>
@@ -17938,16 +16261,46 @@
               <a:t></a:t>
             </a:r>
             <a:r>
-              <a:rPr lang="de-DE" sz="2000" b="0" strike="noStrike" spc="-1">
-                <a:solidFill>
-                  <a:srgbClr val="000000"/>
-                </a:solidFill>
-                <a:latin typeface="Arial"/>
-                <a:ea typeface="DejaVu Sans"/>
-              </a:rPr>
-              <a:t> Approximate: 31 nodes</a:t>
-            </a:r>
-            <a:endParaRPr lang="de-AT" sz="2000" b="0" strike="noStrike" spc="-1">
+              <a:rPr lang="de-DE" sz="2000" b="0" strike="noStrike" spc="-1" dirty="0">
+                <a:solidFill>
+                  <a:srgbClr val="000000"/>
+                </a:solidFill>
+                <a:latin typeface="Arial"/>
+                <a:ea typeface="DejaVu Sans"/>
+              </a:rPr>
+              <a:t> </a:t>
+            </a:r>
+            <a:r>
+              <a:rPr lang="de-DE" sz="2000" b="0" strike="noStrike" spc="-1" dirty="0" err="1">
+                <a:solidFill>
+                  <a:srgbClr val="000000"/>
+                </a:solidFill>
+                <a:latin typeface="Arial"/>
+                <a:ea typeface="DejaVu Sans"/>
+              </a:rPr>
+              <a:t>Approximate</a:t>
+            </a:r>
+            <a:r>
+              <a:rPr lang="de-DE" sz="2000" b="0" strike="noStrike" spc="-1" dirty="0">
+                <a:solidFill>
+                  <a:srgbClr val="000000"/>
+                </a:solidFill>
+                <a:latin typeface="Arial"/>
+                <a:ea typeface="DejaVu Sans"/>
+              </a:rPr>
+              <a:t>: 31 </a:t>
+            </a:r>
+            <a:r>
+              <a:rPr lang="de-DE" sz="2000" b="0" strike="noStrike" spc="-1" dirty="0" err="1">
+                <a:solidFill>
+                  <a:srgbClr val="000000"/>
+                </a:solidFill>
+                <a:latin typeface="Arial"/>
+                <a:ea typeface="DejaVu Sans"/>
+              </a:rPr>
+              <a:t>nodes</a:t>
+            </a:r>
+            <a:endParaRPr lang="de-AT" sz="2000" b="0" strike="noStrike" spc="-1" dirty="0">
               <a:latin typeface="Arial"/>
             </a:endParaRPr>
           </a:p>
@@ -17961,7 +16314,7 @@
               </a:spcBef>
             </a:pPr>
             <a:r>
-              <a:rPr lang="de-DE" sz="2000" b="0" strike="noStrike" spc="-1">
+              <a:rPr lang="de-DE" sz="2000" b="0" strike="noStrike" spc="-1" dirty="0">
                 <a:solidFill>
                   <a:srgbClr val="000000"/>
                 </a:solidFill>
@@ -17970,7 +16323,7 @@
               </a:rPr>
               <a:t>		</a:t>
             </a:r>
-            <a:endParaRPr lang="de-AT" sz="2000" b="0" strike="noStrike" spc="-1">
+            <a:endParaRPr lang="de-AT" sz="2000" b="0" strike="noStrike" spc="-1" dirty="0">
               <a:latin typeface="Arial"/>
             </a:endParaRPr>
           </a:p>
@@ -17984,17 +16337,57 @@
               </a:spcBef>
             </a:pPr>
             <a:r>
-              <a:rPr lang="de-DE" sz="2000" b="0" strike="noStrike" spc="-1">
-                <a:solidFill>
-                  <a:srgbClr val="000000"/>
-                </a:solidFill>
-                <a:latin typeface="Arial"/>
-                <a:ea typeface="DejaVu Sans"/>
-              </a:rPr>
-              <a:t>			Exact: 49 nodes </a:t>
-            </a:r>
-            <a:r>
-              <a:rPr lang="de-DE" sz="2000" b="0" strike="noStrike" spc="-1">
+              <a:rPr lang="de-DE" sz="2000" b="0" strike="noStrike" spc="-1" dirty="0">
+                <a:solidFill>
+                  <a:srgbClr val="000000"/>
+                </a:solidFill>
+                <a:latin typeface="Arial"/>
+                <a:ea typeface="DejaVu Sans"/>
+              </a:rPr>
+              <a:t>			</a:t>
+            </a:r>
+            <a:r>
+              <a:rPr lang="de-DE" sz="2000" b="0" strike="noStrike" spc="-1" dirty="0" err="1">
+                <a:solidFill>
+                  <a:srgbClr val="000000"/>
+                </a:solidFill>
+                <a:latin typeface="Arial"/>
+                <a:ea typeface="DejaVu Sans"/>
+              </a:rPr>
+              <a:t>Exact</a:t>
+            </a:r>
+            <a:r>
+              <a:rPr lang="de-DE" sz="2000" b="0" strike="noStrike" spc="-1" dirty="0">
+                <a:solidFill>
+                  <a:srgbClr val="000000"/>
+                </a:solidFill>
+                <a:latin typeface="Arial"/>
+                <a:ea typeface="DejaVu Sans"/>
+              </a:rPr>
+              <a:t>: 49 </a:t>
+            </a:r>
+            <a:r>
+              <a:rPr lang="de-DE" sz="2000" b="0" strike="noStrike" spc="-1" dirty="0" err="1">
+                <a:solidFill>
+                  <a:srgbClr val="000000"/>
+                </a:solidFill>
+                <a:latin typeface="Arial"/>
+                <a:ea typeface="DejaVu Sans"/>
+              </a:rPr>
+              <a:t>nodes</a:t>
+            </a:r>
+            <a:r>
+              <a:rPr lang="de-DE" sz="2000" b="0" strike="noStrike" spc="-1" dirty="0">
+                <a:solidFill>
+                  <a:srgbClr val="000000"/>
+                </a:solidFill>
+                <a:latin typeface="Arial"/>
+                <a:ea typeface="DejaVu Sans"/>
+              </a:rPr>
+              <a:t> </a:t>
+            </a:r>
+            <a:r>
+              <a:rPr lang="de-DE" sz="2000" b="0" strike="noStrike" spc="-1" dirty="0">
                 <a:solidFill>
                   <a:srgbClr val="000000"/>
                 </a:solidFill>
@@ -18003,7 +16396,7 @@
               </a:rPr>
               <a:t></a:t>
             </a:r>
-            <a:endParaRPr lang="de-AT" sz="2000" b="0" strike="noStrike" spc="-1">
+            <a:endParaRPr lang="de-AT" sz="2000" b="0" strike="noStrike" spc="-1" dirty="0">
               <a:latin typeface="Arial"/>
             </a:endParaRPr>
           </a:p>
@@ -18127,20 +16520,73 @@
           </a:bodyPr>
           <a:lstStyle/>
           <a:p>
-            <a:r>
-              <a:rPr lang="de-AT" sz="2000" b="0" strike="noStrike" spc="-1">
-                <a:latin typeface="Arial"/>
-              </a:rPr>
-              <a:t>* 64 bit adder ?</a:t>
-            </a:r>
-          </a:p>
-          <a:p>
-            <a:r>
-              <a:rPr lang="de-AT" sz="2000" b="0" strike="noStrike" spc="-1">
-                <a:latin typeface="Arial"/>
-              </a:rPr>
-              <a:t>* 2^(64*2) = 3.4E38 input combinations</a:t>
-            </a:r>
+            <a:pPr marL="342900" indent="-342900">
+              <a:buFont typeface="Arial" panose="020B0604020202020204" pitchFamily="34" charset="0"/>
+              <a:buChar char="•"/>
+            </a:pPr>
+            <a:r>
+              <a:rPr lang="de-AT" sz="2000" b="0" strike="noStrike" spc="-1" dirty="0">
+                <a:latin typeface="Arial"/>
+              </a:rPr>
+              <a:t>64 </a:t>
+            </a:r>
+            <a:r>
+              <a:rPr lang="de-AT" sz="2000" b="0" strike="noStrike" spc="-1" dirty="0" err="1">
+                <a:latin typeface="Arial"/>
+              </a:rPr>
+              <a:t>bit</a:t>
+            </a:r>
+            <a:r>
+              <a:rPr lang="de-AT" sz="2000" b="0" strike="noStrike" spc="-1" dirty="0">
+                <a:latin typeface="Arial"/>
+              </a:rPr>
+              <a:t> </a:t>
+            </a:r>
+            <a:r>
+              <a:rPr lang="de-AT" sz="2000" b="0" strike="noStrike" spc="-1" dirty="0" err="1">
+                <a:latin typeface="Arial"/>
+              </a:rPr>
+              <a:t>adder</a:t>
+            </a:r>
+            <a:r>
+              <a:rPr lang="de-AT" sz="2000" b="0" strike="noStrike" spc="-1" dirty="0">
+                <a:latin typeface="Arial"/>
+              </a:rPr>
+              <a:t> ?</a:t>
+            </a:r>
+          </a:p>
+          <a:p>
+            <a:pPr marL="342900" indent="-342900">
+              <a:buFont typeface="Arial" panose="020B0604020202020204" pitchFamily="34" charset="0"/>
+              <a:buChar char="•"/>
+            </a:pPr>
+            <a:r>
+              <a:rPr lang="de-AT" sz="2000" b="0" strike="noStrike" spc="-1" dirty="0">
+                <a:latin typeface="Arial"/>
+              </a:rPr>
+              <a:t>2^(64*2) = 3.4E38 </a:t>
+            </a:r>
+            <a:r>
+              <a:rPr lang="de-AT" sz="2000" b="0" strike="noStrike" spc="-1" dirty="0" err="1">
+                <a:latin typeface="Arial"/>
+              </a:rPr>
+              <a:t>input</a:t>
+            </a:r>
+            <a:r>
+              <a:rPr lang="de-AT" sz="2000" b="0" strike="noStrike" spc="-1" dirty="0">
+                <a:latin typeface="Arial"/>
+              </a:rPr>
+              <a:t> </a:t>
+            </a:r>
+            <a:r>
+              <a:rPr lang="de-AT" sz="2000" b="0" strike="noStrike" spc="-1" dirty="0" err="1">
+                <a:latin typeface="Arial"/>
+              </a:rPr>
+              <a:t>combinations</a:t>
+            </a:r>
+            <a:endParaRPr lang="de-AT" sz="2000" b="0" strike="noStrike" spc="-1" dirty="0">
+              <a:latin typeface="Arial"/>
+            </a:endParaRPr>
           </a:p>
         </p:txBody>
       </p:sp>
@@ -18395,12 +16841,49 @@
           </a:bodyPr>
           <a:lstStyle/>
           <a:p>
-            <a:r>
-              <a:rPr lang="de-AT" sz="1800" b="0" strike="noStrike" spc="-1">
-                <a:latin typeface="Arial"/>
-              </a:rPr>
-              <a:t>* Error BDD for 8 bit adders</a:t>
-            </a:r>
+            <a:pPr marL="285750" indent="-285750">
+              <a:buFont typeface="Arial" panose="020B0604020202020204" pitchFamily="34" charset="0"/>
+              <a:buChar char="•"/>
+            </a:pPr>
+            <a:r>
+              <a:rPr lang="de-AT" sz="1800" b="0" strike="noStrike" spc="-1" dirty="0">
+                <a:latin typeface="Arial"/>
+              </a:rPr>
+              <a:t>Error BDD </a:t>
+            </a:r>
+            <a:r>
+              <a:rPr lang="de-AT" sz="1800" b="0" strike="noStrike" spc="-1" dirty="0" err="1">
+                <a:latin typeface="Arial"/>
+              </a:rPr>
+              <a:t>for</a:t>
+            </a:r>
+            <a:r>
+              <a:rPr lang="de-AT" sz="1800" b="0" strike="noStrike" spc="-1" dirty="0">
+                <a:latin typeface="Arial"/>
+              </a:rPr>
+              <a:t> 8 </a:t>
+            </a:r>
+            <a:r>
+              <a:rPr lang="de-AT" sz="1800" b="0" strike="noStrike" spc="-1" dirty="0" err="1">
+                <a:latin typeface="Arial"/>
+              </a:rPr>
+              <a:t>bit</a:t>
+            </a:r>
+            <a:r>
+              <a:rPr lang="de-AT" sz="1800" b="0" strike="noStrike" spc="-1" dirty="0">
+                <a:latin typeface="Arial"/>
+              </a:rPr>
+              <a:t> </a:t>
+            </a:r>
+            <a:r>
+              <a:rPr lang="de-AT" sz="1800" b="0" strike="noStrike" spc="-1" dirty="0" err="1">
+                <a:latin typeface="Arial"/>
+              </a:rPr>
+              <a:t>adders</a:t>
+            </a:r>
+            <a:endParaRPr lang="de-AT" sz="1800" b="0" strike="noStrike" spc="-1" dirty="0">
+              <a:latin typeface="Arial"/>
+            </a:endParaRPr>
           </a:p>
         </p:txBody>
       </p:sp>
@@ -25776,7 +24259,81 @@
       </p:grpSpPr>
       <p:sp>
         <p:nvSpPr>
-          <p:cNvPr id="154" name="CustomShape 1"/>
+          <p:cNvPr id="248" name="CustomShape 3"/>
+          <p:cNvSpPr/>
+          <p:nvPr/>
+        </p:nvSpPr>
+        <p:spPr>
+          <a:xfrm>
+            <a:off x="4006440" y="6410880"/>
+            <a:ext cx="582480" cy="363960"/>
+          </a:xfrm>
+          <a:prstGeom prst="rect">
+            <a:avLst/>
+          </a:prstGeom>
+          <a:noFill/>
+          <a:ln>
+            <a:noFill/>
+          </a:ln>
+        </p:spPr>
+        <p:style>
+          <a:lnRef idx="0">
+            <a:scrgbClr r="0" g="0" b="0"/>
+          </a:lnRef>
+          <a:fillRef idx="0">
+            <a:scrgbClr r="0" g="0" b="0"/>
+          </a:fillRef>
+          <a:effectRef idx="0">
+            <a:scrgbClr r="0" g="0" b="0"/>
+          </a:effectRef>
+          <a:fontRef idx="minor"/>
+        </p:style>
+        <p:txBody>
+          <a:bodyPr lIns="90000" tIns="45000" rIns="90000" bIns="45000" anchor="ctr">
+            <a:noAutofit/>
+          </a:bodyPr>
+          <a:lstStyle/>
+          <a:p>
+            <a:pPr algn="r">
+              <a:lnSpc>
+                <a:spcPct val="100000"/>
+              </a:lnSpc>
+            </a:pPr>
+            <a:fld id="{529BAE5C-0237-4ABB-9BAC-104434346622}" type="slidenum">
+              <a:rPr lang="zxx" sz="1050" b="0" strike="noStrike" spc="-1">
+                <a:solidFill>
+                  <a:srgbClr val="000000"/>
+                </a:solidFill>
+                <a:latin typeface="Calibri"/>
+                <a:ea typeface="DejaVu Sans"/>
+              </a:rPr>
+              <a:t>26</a:t>
+            </a:fld>
+            <a:r>
+              <a:rPr lang="zxx" sz="1050" b="0" strike="noStrike" spc="-1">
+                <a:solidFill>
+                  <a:srgbClr val="000000"/>
+                </a:solidFill>
+                <a:latin typeface="Calibri"/>
+                <a:ea typeface="DejaVu Sans"/>
+              </a:rPr>
+              <a:t>/</a:t>
+            </a:r>
+            <a:endParaRPr lang="de-AT" sz="1050" b="0" strike="noStrike" spc="-1">
+              <a:latin typeface="Arial"/>
+            </a:endParaRPr>
+          </a:p>
+        </p:txBody>
+      </p:sp>
+      <p:sp>
+        <p:nvSpPr>
+          <p:cNvPr id="5" name="CustomShape 1">
+            <a:extLst>
+              <a:ext uri="{FF2B5EF4-FFF2-40B4-BE49-F238E27FC236}">
+                <a16:creationId xmlns:a16="http://schemas.microsoft.com/office/drawing/2014/main" id="{37C5741D-B088-4970-9247-7E3B65EC82B8}"/>
+              </a:ext>
+            </a:extLst>
+          </p:cNvPr>
           <p:cNvSpPr/>
           <p:nvPr/>
         </p:nvSpPr>
@@ -25817,7 +24374,7 @@
               </a:lnSpc>
             </a:pPr>
             <a:r>
-              <a:rPr lang="zxx" sz="4800" b="0" strike="noStrike" spc="-52">
+              <a:rPr lang="zxx" sz="4800" b="0" strike="noStrike" spc="-52" dirty="0">
                 <a:solidFill>
                   <a:srgbClr val="404040"/>
                 </a:solidFill>
@@ -25825,79 +24382,18 @@
               </a:rPr>
               <a:t>Thank you!</a:t>
             </a:r>
-            <a:endParaRPr lang="zxx" sz="4800" b="0" strike="noStrike" spc="-1">
-              <a:latin typeface="Arial"/>
-            </a:endParaRPr>
-          </a:p>
-        </p:txBody>
-      </p:sp>
-      <p:sp>
-        <p:nvSpPr>
-          <p:cNvPr id="155" name="CustomShape 2"/>
-          <p:cNvSpPr/>
-          <p:nvPr/>
-        </p:nvSpPr>
-        <p:spPr>
-          <a:xfrm>
-            <a:off x="4006440" y="6410880"/>
-            <a:ext cx="582840" cy="364320"/>
-          </a:xfrm>
-          <a:prstGeom prst="rect">
-            <a:avLst/>
-          </a:prstGeom>
-          <a:noFill/>
-          <a:ln>
-            <a:noFill/>
-          </a:ln>
-        </p:spPr>
-        <p:style>
-          <a:lnRef idx="0">
-            <a:scrgbClr r="0" g="0" b="0"/>
-          </a:lnRef>
-          <a:fillRef idx="0">
-            <a:scrgbClr r="0" g="0" b="0"/>
-          </a:fillRef>
-          <a:effectRef idx="0">
-            <a:scrgbClr r="0" g="0" b="0"/>
-          </a:effectRef>
-          <a:fontRef idx="minor"/>
-        </p:style>
-        <p:txBody>
-          <a:bodyPr lIns="90000" tIns="45000" rIns="90000" bIns="45000" anchor="ctr">
-            <a:noAutofit/>
-          </a:bodyPr>
-          <a:lstStyle/>
-          <a:p>
-            <a:pPr algn="r">
-              <a:lnSpc>
-                <a:spcPct val="100000"/>
-              </a:lnSpc>
-            </a:pPr>
-            <a:fld id="{69FF41EE-F4E2-4BD6-9D5C-02DFBA608E94}" type="slidenum">
-              <a:rPr lang="zxx" sz="1050" b="0" strike="noStrike" spc="-1">
-                <a:solidFill>
-                  <a:srgbClr val="000000"/>
-                </a:solidFill>
-                <a:latin typeface="Calibri"/>
-              </a:rPr>
-              <a:t>26</a:t>
-            </a:fld>
-            <a:r>
-              <a:rPr lang="zxx" sz="1050" b="0" strike="noStrike" spc="-1">
-                <a:solidFill>
-                  <a:srgbClr val="000000"/>
-                </a:solidFill>
-                <a:latin typeface="Calibri"/>
-              </a:rPr>
-              <a:t>/</a:t>
-            </a:r>
-            <a:endParaRPr lang="zxx" sz="1050" b="0" strike="noStrike" spc="-1">
+            <a:endParaRPr lang="zxx" sz="4800" b="0" strike="noStrike" spc="-1" dirty="0">
               <a:latin typeface="Arial"/>
             </a:endParaRPr>
           </a:p>
         </p:txBody>
       </p:sp>
     </p:spTree>
+    <p:extLst>
+      <p:ext uri="{BB962C8B-B14F-4D97-AF65-F5344CB8AC3E}">
+        <p14:creationId xmlns:p14="http://schemas.microsoft.com/office/powerpoint/2010/main" val="455168956"/>
+      </p:ext>
+    </p:extLst>
   </p:cSld>
   <p:clrMapOvr>
     <a:masterClrMapping/>
@@ -30744,232 +29240,4 @@
   <a:objectDefaults/>
   <a:extraClrSchemeLst/>
 </a:theme>
-</file>
-
-<file path=ppt/theme/theme4.xml><?xml version="1.0" encoding="utf-8"?>
-<a:theme xmlns:a="http://schemas.openxmlformats.org/drawingml/2006/main" name="Office Theme">
-  <a:themeElements>
-    <a:clrScheme name="Office">
-      <a:dk1>
-        <a:sysClr val="windowText" lastClr="000000"/>
-      </a:dk1>
-      <a:lt1>
-        <a:sysClr val="window" lastClr="FFFFFF"/>
-      </a:lt1>
-      <a:dk2>
-        <a:srgbClr val="344068"/>
-      </a:dk2>
-      <a:lt2>
-        <a:srgbClr val="D9E0E6"/>
-      </a:lt2>
-      <a:accent1>
-        <a:srgbClr val="14496F"/>
-      </a:accent1>
-      <a:accent2>
-        <a:srgbClr val="0E6180"/>
-      </a:accent2>
-      <a:accent3>
-        <a:srgbClr val="1D9399"/>
-      </a:accent3>
-      <a:accent4>
-        <a:srgbClr val="42BA97"/>
-      </a:accent4>
-      <a:accent5>
-        <a:srgbClr val="3E8853"/>
-      </a:accent5>
-      <a:accent6>
-        <a:srgbClr val="37560D"/>
-      </a:accent6>
-      <a:hlink>
-        <a:srgbClr val="00B050"/>
-      </a:hlink>
-      <a:folHlink>
-        <a:srgbClr val="855001"/>
-      </a:folHlink>
-    </a:clrScheme>
-    <a:fontScheme name="Office">
-      <a:majorFont>
-        <a:latin typeface="Arial"/>
-        <a:ea typeface="DejaVu Sans"/>
-        <a:cs typeface="DejaVu Sans"/>
-      </a:majorFont>
-      <a:minorFont>
-        <a:latin typeface="Arial"/>
-        <a:ea typeface="DejaVu Sans"/>
-        <a:cs typeface="DejaVu Sans"/>
-      </a:minorFont>
-    </a:fontScheme>
-    <a:fmtScheme name="Office">
-      <a:fillStyleLst>
-        <a:solidFill>
-          <a:schemeClr val="phClr"/>
-        </a:solidFill>
-        <a:gradFill rotWithShape="1">
-          <a:gsLst>
-            <a:gs pos="0">
-              <a:schemeClr val="phClr">
-                <a:tint val="50000"/>
-                <a:satMod val="300000"/>
-              </a:schemeClr>
-            </a:gs>
-            <a:gs pos="35000">
-              <a:schemeClr val="phClr">
-                <a:tint val="37000"/>
-                <a:satMod val="300000"/>
-              </a:schemeClr>
-            </a:gs>
-            <a:gs pos="100000">
-              <a:schemeClr val="phClr">
-                <a:tint val="15000"/>
-                <a:satMod val="350000"/>
-              </a:schemeClr>
-            </a:gs>
-          </a:gsLst>
-          <a:lin ang="16200000" scaled="1"/>
-        </a:gradFill>
-        <a:gradFill rotWithShape="1">
-          <a:gsLst>
-            <a:gs pos="0">
-              <a:schemeClr val="phClr">
-                <a:shade val="51000"/>
-                <a:satMod val="130000"/>
-              </a:schemeClr>
-            </a:gs>
-            <a:gs pos="80000">
-              <a:schemeClr val="phClr">
-                <a:shade val="93000"/>
-                <a:satMod val="130000"/>
-              </a:schemeClr>
-            </a:gs>
-            <a:gs pos="100000">
-              <a:schemeClr val="phClr">
-                <a:shade val="94000"/>
-                <a:satMod val="135000"/>
-              </a:schemeClr>
-            </a:gs>
-          </a:gsLst>
-          <a:lin ang="16200000" scaled="0"/>
-        </a:gradFill>
-      </a:fillStyleLst>
-      <a:lnStyleLst>
-        <a:ln w="9525" cap="flat" cmpd="sng" algn="ctr">
-          <a:solidFill>
-            <a:schemeClr val="phClr">
-              <a:shade val="95000"/>
-              <a:satMod val="105000"/>
-            </a:schemeClr>
-          </a:solidFill>
-          <a:prstDash val="solid"/>
-          <a:miter/>
-        </a:ln>
-        <a:ln w="25400" cap="flat" cmpd="sng" algn="ctr">
-          <a:solidFill>
-            <a:schemeClr val="phClr"/>
-          </a:solidFill>
-          <a:prstDash val="solid"/>
-          <a:miter/>
-        </a:ln>
-        <a:ln w="38100" cap="flat" cmpd="sng" algn="ctr">
-          <a:solidFill>
-            <a:schemeClr val="phClr"/>
-          </a:solidFill>
-          <a:prstDash val="solid"/>
-          <a:miter/>
-        </a:ln>
-      </a:lnStyleLst>
-      <a:effectStyleLst>
-        <a:effectStyle>
-          <a:effectLst>
-            <a:outerShdw blurRad="40000" dist="20000" dir="5400000" rotWithShape="0">
-              <a:srgbClr val="000000">
-                <a:alpha val="38000"/>
-              </a:srgbClr>
-            </a:outerShdw>
-          </a:effectLst>
-        </a:effectStyle>
-        <a:effectStyle>
-          <a:effectLst>
-            <a:outerShdw blurRad="40000" dist="23000" dir="5400000" rotWithShape="0">
-              <a:srgbClr val="000000">
-                <a:alpha val="35000"/>
-              </a:srgbClr>
-            </a:outerShdw>
-          </a:effectLst>
-        </a:effectStyle>
-        <a:effectStyle>
-          <a:effectLst>
-            <a:outerShdw blurRad="40000" dist="23000" dir="5400000" rotWithShape="0">
-              <a:srgbClr val="000000">
-                <a:alpha val="35000"/>
-              </a:srgbClr>
-            </a:outerShdw>
-          </a:effectLst>
-          <a:scene3d>
-            <a:camera prst="orthographicFront">
-              <a:rot lat="0" lon="0" rev="0"/>
-            </a:camera>
-            <a:lightRig rig="threePt" dir="t">
-              <a:rot lat="0" lon="0" rev="1200000"/>
-            </a:lightRig>
-          </a:scene3d>
-          <a:sp3d>
-            <a:bevelT w="63500" h="25400"/>
-          </a:sp3d>
-        </a:effectStyle>
-      </a:effectStyleLst>
-      <a:bgFillStyleLst>
-        <a:solidFill>
-          <a:schemeClr val="phClr"/>
-        </a:solidFill>
-        <a:gradFill rotWithShape="1">
-          <a:gsLst>
-            <a:gs pos="0">
-              <a:schemeClr val="phClr">
-                <a:tint val="40000"/>
-                <a:satMod val="350000"/>
-              </a:schemeClr>
-            </a:gs>
-            <a:gs pos="40000">
-              <a:schemeClr val="phClr">
-                <a:tint val="45000"/>
-                <a:shade val="99000"/>
-                <a:satMod val="350000"/>
-              </a:schemeClr>
-            </a:gs>
-            <a:gs pos="100000">
-              <a:schemeClr val="phClr">
-                <a:shade val="20000"/>
-                <a:satMod val="255000"/>
-              </a:schemeClr>
-            </a:gs>
-          </a:gsLst>
-          <a:path path="circle">
-            <a:fillToRect l="50000" t="-80000" r="50000" b="180000"/>
-          </a:path>
-        </a:gradFill>
-        <a:gradFill rotWithShape="1">
-          <a:gsLst>
-            <a:gs pos="0">
-              <a:schemeClr val="phClr">
-                <a:tint val="80000"/>
-                <a:satMod val="300000"/>
-              </a:schemeClr>
-            </a:gs>
-            <a:gs pos="100000">
-              <a:schemeClr val="phClr">
-                <a:shade val="30000"/>
-                <a:satMod val="200000"/>
-              </a:schemeClr>
-            </a:gs>
-          </a:gsLst>
-          <a:path path="circle">
-            <a:fillToRect l="50000" t="50000" r="50000" b="50000"/>
-          </a:path>
-        </a:gradFill>
-      </a:bgFillStyleLst>
-    </a:fmtScheme>
-  </a:themeElements>
-  <a:objectDefaults/>
-  <a:extraClrSchemeLst/>
-</a:theme>
 </file>
--- a/Presentation Slides/Second Midterm (11-01-2022)/Midterm 11-01-2022.pptx
+++ b/Presentation Slides/Second Midterm (11-01-2022)/Midterm 11-01-2022.pptx
@@ -19794,6 +19794,78 @@
               <a:t>Adder</a:t>
             </a:r>
             <a:endParaRPr lang="de-AT" b="1" dirty="0"/>
+          </a:p>
+        </p:txBody>
+      </p:sp>
+      <p:sp>
+        <p:nvSpPr>
+          <p:cNvPr id="4" name="CustomShape 3">
+            <a:extLst>
+              <a:ext uri="{FF2B5EF4-FFF2-40B4-BE49-F238E27FC236}">
+                <a16:creationId xmlns:a16="http://schemas.microsoft.com/office/drawing/2014/main" id="{C6D75B51-BD0B-428D-B335-6628397E2B39}"/>
+              </a:ext>
+            </a:extLst>
+          </p:cNvPr>
+          <p:cNvSpPr/>
+          <p:nvPr/>
+        </p:nvSpPr>
+        <p:spPr>
+          <a:xfrm>
+            <a:off x="4006440" y="6410880"/>
+            <a:ext cx="582840" cy="364320"/>
+          </a:xfrm>
+          <a:prstGeom prst="rect">
+            <a:avLst/>
+          </a:prstGeom>
+          <a:noFill/>
+          <a:ln>
+            <a:noFill/>
+          </a:ln>
+        </p:spPr>
+        <p:style>
+          <a:lnRef idx="0">
+            <a:scrgbClr r="0" g="0" b="0"/>
+          </a:lnRef>
+          <a:fillRef idx="0">
+            <a:scrgbClr r="0" g="0" b="0"/>
+          </a:fillRef>
+          <a:effectRef idx="0">
+            <a:scrgbClr r="0" g="0" b="0"/>
+          </a:effectRef>
+          <a:fontRef idx="minor"/>
+        </p:style>
+        <p:txBody>
+          <a:bodyPr lIns="90000" tIns="45000" rIns="90000" bIns="45000" anchor="ctr">
+            <a:noAutofit/>
+          </a:bodyPr>
+          <a:lstStyle/>
+          <a:p>
+            <a:pPr algn="r">
+              <a:lnSpc>
+                <a:spcPct val="100000"/>
+              </a:lnSpc>
+            </a:pPr>
+            <a:fld id="{BB3C10D2-631B-403A-982E-2D04DEE7FE8B}" type="slidenum">
+              <a:rPr lang="zxx" sz="1050" b="0" strike="noStrike" spc="-1">
+                <a:solidFill>
+                  <a:srgbClr val="000000"/>
+                </a:solidFill>
+                <a:latin typeface="Calibri"/>
+              </a:rPr>
+              <a:t>20</a:t>
+            </a:fld>
+            <a:r>
+              <a:rPr lang="zxx" sz="1050" b="0" strike="noStrike" spc="-1" dirty="0">
+                <a:solidFill>
+                  <a:srgbClr val="000000"/>
+                </a:solidFill>
+                <a:latin typeface="Calibri"/>
+              </a:rPr>
+              <a:t>/</a:t>
+            </a:r>
+            <a:endParaRPr lang="zxx" sz="1050" b="0" strike="noStrike" spc="-1" dirty="0">
+              <a:latin typeface="Arial"/>
+            </a:endParaRPr>
           </a:p>
         </p:txBody>
       </p:sp>
@@ -24650,7 +24722,7 @@
               <a:t>3</a:t>
             </a:fld>
             <a:r>
-              <a:rPr lang="zxx" sz="1050" b="0" strike="noStrike" spc="-1">
+              <a:rPr lang="zxx" sz="1050" b="0" strike="noStrike" spc="-1" dirty="0">
                 <a:solidFill>
                   <a:srgbClr val="000000"/>
                 </a:solidFill>
@@ -24658,7 +24730,7 @@
               </a:rPr>
               <a:t>/</a:t>
             </a:r>
-            <a:endParaRPr lang="zxx" sz="1050" b="0" strike="noStrike" spc="-1">
+            <a:endParaRPr lang="zxx" sz="1050" b="0" strike="noStrike" spc="-1" dirty="0">
               <a:latin typeface="Arial"/>
             </a:endParaRPr>
           </a:p>
